--- a/Tv0.pptx
+++ b/Tv0.pptx
@@ -3673,7 +3673,7 @@
               </a14:hiddenLine>
             </a:ext>
             <a:ext uri="{FAA26D3D-D897-4be2-8F04-BA451C77F1D7}">
-              <ma14:placeholderFlag xmlns="" xmlns:ma14="http://schemas.microsoft.com/office/mac/drawingml/2011/main" val="1"/>
+              <ma14:placeholderFlag xmlns:ma14="http://schemas.microsoft.com/office/mac/drawingml/2011/main" xmlns="" val="1"/>
             </a:ext>
           </a:extLst>
         </p:spPr>
@@ -3734,7 +3734,7 @@
               </a14:hiddenLine>
             </a:ext>
             <a:ext uri="{FAA26D3D-D897-4be2-8F04-BA451C77F1D7}">
-              <ma14:placeholderFlag xmlns="" xmlns:ma14="http://schemas.microsoft.com/office/mac/drawingml/2011/main" val="1"/>
+              <ma14:placeholderFlag xmlns:ma14="http://schemas.microsoft.com/office/mac/drawingml/2011/main" xmlns="" val="1"/>
             </a:ext>
           </a:extLst>
         </p:spPr>
@@ -5097,7 +5097,7 @@
               </a14:hiddenLine>
             </a:ext>
             <a:ext uri="{FAA26D3D-D897-4be2-8F04-BA451C77F1D7}">
-              <ma14:placeholderFlag xmlns="" xmlns:ma14="http://schemas.microsoft.com/office/mac/drawingml/2011/main" val="1"/>
+              <ma14:placeholderFlag xmlns:ma14="http://schemas.microsoft.com/office/mac/drawingml/2011/main" xmlns="" val="1"/>
             </a:ext>
           </a:extLst>
         </p:spPr>
@@ -18762,6 +18762,24 @@
               </a:rPr>
               <a:t>And then Estates comes in business. </a:t>
             </a:r>
+          </a:p>
+          <a:p>
+            <a:r>
+              <a:rPr lang="en-US" dirty="0">
+                <a:solidFill>
+                  <a:srgbClr val="333333"/>
+                </a:solidFill>
+                <a:latin typeface="PT Serif" panose="020A0603040505020204" pitchFamily="18" charset="0"/>
+              </a:rPr>
+              <a:t>Detections were delayed.</a:t>
+            </a:r>
+            <a:endParaRPr lang="en-US" b="0" i="0" dirty="0">
+              <a:solidFill>
+                <a:srgbClr val="333333"/>
+              </a:solidFill>
+              <a:effectLst/>
+              <a:latin typeface="PT Serif" panose="020A0603040505020204" pitchFamily="18" charset="0"/>
+            </a:endParaRPr>
           </a:p>
           <a:p>
             <a:r>
@@ -22811,6 +22829,15 @@
 </file>
 
 <file path=customXml/item1.xml><?xml version="1.0" encoding="utf-8"?>
+<?mso-contentType ?>
+<FormTemplates xmlns="http://schemas.microsoft.com/sharepoint/v3/contenttype/forms">
+  <Display>DocumentLibraryForm</Display>
+  <Edit>DocumentLibraryForm</Edit>
+  <New>DocumentLibraryForm</New>
+</FormTemplates>
+</file>
+
+<file path=customXml/item2.xml><?xml version="1.0" encoding="utf-8"?>
 <ct:contentTypeSchema xmlns:ct="http://schemas.microsoft.com/office/2006/metadata/contentType" xmlns:ma="http://schemas.microsoft.com/office/2006/metadata/properties/metaAttributes" ct:_="" ma:_="" ma:contentTypeName="Document" ma:contentTypeID="0x0101004B4005D9E3367841B8133DC16E2CA0C5" ma:contentTypeVersion="8" ma:contentTypeDescription="Create a new document." ma:contentTypeScope="" ma:versionID="09b02c7bb5c11e94011aae484563c38d">
   <xsd:schema xmlns:xsd="http://www.w3.org/2001/XMLSchema" xmlns:xs="http://www.w3.org/2001/XMLSchema" xmlns:p="http://schemas.microsoft.com/office/2006/metadata/properties" xmlns:ns2="2fc784a7-eac2-4729-8291-eda7c6e43d70" targetNamespace="http://schemas.microsoft.com/office/2006/metadata/properties" ma:root="true" ma:fieldsID="6c2ec72030b46cd7db5e4ea8f0b91378" ns2:_="">
     <xsd:import namespace="2fc784a7-eac2-4729-8291-eda7c6e43d70"/>
@@ -22980,15 +23007,6 @@
 </ct:contentTypeSchema>
 </file>
 
-<file path=customXml/item2.xml><?xml version="1.0" encoding="utf-8"?>
-<?mso-contentType ?>
-<FormTemplates xmlns="http://schemas.microsoft.com/sharepoint/v3/contenttype/forms">
-  <Display>DocumentLibraryForm</Display>
-  <Edit>DocumentLibraryForm</Edit>
-  <New>DocumentLibraryForm</New>
-</FormTemplates>
-</file>
-
 <file path=customXml/item3.xml><?xml version="1.0" encoding="utf-8"?>
 <p:properties xmlns:p="http://schemas.microsoft.com/office/2006/metadata/properties" xmlns:xsi="http://www.w3.org/2001/XMLSchema-instance" xmlns:pc="http://schemas.microsoft.com/office/infopath/2007/PartnerControls">
   <documentManagement/>
@@ -22996,6 +23014,14 @@
 </file>
 
 <file path=customXml/itemProps1.xml><?xml version="1.0" encoding="utf-8"?>
+<ds:datastoreItem xmlns:ds="http://schemas.openxmlformats.org/officeDocument/2006/customXml" ds:itemID="{E2700A43-2957-4B4F-B9B2-614592CDFD03}">
+  <ds:schemaRefs>
+    <ds:schemaRef ds:uri="http://schemas.microsoft.com/sharepoint/v3/contenttype/forms"/>
+  </ds:schemaRefs>
+</ds:datastoreItem>
+</file>
+
+<file path=customXml/itemProps2.xml><?xml version="1.0" encoding="utf-8"?>
 <ds:datastoreItem xmlns:ds="http://schemas.openxmlformats.org/officeDocument/2006/customXml" ds:itemID="{BD5DA11A-3F94-4546-8574-85B8F701914B}">
   <ds:schemaRefs>
     <ds:schemaRef ds:uri="http://schemas.microsoft.com/office/2006/metadata/contentType"/>
@@ -23013,14 +23039,6 @@
 </ds:datastoreItem>
 </file>
 
-<file path=customXml/itemProps2.xml><?xml version="1.0" encoding="utf-8"?>
-<ds:datastoreItem xmlns:ds="http://schemas.openxmlformats.org/officeDocument/2006/customXml" ds:itemID="{E2700A43-2957-4B4F-B9B2-614592CDFD03}">
-  <ds:schemaRefs>
-    <ds:schemaRef ds:uri="http://schemas.microsoft.com/sharepoint/v3/contenttype/forms"/>
-  </ds:schemaRefs>
-</ds:datastoreItem>
-</file>
-
 <file path=customXml/itemProps3.xml><?xml version="1.0" encoding="utf-8"?>
 <ds:datastoreItem xmlns:ds="http://schemas.openxmlformats.org/officeDocument/2006/customXml" ds:itemID="{790DD382-103D-4FD4-A0D2-A5E0F0380794}">
   <ds:schemaRefs>

--- a/Tv0.pptx
+++ b/Tv0.pptx
@@ -318,7 +318,7 @@
               <a:pPr>
                 <a:defRPr/>
               </a:pPr>
-              <a:t>12/16/2022</a:t>
+              <a:t>12/22/2022</a:t>
             </a:fld>
             <a:endParaRPr lang="en-US" altLang="en-US" dirty="0"/>
           </a:p>
@@ -536,7 +536,7 @@
               <a:pPr>
                 <a:defRPr/>
               </a:pPr>
-              <a:t>12/16/2022</a:t>
+              <a:t>12/22/2022</a:t>
             </a:fld>
             <a:endParaRPr lang="en-US" altLang="en-US" dirty="0"/>
           </a:p>
@@ -3673,7 +3673,7 @@
               </a14:hiddenLine>
             </a:ext>
             <a:ext uri="{FAA26D3D-D897-4be2-8F04-BA451C77F1D7}">
-              <ma14:placeholderFlag xmlns:ma14="http://schemas.microsoft.com/office/mac/drawingml/2011/main" xmlns="" val="1"/>
+              <ma14:placeholderFlag xmlns="" xmlns:ma14="http://schemas.microsoft.com/office/mac/drawingml/2011/main" val="1"/>
             </a:ext>
           </a:extLst>
         </p:spPr>
@@ -3734,7 +3734,7 @@
               </a14:hiddenLine>
             </a:ext>
             <a:ext uri="{FAA26D3D-D897-4be2-8F04-BA451C77F1D7}">
-              <ma14:placeholderFlag xmlns:ma14="http://schemas.microsoft.com/office/mac/drawingml/2011/main" xmlns="" val="1"/>
+              <ma14:placeholderFlag xmlns="" xmlns:ma14="http://schemas.microsoft.com/office/mac/drawingml/2011/main" val="1"/>
             </a:ext>
           </a:extLst>
         </p:spPr>
@@ -5097,7 +5097,7 @@
               </a14:hiddenLine>
             </a:ext>
             <a:ext uri="{FAA26D3D-D897-4be2-8F04-BA451C77F1D7}">
-              <ma14:placeholderFlag xmlns:ma14="http://schemas.microsoft.com/office/mac/drawingml/2011/main" xmlns="" val="1"/>
+              <ma14:placeholderFlag xmlns="" xmlns:ma14="http://schemas.microsoft.com/office/mac/drawingml/2011/main" val="1"/>
             </a:ext>
           </a:extLst>
         </p:spPr>
@@ -17636,8 +17636,8 @@
         </p:nvSpPr>
         <p:spPr>
           <a:xfrm>
-            <a:off x="120502" y="815163"/>
-            <a:ext cx="8945526" cy="4154984"/>
+            <a:off x="120502" y="711995"/>
+            <a:ext cx="8942218" cy="3970318"/>
           </a:xfrm>
           <a:prstGeom prst="rect">
             <a:avLst/>
@@ -17651,208 +17651,463 @@
           <a:lstStyle/>
           <a:p>
             <a:r>
-              <a:rPr lang="en-US" sz="1200" dirty="0"/>
-              <a:t>_Wiper_WhisperGate_Jan22_1 {</a:t>
-            </a:r>
-          </a:p>
-          <a:p>
-            <a:r>
-              <a:rPr lang="en-US" sz="1200" dirty="0"/>
-              <a:t>   meta:</a:t>
-            </a:r>
-          </a:p>
-          <a:p>
-            <a:r>
-              <a:rPr lang="en-US" sz="1200" dirty="0"/>
-              <a:t>      description = "Detects unknown wiper malware"</a:t>
-            </a:r>
-          </a:p>
-          <a:p>
-            <a:r>
-              <a:rPr lang="en-US" sz="1200" dirty="0"/>
-              <a:t>      author = "Florian Roth"</a:t>
-            </a:r>
-          </a:p>
-          <a:p>
-            <a:r>
-              <a:rPr lang="en-US" sz="1200" dirty="0"/>
-              <a:t>      reference = "https://www.microsoft.com/security/blog/2022/01/15/destructive-malware-targeting-ukrainian-organizations/"</a:t>
-            </a:r>
-          </a:p>
-          <a:p>
-            <a:r>
-              <a:rPr lang="en-US" sz="1200" dirty="0"/>
-              <a:t>      date = "2022-01-16"</a:t>
-            </a:r>
-          </a:p>
-          <a:p>
-            <a:r>
-              <a:rPr lang="en-US" sz="1200" dirty="0"/>
-              <a:t>      score = 85</a:t>
-            </a:r>
-          </a:p>
-          <a:p>
-            <a:r>
-              <a:rPr lang="en-US" sz="1200" dirty="0"/>
-              <a:t>      hash1 = "a196c6b8ffcb97ffb276d04f354696e2391311db3841ae16c8c9f56f36a38e92"</a:t>
-            </a:r>
-          </a:p>
-          <a:p>
-            <a:r>
-              <a:rPr lang="en-US" sz="1200" dirty="0"/>
-              <a:t>   strings:</a:t>
-            </a:r>
-          </a:p>
-          <a:p>
-            <a:r>
-              <a:rPr lang="en-US" sz="1200" dirty="0"/>
-              <a:t>      /* AAAAA\x00Your hard drive has been corrupted. */</a:t>
-            </a:r>
-          </a:p>
-          <a:p>
-            <a:r>
-              <a:rPr lang="en-US" sz="1200" dirty="0"/>
-              <a:t>      $xc1 = { 41 41 41 41 41 00 59 6F 75 72 20 68 61 72 64 20</a:t>
-            </a:r>
-          </a:p>
-          <a:p>
-            <a:r>
-              <a:rPr lang="en-US" sz="1200" dirty="0"/>
-              <a:t>               64 72 69 76 65 20 68 61 73 20 62 65 65 6E 20 63</a:t>
-            </a:r>
-          </a:p>
-          <a:p>
-            <a:r>
-              <a:rPr lang="en-US" sz="1200" dirty="0"/>
-              <a:t>               6F 72 72 75 70 74 65 64 }</a:t>
-            </a:r>
-          </a:p>
-          <a:p>
-            <a:r>
-              <a:rPr lang="en-US" sz="1200" dirty="0"/>
-              <a:t>      </a:t>
-            </a:r>
-          </a:p>
-          <a:p>
-            <a:r>
-              <a:rPr lang="en-US" sz="1200" dirty="0"/>
-              <a:t>      $op1 = { 89 34 24 e8 3f ff </a:t>
-            </a:r>
-            <a:r>
-              <a:rPr lang="en-US" sz="1200" dirty="0" err="1"/>
-              <a:t>ff</a:t>
-            </a:r>
-            <a:r>
-              <a:rPr lang="en-US" sz="1200" dirty="0"/>
-              <a:t> </a:t>
-            </a:r>
-            <a:r>
-              <a:rPr lang="en-US" sz="1200" dirty="0" err="1"/>
-              <a:t>ff</a:t>
-            </a:r>
-            <a:r>
-              <a:rPr lang="en-US" sz="1200" dirty="0"/>
-              <a:t> 50 8d 65 f4 31 c0 59 5e 5f }</a:t>
-            </a:r>
-          </a:p>
-          <a:p>
-            <a:r>
-              <a:rPr lang="en-US" sz="1200" dirty="0"/>
-              <a:t>      $op2 = { 8d bd e8 df ff </a:t>
-            </a:r>
-            <a:r>
-              <a:rPr lang="en-US" sz="1200" dirty="0" err="1"/>
-              <a:t>ff</a:t>
-            </a:r>
-            <a:r>
-              <a:rPr lang="en-US" sz="1200" dirty="0"/>
-              <a:t> e8 04 de ff </a:t>
-            </a:r>
-            <a:r>
-              <a:rPr lang="en-US" sz="1200" dirty="0" err="1"/>
-              <a:t>ff</a:t>
-            </a:r>
-            <a:r>
-              <a:rPr lang="en-US" sz="1200" dirty="0"/>
-              <a:t> b9 00 08 00 00 f3 a5 c7 44 24 18 00 00 00 00 c7 44 24 14 00 00 00 00 c7 44 24 10 03 00 00 00 c7 44 24 0c 00 00 00 00 }</a:t>
-            </a:r>
-          </a:p>
-          <a:p>
-            <a:r>
-              <a:rPr lang="en-US" sz="1200" dirty="0"/>
-              <a:t>      $op3 = { c7 44 24 0c 00 00 00 00 c7 44 24 08 00 02 00 00 89 44 24 04 e8 aa </a:t>
-            </a:r>
-            <a:r>
-              <a:rPr lang="en-US" sz="1200" dirty="0" err="1"/>
-              <a:t>fe</a:t>
-            </a:r>
-            <a:r>
-              <a:rPr lang="en-US" sz="1200" dirty="0"/>
-              <a:t> ff </a:t>
-            </a:r>
-            <a:r>
-              <a:rPr lang="en-US" sz="1200" dirty="0" err="1"/>
-              <a:t>ff</a:t>
-            </a:r>
-            <a:r>
-              <a:rPr lang="en-US" sz="1200" dirty="0"/>
-              <a:t> 83 </a:t>
-            </a:r>
-            <a:r>
-              <a:rPr lang="en-US" sz="1200" dirty="0" err="1"/>
+              <a:rPr lang="en-US" sz="1050" dirty="0"/>
+              <a:t>_import "pe"</a:t>
+            </a:r>
+          </a:p>
+          <a:p>
+            <a:r>
+              <a:rPr lang="en-US" sz="1050" dirty="0"/>
+              <a:t>rule </a:t>
+            </a:r>
+            <a:r>
+              <a:rPr lang="en-US" sz="1050" dirty="0" err="1"/>
+              <a:t>ransomware_ZZ_azov_wiper</a:t>
+            </a:r>
+            <a:r>
+              <a:rPr lang="en-US" sz="1050" dirty="0"/>
+              <a:t> {</a:t>
+            </a:r>
+          </a:p>
+          <a:p>
+            <a:r>
+              <a:rPr lang="en-US" sz="1050" dirty="0">
+                <a:solidFill>
+                  <a:schemeClr val="tx1">
+                    <a:lumMod val="60000"/>
+                    <a:lumOff val="40000"/>
+                  </a:schemeClr>
+                </a:solidFill>
+              </a:rPr>
+              <a:t>    meta:</a:t>
+            </a:r>
+          </a:p>
+          <a:p>
+            <a:r>
+              <a:rPr lang="en-US" sz="1050" dirty="0">
+                <a:solidFill>
+                  <a:schemeClr val="tx1">
+                    <a:lumMod val="60000"/>
+                    <a:lumOff val="40000"/>
+                  </a:schemeClr>
+                </a:solidFill>
+              </a:rPr>
+              <a:t>            description = "Detects original and backdoored files with new and old versions of </a:t>
+            </a:r>
+            <a:r>
+              <a:rPr lang="en-US" sz="1050" dirty="0" err="1">
+                <a:solidFill>
+                  <a:schemeClr val="tx1">
+                    <a:lumMod val="60000"/>
+                    <a:lumOff val="40000"/>
+                  </a:schemeClr>
+                </a:solidFill>
+              </a:rPr>
+              <a:t>azov</a:t>
+            </a:r>
+            <a:r>
+              <a:rPr lang="en-US" sz="1050" dirty="0">
+                <a:solidFill>
+                  <a:schemeClr val="tx1">
+                    <a:lumMod val="60000"/>
+                    <a:lumOff val="40000"/>
+                  </a:schemeClr>
+                </a:solidFill>
+              </a:rPr>
+              <a:t> ransomware - polymorphic wiper"</a:t>
+            </a:r>
+          </a:p>
+          <a:p>
+            <a:r>
+              <a:rPr lang="en-US" sz="1050" dirty="0">
+                <a:solidFill>
+                  <a:schemeClr val="tx1">
+                    <a:lumMod val="60000"/>
+                    <a:lumOff val="40000"/>
+                  </a:schemeClr>
+                </a:solidFill>
+              </a:rPr>
+              <a:t>      author = "Jiri </a:t>
+            </a:r>
+            <a:r>
+              <a:rPr lang="en-US" sz="1050" dirty="0" err="1">
+                <a:solidFill>
+                  <a:schemeClr val="tx1">
+                    <a:lumMod val="60000"/>
+                    <a:lumOff val="40000"/>
+                  </a:schemeClr>
+                </a:solidFill>
+              </a:rPr>
+              <a:t>Vinopal</a:t>
+            </a:r>
+            <a:r>
+              <a:rPr lang="en-US" sz="1050" dirty="0">
+                <a:solidFill>
+                  <a:schemeClr val="tx1">
+                    <a:lumMod val="60000"/>
+                    <a:lumOff val="40000"/>
+                  </a:schemeClr>
+                </a:solidFill>
+              </a:rPr>
+              <a:t> (</a:t>
+            </a:r>
+            <a:r>
+              <a:rPr lang="en-US" sz="1050" dirty="0" err="1">
+                <a:solidFill>
+                  <a:schemeClr val="tx1">
+                    <a:lumMod val="60000"/>
+                    <a:lumOff val="40000"/>
+                  </a:schemeClr>
+                </a:solidFill>
+              </a:rPr>
+              <a:t>jiriv</a:t>
+            </a:r>
+            <a:r>
+              <a:rPr lang="en-US" sz="1050" dirty="0">
+                <a:solidFill>
+                  <a:schemeClr val="tx1">
+                    <a:lumMod val="60000"/>
+                    <a:lumOff val="40000"/>
+                  </a:schemeClr>
+                </a:solidFill>
+              </a:rPr>
+              <a:t>)"</a:t>
+            </a:r>
+          </a:p>
+          <a:p>
+            <a:r>
+              <a:rPr lang="en-US" sz="1050" dirty="0">
+                <a:solidFill>
+                  <a:schemeClr val="tx1">
+                    <a:lumMod val="60000"/>
+                    <a:lumOff val="40000"/>
+                  </a:schemeClr>
+                </a:solidFill>
+              </a:rPr>
+              <a:t>      date = "2022-11-14"</a:t>
+            </a:r>
+          </a:p>
+          <a:p>
+            <a:r>
+              <a:rPr lang="en-US" sz="1050" dirty="0">
+                <a:solidFill>
+                  <a:schemeClr val="tx1">
+                    <a:lumMod val="60000"/>
+                    <a:lumOff val="40000"/>
+                  </a:schemeClr>
+                </a:solidFill>
+              </a:rPr>
+              <a:t>            </a:t>
+            </a:r>
+            <a:r>
+              <a:rPr lang="en-US" sz="1050" dirty="0" err="1">
+                <a:solidFill>
+                  <a:schemeClr val="tx1">
+                    <a:lumMod val="60000"/>
+                    <a:lumOff val="40000"/>
+                  </a:schemeClr>
+                </a:solidFill>
+              </a:rPr>
+              <a:t>hash_azov_new</a:t>
+            </a:r>
+            <a:r>
+              <a:rPr lang="en-US" sz="1050" dirty="0">
+                <a:solidFill>
+                  <a:schemeClr val="tx1">
+                    <a:lumMod val="60000"/>
+                    <a:lumOff val="40000"/>
+                  </a:schemeClr>
+                </a:solidFill>
+              </a:rPr>
+              <a:t> = "650f0d694c0928d88aeeed649cf629fc8a7bec604563bca716b1688227e0cc7e"</a:t>
+            </a:r>
+          </a:p>
+          <a:p>
+            <a:r>
+              <a:rPr lang="en-US" sz="1050" dirty="0">
+                <a:solidFill>
+                  <a:schemeClr val="tx1">
+                    <a:lumMod val="60000"/>
+                    <a:lumOff val="40000"/>
+                  </a:schemeClr>
+                </a:solidFill>
+              </a:rPr>
+              <a:t>            </a:t>
+            </a:r>
+            <a:r>
+              <a:rPr lang="en-US" sz="1050" dirty="0" err="1">
+                <a:solidFill>
+                  <a:schemeClr val="tx1">
+                    <a:lumMod val="60000"/>
+                    <a:lumOff val="40000"/>
+                  </a:schemeClr>
+                </a:solidFill>
+              </a:rPr>
+              <a:t>hash_azov_old</a:t>
+            </a:r>
+            <a:r>
+              <a:rPr lang="en-US" sz="1050" dirty="0">
+                <a:solidFill>
+                  <a:schemeClr val="tx1">
+                    <a:lumMod val="60000"/>
+                    <a:lumOff val="40000"/>
+                  </a:schemeClr>
+                </a:solidFill>
+              </a:rPr>
+              <a:t> = "b102ed1018de0b7faea37ca86f27ba3025c0c70f28417ac3e9ef09d32617f801"</a:t>
+            </a:r>
+          </a:p>
+          <a:p>
+            <a:r>
+              <a:rPr lang="en-US" sz="1050" dirty="0"/>
+              <a:t>    strings:</a:t>
+            </a:r>
+          </a:p>
+          <a:p>
+            <a:r>
+              <a:rPr lang="en-US" sz="1050" dirty="0"/>
+              <a:t>    // Opcodes of allocating and decrypting shellcode routine</a:t>
+            </a:r>
+          </a:p>
+          <a:p>
+            <a:r>
+              <a:rPr lang="en-US" sz="1050" dirty="0"/>
+              <a:t>        $</a:t>
+            </a:r>
+            <a:r>
+              <a:rPr lang="en-US" sz="1050" dirty="0" err="1"/>
+              <a:t>unpacking_azov_new</a:t>
+            </a:r>
+            <a:r>
+              <a:rPr lang="en-US" sz="1050" dirty="0"/>
+              <a:t> = { </a:t>
+            </a:r>
+            <a:r>
+              <a:rPr lang="en-US" sz="1050" dirty="0">
+                <a:highlight>
+                  <a:srgbClr val="C0C0C0"/>
+                </a:highlight>
+              </a:rPr>
+              <a:t>48 83 </a:t>
+            </a:r>
+            <a:r>
+              <a:rPr lang="en-US" sz="1050" dirty="0" err="1">
+                <a:highlight>
+                  <a:srgbClr val="C0C0C0"/>
+                </a:highlight>
+              </a:rPr>
               <a:t>ec</a:t>
             </a:r>
             <a:r>
-              <a:rPr lang="en-US" sz="1200" dirty="0"/>
-              <a:t> 14 89 34 24 e8 3f ff </a:t>
-            </a:r>
-            <a:r>
-              <a:rPr lang="en-US" sz="1200" dirty="0" err="1"/>
-              <a:t>ff</a:t>
-            </a:r>
-            <a:r>
-              <a:rPr lang="en-US" sz="1200" dirty="0"/>
-              <a:t> </a:t>
-            </a:r>
-            <a:r>
-              <a:rPr lang="en-US" sz="1200" dirty="0" err="1"/>
-              <a:t>ff</a:t>
-            </a:r>
-            <a:r>
-              <a:rPr lang="en-US" sz="1200" dirty="0"/>
-              <a:t> 50 }</a:t>
-            </a:r>
-          </a:p>
-          <a:p>
-            <a:r>
-              <a:rPr lang="en-US" sz="1200" dirty="0"/>
-              <a:t>   condition:</a:t>
-            </a:r>
-          </a:p>
-          <a:p>
-            <a:r>
-              <a:rPr lang="en-US" sz="1200" dirty="0"/>
-              <a:t>      uint16(0) == 0x5a4d and</a:t>
-            </a:r>
-          </a:p>
-          <a:p>
-            <a:r>
-              <a:rPr lang="en-US" sz="1200" dirty="0"/>
-              <a:t>      </a:t>
-            </a:r>
-            <a:r>
-              <a:rPr lang="en-US" sz="1200" dirty="0" err="1"/>
-              <a:t>filesize</a:t>
-            </a:r>
-            <a:r>
-              <a:rPr lang="en-US" sz="1200" dirty="0"/>
-              <a:t> &lt; 100KB and ( 1 of ($x*) or 2 of them ) or all of them</a:t>
-            </a:r>
-          </a:p>
-          <a:p>
-            <a:r>
-              <a:rPr lang="en-US" sz="1200" dirty="0"/>
-              <a:t>} rule APT_HKTL</a:t>
+              <a:rPr lang="en-US" sz="1050" dirty="0">
+                <a:highlight>
+                  <a:srgbClr val="C0C0C0"/>
+                </a:highlight>
+              </a:rPr>
+              <a:t> ?? 58 48 01 c8 48 81 </a:t>
+            </a:r>
+            <a:r>
+              <a:rPr lang="en-US" sz="1050" dirty="0" err="1">
+                <a:highlight>
+                  <a:srgbClr val="C0C0C0"/>
+                </a:highlight>
+              </a:rPr>
+              <a:t>ec</a:t>
+            </a:r>
+            <a:r>
+              <a:rPr lang="en-US" sz="1050" dirty="0">
+                <a:highlight>
+                  <a:srgbClr val="C0C0C0"/>
+                </a:highlight>
+              </a:rPr>
+              <a:t> ?? ?? ?? ?? 48 83 </a:t>
+            </a:r>
+            <a:r>
+              <a:rPr lang="en-US" sz="1050" dirty="0" err="1">
+                <a:highlight>
+                  <a:srgbClr val="C0C0C0"/>
+                </a:highlight>
+              </a:rPr>
+              <a:t>ec</a:t>
+            </a:r>
+            <a:r>
+              <a:rPr lang="en-US" sz="1050" dirty="0">
+                <a:highlight>
+                  <a:srgbClr val="C0C0C0"/>
+                </a:highlight>
+              </a:rPr>
+              <a:t> ?? 40 80 e4 ?? c6 45 ?? 56 c6 45 ?? 69 c6 45 ?? 72 c6 45 ?? 74 c6 45 ?? 75 c6 45 ?? 61 c6 45 ?? 6c c6 45 ?? 41 c6 45 ?? 6c c6 45 ?? 6c c6 45 ?? 6f c6 45 ?? 63 c6 45 ?? 00 48 89 74 24 ?? 48 83 </a:t>
+            </a:r>
+            <a:r>
+              <a:rPr lang="en-US" sz="1050" dirty="0" err="1">
+                <a:highlight>
+                  <a:srgbClr val="C0C0C0"/>
+                </a:highlight>
+              </a:rPr>
+              <a:t>ec</a:t>
+            </a:r>
+            <a:r>
+              <a:rPr lang="en-US" sz="1050" dirty="0">
+                <a:highlight>
+                  <a:srgbClr val="C0C0C0"/>
+                </a:highlight>
+              </a:rPr>
+              <a:t> ?? 48 83 c4 ?? 48 8b 4c 24 ?? 48 8d 55 ?? ff d0 48 83 </a:t>
+            </a:r>
+            <a:r>
+              <a:rPr lang="en-US" sz="1050" dirty="0" err="1">
+                <a:highlight>
+                  <a:srgbClr val="C0C0C0"/>
+                </a:highlight>
+              </a:rPr>
+              <a:t>ec</a:t>
+            </a:r>
+            <a:r>
+              <a:rPr lang="en-US" sz="1050" dirty="0">
+                <a:highlight>
+                  <a:srgbClr val="C0C0C0"/>
+                </a:highlight>
+              </a:rPr>
+              <a:t> ?? 48 c7 04 24 ?? ?? ?? ?? 48 83 c4 ?? 48 8b 4c 24 ?? 48 c7 c2 ?? ?? ?? ?? 49 c7 c0 ?? ?? ?? ?? 49 c7 c1 ?? ?? ?? ?? ff d0 48 c7 c1 ?? ?? ?? ?? 4c 8d 0d ?? ?? ?? ?? 48 ff c9 41 8a 14 09 88 14 08 48 85 c9 75 ?? 48 c7 c1 ?? ?? ?? ?? 41 b9 ?? ?? ?? ?? 41 </a:t>
+            </a:r>
+            <a:r>
+              <a:rPr lang="en-US" sz="1050" dirty="0" err="1">
+                <a:highlight>
+                  <a:srgbClr val="C0C0C0"/>
+                </a:highlight>
+              </a:rPr>
+              <a:t>ba</a:t>
+            </a:r>
+            <a:r>
+              <a:rPr lang="en-US" sz="1050" dirty="0">
+                <a:highlight>
+                  <a:srgbClr val="C0C0C0"/>
+                </a:highlight>
+              </a:rPr>
+              <a:t> ?? ?? ?? ?? 48 ff c9 8a 14 08 44 30 ca 88 14 08 41 81 </a:t>
+            </a:r>
+            <a:r>
+              <a:rPr lang="en-US" sz="1050" dirty="0" err="1">
+                <a:highlight>
+                  <a:srgbClr val="C0C0C0"/>
+                </a:highlight>
+              </a:rPr>
+              <a:t>ea</a:t>
+            </a:r>
+            <a:r>
+              <a:rPr lang="en-US" sz="1050" dirty="0">
+                <a:highlight>
+                  <a:srgbClr val="C0C0C0"/>
+                </a:highlight>
+              </a:rPr>
+              <a:t> ?? ?? ?? ?? 45 01 d1 41 81 c1 ?? ?? ?? ?? 41 81 c2 ?? ?? ?? ?? 41 d1 c1 48 85 c9 </a:t>
+            </a:r>
+            <a:r>
+              <a:rPr lang="en-US" sz="1050" dirty="0"/>
+              <a:t>}</a:t>
+            </a:r>
+          </a:p>
+          <a:p>
+            <a:endParaRPr lang="en-US" sz="1050" dirty="0"/>
+          </a:p>
+          <a:p>
+            <a:r>
+              <a:rPr lang="en-US" sz="1050" dirty="0"/>
+              <a:t>        $</a:t>
+            </a:r>
+            <a:r>
+              <a:rPr lang="en-US" sz="1050" dirty="0" err="1"/>
+              <a:t>unpacking_azov_old</a:t>
+            </a:r>
+            <a:r>
+              <a:rPr lang="en-US" sz="1050" dirty="0"/>
+              <a:t> = { </a:t>
+            </a:r>
+            <a:r>
+              <a:rPr lang="en-US" sz="1050" dirty="0">
+                <a:highlight>
+                  <a:srgbClr val="C0C0C0"/>
+                </a:highlight>
+              </a:rPr>
+              <a:t>48 01 c8 48 05 ?? ?? ?? ?? 48 81 c1 ?? ?? ?? ?? 48 81 </a:t>
+            </a:r>
+            <a:r>
+              <a:rPr lang="en-US" sz="1050" dirty="0" err="1">
+                <a:highlight>
+                  <a:srgbClr val="C0C0C0"/>
+                </a:highlight>
+              </a:rPr>
+              <a:t>ec</a:t>
+            </a:r>
+            <a:r>
+              <a:rPr lang="en-US" sz="1050" dirty="0">
+                <a:highlight>
+                  <a:srgbClr val="C0C0C0"/>
+                </a:highlight>
+              </a:rPr>
+              <a:t> ?? ?? ?? ?? 48 83 </a:t>
+            </a:r>
+            <a:r>
+              <a:rPr lang="en-US" sz="1050" dirty="0" err="1">
+                <a:highlight>
+                  <a:srgbClr val="C0C0C0"/>
+                </a:highlight>
+              </a:rPr>
+              <a:t>ec</a:t>
+            </a:r>
+            <a:r>
+              <a:rPr lang="en-US" sz="1050" dirty="0">
+                <a:highlight>
+                  <a:srgbClr val="C0C0C0"/>
+                </a:highlight>
+              </a:rPr>
+              <a:t> ?? 40 80 e4 ?? c6 45 ?? 56 c6 45 ?? 69 c6 45 ?? 72 c6 45 ?? 74 c6 45 ?? 75 c6 45 ?? 61 c6 45 ?? 6c c6 45 ?? 41 c6 45 ?? 6c c6 45 ?? 6c c6 45 ?? 6f c6 45 ?? 63 c6 45 ?? 00 48 83 e1 ?? 48 01 f1 48 8d 55 ?? ff d0 48 83 </a:t>
+            </a:r>
+            <a:r>
+              <a:rPr lang="en-US" sz="1050" dirty="0" err="1">
+                <a:highlight>
+                  <a:srgbClr val="C0C0C0"/>
+                </a:highlight>
+              </a:rPr>
+              <a:t>ec</a:t>
+            </a:r>
+            <a:r>
+              <a:rPr lang="en-US" sz="1050" dirty="0">
+                <a:highlight>
+                  <a:srgbClr val="C0C0C0"/>
+                </a:highlight>
+              </a:rPr>
+              <a:t> ?? 48 c7 04 24 ?? ?? ?? ?? 48 83 c4 ?? 48 8b 4c 24 ?? 48 c7 c2 ?? ?? ?? ?? 49 c7 c0 ?? ?? ?? ?? 49 c7 c1 ?? ?? ?? ?? ff d0 48 c7 c1 ?? ?? ?? ?? 4c 8d 0d ?? ?? ?? ?? 48 ff c9 41 8a 14 09 88 14 08 48 85 c9</a:t>
+            </a:r>
+            <a:r>
+              <a:rPr lang="en-US" sz="1050" dirty="0"/>
+              <a:t> }</a:t>
+            </a:r>
+          </a:p>
+          <a:p>
+            <a:r>
+              <a:rPr lang="en-US" sz="1050" dirty="0"/>
+              <a:t>    condition:</a:t>
+            </a:r>
+          </a:p>
+          <a:p>
+            <a:r>
+              <a:rPr lang="en-US" sz="1050" dirty="0"/>
+              <a:t>        uint16(0) == 0x5a4d and  pe.is_64bit() and  any of ($</a:t>
+            </a:r>
+            <a:r>
+              <a:rPr lang="en-US" sz="1050" dirty="0" err="1"/>
+              <a:t>unpacking_azov</a:t>
+            </a:r>
+            <a:r>
+              <a:rPr lang="en-US" sz="1050" dirty="0"/>
+              <a:t>_*)</a:t>
+            </a:r>
+          </a:p>
+          <a:p>
+            <a:r>
+              <a:rPr lang="en-US" sz="1050" dirty="0"/>
+              <a:t>}</a:t>
             </a:r>
           </a:p>
         </p:txBody>
@@ -17995,7 +18250,216 @@
           <a:bodyPr/>
           <a:lstStyle/>
           <a:p>
+            <a:r>
+              <a:rPr lang="en-US" dirty="0" err="1">
+                <a:solidFill>
+                  <a:srgbClr val="FF0000"/>
+                </a:solidFill>
+              </a:rPr>
+              <a:t>VirusTotal</a:t>
+            </a:r>
+            <a:r>
+              <a:rPr lang="en-US" dirty="0">
+                <a:solidFill>
+                  <a:srgbClr val="FF0000"/>
+                </a:solidFill>
+              </a:rPr>
+              <a:t> query – </a:t>
+            </a:r>
+            <a:r>
+              <a:rPr lang="en-US" dirty="0"/>
+              <a:t>Azov-related samples</a:t>
+            </a:r>
+          </a:p>
+          <a:p>
             <a:endParaRPr lang="en-US" dirty="0"/>
+          </a:p>
+          <a:p>
+            <a:pPr marL="0" indent="0">
+              <a:buNone/>
+            </a:pPr>
+            <a:r>
+              <a:rPr lang="en-US" dirty="0">
+                <a:highlight>
+                  <a:srgbClr val="C0C0C0"/>
+                </a:highlight>
+              </a:rPr>
+              <a:t>(</a:t>
+            </a:r>
+            <a:r>
+              <a:rPr lang="en-US" dirty="0" err="1">
+                <a:highlight>
+                  <a:srgbClr val="C0C0C0"/>
+                </a:highlight>
+              </a:rPr>
+              <a:t>behaviour</a:t>
+            </a:r>
+            <a:r>
+              <a:rPr lang="en-US" dirty="0">
+                <a:highlight>
+                  <a:srgbClr val="C0C0C0"/>
+                </a:highlight>
+              </a:rPr>
+              <a:t>:'Local\\\\</a:t>
+            </a:r>
+            <a:r>
+              <a:rPr lang="en-US" dirty="0" err="1">
+                <a:highlight>
+                  <a:srgbClr val="C0C0C0"/>
+                </a:highlight>
+              </a:rPr>
+              <a:t>Kasimir</a:t>
+            </a:r>
+            <a:r>
+              <a:rPr lang="en-US" dirty="0">
+                <a:highlight>
+                  <a:srgbClr val="C0C0C0"/>
+                </a:highlight>
+              </a:rPr>
+              <a:t>_*’ </a:t>
+            </a:r>
+          </a:p>
+          <a:p>
+            <a:pPr marL="0" indent="0">
+              <a:buNone/>
+            </a:pPr>
+            <a:r>
+              <a:rPr lang="en-US" dirty="0">
+                <a:highlight>
+                  <a:srgbClr val="C0C0C0"/>
+                </a:highlight>
+              </a:rPr>
+              <a:t>OR </a:t>
+            </a:r>
+            <a:r>
+              <a:rPr lang="en-US" dirty="0" err="1">
+                <a:highlight>
+                  <a:srgbClr val="C0C0C0"/>
+                </a:highlight>
+              </a:rPr>
+              <a:t>behaviour</a:t>
+            </a:r>
+            <a:r>
+              <a:rPr lang="en-US" dirty="0">
+                <a:highlight>
+                  <a:srgbClr val="C0C0C0"/>
+                </a:highlight>
+              </a:rPr>
+              <a:t>:'Local\\\\</a:t>
+            </a:r>
+            <a:r>
+              <a:rPr lang="en-US" dirty="0" err="1">
+                <a:highlight>
+                  <a:srgbClr val="C0C0C0"/>
+                </a:highlight>
+              </a:rPr>
+              <a:t>azov</a:t>
+            </a:r>
+            <a:r>
+              <a:rPr lang="en-US" dirty="0">
+                <a:highlight>
+                  <a:srgbClr val="C0C0C0"/>
+                </a:highlight>
+              </a:rPr>
+              <a:t>’) </a:t>
+            </a:r>
+          </a:p>
+          <a:p>
+            <a:pPr marL="0" indent="0">
+              <a:buNone/>
+            </a:pPr>
+            <a:r>
+              <a:rPr lang="en-US" dirty="0"/>
+              <a:t>AND </a:t>
+            </a:r>
+          </a:p>
+          <a:p>
+            <a:pPr marL="0" indent="0">
+              <a:buNone/>
+            </a:pPr>
+            <a:r>
+              <a:rPr lang="en-US" dirty="0">
+                <a:highlight>
+                  <a:srgbClr val="C0C0C0"/>
+                </a:highlight>
+              </a:rPr>
+              <a:t>(</a:t>
+            </a:r>
+            <a:r>
+              <a:rPr lang="en-US" dirty="0" err="1">
+                <a:highlight>
+                  <a:srgbClr val="C0C0C0"/>
+                </a:highlight>
+              </a:rPr>
+              <a:t>behaviour_files:'RESTORE_FILES</a:t>
+            </a:r>
+            <a:r>
+              <a:rPr lang="en-US" dirty="0">
+                <a:highlight>
+                  <a:srgbClr val="C0C0C0"/>
+                </a:highlight>
+              </a:rPr>
+              <a:t>’ </a:t>
+            </a:r>
+          </a:p>
+          <a:p>
+            <a:pPr marL="0" indent="0">
+              <a:buNone/>
+            </a:pPr>
+            <a:r>
+              <a:rPr lang="en-US" dirty="0">
+                <a:highlight>
+                  <a:srgbClr val="C0C0C0"/>
+                </a:highlight>
+              </a:rPr>
+              <a:t>OR </a:t>
+            </a:r>
+            <a:r>
+              <a:rPr lang="en-US" dirty="0" err="1">
+                <a:highlight>
+                  <a:srgbClr val="C0C0C0"/>
+                </a:highlight>
+              </a:rPr>
+              <a:t>behaviour_registry:'rdpclient.exe</a:t>
+            </a:r>
+            <a:r>
+              <a:rPr lang="en-US" dirty="0">
+                <a:highlight>
+                  <a:srgbClr val="C0C0C0"/>
+                </a:highlight>
+              </a:rPr>
+              <a:t>’) </a:t>
+            </a:r>
+          </a:p>
+          <a:p>
+            <a:pPr marL="0" indent="0">
+              <a:buNone/>
+            </a:pPr>
+            <a:r>
+              <a:rPr lang="en-US" dirty="0"/>
+              <a:t>AND </a:t>
+            </a:r>
+          </a:p>
+          <a:p>
+            <a:pPr marL="0" indent="0">
+              <a:buNone/>
+            </a:pPr>
+            <a:r>
+              <a:rPr lang="en-US" dirty="0" err="1">
+                <a:highlight>
+                  <a:srgbClr val="C0C0C0"/>
+                </a:highlight>
+              </a:rPr>
+              <a:t>detectiteasy</a:t>
+            </a:r>
+            <a:r>
+              <a:rPr lang="en-US" dirty="0">
+                <a:highlight>
+                  <a:srgbClr val="C0C0C0"/>
+                </a:highlight>
+              </a:rPr>
+              <a:t>:"Compiler: FASM*"</a:t>
+            </a:r>
           </a:p>
         </p:txBody>
       </p:sp>
@@ -22829,15 +23293,6 @@
 </file>
 
 <file path=customXml/item1.xml><?xml version="1.0" encoding="utf-8"?>
-<?mso-contentType ?>
-<FormTemplates xmlns="http://schemas.microsoft.com/sharepoint/v3/contenttype/forms">
-  <Display>DocumentLibraryForm</Display>
-  <Edit>DocumentLibraryForm</Edit>
-  <New>DocumentLibraryForm</New>
-</FormTemplates>
-</file>
-
-<file path=customXml/item2.xml><?xml version="1.0" encoding="utf-8"?>
 <ct:contentTypeSchema xmlns:ct="http://schemas.microsoft.com/office/2006/metadata/contentType" xmlns:ma="http://schemas.microsoft.com/office/2006/metadata/properties/metaAttributes" ct:_="" ma:_="" ma:contentTypeName="Document" ma:contentTypeID="0x0101004B4005D9E3367841B8133DC16E2CA0C5" ma:contentTypeVersion="8" ma:contentTypeDescription="Create a new document." ma:contentTypeScope="" ma:versionID="09b02c7bb5c11e94011aae484563c38d">
   <xsd:schema xmlns:xsd="http://www.w3.org/2001/XMLSchema" xmlns:xs="http://www.w3.org/2001/XMLSchema" xmlns:p="http://schemas.microsoft.com/office/2006/metadata/properties" xmlns:ns2="2fc784a7-eac2-4729-8291-eda7c6e43d70" targetNamespace="http://schemas.microsoft.com/office/2006/metadata/properties" ma:root="true" ma:fieldsID="6c2ec72030b46cd7db5e4ea8f0b91378" ns2:_="">
     <xsd:import namespace="2fc784a7-eac2-4729-8291-eda7c6e43d70"/>
@@ -23007,6 +23462,15 @@
 </ct:contentTypeSchema>
 </file>
 
+<file path=customXml/item2.xml><?xml version="1.0" encoding="utf-8"?>
+<?mso-contentType ?>
+<FormTemplates xmlns="http://schemas.microsoft.com/sharepoint/v3/contenttype/forms">
+  <Display>DocumentLibraryForm</Display>
+  <Edit>DocumentLibraryForm</Edit>
+  <New>DocumentLibraryForm</New>
+</FormTemplates>
+</file>
+
 <file path=customXml/item3.xml><?xml version="1.0" encoding="utf-8"?>
 <p:properties xmlns:p="http://schemas.microsoft.com/office/2006/metadata/properties" xmlns:xsi="http://www.w3.org/2001/XMLSchema-instance" xmlns:pc="http://schemas.microsoft.com/office/infopath/2007/PartnerControls">
   <documentManagement/>
@@ -23014,14 +23478,6 @@
 </file>
 
 <file path=customXml/itemProps1.xml><?xml version="1.0" encoding="utf-8"?>
-<ds:datastoreItem xmlns:ds="http://schemas.openxmlformats.org/officeDocument/2006/customXml" ds:itemID="{E2700A43-2957-4B4F-B9B2-614592CDFD03}">
-  <ds:schemaRefs>
-    <ds:schemaRef ds:uri="http://schemas.microsoft.com/sharepoint/v3/contenttype/forms"/>
-  </ds:schemaRefs>
-</ds:datastoreItem>
-</file>
-
-<file path=customXml/itemProps2.xml><?xml version="1.0" encoding="utf-8"?>
 <ds:datastoreItem xmlns:ds="http://schemas.openxmlformats.org/officeDocument/2006/customXml" ds:itemID="{BD5DA11A-3F94-4546-8574-85B8F701914B}">
   <ds:schemaRefs>
     <ds:schemaRef ds:uri="http://schemas.microsoft.com/office/2006/metadata/contentType"/>
@@ -23039,6 +23495,14 @@
 </ds:datastoreItem>
 </file>
 
+<file path=customXml/itemProps2.xml><?xml version="1.0" encoding="utf-8"?>
+<ds:datastoreItem xmlns:ds="http://schemas.openxmlformats.org/officeDocument/2006/customXml" ds:itemID="{E2700A43-2957-4B4F-B9B2-614592CDFD03}">
+  <ds:schemaRefs>
+    <ds:schemaRef ds:uri="http://schemas.microsoft.com/sharepoint/v3/contenttype/forms"/>
+  </ds:schemaRefs>
+</ds:datastoreItem>
+</file>
+
 <file path=customXml/itemProps3.xml><?xml version="1.0" encoding="utf-8"?>
 <ds:datastoreItem xmlns:ds="http://schemas.openxmlformats.org/officeDocument/2006/customXml" ds:itemID="{790DD382-103D-4FD4-A0D2-A5E0F0380794}">
   <ds:schemaRefs>

--- a/Tv0.pptx
+++ b/Tv0.pptx
@@ -5,10 +5,10 @@
     <p:sldMasterId id="2147483728" r:id="rId4"/>
   </p:sldMasterIdLst>
   <p:notesMasterIdLst>
-    <p:notesMasterId r:id="rId31"/>
+    <p:notesMasterId r:id="rId33"/>
   </p:notesMasterIdLst>
   <p:handoutMasterIdLst>
-    <p:handoutMasterId r:id="rId32"/>
+    <p:handoutMasterId r:id="rId34"/>
   </p:handoutMasterIdLst>
   <p:sldIdLst>
     <p:sldId id="265" r:id="rId5"/>
@@ -36,7 +36,9 @@
     <p:sldId id="1086" r:id="rId27"/>
     <p:sldId id="1092" r:id="rId28"/>
     <p:sldId id="1094" r:id="rId29"/>
-    <p:sldId id="1060" r:id="rId30"/>
+    <p:sldId id="1115" r:id="rId30"/>
+    <p:sldId id="1114" r:id="rId31"/>
+    <p:sldId id="1060" r:id="rId32"/>
   </p:sldIdLst>
   <p:sldSz cx="9144000" cy="5143500" type="screen16x9"/>
   <p:notesSz cx="6858000" cy="9144000"/>
@@ -195,6 +197,8 @@
             <p14:sldId id="1086"/>
             <p14:sldId id="1092"/>
             <p14:sldId id="1094"/>
+            <p14:sldId id="1115"/>
+            <p14:sldId id="1114"/>
             <p14:sldId id="1060"/>
           </p14:sldIdLst>
         </p14:section>
@@ -18498,45 +18502,6 @@
           </a:p>
         </p:txBody>
       </p:sp>
-      <p:sp>
-        <p:nvSpPr>
-          <p:cNvPr id="5" name="TextBox 4">
-            <a:extLst>
-              <a:ext uri="{FF2B5EF4-FFF2-40B4-BE49-F238E27FC236}">
-                <a16:creationId xmlns:a16="http://schemas.microsoft.com/office/drawing/2014/main" id="{5E5E3DDB-08A0-45B5-88A5-08FDA69510AE}"/>
-              </a:ext>
-            </a:extLst>
-          </p:cNvPr>
-          <p:cNvSpPr txBox="1"/>
-          <p:nvPr/>
-        </p:nvSpPr>
-        <p:spPr>
-          <a:xfrm>
-            <a:off x="2388781" y="4680057"/>
-            <a:ext cx="6561285" cy="215444"/>
-          </a:xfrm>
-          <a:prstGeom prst="rect">
-            <a:avLst/>
-          </a:prstGeom>
-          <a:noFill/>
-        </p:spPr>
-        <p:txBody>
-          <a:bodyPr wrap="square" rtlCol="0">
-            <a:spAutoFit/>
-          </a:bodyPr>
-          <a:lstStyle/>
-          <a:p>
-            <a:pPr marL="228600" indent="-228600">
-              <a:buFont typeface="+mj-lt"/>
-              <a:buAutoNum type="arabicParenR"/>
-            </a:pPr>
-            <a:r>
-              <a:rPr lang="en-US" sz="800" dirty="0"/>
-              <a:t>https//query.prod.cms.rt.microsoft.com/cms/api/am/binary/RE4Vwwd</a:t>
-            </a:r>
-          </a:p>
-        </p:txBody>
-      </p:sp>
     </p:spTree>
     <p:extLst>
       <p:ext uri="{BB962C8B-B14F-4D97-AF65-F5344CB8AC3E}">
@@ -18551,6 +18516,2180 @@
 </file>
 
 <file path=ppt/slides/slide26.xml><?xml version="1.0" encoding="utf-8"?>
+<p:sld xmlns:a="http://schemas.openxmlformats.org/drawingml/2006/main" xmlns:r="http://schemas.openxmlformats.org/officeDocument/2006/relationships" xmlns:p="http://schemas.openxmlformats.org/presentationml/2006/main">
+  <p:cSld>
+    <p:spTree>
+      <p:nvGrpSpPr>
+        <p:cNvPr id="1" name=""/>
+        <p:cNvGrpSpPr/>
+        <p:nvPr/>
+      </p:nvGrpSpPr>
+      <p:grpSpPr>
+        <a:xfrm>
+          <a:off x="0" y="0"/>
+          <a:ext cx="0" cy="0"/>
+          <a:chOff x="0" y="0"/>
+          <a:chExt cx="0" cy="0"/>
+        </a:xfrm>
+      </p:grpSpPr>
+      <p:sp>
+        <p:nvSpPr>
+          <p:cNvPr id="2" name="Title 1">
+            <a:extLst>
+              <a:ext uri="{FF2B5EF4-FFF2-40B4-BE49-F238E27FC236}">
+                <a16:creationId xmlns:a16="http://schemas.microsoft.com/office/drawing/2014/main" id="{0BC44216-705D-426F-A6A0-71A26B604DAB}"/>
+              </a:ext>
+            </a:extLst>
+          </p:cNvPr>
+          <p:cNvSpPr>
+            <a:spLocks noGrp="1"/>
+          </p:cNvSpPr>
+          <p:nvPr>
+            <p:ph type="title"/>
+          </p:nvPr>
+        </p:nvSpPr>
+        <p:spPr/>
+        <p:txBody>
+          <a:bodyPr/>
+          <a:lstStyle/>
+          <a:p>
+            <a:r>
+              <a:rPr lang="en-US" dirty="0"/>
+              <a:t>IOC’s</a:t>
+            </a:r>
+          </a:p>
+        </p:txBody>
+      </p:sp>
+      <p:sp>
+        <p:nvSpPr>
+          <p:cNvPr id="3" name="Content Placeholder 2">
+            <a:extLst>
+              <a:ext uri="{FF2B5EF4-FFF2-40B4-BE49-F238E27FC236}">
+                <a16:creationId xmlns:a16="http://schemas.microsoft.com/office/drawing/2014/main" id="{C0B508DA-71C3-4DAE-9DAD-265E3F97CAEB}"/>
+              </a:ext>
+            </a:extLst>
+          </p:cNvPr>
+          <p:cNvSpPr>
+            <a:spLocks noGrp="1"/>
+          </p:cNvSpPr>
+          <p:nvPr>
+            <p:ph idx="1"/>
+          </p:nvPr>
+        </p:nvSpPr>
+        <p:spPr>
+          <a:xfrm>
+            <a:off x="457200" y="769351"/>
+            <a:ext cx="3782907" cy="3831379"/>
+          </a:xfrm>
+        </p:spPr>
+        <p:txBody>
+          <a:bodyPr/>
+          <a:lstStyle/>
+          <a:p>
+            <a:pPr marL="0" indent="0" algn="l">
+              <a:buNone/>
+            </a:pPr>
+            <a:r>
+              <a:rPr lang="en-US" sz="700" b="0" i="0" dirty="0" err="1">
+                <a:solidFill>
+                  <a:srgbClr val="242424"/>
+                </a:solidFill>
+                <a:effectLst/>
+                <a:latin typeface="-apple-system"/>
+              </a:rPr>
+              <a:t>WhisperGate</a:t>
+            </a:r>
+            <a:r>
+              <a:rPr lang="en-US" sz="700" b="0" i="0" dirty="0">
+                <a:solidFill>
+                  <a:srgbClr val="242424"/>
+                </a:solidFill>
+                <a:effectLst/>
+                <a:latin typeface="-apple-system"/>
+              </a:rPr>
+              <a:t>:</a:t>
+            </a:r>
+            <a:br>
+              <a:rPr lang="en-US" sz="700" b="0" i="0" dirty="0">
+                <a:solidFill>
+                  <a:srgbClr val="242424"/>
+                </a:solidFill>
+                <a:effectLst/>
+                <a:latin typeface="-apple-system"/>
+              </a:rPr>
+            </a:br>
+            <a:r>
+              <a:rPr lang="en-US" sz="700" b="0" i="0" dirty="0">
+                <a:solidFill>
+                  <a:srgbClr val="242424"/>
+                </a:solidFill>
+                <a:effectLst/>
+                <a:latin typeface="-apple-system"/>
+              </a:rPr>
+              <a:t>a196c6b8ffcb97ffb276d04f354696e2391311db3841ae16c8c9f56f36a38e92</a:t>
+            </a:r>
+            <a:br>
+              <a:rPr lang="en-US" sz="700" b="0" i="0" dirty="0">
+                <a:solidFill>
+                  <a:srgbClr val="242424"/>
+                </a:solidFill>
+                <a:effectLst/>
+                <a:latin typeface="-apple-system"/>
+              </a:rPr>
+            </a:br>
+            <a:r>
+              <a:rPr lang="en-US" sz="700" b="0" i="0" dirty="0">
+                <a:solidFill>
+                  <a:srgbClr val="242424"/>
+                </a:solidFill>
+                <a:effectLst/>
+                <a:latin typeface="-apple-system"/>
+              </a:rPr>
+              <a:t>44ffe353e01d6b894dc7ebe686791aa87fc9c7fd88535acc274f61c2cf74f5b8</a:t>
+            </a:r>
+            <a:br>
+              <a:rPr lang="en-US" sz="700" b="0" i="0" dirty="0">
+                <a:solidFill>
+                  <a:srgbClr val="242424"/>
+                </a:solidFill>
+                <a:effectLst/>
+                <a:latin typeface="-apple-system"/>
+              </a:rPr>
+            </a:br>
+            <a:r>
+              <a:rPr lang="en-US" sz="700" b="0" i="0" dirty="0">
+                <a:solidFill>
+                  <a:srgbClr val="242424"/>
+                </a:solidFill>
+                <a:effectLst/>
+                <a:latin typeface="-apple-system"/>
+              </a:rPr>
+              <a:t>dcbbae5a1c61dbbbb7dcd6dc5dd1eb1169f5329958d38b58c3fd9384081c9b78</a:t>
+            </a:r>
+          </a:p>
+          <a:p>
+            <a:pPr marL="0" indent="0" algn="l">
+              <a:buNone/>
+            </a:pPr>
+            <a:r>
+              <a:rPr lang="en-US" sz="700" b="0" i="0" dirty="0">
+                <a:solidFill>
+                  <a:srgbClr val="242424"/>
+                </a:solidFill>
+                <a:effectLst/>
+                <a:latin typeface="-apple-system"/>
+              </a:rPr>
+              <a:t> </a:t>
+            </a:r>
+          </a:p>
+          <a:p>
+            <a:pPr marL="0" indent="0" algn="l">
+              <a:buNone/>
+            </a:pPr>
+            <a:r>
+              <a:rPr lang="en-US" sz="700" b="0" i="0" dirty="0" err="1">
+                <a:solidFill>
+                  <a:srgbClr val="242424"/>
+                </a:solidFill>
+                <a:effectLst/>
+                <a:latin typeface="-apple-system"/>
+              </a:rPr>
+              <a:t>HermeticWiper</a:t>
+            </a:r>
+            <a:r>
+              <a:rPr lang="en-US" sz="700" b="0" i="0" dirty="0">
+                <a:solidFill>
+                  <a:srgbClr val="242424"/>
+                </a:solidFill>
+                <a:effectLst/>
+                <a:latin typeface="-apple-system"/>
+              </a:rPr>
+              <a:t>:</a:t>
+            </a:r>
+            <a:br>
+              <a:rPr lang="en-US" sz="700" b="0" i="0" dirty="0">
+                <a:solidFill>
+                  <a:srgbClr val="242424"/>
+                </a:solidFill>
+                <a:effectLst/>
+                <a:latin typeface="-apple-system"/>
+              </a:rPr>
+            </a:br>
+            <a:r>
+              <a:rPr lang="en-US" sz="700" b="0" i="0" dirty="0">
+                <a:solidFill>
+                  <a:srgbClr val="242424"/>
+                </a:solidFill>
+                <a:effectLst/>
+                <a:latin typeface="-apple-system"/>
+              </a:rPr>
+              <a:t>5a300f72e221a228e3a36a043bef878b570529a7abc15559513ea07ae280bb48</a:t>
+            </a:r>
+            <a:br>
+              <a:rPr lang="en-US" sz="700" b="0" i="0" dirty="0">
+                <a:solidFill>
+                  <a:srgbClr val="242424"/>
+                </a:solidFill>
+                <a:effectLst/>
+                <a:latin typeface="-apple-system"/>
+              </a:rPr>
+            </a:br>
+            <a:r>
+              <a:rPr lang="en-US" sz="700" b="0" i="0" dirty="0">
+                <a:solidFill>
+                  <a:srgbClr val="242424"/>
+                </a:solidFill>
+                <a:effectLst/>
+                <a:latin typeface="-apple-system"/>
+              </a:rPr>
+              <a:t>2d29f9ca1d9089ba0399661bb34ba2fd8aba117f04678cd71856d5894aa7150b</a:t>
+            </a:r>
+            <a:br>
+              <a:rPr lang="en-US" sz="700" b="0" i="0" dirty="0">
+                <a:solidFill>
+                  <a:srgbClr val="242424"/>
+                </a:solidFill>
+                <a:effectLst/>
+                <a:latin typeface="-apple-system"/>
+              </a:rPr>
+            </a:br>
+            <a:r>
+              <a:rPr lang="en-US" sz="700" b="0" i="0" dirty="0">
+                <a:solidFill>
+                  <a:srgbClr val="242424"/>
+                </a:solidFill>
+                <a:effectLst/>
+                <a:latin typeface="-apple-system"/>
+              </a:rPr>
+              <a:t>a259e9b0acf375a8bef8dbc27a8a1996ee02a56889cba07ef58c49185ab033ec</a:t>
+            </a:r>
+            <a:br>
+              <a:rPr lang="en-US" sz="700" b="0" i="0" dirty="0">
+                <a:solidFill>
+                  <a:srgbClr val="242424"/>
+                </a:solidFill>
+                <a:effectLst/>
+                <a:latin typeface="-apple-system"/>
+              </a:rPr>
+            </a:br>
+            <a:r>
+              <a:rPr lang="en-US" sz="700" b="0" i="0" dirty="0">
+                <a:solidFill>
+                  <a:srgbClr val="242424"/>
+                </a:solidFill>
+                <a:effectLst/>
+                <a:latin typeface="-apple-system"/>
+              </a:rPr>
+              <a:t>1bc44eef75779e3ca1eefb8ff5a64807dbc942b1e4a2672d77b9f6928d292591</a:t>
+            </a:r>
+            <a:br>
+              <a:rPr lang="en-US" sz="700" b="0" i="0" dirty="0">
+                <a:solidFill>
+                  <a:srgbClr val="242424"/>
+                </a:solidFill>
+                <a:effectLst/>
+                <a:latin typeface="-apple-system"/>
+              </a:rPr>
+            </a:br>
+            <a:r>
+              <a:rPr lang="en-US" sz="700" b="0" i="0" dirty="0">
+                <a:solidFill>
+                  <a:srgbClr val="242424"/>
+                </a:solidFill>
+                <a:effectLst/>
+                <a:latin typeface="-apple-system"/>
+              </a:rPr>
+              <a:t>2c10b2ec0b995b88c27d141d6f7b14d6b8177c52818687e4ff8e6ecf53adf5bf</a:t>
+            </a:r>
+            <a:br>
+              <a:rPr lang="en-US" sz="700" b="0" i="0" dirty="0">
+                <a:solidFill>
+                  <a:srgbClr val="242424"/>
+                </a:solidFill>
+                <a:effectLst/>
+                <a:latin typeface="-apple-system"/>
+              </a:rPr>
+            </a:br>
+            <a:r>
+              <a:rPr lang="en-US" sz="700" b="0" i="0" dirty="0">
+                <a:solidFill>
+                  <a:srgbClr val="242424"/>
+                </a:solidFill>
+                <a:effectLst/>
+                <a:latin typeface="-apple-system"/>
+              </a:rPr>
+              <a:t>3c557727953a8f6b4788984464fb77741b821991acbf5e746aebdd02615b1767</a:t>
+            </a:r>
+            <a:br>
+              <a:rPr lang="en-US" sz="700" b="0" i="0" dirty="0">
+                <a:solidFill>
+                  <a:srgbClr val="242424"/>
+                </a:solidFill>
+                <a:effectLst/>
+                <a:latin typeface="-apple-system"/>
+              </a:rPr>
+            </a:br>
+            <a:r>
+              <a:rPr lang="en-US" sz="700" b="0" i="0" dirty="0">
+                <a:solidFill>
+                  <a:srgbClr val="242424"/>
+                </a:solidFill>
+                <a:effectLst/>
+                <a:latin typeface="-apple-system"/>
+              </a:rPr>
+              <a:t>0385eeab00e946a302b24a91dea4187c1210597b8e17cd9e2230450f5ece21da</a:t>
+            </a:r>
+            <a:br>
+              <a:rPr lang="en-US" sz="700" b="0" i="0" dirty="0">
+                <a:solidFill>
+                  <a:srgbClr val="242424"/>
+                </a:solidFill>
+                <a:effectLst/>
+                <a:latin typeface="-apple-system"/>
+              </a:rPr>
+            </a:br>
+            <a:r>
+              <a:rPr lang="en-US" sz="700" b="0" i="0" dirty="0">
+                <a:solidFill>
+                  <a:srgbClr val="242424"/>
+                </a:solidFill>
+                <a:effectLst/>
+                <a:latin typeface="-apple-system"/>
+              </a:rPr>
+              <a:t>06086c1da4590dcc7f1e10a6be3431e1166286a9e7761f2de9de79d7fda9c397</a:t>
+            </a:r>
+            <a:br>
+              <a:rPr lang="en-US" sz="700" b="0" i="0" dirty="0">
+                <a:solidFill>
+                  <a:srgbClr val="242424"/>
+                </a:solidFill>
+                <a:effectLst/>
+                <a:latin typeface="-apple-system"/>
+              </a:rPr>
+            </a:br>
+            <a:r>
+              <a:rPr lang="en-US" sz="700" b="0" i="0" dirty="0">
+                <a:solidFill>
+                  <a:srgbClr val="242424"/>
+                </a:solidFill>
+                <a:effectLst/>
+                <a:latin typeface="-apple-system"/>
+              </a:rPr>
+              <a:t>b6f2e008967c5527337448d768f2332d14b92de22a1279fd4d91000bb3d4a0fd</a:t>
+            </a:r>
+            <a:br>
+              <a:rPr lang="en-US" sz="700" b="0" i="0" dirty="0">
+                <a:solidFill>
+                  <a:srgbClr val="242424"/>
+                </a:solidFill>
+                <a:effectLst/>
+                <a:latin typeface="-apple-system"/>
+              </a:rPr>
+            </a:br>
+            <a:r>
+              <a:rPr lang="en-US" sz="700" b="0" i="0" dirty="0">
+                <a:solidFill>
+                  <a:srgbClr val="242424"/>
+                </a:solidFill>
+                <a:effectLst/>
+                <a:latin typeface="-apple-system"/>
+              </a:rPr>
+              <a:t>fd7eacc2f87aceac865b0aa97a50503d44b799f27737e009f91f3c281233c17d</a:t>
+            </a:r>
+            <a:br>
+              <a:rPr lang="en-US" sz="700" b="0" i="0" dirty="0">
+                <a:solidFill>
+                  <a:srgbClr val="242424"/>
+                </a:solidFill>
+                <a:effectLst/>
+                <a:latin typeface="-apple-system"/>
+              </a:rPr>
+            </a:br>
+            <a:r>
+              <a:rPr lang="en-US" sz="700" b="0" i="0" dirty="0">
+                <a:solidFill>
+                  <a:srgbClr val="242424"/>
+                </a:solidFill>
+                <a:effectLst/>
+                <a:latin typeface="-apple-system"/>
+              </a:rPr>
+              <a:t>b01e0c6ac0b8bcde145ab7b68cf246deea9402fa7ea3aede7105f7051fe240c1</a:t>
+            </a:r>
+            <a:br>
+              <a:rPr lang="en-US" sz="700" b="0" i="0" dirty="0">
+                <a:solidFill>
+                  <a:srgbClr val="242424"/>
+                </a:solidFill>
+                <a:effectLst/>
+                <a:latin typeface="-apple-system"/>
+              </a:rPr>
+            </a:br>
+            <a:r>
+              <a:rPr lang="en-US" sz="700" b="0" i="0" dirty="0">
+                <a:solidFill>
+                  <a:srgbClr val="242424"/>
+                </a:solidFill>
+                <a:effectLst/>
+                <a:latin typeface="-apple-system"/>
+              </a:rPr>
+              <a:t>e5f3ef69a534260e899a36cec459440dc572388defd8f1d98760d31c700f42d5</a:t>
+            </a:r>
+            <a:br>
+              <a:rPr lang="en-US" sz="700" b="0" i="0" dirty="0">
+                <a:solidFill>
+                  <a:srgbClr val="242424"/>
+                </a:solidFill>
+                <a:effectLst/>
+                <a:latin typeface="-apple-system"/>
+              </a:rPr>
+            </a:br>
+            <a:r>
+              <a:rPr lang="en-US" sz="700" b="0" i="0" dirty="0">
+                <a:solidFill>
+                  <a:srgbClr val="242424"/>
+                </a:solidFill>
+                <a:effectLst/>
+                <a:latin typeface="-apple-system"/>
+              </a:rPr>
+              <a:t>23ef301ddba39bb00f0819d2061c9c14d17dc30f780a945920a51bc3ba0198a4</a:t>
+            </a:r>
+            <a:br>
+              <a:rPr lang="en-US" sz="700" b="0" i="0" dirty="0">
+                <a:solidFill>
+                  <a:srgbClr val="242424"/>
+                </a:solidFill>
+                <a:effectLst/>
+                <a:latin typeface="-apple-system"/>
+              </a:rPr>
+            </a:br>
+            <a:r>
+              <a:rPr lang="en-US" sz="700" b="0" i="0" dirty="0">
+                <a:solidFill>
+                  <a:srgbClr val="242424"/>
+                </a:solidFill>
+                <a:effectLst/>
+                <a:latin typeface="-apple-system"/>
+              </a:rPr>
+              <a:t>2c7732da3dcfc82f60f063f2ec9fa09f9d38d5cfbe80c850ded44de43bdb666d</a:t>
+            </a:r>
+            <a:br>
+              <a:rPr lang="en-US" sz="700" b="0" i="0" dirty="0">
+                <a:solidFill>
+                  <a:srgbClr val="242424"/>
+                </a:solidFill>
+                <a:effectLst/>
+                <a:latin typeface="-apple-system"/>
+              </a:rPr>
+            </a:br>
+            <a:r>
+              <a:rPr lang="en-US" sz="700" b="0" i="0" dirty="0">
+                <a:solidFill>
+                  <a:srgbClr val="242424"/>
+                </a:solidFill>
+                <a:effectLst/>
+                <a:latin typeface="-apple-system"/>
+              </a:rPr>
+              <a:t>8c614cf476f871274aa06153224e8f7354bf5e23e6853358591bf35a381fb75b</a:t>
+            </a:r>
+            <a:br>
+              <a:rPr lang="en-US" sz="700" b="0" i="0" dirty="0">
+                <a:solidFill>
+                  <a:srgbClr val="242424"/>
+                </a:solidFill>
+                <a:effectLst/>
+                <a:latin typeface="-apple-system"/>
+              </a:rPr>
+            </a:br>
+            <a:r>
+              <a:rPr lang="en-US" sz="700" b="0" i="0" dirty="0">
+                <a:solidFill>
+                  <a:srgbClr val="242424"/>
+                </a:solidFill>
+                <a:effectLst/>
+                <a:latin typeface="-apple-system"/>
+              </a:rPr>
+              <a:t>96b77284744f8761c4f2558388e0aee2140618b484ff53fa8b222b340d2a9c84</a:t>
+            </a:r>
+          </a:p>
+          <a:p>
+            <a:pPr marL="0" indent="0" algn="l">
+              <a:buNone/>
+            </a:pPr>
+            <a:r>
+              <a:rPr lang="en-US" sz="700" b="0" i="0" dirty="0">
+                <a:solidFill>
+                  <a:srgbClr val="242424"/>
+                </a:solidFill>
+                <a:effectLst/>
+                <a:latin typeface="-apple-system"/>
+              </a:rPr>
+              <a:t> </a:t>
+            </a:r>
+          </a:p>
+          <a:p>
+            <a:pPr marL="0" indent="0" algn="l">
+              <a:buNone/>
+            </a:pPr>
+            <a:r>
+              <a:rPr lang="en-US" sz="700" b="0" i="0" dirty="0" err="1">
+                <a:solidFill>
+                  <a:srgbClr val="242424"/>
+                </a:solidFill>
+                <a:effectLst/>
+                <a:latin typeface="-apple-system"/>
+              </a:rPr>
+              <a:t>PartyTicket</a:t>
+            </a:r>
+            <a:r>
+              <a:rPr lang="en-US" sz="700" b="0" i="0" dirty="0">
+                <a:solidFill>
+                  <a:srgbClr val="242424"/>
+                </a:solidFill>
+                <a:effectLst/>
+                <a:latin typeface="-apple-system"/>
+              </a:rPr>
+              <a:t> Ransomware:</a:t>
+            </a:r>
+            <a:br>
+              <a:rPr lang="en-US" sz="700" b="0" i="0" dirty="0">
+                <a:solidFill>
+                  <a:srgbClr val="242424"/>
+                </a:solidFill>
+                <a:effectLst/>
+                <a:latin typeface="-apple-system"/>
+              </a:rPr>
+            </a:br>
+            <a:r>
+              <a:rPr lang="en-US" sz="700" b="0" i="0" dirty="0">
+                <a:solidFill>
+                  <a:srgbClr val="242424"/>
+                </a:solidFill>
+                <a:effectLst/>
+                <a:latin typeface="-apple-system"/>
+              </a:rPr>
+              <a:t>4dc13bb83a16d4ff9865a51b3e4d24112327c526c1392e14d56f20d6f4eaf382</a:t>
+            </a:r>
+          </a:p>
+          <a:p>
+            <a:pPr marL="0" indent="0" algn="l">
+              <a:buNone/>
+            </a:pPr>
+            <a:r>
+              <a:rPr lang="en-US" sz="700" b="0" i="0" dirty="0">
+                <a:solidFill>
+                  <a:srgbClr val="242424"/>
+                </a:solidFill>
+                <a:effectLst/>
+                <a:latin typeface="-apple-system"/>
+              </a:rPr>
+              <a:t> </a:t>
+            </a:r>
+          </a:p>
+          <a:p>
+            <a:pPr marL="0" indent="0" algn="l">
+              <a:buNone/>
+            </a:pPr>
+            <a:r>
+              <a:rPr lang="en-US" sz="700" b="0" i="0" dirty="0" err="1">
+                <a:solidFill>
+                  <a:srgbClr val="242424"/>
+                </a:solidFill>
+                <a:effectLst/>
+                <a:latin typeface="-apple-system"/>
+              </a:rPr>
+              <a:t>AcidRain</a:t>
+            </a:r>
+            <a:r>
+              <a:rPr lang="en-US" sz="700" b="0" i="0" dirty="0">
+                <a:solidFill>
+                  <a:srgbClr val="242424"/>
+                </a:solidFill>
+                <a:effectLst/>
+                <a:latin typeface="-apple-system"/>
+              </a:rPr>
+              <a:t>:</a:t>
+            </a:r>
+            <a:br>
+              <a:rPr lang="en-US" sz="700" b="0" i="0" dirty="0">
+                <a:solidFill>
+                  <a:srgbClr val="242424"/>
+                </a:solidFill>
+                <a:effectLst/>
+                <a:latin typeface="-apple-system"/>
+              </a:rPr>
+            </a:br>
+            <a:r>
+              <a:rPr lang="en-US" sz="700" b="0" i="0" dirty="0">
+                <a:solidFill>
+                  <a:srgbClr val="242424"/>
+                </a:solidFill>
+                <a:effectLst/>
+                <a:latin typeface="-apple-system"/>
+              </a:rPr>
+              <a:t>9b4dfaca873961174ba935fddaf696145afe7bbf5734509f95feb54f3584fd9a</a:t>
+            </a:r>
+          </a:p>
+          <a:p>
+            <a:pPr marL="0" indent="0" algn="l">
+              <a:buNone/>
+            </a:pPr>
+            <a:r>
+              <a:rPr lang="en-US" sz="700" b="0" i="0" dirty="0">
+                <a:solidFill>
+                  <a:srgbClr val="242424"/>
+                </a:solidFill>
+                <a:effectLst/>
+                <a:latin typeface="-apple-system"/>
+              </a:rPr>
+              <a:t> </a:t>
+            </a:r>
+          </a:p>
+          <a:p>
+            <a:pPr marL="0" indent="0" algn="l">
+              <a:buNone/>
+            </a:pPr>
+            <a:r>
+              <a:rPr lang="en-US" sz="700" b="0" i="0" dirty="0" err="1">
+                <a:solidFill>
+                  <a:srgbClr val="242424"/>
+                </a:solidFill>
+                <a:effectLst/>
+                <a:latin typeface="-apple-system"/>
+              </a:rPr>
+              <a:t>IsaacWiper</a:t>
+            </a:r>
+            <a:r>
+              <a:rPr lang="en-US" sz="700" b="0" i="0" dirty="0">
+                <a:solidFill>
+                  <a:srgbClr val="242424"/>
+                </a:solidFill>
+                <a:effectLst/>
+                <a:latin typeface="-apple-system"/>
+              </a:rPr>
+              <a:t>:</a:t>
+            </a:r>
+            <a:br>
+              <a:rPr lang="en-US" sz="700" b="0" i="0" dirty="0">
+                <a:solidFill>
+                  <a:srgbClr val="242424"/>
+                </a:solidFill>
+                <a:effectLst/>
+                <a:latin typeface="-apple-system"/>
+              </a:rPr>
+            </a:br>
+            <a:r>
+              <a:rPr lang="en-US" sz="700" b="0" i="0" dirty="0">
+                <a:solidFill>
+                  <a:srgbClr val="242424"/>
+                </a:solidFill>
+                <a:effectLst/>
+                <a:latin typeface="-apple-system"/>
+              </a:rPr>
+              <a:t>13037b749aa4b1eda538fda26d6ac41c8f7b1d02d83f47b0d187dd645154e033</a:t>
+            </a:r>
+            <a:br>
+              <a:rPr lang="en-US" sz="700" b="0" i="0" dirty="0">
+                <a:solidFill>
+                  <a:srgbClr val="242424"/>
+                </a:solidFill>
+                <a:effectLst/>
+                <a:latin typeface="-apple-system"/>
+              </a:rPr>
+            </a:br>
+            <a:r>
+              <a:rPr lang="en-US" sz="700" b="0" i="0" dirty="0">
+                <a:solidFill>
+                  <a:srgbClr val="242424"/>
+                </a:solidFill>
+                <a:effectLst/>
+                <a:latin typeface="-apple-system"/>
+              </a:rPr>
+              <a:t>7bcd4ec18fc4a56db30e0aaebd44e2988f98f7b5d8c14f6689f650b4f11e16c0</a:t>
+            </a:r>
+            <a:br>
+              <a:rPr lang="en-US" sz="700" b="0" i="0" dirty="0">
+                <a:solidFill>
+                  <a:srgbClr val="242424"/>
+                </a:solidFill>
+                <a:effectLst/>
+                <a:latin typeface="-apple-system"/>
+              </a:rPr>
+            </a:br>
+            <a:r>
+              <a:rPr lang="en-US" sz="700" b="0" i="0" dirty="0">
+                <a:solidFill>
+                  <a:srgbClr val="242424"/>
+                </a:solidFill>
+                <a:effectLst/>
+                <a:latin typeface="-apple-system"/>
+              </a:rPr>
+              <a:t>abf9adf2c2c21c1e8bd69975dfccb5ca53060d8e1e7271a5e9ef3b56a7e54d9f</a:t>
+            </a:r>
+            <a:br>
+              <a:rPr lang="en-US" sz="300" b="0" i="0" dirty="0">
+                <a:solidFill>
+                  <a:srgbClr val="242424"/>
+                </a:solidFill>
+                <a:effectLst/>
+                <a:latin typeface="-apple-system"/>
+              </a:rPr>
+            </a:br>
+            <a:r>
+              <a:rPr lang="en-US" sz="700" b="0" i="0" dirty="0">
+                <a:solidFill>
+                  <a:srgbClr val="242424"/>
+                </a:solidFill>
+                <a:effectLst/>
+                <a:latin typeface="-apple-system"/>
+              </a:rPr>
+              <a:t>afe1f2768e57573757039a40ac40f3c7471bb084599613b3402b1e9958e0d27a</a:t>
+            </a:r>
+          </a:p>
+          <a:p>
+            <a:pPr marL="0" indent="0" algn="l">
+              <a:buNone/>
+            </a:pPr>
+            <a:r>
+              <a:rPr lang="en-US" sz="300" b="0" i="0" dirty="0">
+                <a:solidFill>
+                  <a:srgbClr val="242424"/>
+                </a:solidFill>
+                <a:effectLst/>
+                <a:latin typeface="-apple-system"/>
+              </a:rPr>
+              <a:t> </a:t>
+            </a:r>
+          </a:p>
+          <a:p>
+            <a:endParaRPr lang="en-US" sz="300" dirty="0"/>
+          </a:p>
+        </p:txBody>
+      </p:sp>
+      <p:sp>
+        <p:nvSpPr>
+          <p:cNvPr id="4" name="Slide Number Placeholder 3">
+            <a:extLst>
+              <a:ext uri="{FF2B5EF4-FFF2-40B4-BE49-F238E27FC236}">
+                <a16:creationId xmlns:a16="http://schemas.microsoft.com/office/drawing/2014/main" id="{D614B23D-FCEA-48B7-AEFC-E2DE9D651AC0}"/>
+              </a:ext>
+            </a:extLst>
+          </p:cNvPr>
+          <p:cNvSpPr>
+            <a:spLocks noGrp="1"/>
+          </p:cNvSpPr>
+          <p:nvPr>
+            <p:ph type="sldNum" sz="quarter" idx="10"/>
+          </p:nvPr>
+        </p:nvSpPr>
+        <p:spPr/>
+        <p:txBody>
+          <a:bodyPr/>
+          <a:lstStyle/>
+          <a:p>
+            <a:pPr>
+              <a:defRPr/>
+            </a:pPr>
+            <a:fld id="{EF611178-6C3A-F247-8731-699DBDA96700}" type="slidenum">
+              <a:rPr lang="en-US" altLang="en-US" smtClean="0"/>
+              <a:pPr>
+                <a:defRPr/>
+              </a:pPr>
+              <a:t>26</a:t>
+            </a:fld>
+            <a:endParaRPr lang="en-US" altLang="en-US" dirty="0"/>
+          </a:p>
+        </p:txBody>
+      </p:sp>
+      <p:sp>
+        <p:nvSpPr>
+          <p:cNvPr id="6" name="TextBox 5">
+            <a:extLst>
+              <a:ext uri="{FF2B5EF4-FFF2-40B4-BE49-F238E27FC236}">
+                <a16:creationId xmlns:a16="http://schemas.microsoft.com/office/drawing/2014/main" id="{CDEB83E2-D406-4EE5-8F43-78F6625DF044}"/>
+              </a:ext>
+            </a:extLst>
+          </p:cNvPr>
+          <p:cNvSpPr txBox="1"/>
+          <p:nvPr/>
+        </p:nvSpPr>
+        <p:spPr>
+          <a:xfrm>
+            <a:off x="3956050" y="646326"/>
+            <a:ext cx="4572000" cy="4185761"/>
+          </a:xfrm>
+          <a:prstGeom prst="rect">
+            <a:avLst/>
+          </a:prstGeom>
+          <a:noFill/>
+        </p:spPr>
+        <p:txBody>
+          <a:bodyPr wrap="square">
+            <a:spAutoFit/>
+          </a:bodyPr>
+          <a:lstStyle/>
+          <a:p>
+            <a:pPr algn="l"/>
+            <a:r>
+              <a:rPr lang="en-US" sz="700" b="0" i="0" dirty="0">
+                <a:solidFill>
+                  <a:srgbClr val="242424"/>
+                </a:solidFill>
+                <a:effectLst/>
+                <a:latin typeface="-apple-system"/>
+              </a:rPr>
+              <a:t> </a:t>
+            </a:r>
+          </a:p>
+          <a:p>
+            <a:pPr algn="l"/>
+            <a:r>
+              <a:rPr lang="en-US" sz="700" b="0" i="0" dirty="0" err="1">
+                <a:solidFill>
+                  <a:srgbClr val="242424"/>
+                </a:solidFill>
+                <a:effectLst/>
+                <a:latin typeface="-apple-system"/>
+              </a:rPr>
+              <a:t>DesertBlade</a:t>
+            </a:r>
+            <a:r>
+              <a:rPr lang="en-US" sz="700" b="0" i="0" dirty="0">
+                <a:solidFill>
+                  <a:srgbClr val="242424"/>
+                </a:solidFill>
+                <a:effectLst/>
+                <a:latin typeface="-apple-system"/>
+              </a:rPr>
+              <a:t>:</a:t>
+            </a:r>
+            <a:br>
+              <a:rPr lang="en-US" sz="700" b="0" i="0" dirty="0">
+                <a:solidFill>
+                  <a:srgbClr val="242424"/>
+                </a:solidFill>
+                <a:effectLst/>
+                <a:latin typeface="-apple-system"/>
+              </a:rPr>
+            </a:br>
+            <a:r>
+              <a:rPr lang="en-US" sz="700" b="0" i="0" dirty="0">
+                <a:solidFill>
+                  <a:srgbClr val="242424"/>
+                </a:solidFill>
+                <a:effectLst/>
+                <a:latin typeface="-apple-system"/>
+              </a:rPr>
+              <a:t>a196c6b8ffcb97ffb276d04f354696e2391311db3841ae16c8c9f56f36a38e92</a:t>
+            </a:r>
+            <a:br>
+              <a:rPr lang="en-US" sz="700" b="0" i="0" dirty="0">
+                <a:solidFill>
+                  <a:srgbClr val="242424"/>
+                </a:solidFill>
+                <a:effectLst/>
+                <a:latin typeface="-apple-system"/>
+              </a:rPr>
+            </a:br>
+            <a:r>
+              <a:rPr lang="en-US" sz="700" b="0" i="0" dirty="0">
+                <a:solidFill>
+                  <a:srgbClr val="242424"/>
+                </a:solidFill>
+                <a:effectLst/>
+                <a:latin typeface="-apple-system"/>
+              </a:rPr>
+              <a:t>dcbbae5a1c61dbbbb7dcd6dc5dd1eb1169f5329958d38b58c3fd9384081c9b78</a:t>
+            </a:r>
+          </a:p>
+          <a:p>
+            <a:pPr algn="l"/>
+            <a:r>
+              <a:rPr lang="en-US" sz="700" b="0" i="0" dirty="0">
+                <a:solidFill>
+                  <a:srgbClr val="242424"/>
+                </a:solidFill>
+                <a:effectLst/>
+                <a:latin typeface="-apple-system"/>
+              </a:rPr>
+              <a:t> </a:t>
+            </a:r>
+          </a:p>
+          <a:p>
+            <a:pPr algn="l"/>
+            <a:r>
+              <a:rPr lang="en-US" sz="700" b="0" i="0" dirty="0" err="1">
+                <a:solidFill>
+                  <a:srgbClr val="242424"/>
+                </a:solidFill>
+                <a:effectLst/>
+                <a:latin typeface="-apple-system"/>
+              </a:rPr>
+              <a:t>RU_Ransom</a:t>
+            </a:r>
+            <a:r>
+              <a:rPr lang="en-US" sz="700" b="0" i="0" dirty="0">
+                <a:solidFill>
+                  <a:srgbClr val="242424"/>
+                </a:solidFill>
+                <a:effectLst/>
+                <a:latin typeface="-apple-system"/>
+              </a:rPr>
+              <a:t>:</a:t>
+            </a:r>
+            <a:br>
+              <a:rPr lang="en-US" sz="700" b="0" i="0" dirty="0">
+                <a:solidFill>
+                  <a:srgbClr val="242424"/>
+                </a:solidFill>
+                <a:effectLst/>
+                <a:latin typeface="-apple-system"/>
+              </a:rPr>
+            </a:br>
+            <a:r>
+              <a:rPr lang="en-US" sz="700" b="0" i="0" dirty="0">
+                <a:solidFill>
+                  <a:srgbClr val="242424"/>
+                </a:solidFill>
+                <a:effectLst/>
+                <a:latin typeface="-apple-system"/>
+              </a:rPr>
+              <a:t>107da216ad99b7c0171745fe7f826e51b27b1812d435b55c3ddb801e23137d8f</a:t>
+            </a:r>
+            <a:br>
+              <a:rPr lang="en-US" sz="700" b="0" i="0" dirty="0">
+                <a:solidFill>
+                  <a:srgbClr val="242424"/>
+                </a:solidFill>
+                <a:effectLst/>
+                <a:latin typeface="-apple-system"/>
+              </a:rPr>
+            </a:br>
+            <a:r>
+              <a:rPr lang="en-US" sz="700" b="0" i="0" dirty="0">
+                <a:solidFill>
+                  <a:srgbClr val="242424"/>
+                </a:solidFill>
+                <a:effectLst/>
+                <a:latin typeface="-apple-system"/>
+              </a:rPr>
+              <a:t>1f36898228197ee30c7b0ec0e48e804caa6edec33e3a91eeaf7aa2c5bbb9c6e0</a:t>
+            </a:r>
+            <a:br>
+              <a:rPr lang="en-US" sz="700" b="0" i="0" dirty="0">
+                <a:solidFill>
+                  <a:srgbClr val="242424"/>
+                </a:solidFill>
+                <a:effectLst/>
+                <a:latin typeface="-apple-system"/>
+              </a:rPr>
+            </a:br>
+            <a:r>
+              <a:rPr lang="en-US" sz="700" b="0" i="0" dirty="0">
+                <a:solidFill>
+                  <a:srgbClr val="242424"/>
+                </a:solidFill>
+                <a:effectLst/>
+                <a:latin typeface="-apple-system"/>
+              </a:rPr>
+              <a:t>610ec163e7b34abd5587616db8dac7e34b1aef68d0260510854d6b3912fb0008</a:t>
+            </a:r>
+            <a:br>
+              <a:rPr lang="en-US" sz="700" b="0" i="0" dirty="0">
+                <a:solidFill>
+                  <a:srgbClr val="242424"/>
+                </a:solidFill>
+                <a:effectLst/>
+                <a:latin typeface="-apple-system"/>
+              </a:rPr>
+            </a:br>
+            <a:r>
+              <a:rPr lang="en-US" sz="700" b="0" i="0" dirty="0">
+                <a:solidFill>
+                  <a:srgbClr val="242424"/>
+                </a:solidFill>
+                <a:effectLst/>
+                <a:latin typeface="-apple-system"/>
+              </a:rPr>
+              <a:t>696b6b9f43e53387f7cef14c5da9b6c02b6bf4095849885d36479f8996e7e473</a:t>
+            </a:r>
+            <a:br>
+              <a:rPr lang="en-US" sz="700" b="0" i="0" dirty="0">
+                <a:solidFill>
+                  <a:srgbClr val="242424"/>
+                </a:solidFill>
+                <a:effectLst/>
+                <a:latin typeface="-apple-system"/>
+              </a:rPr>
+            </a:br>
+            <a:r>
+              <a:rPr lang="en-US" sz="700" b="0" i="0" dirty="0">
+                <a:solidFill>
+                  <a:srgbClr val="242424"/>
+                </a:solidFill>
+                <a:effectLst/>
+                <a:latin typeface="-apple-system"/>
+              </a:rPr>
+              <a:t>8f2ea18ed82085574888a03547a020b7009e05ae0ecbf4e9e0b8fe8502059aae</a:t>
+            </a:r>
+            <a:br>
+              <a:rPr lang="en-US" sz="700" b="0" i="0" dirty="0">
+                <a:solidFill>
+                  <a:srgbClr val="242424"/>
+                </a:solidFill>
+                <a:effectLst/>
+                <a:latin typeface="-apple-system"/>
+              </a:rPr>
+            </a:br>
+            <a:r>
+              <a:rPr lang="en-US" sz="700" b="0" i="0" dirty="0">
+                <a:solidFill>
+                  <a:srgbClr val="242424"/>
+                </a:solidFill>
+                <a:effectLst/>
+                <a:latin typeface="-apple-system"/>
+              </a:rPr>
+              <a:t>979f9d1e019d9172af73428a1b3cbdff8aec8fdbe0f67cba48971a36f5001da9</a:t>
+            </a:r>
+          </a:p>
+          <a:p>
+            <a:pPr algn="l"/>
+            <a:r>
+              <a:rPr lang="en-US" sz="700" b="0" i="0" dirty="0">
+                <a:solidFill>
+                  <a:srgbClr val="242424"/>
+                </a:solidFill>
+                <a:effectLst/>
+                <a:latin typeface="-apple-system"/>
+              </a:rPr>
+              <a:t> </a:t>
+            </a:r>
+          </a:p>
+          <a:p>
+            <a:pPr algn="l"/>
+            <a:r>
+              <a:rPr lang="en-US" sz="700" b="0" i="0" dirty="0" err="1">
+                <a:solidFill>
+                  <a:srgbClr val="242424"/>
+                </a:solidFill>
+                <a:effectLst/>
+                <a:latin typeface="-apple-system"/>
+              </a:rPr>
+              <a:t>CaddyWiper</a:t>
+            </a:r>
+            <a:r>
+              <a:rPr lang="en-US" sz="700" b="0" i="0" dirty="0">
+                <a:solidFill>
+                  <a:srgbClr val="242424"/>
+                </a:solidFill>
+                <a:effectLst/>
+                <a:latin typeface="-apple-system"/>
+              </a:rPr>
+              <a:t>:</a:t>
+            </a:r>
+            <a:br>
+              <a:rPr lang="en-US" sz="700" b="0" i="0" dirty="0">
+                <a:solidFill>
+                  <a:srgbClr val="242424"/>
+                </a:solidFill>
+                <a:effectLst/>
+                <a:latin typeface="-apple-system"/>
+              </a:rPr>
+            </a:br>
+            <a:r>
+              <a:rPr lang="en-US" sz="700" b="0" i="0" dirty="0">
+                <a:solidFill>
+                  <a:srgbClr val="242424"/>
+                </a:solidFill>
+                <a:effectLst/>
+                <a:latin typeface="-apple-system"/>
+              </a:rPr>
+              <a:t>a294620543334a721a2ae8eaaf9680a0786f4b9a216d75b55cfd28f39e9430ea</a:t>
+            </a:r>
+          </a:p>
+          <a:p>
+            <a:pPr algn="l"/>
+            <a:r>
+              <a:rPr lang="en-US" sz="700" b="0" i="0" dirty="0">
+                <a:solidFill>
+                  <a:srgbClr val="242424"/>
+                </a:solidFill>
+                <a:effectLst/>
+                <a:latin typeface="-apple-system"/>
+              </a:rPr>
+              <a:t> </a:t>
+            </a:r>
+          </a:p>
+          <a:p>
+            <a:pPr algn="l"/>
+            <a:r>
+              <a:rPr lang="en-US" sz="700" b="0" i="0" dirty="0" err="1">
+                <a:solidFill>
+                  <a:srgbClr val="242424"/>
+                </a:solidFill>
+                <a:effectLst/>
+                <a:latin typeface="-apple-system"/>
+              </a:rPr>
+              <a:t>DoubleZero</a:t>
+            </a:r>
+            <a:r>
+              <a:rPr lang="en-US" sz="700" b="0" i="0" dirty="0">
+                <a:solidFill>
+                  <a:srgbClr val="242424"/>
+                </a:solidFill>
+                <a:effectLst/>
+                <a:latin typeface="-apple-system"/>
+              </a:rPr>
+              <a:t>:</a:t>
+            </a:r>
+            <a:br>
+              <a:rPr lang="en-US" sz="700" b="0" i="0" dirty="0">
+                <a:solidFill>
+                  <a:srgbClr val="242424"/>
+                </a:solidFill>
+                <a:effectLst/>
+                <a:latin typeface="-apple-system"/>
+              </a:rPr>
+            </a:br>
+            <a:r>
+              <a:rPr lang="en-US" sz="700" b="0" i="0" dirty="0">
+                <a:solidFill>
+                  <a:srgbClr val="242424"/>
+                </a:solidFill>
+                <a:effectLst/>
+                <a:latin typeface="-apple-system"/>
+              </a:rPr>
+              <a:t>3b2e708eaa4744c76a633391cf2c983f4a098b46436525619e5ea44e105355fe</a:t>
+            </a:r>
+            <a:br>
+              <a:rPr lang="en-US" sz="700" b="0" i="0" dirty="0">
+                <a:solidFill>
+                  <a:srgbClr val="242424"/>
+                </a:solidFill>
+                <a:effectLst/>
+                <a:latin typeface="-apple-system"/>
+              </a:rPr>
+            </a:br>
+            <a:r>
+              <a:rPr lang="en-US" sz="700" b="0" i="0" dirty="0">
+                <a:solidFill>
+                  <a:srgbClr val="242424"/>
+                </a:solidFill>
+                <a:effectLst/>
+                <a:latin typeface="-apple-system"/>
+              </a:rPr>
+              <a:t>30b3cbe8817ed75d8221059e4be35d5624bd6b5dc921d4991a7adc4c3eb5de4a</a:t>
+            </a:r>
+          </a:p>
+          <a:p>
+            <a:pPr algn="l"/>
+            <a:r>
+              <a:rPr lang="en-US" sz="700" b="0" i="0" dirty="0">
+                <a:solidFill>
+                  <a:srgbClr val="242424"/>
+                </a:solidFill>
+                <a:effectLst/>
+                <a:latin typeface="-apple-system"/>
+              </a:rPr>
+              <a:t> </a:t>
+            </a:r>
+          </a:p>
+          <a:p>
+            <a:pPr algn="l"/>
+            <a:r>
+              <a:rPr lang="en-US" sz="700" b="0" i="0" dirty="0">
+                <a:solidFill>
+                  <a:srgbClr val="242424"/>
+                </a:solidFill>
+                <a:effectLst/>
+                <a:latin typeface="-apple-system"/>
+              </a:rPr>
+              <a:t>Prestige Ransomware:</a:t>
+            </a:r>
+            <a:br>
+              <a:rPr lang="en-US" sz="700" b="0" i="0" dirty="0">
+                <a:solidFill>
+                  <a:srgbClr val="242424"/>
+                </a:solidFill>
+                <a:effectLst/>
+                <a:latin typeface="-apple-system"/>
+              </a:rPr>
+            </a:br>
+            <a:r>
+              <a:rPr lang="en-US" sz="700" b="0" i="0" dirty="0">
+                <a:solidFill>
+                  <a:srgbClr val="242424"/>
+                </a:solidFill>
+                <a:effectLst/>
+                <a:latin typeface="-apple-system"/>
+              </a:rPr>
+              <a:t>5dd1ca0d471dee41eb3ea0b6ea117810f228354fc3b7b47400a812573d40d91d</a:t>
+            </a:r>
+            <a:br>
+              <a:rPr lang="en-US" sz="700" b="0" i="0" dirty="0">
+                <a:solidFill>
+                  <a:srgbClr val="242424"/>
+                </a:solidFill>
+                <a:effectLst/>
+                <a:latin typeface="-apple-system"/>
+              </a:rPr>
+            </a:br>
+            <a:r>
+              <a:rPr lang="en-US" sz="700" b="0" i="0" dirty="0">
+                <a:solidFill>
+                  <a:srgbClr val="242424"/>
+                </a:solidFill>
+                <a:effectLst/>
+                <a:latin typeface="-apple-system"/>
+              </a:rPr>
+              <a:t>5fc44c7342b84f50f24758e39c8848b2f0991e8817ef5465844f5f2ff6085a57</a:t>
+            </a:r>
+            <a:br>
+              <a:rPr lang="en-US" sz="700" b="0" i="0" dirty="0">
+                <a:solidFill>
+                  <a:srgbClr val="242424"/>
+                </a:solidFill>
+                <a:effectLst/>
+                <a:latin typeface="-apple-system"/>
+              </a:rPr>
+            </a:br>
+            <a:r>
+              <a:rPr lang="en-US" sz="700" b="0" i="0" dirty="0">
+                <a:solidFill>
+                  <a:srgbClr val="242424"/>
+                </a:solidFill>
+                <a:effectLst/>
+                <a:latin typeface="-apple-system"/>
+              </a:rPr>
+              <a:t>6cff0bbd62efe99f381e5cc0c4182b0fb7a9a34e4be9ce68ee6b0d0ea3eee39c</a:t>
+            </a:r>
+          </a:p>
+          <a:p>
+            <a:pPr algn="l"/>
+            <a:r>
+              <a:rPr lang="en-US" sz="700" b="0" i="0" dirty="0">
+                <a:solidFill>
+                  <a:srgbClr val="242424"/>
+                </a:solidFill>
+                <a:effectLst/>
+                <a:latin typeface="-apple-system"/>
+              </a:rPr>
+              <a:t> </a:t>
+            </a:r>
+          </a:p>
+          <a:p>
+            <a:pPr algn="l"/>
+            <a:r>
+              <a:rPr lang="en-US" sz="700" b="0" i="0" dirty="0">
+                <a:solidFill>
+                  <a:srgbClr val="242424"/>
+                </a:solidFill>
+                <a:effectLst/>
+                <a:latin typeface="-apple-system"/>
+              </a:rPr>
+              <a:t>Azov Ransomware:</a:t>
+            </a:r>
+            <a:br>
+              <a:rPr lang="en-US" sz="700" b="0" i="0" dirty="0">
+                <a:solidFill>
+                  <a:srgbClr val="242424"/>
+                </a:solidFill>
+                <a:effectLst/>
+                <a:latin typeface="-apple-system"/>
+              </a:rPr>
+            </a:br>
+            <a:r>
+              <a:rPr lang="en-US" sz="700" b="0" i="0" dirty="0">
+                <a:solidFill>
+                  <a:srgbClr val="242424"/>
+                </a:solidFill>
+                <a:effectLst/>
+                <a:latin typeface="-apple-system"/>
+              </a:rPr>
+              <a:t>b102ed1018de0b7faea37ca86f27ba3025c0c70f28417ac3e9ef09d32617f801</a:t>
+            </a:r>
+            <a:br>
+              <a:rPr lang="en-US" sz="700" b="0" i="0" dirty="0">
+                <a:solidFill>
+                  <a:srgbClr val="242424"/>
+                </a:solidFill>
+                <a:effectLst/>
+                <a:latin typeface="-apple-system"/>
+              </a:rPr>
+            </a:br>
+            <a:r>
+              <a:rPr lang="en-US" sz="700" b="0" i="0" dirty="0">
+                <a:solidFill>
+                  <a:srgbClr val="242424"/>
+                </a:solidFill>
+                <a:effectLst/>
+                <a:latin typeface="-apple-system"/>
+              </a:rPr>
+              <a:t>650f0d694c0928d88aeeed649cf629fc8a7bec604563bca716b1688227e0cc7e</a:t>
+            </a:r>
+          </a:p>
+          <a:p>
+            <a:pPr algn="l"/>
+            <a:r>
+              <a:rPr lang="en-US" sz="700" b="0" i="0" dirty="0">
+                <a:solidFill>
+                  <a:srgbClr val="242424"/>
+                </a:solidFill>
+                <a:effectLst/>
+                <a:latin typeface="-apple-system"/>
+              </a:rPr>
+              <a:t> </a:t>
+            </a:r>
+          </a:p>
+          <a:p>
+            <a:pPr algn="l"/>
+            <a:r>
+              <a:rPr lang="en-US" sz="700" b="0" i="0" dirty="0" err="1">
+                <a:solidFill>
+                  <a:srgbClr val="242424"/>
+                </a:solidFill>
+                <a:effectLst/>
+                <a:latin typeface="-apple-system"/>
+              </a:rPr>
+              <a:t>Somnia</a:t>
+            </a:r>
+            <a:r>
+              <a:rPr lang="en-US" sz="700" b="0" i="0" dirty="0">
+                <a:solidFill>
+                  <a:srgbClr val="242424"/>
+                </a:solidFill>
+                <a:effectLst/>
+                <a:latin typeface="-apple-system"/>
+              </a:rPr>
+              <a:t> Ransomware:</a:t>
+            </a:r>
+            <a:br>
+              <a:rPr lang="en-US" sz="700" b="0" i="0" dirty="0">
+                <a:solidFill>
+                  <a:srgbClr val="242424"/>
+                </a:solidFill>
+                <a:effectLst/>
+                <a:latin typeface="-apple-system"/>
+              </a:rPr>
+            </a:br>
+            <a:r>
+              <a:rPr lang="en-US" sz="700" b="0" i="0" dirty="0">
+                <a:solidFill>
+                  <a:srgbClr val="242424"/>
+                </a:solidFill>
+                <a:effectLst/>
+                <a:latin typeface="-apple-system"/>
+              </a:rPr>
+              <a:t>100c5e4d5b7e468f1f16b22c05b2ff1cfaa02eafa07447c7d83e2983e42647f0   </a:t>
+            </a:r>
+            <a:br>
+              <a:rPr lang="en-US" sz="700" b="0" i="0" dirty="0">
+                <a:solidFill>
+                  <a:srgbClr val="242424"/>
+                </a:solidFill>
+                <a:effectLst/>
+                <a:latin typeface="-apple-system"/>
+              </a:rPr>
+            </a:br>
+            <a:r>
+              <a:rPr lang="en-US" sz="700" b="0" i="0" dirty="0">
+                <a:solidFill>
+                  <a:srgbClr val="242424"/>
+                </a:solidFill>
+                <a:effectLst/>
+                <a:latin typeface="-apple-system"/>
+              </a:rPr>
+              <a:t>ac5e68c15f5094cc6efb8d25e1b2eb13d1b38b104f31e1c76ce472537d715e08</a:t>
+            </a:r>
+            <a:br>
+              <a:rPr lang="en-US" sz="700" b="0" i="0" dirty="0">
+                <a:solidFill>
+                  <a:srgbClr val="242424"/>
+                </a:solidFill>
+                <a:effectLst/>
+                <a:latin typeface="-apple-system"/>
+              </a:rPr>
+            </a:br>
+            <a:r>
+              <a:rPr lang="en-US" sz="700" b="0" i="0" dirty="0">
+                <a:solidFill>
+                  <a:srgbClr val="242424"/>
+                </a:solidFill>
+                <a:effectLst/>
+                <a:latin typeface="-apple-system"/>
+              </a:rPr>
+              <a:t>156965227cbeeb0e387cb83adb93ccb3225f598136a43f7f60974591c12fafcf</a:t>
+            </a:r>
+            <a:br>
+              <a:rPr lang="en-US" sz="700" b="0" i="0" dirty="0">
+                <a:solidFill>
+                  <a:srgbClr val="242424"/>
+                </a:solidFill>
+                <a:effectLst/>
+                <a:latin typeface="-apple-system"/>
+              </a:rPr>
+            </a:br>
+            <a:r>
+              <a:rPr lang="en-US" sz="700" b="0" i="0" dirty="0">
+                <a:solidFill>
+                  <a:srgbClr val="242424"/>
+                </a:solidFill>
+                <a:effectLst/>
+                <a:latin typeface="-apple-system"/>
+              </a:rPr>
+              <a:t>e449c28e658bafb7e32c89b07ddee36cadeddfc77f17dd1be801b134a6857aa9</a:t>
+            </a:r>
+          </a:p>
+          <a:p>
+            <a:pPr algn="l"/>
+            <a:r>
+              <a:rPr lang="en-US" sz="700" b="0" i="0" dirty="0">
+                <a:solidFill>
+                  <a:srgbClr val="242424"/>
+                </a:solidFill>
+                <a:effectLst/>
+                <a:latin typeface="-apple-system"/>
+              </a:rPr>
+              <a:t> </a:t>
+            </a:r>
+          </a:p>
+          <a:p>
+            <a:pPr algn="l"/>
+            <a:r>
+              <a:rPr lang="en-US" sz="700" b="0" i="0" dirty="0" err="1">
+                <a:solidFill>
+                  <a:srgbClr val="242424"/>
+                </a:solidFill>
+                <a:effectLst/>
+                <a:latin typeface="-apple-system"/>
+              </a:rPr>
+              <a:t>RansomBoggs</a:t>
+            </a:r>
+            <a:r>
+              <a:rPr lang="en-US" sz="700" b="0" i="0" dirty="0">
+                <a:solidFill>
+                  <a:srgbClr val="242424"/>
+                </a:solidFill>
+                <a:effectLst/>
+                <a:latin typeface="-apple-system"/>
+              </a:rPr>
+              <a:t>:</a:t>
+            </a:r>
+            <a:br>
+              <a:rPr lang="en-US" sz="700" b="0" i="0" dirty="0">
+                <a:solidFill>
+                  <a:srgbClr val="242424"/>
+                </a:solidFill>
+                <a:effectLst/>
+                <a:latin typeface="-apple-system"/>
+              </a:rPr>
+            </a:br>
+            <a:r>
+              <a:rPr lang="en-US" sz="700" b="0" i="0" dirty="0">
+                <a:solidFill>
+                  <a:srgbClr val="242424"/>
+                </a:solidFill>
+                <a:effectLst/>
+                <a:latin typeface="-apple-system"/>
+              </a:rPr>
+              <a:t>F4D1C047923B9D10031BB709AABF1A250AB0AAA2</a:t>
+            </a:r>
+            <a:br>
+              <a:rPr lang="en-US" sz="700" b="0" i="0" dirty="0">
+                <a:solidFill>
+                  <a:srgbClr val="242424"/>
+                </a:solidFill>
+                <a:effectLst/>
+                <a:latin typeface="-apple-system"/>
+              </a:rPr>
+            </a:br>
+            <a:r>
+              <a:rPr lang="en-US" sz="700" b="0" i="0" dirty="0">
+                <a:solidFill>
+                  <a:srgbClr val="242424"/>
+                </a:solidFill>
+                <a:effectLst/>
+                <a:latin typeface="-apple-system"/>
+              </a:rPr>
+              <a:t>021308C361C8DE7C38EF135BC3B53439EB4DA0B4</a:t>
+            </a:r>
+          </a:p>
+        </p:txBody>
+      </p:sp>
+    </p:spTree>
+    <p:extLst>
+      <p:ext uri="{BB962C8B-B14F-4D97-AF65-F5344CB8AC3E}">
+        <p14:creationId xmlns:p14="http://schemas.microsoft.com/office/powerpoint/2010/main" val="1121817214"/>
+      </p:ext>
+    </p:extLst>
+  </p:cSld>
+  <p:clrMapOvr>
+    <a:masterClrMapping/>
+  </p:clrMapOvr>
+</p:sld>
+</file>
+
+<file path=ppt/slides/slide27.xml><?xml version="1.0" encoding="utf-8"?>
+<p:sld xmlns:a="http://schemas.openxmlformats.org/drawingml/2006/main" xmlns:r="http://schemas.openxmlformats.org/officeDocument/2006/relationships" xmlns:p="http://schemas.openxmlformats.org/presentationml/2006/main">
+  <p:cSld>
+    <p:spTree>
+      <p:nvGrpSpPr>
+        <p:cNvPr id="1" name=""/>
+        <p:cNvGrpSpPr/>
+        <p:nvPr/>
+      </p:nvGrpSpPr>
+      <p:grpSpPr>
+        <a:xfrm>
+          <a:off x="0" y="0"/>
+          <a:ext cx="0" cy="0"/>
+          <a:chOff x="0" y="0"/>
+          <a:chExt cx="0" cy="0"/>
+        </a:xfrm>
+      </p:grpSpPr>
+      <p:sp>
+        <p:nvSpPr>
+          <p:cNvPr id="2" name="Title 1">
+            <a:extLst>
+              <a:ext uri="{FF2B5EF4-FFF2-40B4-BE49-F238E27FC236}">
+                <a16:creationId xmlns:a16="http://schemas.microsoft.com/office/drawing/2014/main" id="{33E22B25-0BC7-4042-AC6B-4912E1449ABF}"/>
+              </a:ext>
+            </a:extLst>
+          </p:cNvPr>
+          <p:cNvSpPr>
+            <a:spLocks noGrp="1"/>
+          </p:cNvSpPr>
+          <p:nvPr>
+            <p:ph type="title"/>
+          </p:nvPr>
+        </p:nvSpPr>
+        <p:spPr/>
+        <p:txBody>
+          <a:bodyPr/>
+          <a:lstStyle/>
+          <a:p>
+            <a:r>
+              <a:rPr lang="en-US" dirty="0"/>
+              <a:t>References</a:t>
+            </a:r>
+          </a:p>
+        </p:txBody>
+      </p:sp>
+      <p:sp>
+        <p:nvSpPr>
+          <p:cNvPr id="3" name="Content Placeholder 2">
+            <a:extLst>
+              <a:ext uri="{FF2B5EF4-FFF2-40B4-BE49-F238E27FC236}">
+                <a16:creationId xmlns:a16="http://schemas.microsoft.com/office/drawing/2014/main" id="{7FB9362C-9568-40A3-BCF8-017D15EC725E}"/>
+              </a:ext>
+            </a:extLst>
+          </p:cNvPr>
+          <p:cNvSpPr>
+            <a:spLocks noGrp="1"/>
+          </p:cNvSpPr>
+          <p:nvPr>
+            <p:ph idx="1"/>
+          </p:nvPr>
+        </p:nvSpPr>
+        <p:spPr/>
+        <p:txBody>
+          <a:bodyPr/>
+          <a:lstStyle/>
+          <a:p>
+            <a:pPr algn="just">
+              <a:buFont typeface="+mj-lt"/>
+              <a:buAutoNum type="arabicPeriod"/>
+            </a:pPr>
+            <a:r>
+              <a:rPr lang="en-US" sz="800" dirty="0">
+                <a:effectLst/>
+              </a:rPr>
+              <a:t>03, B.T.M.R.M. </a:t>
+            </a:r>
+            <a:r>
+              <a:rPr lang="en-US" sz="800" i="1" dirty="0">
+                <a:effectLst/>
+              </a:rPr>
+              <a:t>et al.</a:t>
+            </a:r>
+            <a:r>
+              <a:rPr lang="en-US" sz="800" dirty="0">
+                <a:effectLst/>
+              </a:rPr>
+              <a:t> (2022) </a:t>
+            </a:r>
+            <a:r>
+              <a:rPr lang="en-US" sz="800" i="1" dirty="0">
+                <a:effectLst/>
+              </a:rPr>
+              <a:t>Cyberattacks are prominent in the Russia-Ukraine conflict</a:t>
+            </a:r>
+            <a:r>
+              <a:rPr lang="en-US" sz="800" dirty="0">
+                <a:effectLst/>
+              </a:rPr>
+              <a:t>, </a:t>
+            </a:r>
+            <a:r>
+              <a:rPr lang="en-US" sz="800" i="1" dirty="0">
+                <a:effectLst/>
+              </a:rPr>
+              <a:t>Trend Micro</a:t>
+            </a:r>
+            <a:r>
+              <a:rPr lang="en-US" sz="800" dirty="0">
+                <a:effectLst/>
+              </a:rPr>
+              <a:t>. Available at: https://www.trendmicro.com/en_us/research/22/c/cyberattacks-are-prominent-in-the-russia-ukraine-conflict.html (Accessed: December 22, 2022). </a:t>
+            </a:r>
+          </a:p>
+          <a:p>
+            <a:pPr algn="just">
+              <a:buFont typeface="+mj-lt"/>
+              <a:buAutoNum type="arabicPeriod"/>
+            </a:pPr>
+            <a:r>
+              <a:rPr lang="en-US" sz="800" i="1" dirty="0">
+                <a:effectLst/>
+              </a:rPr>
+              <a:t>CERT-UA</a:t>
+            </a:r>
+            <a:r>
+              <a:rPr lang="en-US" sz="800" dirty="0">
+                <a:effectLst/>
+              </a:rPr>
+              <a:t> (no date) </a:t>
+            </a:r>
+            <a:r>
+              <a:rPr lang="en-US" sz="800" i="1" dirty="0">
+                <a:effectLst/>
+              </a:rPr>
+              <a:t>cert.gov.ua</a:t>
+            </a:r>
+            <a:r>
+              <a:rPr lang="en-US" sz="800" dirty="0">
+                <a:effectLst/>
+              </a:rPr>
+              <a:t>. Available at: https://cert.gov.ua/article/2724253 (Accessed: December 22, 2022). </a:t>
+            </a:r>
+          </a:p>
+          <a:p>
+            <a:pPr algn="just">
+              <a:buFont typeface="+mj-lt"/>
+              <a:buAutoNum type="arabicPeriod"/>
+            </a:pPr>
+            <a:r>
+              <a:rPr lang="en-US" sz="800" i="1" dirty="0">
+                <a:effectLst/>
+              </a:rPr>
+              <a:t>Cyber War and Ukraine</a:t>
+            </a:r>
+            <a:r>
+              <a:rPr lang="en-US" sz="800" dirty="0">
+                <a:effectLst/>
+              </a:rPr>
+              <a:t> (2022) </a:t>
+            </a:r>
+            <a:r>
+              <a:rPr lang="en-US" sz="800" i="1" dirty="0">
+                <a:effectLst/>
+              </a:rPr>
+              <a:t>Cyber War and Ukraine | Center for Strategic and International Studies</a:t>
+            </a:r>
+            <a:r>
+              <a:rPr lang="en-US" sz="800" dirty="0">
+                <a:effectLst/>
+              </a:rPr>
+              <a:t>. Available at: https://www.csis.org/analysis/cyber-war-and-ukraine (Accessed: December 22, 2022). </a:t>
+            </a:r>
+          </a:p>
+          <a:p>
+            <a:pPr algn="just">
+              <a:buFont typeface="+mj-lt"/>
+              <a:buAutoNum type="arabicPeriod"/>
+            </a:pPr>
+            <a:r>
+              <a:rPr lang="en-US" sz="800" dirty="0" err="1">
+                <a:effectLst/>
+              </a:rPr>
+              <a:t>Eset</a:t>
+            </a:r>
+            <a:r>
+              <a:rPr lang="en-US" sz="800" dirty="0">
+                <a:effectLst/>
+              </a:rPr>
+              <a:t> (no date) </a:t>
+            </a:r>
+            <a:r>
+              <a:rPr lang="en-US" sz="800" i="1" dirty="0">
+                <a:effectLst/>
+              </a:rPr>
+              <a:t>Malware-IOC/</a:t>
+            </a:r>
+            <a:r>
+              <a:rPr lang="en-US" sz="800" i="1" dirty="0" err="1">
+                <a:effectLst/>
+              </a:rPr>
+              <a:t>ua_wipers</a:t>
+            </a:r>
+            <a:r>
+              <a:rPr lang="en-US" sz="800" i="1" dirty="0">
+                <a:effectLst/>
+              </a:rPr>
+              <a:t> at master · </a:t>
+            </a:r>
+            <a:r>
+              <a:rPr lang="en-US" sz="800" i="1" dirty="0" err="1">
+                <a:effectLst/>
+              </a:rPr>
+              <a:t>eset</a:t>
+            </a:r>
+            <a:r>
+              <a:rPr lang="en-US" sz="800" i="1" dirty="0">
+                <a:effectLst/>
+              </a:rPr>
+              <a:t>/malware-IOC</a:t>
+            </a:r>
+            <a:r>
+              <a:rPr lang="en-US" sz="800" dirty="0">
+                <a:effectLst/>
+              </a:rPr>
+              <a:t>, </a:t>
+            </a:r>
+            <a:r>
+              <a:rPr lang="en-US" sz="800" i="1" dirty="0">
+                <a:effectLst/>
+              </a:rPr>
+              <a:t>GitHub</a:t>
+            </a:r>
+            <a:r>
+              <a:rPr lang="en-US" sz="800" dirty="0">
+                <a:effectLst/>
+              </a:rPr>
+              <a:t>. Available at: https://github.com/eset/malware-ioc/tree/master/ua_wipers (Accessed: December 22, 2022). </a:t>
+            </a:r>
+          </a:p>
+          <a:p>
+            <a:pPr algn="just">
+              <a:buFont typeface="+mj-lt"/>
+              <a:buAutoNum type="arabicPeriod"/>
+            </a:pPr>
+            <a:r>
+              <a:rPr lang="en-US" sz="800" i="1" dirty="0">
+                <a:effectLst/>
+              </a:rPr>
+              <a:t>Flash notice: </a:t>
+            </a:r>
+            <a:r>
+              <a:rPr lang="en-US" sz="800" i="1" dirty="0" err="1">
+                <a:effectLst/>
+              </a:rPr>
+              <a:t>Hermeticwizard</a:t>
+            </a:r>
+            <a:r>
+              <a:rPr lang="en-US" sz="800" i="1" dirty="0">
+                <a:effectLst/>
+              </a:rPr>
+              <a:t>, </a:t>
+            </a:r>
+            <a:r>
+              <a:rPr lang="en-US" sz="800" i="1" dirty="0" err="1">
+                <a:effectLst/>
+              </a:rPr>
+              <a:t>Hermeticransom</a:t>
+            </a:r>
+            <a:r>
+              <a:rPr lang="en-US" sz="800" i="1" dirty="0">
+                <a:effectLst/>
+              </a:rPr>
+              <a:t>, and </a:t>
+            </a:r>
+            <a:r>
+              <a:rPr lang="en-US" sz="800" i="1" dirty="0" err="1">
+                <a:effectLst/>
+              </a:rPr>
+              <a:t>Isaacwiper</a:t>
+            </a:r>
+            <a:r>
+              <a:rPr lang="en-US" sz="800" i="1" dirty="0">
+                <a:effectLst/>
+              </a:rPr>
+              <a:t> Target </a:t>
+            </a:r>
+            <a:r>
+              <a:rPr lang="en-US" sz="800" i="1" dirty="0" err="1">
+                <a:effectLst/>
+              </a:rPr>
+              <a:t>ukraine</a:t>
+            </a:r>
+            <a:r>
+              <a:rPr lang="en-US" sz="800" dirty="0">
+                <a:effectLst/>
+              </a:rPr>
+              <a:t> (no date) </a:t>
+            </a:r>
+            <a:r>
+              <a:rPr lang="en-US" sz="800" i="1" dirty="0" err="1">
+                <a:effectLst/>
+              </a:rPr>
+              <a:t>Avertium</a:t>
+            </a:r>
+            <a:r>
+              <a:rPr lang="en-US" sz="800" dirty="0">
+                <a:effectLst/>
+              </a:rPr>
+              <a:t>. Available at: https://www.avertium.com/blog/hermeticwizard-hermeticransom-isaacwiper-target-ukraine (Accessed: December 22, 2022). </a:t>
+            </a:r>
+          </a:p>
+          <a:p>
+            <a:pPr algn="just">
+              <a:buFont typeface="+mj-lt"/>
+              <a:buAutoNum type="arabicPeriod"/>
+            </a:pPr>
+            <a:r>
+              <a:rPr lang="en-US" sz="800" dirty="0" err="1">
+                <a:effectLst/>
+              </a:rPr>
+              <a:t>Horejsi</a:t>
+            </a:r>
+            <a:r>
+              <a:rPr lang="en-US" sz="800" dirty="0">
+                <a:effectLst/>
+              </a:rPr>
+              <a:t>, B.J. </a:t>
+            </a:r>
+            <a:r>
+              <a:rPr lang="en-US" sz="800" i="1" dirty="0">
+                <a:effectLst/>
+              </a:rPr>
+              <a:t>et al.</a:t>
+            </a:r>
+            <a:r>
+              <a:rPr lang="en-US" sz="800" dirty="0">
+                <a:effectLst/>
+              </a:rPr>
+              <a:t> (2022) </a:t>
+            </a:r>
+            <a:r>
+              <a:rPr lang="en-US" sz="800" i="1" dirty="0">
+                <a:effectLst/>
+              </a:rPr>
+              <a:t>New </a:t>
+            </a:r>
+            <a:r>
+              <a:rPr lang="en-US" sz="800" i="1" dirty="0" err="1">
+                <a:effectLst/>
+              </a:rPr>
+              <a:t>Ruransom</a:t>
+            </a:r>
+            <a:r>
+              <a:rPr lang="en-US" sz="800" i="1" dirty="0">
+                <a:effectLst/>
+              </a:rPr>
+              <a:t> Wiper targets Russia</a:t>
+            </a:r>
+            <a:r>
+              <a:rPr lang="en-US" sz="800" dirty="0">
+                <a:effectLst/>
+              </a:rPr>
+              <a:t>, </a:t>
+            </a:r>
+            <a:r>
+              <a:rPr lang="en-US" sz="800" i="1" dirty="0">
+                <a:effectLst/>
+              </a:rPr>
+              <a:t>Trend Micro</a:t>
+            </a:r>
+            <a:r>
+              <a:rPr lang="en-US" sz="800" dirty="0">
+                <a:effectLst/>
+              </a:rPr>
+              <a:t>. Available at: https://www.trendmicro.com/en_us/research/22/c/new-ruransom-wiper-targets-russia.html (Accessed: December 22, 2022). </a:t>
+            </a:r>
+          </a:p>
+          <a:p>
+            <a:pPr algn="just">
+              <a:buFont typeface="+mj-lt"/>
+              <a:buAutoNum type="arabicPeriod"/>
+            </a:pPr>
+            <a:r>
+              <a:rPr lang="en-US" sz="800" i="1" dirty="0">
+                <a:effectLst/>
+              </a:rPr>
+              <a:t>Industroyer2 - i.blackhat.com</a:t>
+            </a:r>
+            <a:r>
+              <a:rPr lang="en-US" sz="800" dirty="0">
+                <a:effectLst/>
+              </a:rPr>
+              <a:t> (no date). Available at: https://i.blackhat.com/USA-22/Wednesday/US-22-Cherepanov-Industroyer2-Sandworms-Cyberwarfare-Targets-Ukraines-Power-Grid-Again.pdf (Accessed: December 22, 2022). </a:t>
+            </a:r>
+          </a:p>
+          <a:p>
+            <a:pPr algn="just">
+              <a:buFont typeface="+mj-lt"/>
+              <a:buAutoNum type="arabicPeriod"/>
+            </a:pPr>
+            <a:r>
+              <a:rPr lang="en-US" sz="800" i="1" dirty="0">
+                <a:effectLst/>
+              </a:rPr>
+              <a:t>Microsoft special report on Ukraine cyberactivity via Russia -</a:t>
+            </a:r>
+            <a:r>
+              <a:rPr lang="en-US" sz="800" dirty="0">
+                <a:effectLst/>
+              </a:rPr>
+              <a:t> (no date). Available at: https://query.prod.cms.rt.microsoft.com/cms/api/am/binary/RE4Vwwd (Accessed: December 22, 2022). </a:t>
+            </a:r>
+          </a:p>
+          <a:p>
+            <a:pPr algn="just">
+              <a:buFont typeface="+mj-lt"/>
+              <a:buAutoNum type="arabicPeriod"/>
+            </a:pPr>
+            <a:r>
+              <a:rPr lang="en-US" sz="800" i="1" dirty="0">
+                <a:effectLst/>
+              </a:rPr>
+              <a:t>Pulling the curtains on Azov ransomware: Not a </a:t>
+            </a:r>
+            <a:r>
+              <a:rPr lang="en-US" sz="800" i="1" dirty="0" err="1">
+                <a:effectLst/>
+              </a:rPr>
+              <a:t>skidsware</a:t>
+            </a:r>
+            <a:r>
+              <a:rPr lang="en-US" sz="800" i="1" dirty="0">
+                <a:effectLst/>
+              </a:rPr>
+              <a:t> but polymorphic wiper</a:t>
+            </a:r>
+            <a:r>
+              <a:rPr lang="en-US" sz="800" dirty="0">
+                <a:effectLst/>
+              </a:rPr>
+              <a:t> (no date) </a:t>
+            </a:r>
+            <a:r>
+              <a:rPr lang="en-US" sz="800" i="1" dirty="0">
+                <a:effectLst/>
+              </a:rPr>
+              <a:t>Pulling the Curtains on Azov Ransomware: Not a </a:t>
+            </a:r>
+            <a:r>
+              <a:rPr lang="en-US" sz="800" i="1" dirty="0" err="1">
+                <a:effectLst/>
+              </a:rPr>
+              <a:t>Skidsware</a:t>
+            </a:r>
+            <a:r>
+              <a:rPr lang="en-US" sz="800" i="1" dirty="0">
+                <a:effectLst/>
+              </a:rPr>
+              <a:t> but Polymorphic Wiper – Check Point Research</a:t>
+            </a:r>
+            <a:r>
+              <a:rPr lang="en-US" sz="800" dirty="0">
+                <a:effectLst/>
+              </a:rPr>
+              <a:t>. Available at: https://research.checkpoint.com/2022/pulling-the-curtains-on-azov-ransomware-not-a-skidsware-but-polymorphic-wiper/ (Accessed: December 22, 2022). </a:t>
+            </a:r>
+          </a:p>
+          <a:p>
+            <a:pPr algn="just">
+              <a:buFont typeface="+mj-lt"/>
+              <a:buAutoNum type="arabicPeriod"/>
+            </a:pPr>
+            <a:r>
+              <a:rPr lang="en-US" sz="800" i="1" dirty="0">
+                <a:effectLst/>
+              </a:rPr>
+              <a:t>Russia's war on Ukraine: Timeline of cyber-attacks - </a:t>
+            </a:r>
+            <a:r>
+              <a:rPr lang="en-US" sz="800" i="1" dirty="0" err="1">
+                <a:effectLst/>
+              </a:rPr>
+              <a:t>european</a:t>
+            </a:r>
+            <a:r>
+              <a:rPr lang="en-US" sz="800" i="1" dirty="0">
+                <a:effectLst/>
+              </a:rPr>
+              <a:t> parliament</a:t>
+            </a:r>
+            <a:r>
+              <a:rPr lang="en-US" sz="800" dirty="0">
+                <a:effectLst/>
+              </a:rPr>
+              <a:t> (no date). Available at: https://www.europarl.europa.eu/RegData/etudes/BRIE/2022/733549/EPRS_BRI(2022)733549_EN.pdf (Accessed: December 22, 2022). </a:t>
+            </a:r>
+          </a:p>
+          <a:p>
+            <a:pPr algn="just">
+              <a:buFont typeface="+mj-lt"/>
+              <a:buAutoNum type="arabicPeriod"/>
+            </a:pPr>
+            <a:r>
+              <a:rPr lang="en-US" sz="800" i="1" dirty="0">
+                <a:effectLst/>
+              </a:rPr>
+              <a:t>Ukraine: A timeline of cyberattacks</a:t>
+            </a:r>
+            <a:r>
+              <a:rPr lang="en-US" sz="800" dirty="0">
+                <a:effectLst/>
+              </a:rPr>
+              <a:t> (2022) </a:t>
+            </a:r>
+            <a:r>
+              <a:rPr lang="en-US" sz="800" i="1" dirty="0" err="1">
+                <a:effectLst/>
+              </a:rPr>
+              <a:t>CyberPeace</a:t>
+            </a:r>
+            <a:r>
+              <a:rPr lang="en-US" sz="800" i="1" dirty="0">
+                <a:effectLst/>
+              </a:rPr>
+              <a:t> Institute</a:t>
+            </a:r>
+            <a:r>
+              <a:rPr lang="en-US" sz="800" dirty="0">
+                <a:effectLst/>
+              </a:rPr>
+              <a:t>. Available at: https://cyberpeaceinstitute.org/ukraine-timeline-of-cyberattacks/ (Accessed: December 22, 2022). </a:t>
+            </a:r>
+          </a:p>
+          <a:p>
+            <a:pPr algn="just">
+              <a:buFont typeface="+mj-lt"/>
+              <a:buAutoNum type="arabicPeriod"/>
+            </a:pPr>
+            <a:endParaRPr lang="en-US" sz="800" dirty="0">
+              <a:effectLst/>
+            </a:endParaRPr>
+          </a:p>
+          <a:p>
+            <a:pPr algn="just">
+              <a:buFont typeface="+mj-lt"/>
+              <a:buAutoNum type="arabicPeriod"/>
+            </a:pPr>
+            <a:endParaRPr lang="en-US" sz="800" dirty="0">
+              <a:effectLst/>
+            </a:endParaRPr>
+          </a:p>
+          <a:p>
+            <a:pPr algn="just">
+              <a:buFont typeface="+mj-lt"/>
+              <a:buAutoNum type="arabicPeriod"/>
+            </a:pPr>
+            <a:endParaRPr lang="en-US" sz="800" dirty="0">
+              <a:effectLst/>
+            </a:endParaRPr>
+          </a:p>
+          <a:p>
+            <a:pPr algn="just">
+              <a:buFont typeface="+mj-lt"/>
+              <a:buAutoNum type="arabicPeriod"/>
+            </a:pPr>
+            <a:endParaRPr lang="en-US" sz="800" dirty="0">
+              <a:effectLst/>
+            </a:endParaRPr>
+          </a:p>
+          <a:p>
+            <a:pPr algn="just">
+              <a:buFont typeface="+mj-lt"/>
+              <a:buAutoNum type="arabicPeriod"/>
+            </a:pPr>
+            <a:endParaRPr lang="en-US" sz="800" dirty="0">
+              <a:effectLst/>
+            </a:endParaRPr>
+          </a:p>
+          <a:p>
+            <a:pPr algn="just">
+              <a:buFont typeface="+mj-lt"/>
+              <a:buAutoNum type="arabicPeriod"/>
+            </a:pPr>
+            <a:endParaRPr lang="en-US" sz="800" dirty="0">
+              <a:effectLst/>
+            </a:endParaRPr>
+          </a:p>
+          <a:p>
+            <a:pPr algn="just">
+              <a:buFont typeface="+mj-lt"/>
+              <a:buAutoNum type="arabicPeriod"/>
+            </a:pPr>
+            <a:endParaRPr lang="en-US" sz="800" dirty="0">
+              <a:effectLst/>
+            </a:endParaRPr>
+          </a:p>
+          <a:p>
+            <a:pPr algn="just">
+              <a:buFont typeface="+mj-lt"/>
+              <a:buAutoNum type="arabicPeriod"/>
+            </a:pPr>
+            <a:endParaRPr lang="en-US" sz="900" dirty="0">
+              <a:effectLst/>
+            </a:endParaRPr>
+          </a:p>
+          <a:p>
+            <a:pPr marL="0" indent="0" algn="just">
+              <a:buNone/>
+            </a:pPr>
+            <a:endParaRPr lang="en-US" dirty="0"/>
+          </a:p>
+        </p:txBody>
+      </p:sp>
+      <p:sp>
+        <p:nvSpPr>
+          <p:cNvPr id="4" name="Slide Number Placeholder 3">
+            <a:extLst>
+              <a:ext uri="{FF2B5EF4-FFF2-40B4-BE49-F238E27FC236}">
+                <a16:creationId xmlns:a16="http://schemas.microsoft.com/office/drawing/2014/main" id="{F17926BD-D277-4EE7-8D7D-6E469FED8C6A}"/>
+              </a:ext>
+            </a:extLst>
+          </p:cNvPr>
+          <p:cNvSpPr>
+            <a:spLocks noGrp="1"/>
+          </p:cNvSpPr>
+          <p:nvPr>
+            <p:ph type="sldNum" sz="quarter" idx="10"/>
+          </p:nvPr>
+        </p:nvSpPr>
+        <p:spPr/>
+        <p:txBody>
+          <a:bodyPr/>
+          <a:lstStyle/>
+          <a:p>
+            <a:pPr>
+              <a:defRPr/>
+            </a:pPr>
+            <a:fld id="{EF611178-6C3A-F247-8731-699DBDA96700}" type="slidenum">
+              <a:rPr lang="en-US" altLang="en-US" smtClean="0"/>
+              <a:pPr>
+                <a:defRPr/>
+              </a:pPr>
+              <a:t>27</a:t>
+            </a:fld>
+            <a:endParaRPr lang="en-US" altLang="en-US" dirty="0"/>
+          </a:p>
+        </p:txBody>
+      </p:sp>
+    </p:spTree>
+    <p:extLst>
+      <p:ext uri="{BB962C8B-B14F-4D97-AF65-F5344CB8AC3E}">
+        <p14:creationId xmlns:p14="http://schemas.microsoft.com/office/powerpoint/2010/main" val="3938467632"/>
+      </p:ext>
+    </p:extLst>
+  </p:cSld>
+  <p:clrMapOvr>
+    <a:masterClrMapping/>
+  </p:clrMapOvr>
+</p:sld>
+</file>
+
+<file path=ppt/slides/slide28.xml><?xml version="1.0" encoding="utf-8"?>
 <p:sld xmlns:a="http://schemas.openxmlformats.org/drawingml/2006/main" xmlns:r="http://schemas.openxmlformats.org/officeDocument/2006/relationships" xmlns:p="http://schemas.openxmlformats.org/presentationml/2006/main">
   <p:cSld>
     <p:spTree>
@@ -18637,7 +20776,7 @@
               <a:pPr>
                 <a:defRPr/>
               </a:pPr>
-              <a:t>26</a:t>
+              <a:t>28</a:t>
             </a:fld>
             <a:endParaRPr lang="en-US" altLang="en-US" dirty="0"/>
           </a:p>

--- a/Tv0.pptx
+++ b/Tv0.pptx
@@ -5,10 +5,10 @@
     <p:sldMasterId id="2147483728" r:id="rId4"/>
   </p:sldMasterIdLst>
   <p:notesMasterIdLst>
-    <p:notesMasterId r:id="rId36"/>
+    <p:notesMasterId r:id="rId38"/>
   </p:notesMasterIdLst>
   <p:handoutMasterIdLst>
-    <p:handoutMasterId r:id="rId37"/>
+    <p:handoutMasterId r:id="rId39"/>
   </p:handoutMasterIdLst>
   <p:sldIdLst>
     <p:sldId id="265" r:id="rId5"/>
@@ -26,22 +26,24 @@
     <p:sldId id="1100" r:id="rId17"/>
     <p:sldId id="1117" r:id="rId18"/>
     <p:sldId id="1118" r:id="rId19"/>
-    <p:sldId id="1084" r:id="rId20"/>
-    <p:sldId id="1086" r:id="rId21"/>
-    <p:sldId id="1092" r:id="rId22"/>
-    <p:sldId id="1094" r:id="rId23"/>
-    <p:sldId id="1115" r:id="rId24"/>
-    <p:sldId id="1116" r:id="rId25"/>
-    <p:sldId id="1114" r:id="rId26"/>
-    <p:sldId id="1060" r:id="rId27"/>
-    <p:sldId id="1106" r:id="rId28"/>
-    <p:sldId id="1107" r:id="rId29"/>
-    <p:sldId id="1108" r:id="rId30"/>
-    <p:sldId id="1109" r:id="rId31"/>
-    <p:sldId id="1110" r:id="rId32"/>
-    <p:sldId id="1111" r:id="rId33"/>
-    <p:sldId id="1112" r:id="rId34"/>
-    <p:sldId id="1113" r:id="rId35"/>
+    <p:sldId id="1119" r:id="rId20"/>
+    <p:sldId id="1120" r:id="rId21"/>
+    <p:sldId id="1084" r:id="rId22"/>
+    <p:sldId id="1086" r:id="rId23"/>
+    <p:sldId id="1092" r:id="rId24"/>
+    <p:sldId id="1094" r:id="rId25"/>
+    <p:sldId id="1115" r:id="rId26"/>
+    <p:sldId id="1116" r:id="rId27"/>
+    <p:sldId id="1114" r:id="rId28"/>
+    <p:sldId id="1060" r:id="rId29"/>
+    <p:sldId id="1106" r:id="rId30"/>
+    <p:sldId id="1107" r:id="rId31"/>
+    <p:sldId id="1108" r:id="rId32"/>
+    <p:sldId id="1109" r:id="rId33"/>
+    <p:sldId id="1110" r:id="rId34"/>
+    <p:sldId id="1111" r:id="rId35"/>
+    <p:sldId id="1112" r:id="rId36"/>
+    <p:sldId id="1113" r:id="rId37"/>
   </p:sldIdLst>
   <p:sldSz cx="9144000" cy="5143500" type="screen16x9"/>
   <p:notesSz cx="6858000" cy="9144000"/>
@@ -190,6 +192,8 @@
             <p14:sldId id="1100"/>
             <p14:sldId id="1117"/>
             <p14:sldId id="1118"/>
+            <p14:sldId id="1119"/>
+            <p14:sldId id="1120"/>
             <p14:sldId id="1084"/>
             <p14:sldId id="1086"/>
             <p14:sldId id="1092"/>
@@ -328,7 +332,7 @@
               <a:pPr>
                 <a:defRPr/>
               </a:pPr>
-              <a:t>12/23/2022</a:t>
+              <a:t>12/28/2022</a:t>
             </a:fld>
             <a:endParaRPr lang="en-US" altLang="en-US" dirty="0"/>
           </a:p>
@@ -546,7 +550,7 @@
               <a:pPr>
                 <a:defRPr/>
               </a:pPr>
-              <a:t>12/23/2022</a:t>
+              <a:t>12/28/2022</a:t>
             </a:fld>
             <a:endParaRPr lang="en-US" altLang="en-US" dirty="0"/>
           </a:p>
@@ -3683,7 +3687,7 @@
               </a14:hiddenLine>
             </a:ext>
             <a:ext uri="{FAA26D3D-D897-4be2-8F04-BA451C77F1D7}">
-              <ma14:placeholderFlag xmlns:ma14="http://schemas.microsoft.com/office/mac/drawingml/2011/main" xmlns="" val="1"/>
+              <ma14:placeholderFlag xmlns="" xmlns:ma14="http://schemas.microsoft.com/office/mac/drawingml/2011/main" val="1"/>
             </a:ext>
           </a:extLst>
         </p:spPr>
@@ -3744,7 +3748,7 @@
               </a14:hiddenLine>
             </a:ext>
             <a:ext uri="{FAA26D3D-D897-4be2-8F04-BA451C77F1D7}">
-              <ma14:placeholderFlag xmlns:ma14="http://schemas.microsoft.com/office/mac/drawingml/2011/main" xmlns="" val="1"/>
+              <ma14:placeholderFlag xmlns="" xmlns:ma14="http://schemas.microsoft.com/office/mac/drawingml/2011/main" val="1"/>
             </a:ext>
           </a:extLst>
         </p:spPr>
@@ -5107,7 +5111,7 @@
               </a14:hiddenLine>
             </a:ext>
             <a:ext uri="{FAA26D3D-D897-4be2-8F04-BA451C77F1D7}">
-              <ma14:placeholderFlag xmlns:ma14="http://schemas.microsoft.com/office/mac/drawingml/2011/main" xmlns="" val="1"/>
+              <ma14:placeholderFlag xmlns="" xmlns:ma14="http://schemas.microsoft.com/office/mac/drawingml/2011/main" val="1"/>
             </a:ext>
           </a:extLst>
         </p:spPr>
@@ -8356,7 +8360,7 @@
           <p:cNvPr id="2" name="Title 1">
             <a:extLst>
               <a:ext uri="{FF2B5EF4-FFF2-40B4-BE49-F238E27FC236}">
-                <a16:creationId xmlns:a16="http://schemas.microsoft.com/office/drawing/2014/main" id="{C409238B-44DD-4DB5-8B6E-10ADB24E7110}"/>
+                <a16:creationId xmlns:a16="http://schemas.microsoft.com/office/drawing/2014/main" id="{D914C05E-C5A4-4A5C-ABCA-BD4135FEE9A8}"/>
               </a:ext>
             </a:extLst>
           </p:cNvPr>
@@ -8374,15 +8378,110 @@
           <a:p>
             <a:r>
               <a:rPr lang="en-US" dirty="0"/>
-              <a:t>Detective measures</a:t>
-            </a:r>
+              <a:t>Consequences </a:t>
+            </a:r>
+          </a:p>
+        </p:txBody>
+      </p:sp>
+      <p:sp>
+        <p:nvSpPr>
+          <p:cNvPr id="3" name="Content Placeholder 2">
+            <a:extLst>
+              <a:ext uri="{FF2B5EF4-FFF2-40B4-BE49-F238E27FC236}">
+                <a16:creationId xmlns:a16="http://schemas.microsoft.com/office/drawing/2014/main" id="{9A04E8FA-F392-4971-9F9E-5B90AEC554BA}"/>
+              </a:ext>
+            </a:extLst>
+          </p:cNvPr>
+          <p:cNvSpPr>
+            <a:spLocks noGrp="1"/>
+          </p:cNvSpPr>
+          <p:nvPr>
+            <p:ph idx="1"/>
+          </p:nvPr>
+        </p:nvSpPr>
+        <p:spPr/>
+        <p:txBody>
+          <a:bodyPr/>
+          <a:lstStyle/>
+          <a:p>
+            <a:r>
+              <a:rPr lang="en-US" dirty="0"/>
+              <a:t>Most strategically impactful cyber operation in wartime history.</a:t>
+            </a:r>
+          </a:p>
+          <a:p>
+            <a:r>
+              <a:rPr lang="en-US" dirty="0"/>
+              <a:t>Ability to paralyze Ukrainian </a:t>
+            </a:r>
+            <a:r>
+              <a:rPr lang="en-US" dirty="0" err="1"/>
+              <a:t>decisionmaking</a:t>
+            </a:r>
+            <a:r>
+              <a:rPr lang="en-US" dirty="0"/>
+              <a:t> and critical infrastructure</a:t>
+            </a:r>
+          </a:p>
+          <a:p>
+            <a:r>
+              <a:rPr lang="en-US" dirty="0"/>
+              <a:t>Signs of coordination between Russian kinetic and cyber operations</a:t>
+            </a:r>
+          </a:p>
+          <a:p>
+            <a:r>
+              <a:rPr lang="en-US" dirty="0"/>
+              <a:t>Cyber operations intended to disrupt, destroy, or manipulate data or systems.</a:t>
+            </a:r>
+          </a:p>
+          <a:p>
+            <a:endParaRPr lang="en-US" dirty="0"/>
+          </a:p>
+          <a:p>
+            <a:endParaRPr lang="en-US" dirty="0"/>
+          </a:p>
+        </p:txBody>
+      </p:sp>
+      <p:sp>
+        <p:nvSpPr>
+          <p:cNvPr id="4" name="Slide Number Placeholder 3">
+            <a:extLst>
+              <a:ext uri="{FF2B5EF4-FFF2-40B4-BE49-F238E27FC236}">
+                <a16:creationId xmlns:a16="http://schemas.microsoft.com/office/drawing/2014/main" id="{4A4BE3FE-F50F-4C0F-8D24-F00FF97B451C}"/>
+              </a:ext>
+            </a:extLst>
+          </p:cNvPr>
+          <p:cNvSpPr>
+            <a:spLocks noGrp="1"/>
+          </p:cNvSpPr>
+          <p:nvPr>
+            <p:ph type="sldNum" sz="quarter" idx="10"/>
+          </p:nvPr>
+        </p:nvSpPr>
+        <p:spPr/>
+        <p:txBody>
+          <a:bodyPr/>
+          <a:lstStyle/>
+          <a:p>
+            <a:pPr>
+              <a:defRPr/>
+            </a:pPr>
+            <a:fld id="{EF611178-6C3A-F247-8731-699DBDA96700}" type="slidenum">
+              <a:rPr lang="en-US" altLang="en-US" smtClean="0"/>
+              <a:pPr>
+                <a:defRPr/>
+              </a:pPr>
+              <a:t>16</a:t>
+            </a:fld>
+            <a:endParaRPr lang="en-US" altLang="en-US" dirty="0"/>
           </a:p>
         </p:txBody>
       </p:sp>
     </p:spTree>
     <p:extLst>
       <p:ext uri="{BB962C8B-B14F-4D97-AF65-F5344CB8AC3E}">
-        <p14:creationId xmlns:p14="http://schemas.microsoft.com/office/powerpoint/2010/main" val="743756930"/>
+        <p14:creationId xmlns:p14="http://schemas.microsoft.com/office/powerpoint/2010/main" val="3036752505"/>
       </p:ext>
     </p:extLst>
   </p:cSld>
@@ -8414,7 +8513,7 @@
           <p:cNvPr id="2" name="Title 1">
             <a:extLst>
               <a:ext uri="{FF2B5EF4-FFF2-40B4-BE49-F238E27FC236}">
-                <a16:creationId xmlns:a16="http://schemas.microsoft.com/office/drawing/2014/main" id="{0C17933A-AE99-4576-A3F2-841E11B0E41C}"/>
+                <a16:creationId xmlns:a16="http://schemas.microsoft.com/office/drawing/2014/main" id="{70F06D3F-4E84-4D19-9DFE-6831F107DB93}"/>
               </a:ext>
             </a:extLst>
           </p:cNvPr>
@@ -8431,18 +8530,9 @@
           <a:lstStyle/>
           <a:p>
             <a:r>
-              <a:rPr lang="es-ES" dirty="0" err="1"/>
-              <a:t>Defence</a:t>
-            </a:r>
-            <a:r>
-              <a:rPr lang="es-ES" dirty="0"/>
-              <a:t> </a:t>
-            </a:r>
-            <a:r>
-              <a:rPr lang="es-ES" dirty="0" err="1"/>
-              <a:t>techniques</a:t>
-            </a:r>
-            <a:endParaRPr lang="en-US" dirty="0"/>
+              <a:rPr lang="en-US" dirty="0"/>
+              <a:t>Risks</a:t>
+            </a:r>
           </a:p>
         </p:txBody>
       </p:sp>
@@ -8451,7 +8541,7 @@
           <p:cNvPr id="3" name="Content Placeholder 2">
             <a:extLst>
               <a:ext uri="{FF2B5EF4-FFF2-40B4-BE49-F238E27FC236}">
-                <a16:creationId xmlns:a16="http://schemas.microsoft.com/office/drawing/2014/main" id="{DED16646-EF83-4F77-B356-81354B4C7E07}"/>
+                <a16:creationId xmlns:a16="http://schemas.microsoft.com/office/drawing/2014/main" id="{2C669999-AFFC-493B-A950-E457B309BB67}"/>
               </a:ext>
             </a:extLst>
           </p:cNvPr>
@@ -8464,30 +8554,129 @@
         </p:nvSpPr>
         <p:spPr>
           <a:xfrm>
-            <a:off x="298450" y="711995"/>
-            <a:ext cx="8229600" cy="3831379"/>
+            <a:off x="457200" y="769351"/>
+            <a:ext cx="8229600" cy="4283096"/>
           </a:xfrm>
         </p:spPr>
         <p:txBody>
           <a:bodyPr/>
           <a:lstStyle/>
           <a:p>
-            <a:pPr marL="0" indent="0">
-              <a:buNone/>
-            </a:pPr>
-            <a:endParaRPr lang="en-US" dirty="0"/>
-          </a:p>
-          <a:p>
-            <a:pPr marL="0" indent="0">
-              <a:buNone/>
-            </a:pPr>
-            <a:endParaRPr lang="en-US" dirty="0"/>
-          </a:p>
-          <a:p>
-            <a:pPr marL="0" indent="0">
-              <a:buNone/>
-            </a:pPr>
-            <a:endParaRPr lang="en-US" dirty="0"/>
+            <a:r>
+              <a:rPr lang="en-US" sz="2000" dirty="0"/>
+              <a:t>Ukrainian President Volodymyr Zelensky accused Russia of ‘</a:t>
+            </a:r>
+            <a:r>
+              <a:rPr lang="en-US" sz="2000" dirty="0">
+                <a:solidFill>
+                  <a:srgbClr val="FF0000"/>
+                </a:solidFill>
+              </a:rPr>
+              <a:t>energy terrorism</a:t>
+            </a:r>
+            <a:r>
+              <a:rPr lang="en-US" sz="2000" dirty="0"/>
+              <a:t>’ and said that about </a:t>
+            </a:r>
+            <a:r>
+              <a:rPr lang="en-US" sz="2000" dirty="0">
+                <a:solidFill>
+                  <a:srgbClr val="FF0000"/>
+                </a:solidFill>
+              </a:rPr>
+              <a:t>4.5 million Ukrainian consumers </a:t>
+            </a:r>
+            <a:r>
+              <a:rPr lang="en-US" sz="2000" dirty="0"/>
+              <a:t>were temporarily disconnected from the power supply.</a:t>
+            </a:r>
+          </a:p>
+          <a:p>
+            <a:r>
+              <a:rPr lang="en-US" sz="2000" dirty="0"/>
+              <a:t>Also referred to the </a:t>
+            </a:r>
+            <a:r>
+              <a:rPr lang="en-US" sz="2000" dirty="0">
+                <a:solidFill>
+                  <a:srgbClr val="FF0000"/>
+                </a:solidFill>
+              </a:rPr>
+              <a:t>water shortages.</a:t>
+            </a:r>
+          </a:p>
+          <a:p>
+            <a:r>
+              <a:rPr lang="en-US" sz="2000" dirty="0"/>
+              <a:t>includes a hack, which the White House blamed on the Kremlin, that </a:t>
+            </a:r>
+            <a:r>
+              <a:rPr lang="en-US" sz="2000" dirty="0">
+                <a:solidFill>
+                  <a:schemeClr val="tx2"/>
+                </a:solidFill>
+              </a:rPr>
+              <a:t>disrupted satellite internet communications </a:t>
+            </a:r>
+            <a:r>
+              <a:rPr lang="en-US" sz="2000" dirty="0"/>
+              <a:t>in Ukraine on the eve of Russia’s invasion.</a:t>
+            </a:r>
+          </a:p>
+          <a:p>
+            <a:r>
+              <a:rPr lang="en-US" sz="2000" dirty="0"/>
+              <a:t>2017;NotPetya that wiped computer systems at companies </a:t>
+            </a:r>
+            <a:r>
+              <a:rPr lang="en-US" sz="2000" dirty="0">
+                <a:solidFill>
+                  <a:schemeClr val="tx2"/>
+                </a:solidFill>
+              </a:rPr>
+              <a:t>across Ukraine before spreading around the world</a:t>
+            </a:r>
+            <a:r>
+              <a:rPr lang="en-US" sz="2000" dirty="0"/>
+              <a:t>; The incident cost the </a:t>
+            </a:r>
+            <a:r>
+              <a:rPr lang="en-US" sz="2000" dirty="0">
+                <a:solidFill>
+                  <a:schemeClr val="tx2"/>
+                </a:solidFill>
+              </a:rPr>
+              <a:t>global economy billions of dollars </a:t>
+            </a:r>
+            <a:r>
+              <a:rPr lang="en-US" sz="2000" dirty="0"/>
+              <a:t>by disrupting shipping giant Maersk and other multinational firms.</a:t>
+            </a:r>
+          </a:p>
+          <a:p>
+            <a:r>
+              <a:rPr lang="en-US" sz="2000" dirty="0"/>
+              <a:t>Groups are working right now on some high-complexity attacks that </a:t>
+            </a:r>
+            <a:r>
+              <a:rPr lang="en-US" sz="2000" dirty="0">
+                <a:solidFill>
+                  <a:schemeClr val="tx2"/>
+                </a:solidFill>
+              </a:rPr>
+              <a:t>we will observe later on.</a:t>
+            </a:r>
+            <a:endParaRPr lang="en-US" sz="2000" dirty="0"/>
+          </a:p>
+          <a:p>
+            <a:endParaRPr lang="en-US" sz="2000" dirty="0">
+              <a:solidFill>
+                <a:srgbClr val="FF0000"/>
+              </a:solidFill>
+            </a:endParaRPr>
+          </a:p>
+          <a:p>
+            <a:endParaRPr lang="en-US" sz="2000" dirty="0"/>
           </a:p>
         </p:txBody>
       </p:sp>
@@ -8496,7 +8685,7 @@
           <p:cNvPr id="4" name="Slide Number Placeholder 3">
             <a:extLst>
               <a:ext uri="{FF2B5EF4-FFF2-40B4-BE49-F238E27FC236}">
-                <a16:creationId xmlns:a16="http://schemas.microsoft.com/office/drawing/2014/main" id="{69F5284C-39D5-4681-949A-217F10D7D860}"/>
+                <a16:creationId xmlns:a16="http://schemas.microsoft.com/office/drawing/2014/main" id="{FF77C03C-26A4-445E-A1E8-792A306BA133}"/>
               </a:ext>
             </a:extLst>
           </p:cNvPr>
@@ -8526,538 +8715,10 @@
           </a:p>
         </p:txBody>
       </p:sp>
-      <p:sp>
-        <p:nvSpPr>
-          <p:cNvPr id="6" name="TextBox 5">
-            <a:extLst>
-              <a:ext uri="{FF2B5EF4-FFF2-40B4-BE49-F238E27FC236}">
-                <a16:creationId xmlns:a16="http://schemas.microsoft.com/office/drawing/2014/main" id="{6331D4E9-29B8-4820-8BD6-BE87437DBA1B}"/>
-              </a:ext>
-            </a:extLst>
-          </p:cNvPr>
-          <p:cNvSpPr txBox="1"/>
-          <p:nvPr/>
-        </p:nvSpPr>
-        <p:spPr>
-          <a:xfrm>
-            <a:off x="1920949" y="1360967"/>
-            <a:ext cx="184731" cy="492443"/>
-          </a:xfrm>
-          <a:prstGeom prst="rect">
-            <a:avLst/>
-          </a:prstGeom>
-          <a:noFill/>
-        </p:spPr>
-        <p:txBody>
-          <a:bodyPr wrap="none" rtlCol="0">
-            <a:spAutoFit/>
-          </a:bodyPr>
-          <a:lstStyle/>
-          <a:p>
-            <a:endParaRPr lang="en-US" sz="800" dirty="0">
-              <a:effectLst/>
-              <a:latin typeface="ui-monospace"/>
-            </a:endParaRPr>
-          </a:p>
-          <a:p>
-            <a:endParaRPr lang="en-US" dirty="0"/>
-          </a:p>
-        </p:txBody>
-      </p:sp>
-      <p:sp>
-        <p:nvSpPr>
-          <p:cNvPr id="9" name="TextBox 8">
-            <a:extLst>
-              <a:ext uri="{FF2B5EF4-FFF2-40B4-BE49-F238E27FC236}">
-                <a16:creationId xmlns:a16="http://schemas.microsoft.com/office/drawing/2014/main" id="{B54AAC5F-85B0-46D7-A801-8A61D176FC77}"/>
-              </a:ext>
-            </a:extLst>
-          </p:cNvPr>
-          <p:cNvSpPr txBox="1"/>
-          <p:nvPr/>
-        </p:nvSpPr>
-        <p:spPr>
-          <a:xfrm>
-            <a:off x="120502" y="711995"/>
-            <a:ext cx="8942218" cy="3970318"/>
-          </a:xfrm>
-          <a:prstGeom prst="rect">
-            <a:avLst/>
-          </a:prstGeom>
-          <a:noFill/>
-        </p:spPr>
-        <p:txBody>
-          <a:bodyPr wrap="square">
-            <a:spAutoFit/>
-          </a:bodyPr>
-          <a:lstStyle/>
-          <a:p>
-            <a:r>
-              <a:rPr lang="en-US" sz="1050" dirty="0"/>
-              <a:t>_import "pe"</a:t>
-            </a:r>
-          </a:p>
-          <a:p>
-            <a:r>
-              <a:rPr lang="en-US" sz="1050" dirty="0"/>
-              <a:t>rule </a:t>
-            </a:r>
-            <a:r>
-              <a:rPr lang="en-US" sz="1050" dirty="0" err="1"/>
-              <a:t>ransomware_ZZ_azov_wiper</a:t>
-            </a:r>
-            <a:r>
-              <a:rPr lang="en-US" sz="1050" dirty="0"/>
-              <a:t> {</a:t>
-            </a:r>
-          </a:p>
-          <a:p>
-            <a:r>
-              <a:rPr lang="en-US" sz="1050" dirty="0">
-                <a:solidFill>
-                  <a:schemeClr val="tx1">
-                    <a:lumMod val="60000"/>
-                    <a:lumOff val="40000"/>
-                  </a:schemeClr>
-                </a:solidFill>
-              </a:rPr>
-              <a:t>    meta:</a:t>
-            </a:r>
-          </a:p>
-          <a:p>
-            <a:r>
-              <a:rPr lang="en-US" sz="1050" dirty="0">
-                <a:solidFill>
-                  <a:schemeClr val="tx1">
-                    <a:lumMod val="60000"/>
-                    <a:lumOff val="40000"/>
-                  </a:schemeClr>
-                </a:solidFill>
-              </a:rPr>
-              <a:t>            description = "Detects original and backdoored files with new and old versions of </a:t>
-            </a:r>
-            <a:r>
-              <a:rPr lang="en-US" sz="1050" dirty="0" err="1">
-                <a:solidFill>
-                  <a:schemeClr val="tx1">
-                    <a:lumMod val="60000"/>
-                    <a:lumOff val="40000"/>
-                  </a:schemeClr>
-                </a:solidFill>
-              </a:rPr>
-              <a:t>azov</a:t>
-            </a:r>
-            <a:r>
-              <a:rPr lang="en-US" sz="1050" dirty="0">
-                <a:solidFill>
-                  <a:schemeClr val="tx1">
-                    <a:lumMod val="60000"/>
-                    <a:lumOff val="40000"/>
-                  </a:schemeClr>
-                </a:solidFill>
-              </a:rPr>
-              <a:t> ransomware - polymorphic wiper"</a:t>
-            </a:r>
-          </a:p>
-          <a:p>
-            <a:r>
-              <a:rPr lang="en-US" sz="1050" dirty="0">
-                <a:solidFill>
-                  <a:schemeClr val="tx1">
-                    <a:lumMod val="60000"/>
-                    <a:lumOff val="40000"/>
-                  </a:schemeClr>
-                </a:solidFill>
-              </a:rPr>
-              <a:t>      author = "Jiri </a:t>
-            </a:r>
-            <a:r>
-              <a:rPr lang="en-US" sz="1050" dirty="0" err="1">
-                <a:solidFill>
-                  <a:schemeClr val="tx1">
-                    <a:lumMod val="60000"/>
-                    <a:lumOff val="40000"/>
-                  </a:schemeClr>
-                </a:solidFill>
-              </a:rPr>
-              <a:t>Vinopal</a:t>
-            </a:r>
-            <a:r>
-              <a:rPr lang="en-US" sz="1050" dirty="0">
-                <a:solidFill>
-                  <a:schemeClr val="tx1">
-                    <a:lumMod val="60000"/>
-                    <a:lumOff val="40000"/>
-                  </a:schemeClr>
-                </a:solidFill>
-              </a:rPr>
-              <a:t> (</a:t>
-            </a:r>
-            <a:r>
-              <a:rPr lang="en-US" sz="1050" dirty="0" err="1">
-                <a:solidFill>
-                  <a:schemeClr val="tx1">
-                    <a:lumMod val="60000"/>
-                    <a:lumOff val="40000"/>
-                  </a:schemeClr>
-                </a:solidFill>
-              </a:rPr>
-              <a:t>jiriv</a:t>
-            </a:r>
-            <a:r>
-              <a:rPr lang="en-US" sz="1050" dirty="0">
-                <a:solidFill>
-                  <a:schemeClr val="tx1">
-                    <a:lumMod val="60000"/>
-                    <a:lumOff val="40000"/>
-                  </a:schemeClr>
-                </a:solidFill>
-              </a:rPr>
-              <a:t>)"</a:t>
-            </a:r>
-          </a:p>
-          <a:p>
-            <a:r>
-              <a:rPr lang="en-US" sz="1050" dirty="0">
-                <a:solidFill>
-                  <a:schemeClr val="tx1">
-                    <a:lumMod val="60000"/>
-                    <a:lumOff val="40000"/>
-                  </a:schemeClr>
-                </a:solidFill>
-              </a:rPr>
-              <a:t>      date = "2022-11-14"</a:t>
-            </a:r>
-          </a:p>
-          <a:p>
-            <a:r>
-              <a:rPr lang="en-US" sz="1050" dirty="0">
-                <a:solidFill>
-                  <a:schemeClr val="tx1">
-                    <a:lumMod val="60000"/>
-                    <a:lumOff val="40000"/>
-                  </a:schemeClr>
-                </a:solidFill>
-              </a:rPr>
-              <a:t>            </a:t>
-            </a:r>
-            <a:r>
-              <a:rPr lang="en-US" sz="1050" dirty="0" err="1">
-                <a:solidFill>
-                  <a:schemeClr val="tx1">
-                    <a:lumMod val="60000"/>
-                    <a:lumOff val="40000"/>
-                  </a:schemeClr>
-                </a:solidFill>
-              </a:rPr>
-              <a:t>hash_azov_new</a:t>
-            </a:r>
-            <a:r>
-              <a:rPr lang="en-US" sz="1050" dirty="0">
-                <a:solidFill>
-                  <a:schemeClr val="tx1">
-                    <a:lumMod val="60000"/>
-                    <a:lumOff val="40000"/>
-                  </a:schemeClr>
-                </a:solidFill>
-              </a:rPr>
-              <a:t> = "650f0d694c0928d88aeeed649cf629fc8a7bec604563bca716b1688227e0cc7e"</a:t>
-            </a:r>
-          </a:p>
-          <a:p>
-            <a:r>
-              <a:rPr lang="en-US" sz="1050" dirty="0">
-                <a:solidFill>
-                  <a:schemeClr val="tx1">
-                    <a:lumMod val="60000"/>
-                    <a:lumOff val="40000"/>
-                  </a:schemeClr>
-                </a:solidFill>
-              </a:rPr>
-              <a:t>            </a:t>
-            </a:r>
-            <a:r>
-              <a:rPr lang="en-US" sz="1050" dirty="0" err="1">
-                <a:solidFill>
-                  <a:schemeClr val="tx1">
-                    <a:lumMod val="60000"/>
-                    <a:lumOff val="40000"/>
-                  </a:schemeClr>
-                </a:solidFill>
-              </a:rPr>
-              <a:t>hash_azov_old</a:t>
-            </a:r>
-            <a:r>
-              <a:rPr lang="en-US" sz="1050" dirty="0">
-                <a:solidFill>
-                  <a:schemeClr val="tx1">
-                    <a:lumMod val="60000"/>
-                    <a:lumOff val="40000"/>
-                  </a:schemeClr>
-                </a:solidFill>
-              </a:rPr>
-              <a:t> = "b102ed1018de0b7faea37ca86f27ba3025c0c70f28417ac3e9ef09d32617f801"</a:t>
-            </a:r>
-          </a:p>
-          <a:p>
-            <a:r>
-              <a:rPr lang="en-US" sz="1050" dirty="0"/>
-              <a:t>    strings:</a:t>
-            </a:r>
-          </a:p>
-          <a:p>
-            <a:r>
-              <a:rPr lang="en-US" sz="1050" dirty="0"/>
-              <a:t>    // Opcodes of allocating and decrypting shellcode routine</a:t>
-            </a:r>
-          </a:p>
-          <a:p>
-            <a:r>
-              <a:rPr lang="en-US" sz="1050" dirty="0"/>
-              <a:t>        $</a:t>
-            </a:r>
-            <a:r>
-              <a:rPr lang="en-US" sz="1050" dirty="0" err="1"/>
-              <a:t>unpacking_azov_new</a:t>
-            </a:r>
-            <a:r>
-              <a:rPr lang="en-US" sz="1050" dirty="0"/>
-              <a:t> = { </a:t>
-            </a:r>
-            <a:r>
-              <a:rPr lang="en-US" sz="1050" dirty="0">
-                <a:highlight>
-                  <a:srgbClr val="C0C0C0"/>
-                </a:highlight>
-              </a:rPr>
-              <a:t>48 83 </a:t>
-            </a:r>
-            <a:r>
-              <a:rPr lang="en-US" sz="1050" dirty="0" err="1">
-                <a:highlight>
-                  <a:srgbClr val="C0C0C0"/>
-                </a:highlight>
-              </a:rPr>
-              <a:t>ec</a:t>
-            </a:r>
-            <a:r>
-              <a:rPr lang="en-US" sz="1050" dirty="0">
-                <a:highlight>
-                  <a:srgbClr val="C0C0C0"/>
-                </a:highlight>
-              </a:rPr>
-              <a:t> ?? 58 48 01 c8 48 81 </a:t>
-            </a:r>
-            <a:r>
-              <a:rPr lang="en-US" sz="1050" dirty="0" err="1">
-                <a:highlight>
-                  <a:srgbClr val="C0C0C0"/>
-                </a:highlight>
-              </a:rPr>
-              <a:t>ec</a:t>
-            </a:r>
-            <a:r>
-              <a:rPr lang="en-US" sz="1050" dirty="0">
-                <a:highlight>
-                  <a:srgbClr val="C0C0C0"/>
-                </a:highlight>
-              </a:rPr>
-              <a:t> ?? ?? ?? ?? 48 83 </a:t>
-            </a:r>
-            <a:r>
-              <a:rPr lang="en-US" sz="1050" dirty="0" err="1">
-                <a:highlight>
-                  <a:srgbClr val="C0C0C0"/>
-                </a:highlight>
-              </a:rPr>
-              <a:t>ec</a:t>
-            </a:r>
-            <a:r>
-              <a:rPr lang="en-US" sz="1050" dirty="0">
-                <a:highlight>
-                  <a:srgbClr val="C0C0C0"/>
-                </a:highlight>
-              </a:rPr>
-              <a:t> ?? 40 80 e4 ?? c6 45 ?? 56 c6 45 ?? 69 c6 45 ?? 72 c6 45 ?? 74 c6 45 ?? 75 c6 45 ?? 61 c6 45 ?? 6c c6 45 ?? 41 c6 45 ?? 6c c6 45 ?? 6c c6 45 ?? 6f c6 45 ?? 63 c6 45 ?? 00 48 89 74 24 ?? 48 83 </a:t>
-            </a:r>
-            <a:r>
-              <a:rPr lang="en-US" sz="1050" dirty="0" err="1">
-                <a:highlight>
-                  <a:srgbClr val="C0C0C0"/>
-                </a:highlight>
-              </a:rPr>
-              <a:t>ec</a:t>
-            </a:r>
-            <a:r>
-              <a:rPr lang="en-US" sz="1050" dirty="0">
-                <a:highlight>
-                  <a:srgbClr val="C0C0C0"/>
-                </a:highlight>
-              </a:rPr>
-              <a:t> ?? 48 83 c4 ?? 48 8b 4c 24 ?? 48 8d 55 ?? ff d0 48 83 </a:t>
-            </a:r>
-            <a:r>
-              <a:rPr lang="en-US" sz="1050" dirty="0" err="1">
-                <a:highlight>
-                  <a:srgbClr val="C0C0C0"/>
-                </a:highlight>
-              </a:rPr>
-              <a:t>ec</a:t>
-            </a:r>
-            <a:r>
-              <a:rPr lang="en-US" sz="1050" dirty="0">
-                <a:highlight>
-                  <a:srgbClr val="C0C0C0"/>
-                </a:highlight>
-              </a:rPr>
-              <a:t> ?? 48 c7 04 24 ?? ?? ?? ?? 48 83 c4 ?? 48 8b 4c 24 ?? 48 c7 c2 ?? ?? ?? ?? 49 c7 c0 ?? ?? ?? ?? 49 c7 c1 ?? ?? ?? ?? ff d0 48 c7 c1 ?? ?? ?? ?? 4c 8d 0d ?? ?? ?? ?? 48 ff c9 41 8a 14 09 88 14 08 48 85 c9 75 ?? 48 c7 c1 ?? ?? ?? ?? 41 b9 ?? ?? ?? ?? 41 </a:t>
-            </a:r>
-            <a:r>
-              <a:rPr lang="en-US" sz="1050" dirty="0" err="1">
-                <a:highlight>
-                  <a:srgbClr val="C0C0C0"/>
-                </a:highlight>
-              </a:rPr>
-              <a:t>ba</a:t>
-            </a:r>
-            <a:r>
-              <a:rPr lang="en-US" sz="1050" dirty="0">
-                <a:highlight>
-                  <a:srgbClr val="C0C0C0"/>
-                </a:highlight>
-              </a:rPr>
-              <a:t> ?? ?? ?? ?? 48 ff c9 8a 14 08 44 30 ca 88 14 08 41 81 </a:t>
-            </a:r>
-            <a:r>
-              <a:rPr lang="en-US" sz="1050" dirty="0" err="1">
-                <a:highlight>
-                  <a:srgbClr val="C0C0C0"/>
-                </a:highlight>
-              </a:rPr>
-              <a:t>ea</a:t>
-            </a:r>
-            <a:r>
-              <a:rPr lang="en-US" sz="1050" dirty="0">
-                <a:highlight>
-                  <a:srgbClr val="C0C0C0"/>
-                </a:highlight>
-              </a:rPr>
-              <a:t> ?? ?? ?? ?? 45 01 d1 41 81 c1 ?? ?? ?? ?? 41 81 c2 ?? ?? ?? ?? 41 d1 c1 48 85 c9 </a:t>
-            </a:r>
-            <a:r>
-              <a:rPr lang="en-US" sz="1050" dirty="0"/>
-              <a:t>}</a:t>
-            </a:r>
-          </a:p>
-          <a:p>
-            <a:endParaRPr lang="en-US" sz="1050" dirty="0"/>
-          </a:p>
-          <a:p>
-            <a:r>
-              <a:rPr lang="en-US" sz="1050" dirty="0"/>
-              <a:t>        $</a:t>
-            </a:r>
-            <a:r>
-              <a:rPr lang="en-US" sz="1050" dirty="0" err="1"/>
-              <a:t>unpacking_azov_old</a:t>
-            </a:r>
-            <a:r>
-              <a:rPr lang="en-US" sz="1050" dirty="0"/>
-              <a:t> = { </a:t>
-            </a:r>
-            <a:r>
-              <a:rPr lang="en-US" sz="1050" dirty="0">
-                <a:highlight>
-                  <a:srgbClr val="C0C0C0"/>
-                </a:highlight>
-              </a:rPr>
-              <a:t>48 01 c8 48 05 ?? ?? ?? ?? 48 81 c1 ?? ?? ?? ?? 48 81 </a:t>
-            </a:r>
-            <a:r>
-              <a:rPr lang="en-US" sz="1050" dirty="0" err="1">
-                <a:highlight>
-                  <a:srgbClr val="C0C0C0"/>
-                </a:highlight>
-              </a:rPr>
-              <a:t>ec</a:t>
-            </a:r>
-            <a:r>
-              <a:rPr lang="en-US" sz="1050" dirty="0">
-                <a:highlight>
-                  <a:srgbClr val="C0C0C0"/>
-                </a:highlight>
-              </a:rPr>
-              <a:t> ?? ?? ?? ?? 48 83 </a:t>
-            </a:r>
-            <a:r>
-              <a:rPr lang="en-US" sz="1050" dirty="0" err="1">
-                <a:highlight>
-                  <a:srgbClr val="C0C0C0"/>
-                </a:highlight>
-              </a:rPr>
-              <a:t>ec</a:t>
-            </a:r>
-            <a:r>
-              <a:rPr lang="en-US" sz="1050" dirty="0">
-                <a:highlight>
-                  <a:srgbClr val="C0C0C0"/>
-                </a:highlight>
-              </a:rPr>
-              <a:t> ?? 40 80 e4 ?? c6 45 ?? 56 c6 45 ?? 69 c6 45 ?? 72 c6 45 ?? 74 c6 45 ?? 75 c6 45 ?? 61 c6 45 ?? 6c c6 45 ?? 41 c6 45 ?? 6c c6 45 ?? 6c c6 45 ?? 6f c6 45 ?? 63 c6 45 ?? 00 48 83 e1 ?? 48 01 f1 48 8d 55 ?? ff d0 48 83 </a:t>
-            </a:r>
-            <a:r>
-              <a:rPr lang="en-US" sz="1050" dirty="0" err="1">
-                <a:highlight>
-                  <a:srgbClr val="C0C0C0"/>
-                </a:highlight>
-              </a:rPr>
-              <a:t>ec</a:t>
-            </a:r>
-            <a:r>
-              <a:rPr lang="en-US" sz="1050" dirty="0">
-                <a:highlight>
-                  <a:srgbClr val="C0C0C0"/>
-                </a:highlight>
-              </a:rPr>
-              <a:t> ?? 48 c7 04 24 ?? ?? ?? ?? 48 83 c4 ?? 48 8b 4c 24 ?? 48 c7 c2 ?? ?? ?? ?? 49 c7 c0 ?? ?? ?? ?? 49 c7 c1 ?? ?? ?? ?? ff d0 48 c7 c1 ?? ?? ?? ?? 4c 8d 0d ?? ?? ?? ?? 48 ff c9 41 8a 14 09 88 14 08 48 85 c9</a:t>
-            </a:r>
-            <a:r>
-              <a:rPr lang="en-US" sz="1050" dirty="0"/>
-              <a:t> }</a:t>
-            </a:r>
-          </a:p>
-          <a:p>
-            <a:r>
-              <a:rPr lang="en-US" sz="1050" dirty="0"/>
-              <a:t>    condition:</a:t>
-            </a:r>
-          </a:p>
-          <a:p>
-            <a:r>
-              <a:rPr lang="en-US" sz="1050" dirty="0"/>
-              <a:t>        uint16(0) == 0x5a4d and  pe.is_64bit() and  any of ($</a:t>
-            </a:r>
-            <a:r>
-              <a:rPr lang="en-US" sz="1050" dirty="0" err="1"/>
-              <a:t>unpacking_azov</a:t>
-            </a:r>
-            <a:r>
-              <a:rPr lang="en-US" sz="1050" dirty="0"/>
-              <a:t>_*)</a:t>
-            </a:r>
-          </a:p>
-          <a:p>
-            <a:r>
-              <a:rPr lang="en-US" sz="1050" dirty="0"/>
-              <a:t>}</a:t>
-            </a:r>
-          </a:p>
-        </p:txBody>
-      </p:sp>
     </p:spTree>
     <p:extLst>
       <p:ext uri="{BB962C8B-B14F-4D97-AF65-F5344CB8AC3E}">
-        <p14:creationId xmlns:p14="http://schemas.microsoft.com/office/powerpoint/2010/main" val="1447566618"/>
+        <p14:creationId xmlns:p14="http://schemas.microsoft.com/office/powerpoint/2010/main" val="2405264546"/>
       </p:ext>
     </p:extLst>
   </p:cSld>
@@ -9106,17 +8767,16 @@
           <a:lstStyle/>
           <a:p>
             <a:r>
-              <a:rPr lang="en-US" dirty="0" err="1"/>
-              <a:t>Recomendations</a:t>
-            </a:r>
-            <a:endParaRPr lang="en-US" dirty="0"/>
+              <a:rPr lang="en-US" dirty="0"/>
+              <a:t>Detective measures</a:t>
+            </a:r>
           </a:p>
         </p:txBody>
       </p:sp>
     </p:spTree>
     <p:extLst>
       <p:ext uri="{BB962C8B-B14F-4D97-AF65-F5344CB8AC3E}">
-        <p14:creationId xmlns:p14="http://schemas.microsoft.com/office/powerpoint/2010/main" val="1645650643"/>
+        <p14:creationId xmlns:p14="http://schemas.microsoft.com/office/powerpoint/2010/main" val="743756930"/>
       </p:ext>
     </p:extLst>
   </p:cSld>
@@ -9148,7 +8808,7 @@
           <p:cNvPr id="2" name="Title 1">
             <a:extLst>
               <a:ext uri="{FF2B5EF4-FFF2-40B4-BE49-F238E27FC236}">
-                <a16:creationId xmlns:a16="http://schemas.microsoft.com/office/drawing/2014/main" id="{15763D13-8966-4494-98F8-533B641DD12B}"/>
+                <a16:creationId xmlns:a16="http://schemas.microsoft.com/office/drawing/2014/main" id="{0C17933A-AE99-4576-A3F2-841E11B0E41C}"/>
               </a:ext>
             </a:extLst>
           </p:cNvPr>
@@ -9165,9 +8825,18 @@
           <a:lstStyle/>
           <a:p>
             <a:r>
-              <a:rPr lang="en-US" dirty="0"/>
-              <a:t>Threat Hunting</a:t>
-            </a:r>
+              <a:rPr lang="es-ES" dirty="0" err="1"/>
+              <a:t>Defence</a:t>
+            </a:r>
+            <a:r>
+              <a:rPr lang="es-ES" dirty="0"/>
+              <a:t> </a:t>
+            </a:r>
+            <a:r>
+              <a:rPr lang="es-ES" dirty="0" err="1"/>
+              <a:t>techniques</a:t>
+            </a:r>
+            <a:endParaRPr lang="en-US" dirty="0"/>
           </a:p>
         </p:txBody>
       </p:sp>
@@ -9176,7 +8845,7 @@
           <p:cNvPr id="3" name="Content Placeholder 2">
             <a:extLst>
               <a:ext uri="{FF2B5EF4-FFF2-40B4-BE49-F238E27FC236}">
-                <a16:creationId xmlns:a16="http://schemas.microsoft.com/office/drawing/2014/main" id="{12D0E9F5-9AE4-4497-ABCB-A24AD663020A}"/>
+                <a16:creationId xmlns:a16="http://schemas.microsoft.com/office/drawing/2014/main" id="{DED16646-EF83-4F77-B356-81354B4C7E07}"/>
               </a:ext>
             </a:extLst>
           </p:cNvPr>
@@ -9187,221 +8856,32 @@
             <p:ph idx="1"/>
           </p:nvPr>
         </p:nvSpPr>
-        <p:spPr/>
+        <p:spPr>
+          <a:xfrm>
+            <a:off x="298450" y="711995"/>
+            <a:ext cx="8229600" cy="3831379"/>
+          </a:xfrm>
+        </p:spPr>
         <p:txBody>
           <a:bodyPr/>
           <a:lstStyle/>
           <a:p>
-            <a:r>
-              <a:rPr lang="en-US" dirty="0" err="1">
-                <a:solidFill>
-                  <a:srgbClr val="FF0000"/>
-                </a:solidFill>
-              </a:rPr>
-              <a:t>VirusTotal</a:t>
-            </a:r>
-            <a:r>
-              <a:rPr lang="en-US" dirty="0">
-                <a:solidFill>
-                  <a:srgbClr val="FF0000"/>
-                </a:solidFill>
-              </a:rPr>
-              <a:t> query – </a:t>
-            </a:r>
-            <a:r>
-              <a:rPr lang="en-US" dirty="0"/>
-              <a:t>Azov-related samples</a:t>
-            </a:r>
-          </a:p>
-          <a:p>
-            <a:endParaRPr lang="en-US" dirty="0"/>
-          </a:p>
-          <a:p>
             <a:pPr marL="0" indent="0">
               <a:buNone/>
             </a:pPr>
-            <a:r>
-              <a:rPr lang="en-US" dirty="0">
-                <a:highlight>
-                  <a:srgbClr val="C0C0C0"/>
-                </a:highlight>
-              </a:rPr>
-              <a:t>(</a:t>
-            </a:r>
-            <a:r>
-              <a:rPr lang="en-US" dirty="0" err="1">
-                <a:highlight>
-                  <a:srgbClr val="C0C0C0"/>
-                </a:highlight>
-              </a:rPr>
-              <a:t>behaviour</a:t>
-            </a:r>
-            <a:r>
-              <a:rPr lang="en-US" dirty="0">
-                <a:highlight>
-                  <a:srgbClr val="C0C0C0"/>
-                </a:highlight>
-              </a:rPr>
-              <a:t>:'Local\\\\</a:t>
-            </a:r>
-            <a:r>
-              <a:rPr lang="en-US" dirty="0" err="1">
-                <a:highlight>
-                  <a:srgbClr val="C0C0C0"/>
-                </a:highlight>
-              </a:rPr>
-              <a:t>Kasimir</a:t>
-            </a:r>
-            <a:r>
-              <a:rPr lang="en-US" dirty="0">
-                <a:highlight>
-                  <a:srgbClr val="C0C0C0"/>
-                </a:highlight>
-              </a:rPr>
-              <a:t>_*’ </a:t>
-            </a:r>
+            <a:endParaRPr lang="en-US" dirty="0"/>
           </a:p>
           <a:p>
             <a:pPr marL="0" indent="0">
               <a:buNone/>
             </a:pPr>
-            <a:r>
-              <a:rPr lang="en-US" dirty="0">
-                <a:highlight>
-                  <a:srgbClr val="C0C0C0"/>
-                </a:highlight>
-              </a:rPr>
-              <a:t>OR </a:t>
-            </a:r>
-            <a:r>
-              <a:rPr lang="en-US" dirty="0" err="1">
-                <a:highlight>
-                  <a:srgbClr val="C0C0C0"/>
-                </a:highlight>
-              </a:rPr>
-              <a:t>behaviour</a:t>
-            </a:r>
-            <a:r>
-              <a:rPr lang="en-US" dirty="0">
-                <a:highlight>
-                  <a:srgbClr val="C0C0C0"/>
-                </a:highlight>
-              </a:rPr>
-              <a:t>:'Local\\\\</a:t>
-            </a:r>
-            <a:r>
-              <a:rPr lang="en-US" dirty="0" err="1">
-                <a:highlight>
-                  <a:srgbClr val="C0C0C0"/>
-                </a:highlight>
-              </a:rPr>
-              <a:t>azov</a:t>
-            </a:r>
-            <a:r>
-              <a:rPr lang="en-US" dirty="0">
-                <a:highlight>
-                  <a:srgbClr val="C0C0C0"/>
-                </a:highlight>
-              </a:rPr>
-              <a:t>’) </a:t>
-            </a:r>
+            <a:endParaRPr lang="en-US" dirty="0"/>
           </a:p>
           <a:p>
             <a:pPr marL="0" indent="0">
               <a:buNone/>
             </a:pPr>
-            <a:r>
-              <a:rPr lang="en-US" dirty="0"/>
-              <a:t>AND </a:t>
-            </a:r>
-          </a:p>
-          <a:p>
-            <a:pPr marL="0" indent="0">
-              <a:buNone/>
-            </a:pPr>
-            <a:r>
-              <a:rPr lang="en-US" dirty="0">
-                <a:highlight>
-                  <a:srgbClr val="C0C0C0"/>
-                </a:highlight>
-              </a:rPr>
-              <a:t>(</a:t>
-            </a:r>
-            <a:r>
-              <a:rPr lang="en-US" dirty="0" err="1">
-                <a:highlight>
-                  <a:srgbClr val="C0C0C0"/>
-                </a:highlight>
-              </a:rPr>
-              <a:t>behaviour_files:'RESTORE_FILES</a:t>
-            </a:r>
-            <a:r>
-              <a:rPr lang="en-US" dirty="0">
-                <a:highlight>
-                  <a:srgbClr val="C0C0C0"/>
-                </a:highlight>
-              </a:rPr>
-              <a:t>’ </a:t>
-            </a:r>
-          </a:p>
-          <a:p>
-            <a:pPr marL="0" indent="0">
-              <a:buNone/>
-            </a:pPr>
-            <a:r>
-              <a:rPr lang="en-US" dirty="0">
-                <a:highlight>
-                  <a:srgbClr val="C0C0C0"/>
-                </a:highlight>
-              </a:rPr>
-              <a:t>OR </a:t>
-            </a:r>
-            <a:r>
-              <a:rPr lang="en-US" dirty="0" err="1">
-                <a:highlight>
-                  <a:srgbClr val="C0C0C0"/>
-                </a:highlight>
-              </a:rPr>
-              <a:t>behaviour_registry:'rdpclient.exe</a:t>
-            </a:r>
-            <a:r>
-              <a:rPr lang="en-US" dirty="0">
-                <a:highlight>
-                  <a:srgbClr val="C0C0C0"/>
-                </a:highlight>
-              </a:rPr>
-              <a:t>’) </a:t>
-            </a:r>
-          </a:p>
-          <a:p>
-            <a:pPr marL="0" indent="0">
-              <a:buNone/>
-            </a:pPr>
-            <a:r>
-              <a:rPr lang="en-US" dirty="0"/>
-              <a:t>AND </a:t>
-            </a:r>
-          </a:p>
-          <a:p>
-            <a:pPr marL="0" indent="0">
-              <a:buNone/>
-            </a:pPr>
-            <a:r>
-              <a:rPr lang="en-US" dirty="0" err="1">
-                <a:highlight>
-                  <a:srgbClr val="C0C0C0"/>
-                </a:highlight>
-              </a:rPr>
-              <a:t>detectiteasy</a:t>
-            </a:r>
-            <a:r>
-              <a:rPr lang="en-US" dirty="0">
-                <a:highlight>
-                  <a:srgbClr val="C0C0C0"/>
-                </a:highlight>
-              </a:rPr>
-              <a:t>:"Compiler: FASM*"</a:t>
-            </a:r>
+            <a:endParaRPr lang="en-US" dirty="0"/>
           </a:p>
         </p:txBody>
       </p:sp>
@@ -9410,7 +8890,7 @@
           <p:cNvPr id="4" name="Slide Number Placeholder 3">
             <a:extLst>
               <a:ext uri="{FF2B5EF4-FFF2-40B4-BE49-F238E27FC236}">
-                <a16:creationId xmlns:a16="http://schemas.microsoft.com/office/drawing/2014/main" id="{828EBC3B-31B2-458C-9DFF-DCC27A12C864}"/>
+                <a16:creationId xmlns:a16="http://schemas.microsoft.com/office/drawing/2014/main" id="{69F5284C-39D5-4681-949A-217F10D7D860}"/>
               </a:ext>
             </a:extLst>
           </p:cNvPr>
@@ -9440,10 +8920,538 @@
           </a:p>
         </p:txBody>
       </p:sp>
+      <p:sp>
+        <p:nvSpPr>
+          <p:cNvPr id="6" name="TextBox 5">
+            <a:extLst>
+              <a:ext uri="{FF2B5EF4-FFF2-40B4-BE49-F238E27FC236}">
+                <a16:creationId xmlns:a16="http://schemas.microsoft.com/office/drawing/2014/main" id="{6331D4E9-29B8-4820-8BD6-BE87437DBA1B}"/>
+              </a:ext>
+            </a:extLst>
+          </p:cNvPr>
+          <p:cNvSpPr txBox="1"/>
+          <p:nvPr/>
+        </p:nvSpPr>
+        <p:spPr>
+          <a:xfrm>
+            <a:off x="1920949" y="1360967"/>
+            <a:ext cx="184731" cy="492443"/>
+          </a:xfrm>
+          <a:prstGeom prst="rect">
+            <a:avLst/>
+          </a:prstGeom>
+          <a:noFill/>
+        </p:spPr>
+        <p:txBody>
+          <a:bodyPr wrap="none" rtlCol="0">
+            <a:spAutoFit/>
+          </a:bodyPr>
+          <a:lstStyle/>
+          <a:p>
+            <a:endParaRPr lang="en-US" sz="800" dirty="0">
+              <a:effectLst/>
+              <a:latin typeface="ui-monospace"/>
+            </a:endParaRPr>
+          </a:p>
+          <a:p>
+            <a:endParaRPr lang="en-US" dirty="0"/>
+          </a:p>
+        </p:txBody>
+      </p:sp>
+      <p:sp>
+        <p:nvSpPr>
+          <p:cNvPr id="9" name="TextBox 8">
+            <a:extLst>
+              <a:ext uri="{FF2B5EF4-FFF2-40B4-BE49-F238E27FC236}">
+                <a16:creationId xmlns:a16="http://schemas.microsoft.com/office/drawing/2014/main" id="{B54AAC5F-85B0-46D7-A801-8A61D176FC77}"/>
+              </a:ext>
+            </a:extLst>
+          </p:cNvPr>
+          <p:cNvSpPr txBox="1"/>
+          <p:nvPr/>
+        </p:nvSpPr>
+        <p:spPr>
+          <a:xfrm>
+            <a:off x="120502" y="711995"/>
+            <a:ext cx="8942218" cy="3970318"/>
+          </a:xfrm>
+          <a:prstGeom prst="rect">
+            <a:avLst/>
+          </a:prstGeom>
+          <a:noFill/>
+        </p:spPr>
+        <p:txBody>
+          <a:bodyPr wrap="square">
+            <a:spAutoFit/>
+          </a:bodyPr>
+          <a:lstStyle/>
+          <a:p>
+            <a:r>
+              <a:rPr lang="en-US" sz="1050" dirty="0"/>
+              <a:t>_import "pe"</a:t>
+            </a:r>
+          </a:p>
+          <a:p>
+            <a:r>
+              <a:rPr lang="en-US" sz="1050" dirty="0"/>
+              <a:t>rule </a:t>
+            </a:r>
+            <a:r>
+              <a:rPr lang="en-US" sz="1050" dirty="0" err="1"/>
+              <a:t>ransomware_ZZ_azov_wiper</a:t>
+            </a:r>
+            <a:r>
+              <a:rPr lang="en-US" sz="1050" dirty="0"/>
+              <a:t> {</a:t>
+            </a:r>
+          </a:p>
+          <a:p>
+            <a:r>
+              <a:rPr lang="en-US" sz="1050" dirty="0">
+                <a:solidFill>
+                  <a:schemeClr val="tx1">
+                    <a:lumMod val="60000"/>
+                    <a:lumOff val="40000"/>
+                  </a:schemeClr>
+                </a:solidFill>
+              </a:rPr>
+              <a:t>    meta:</a:t>
+            </a:r>
+          </a:p>
+          <a:p>
+            <a:r>
+              <a:rPr lang="en-US" sz="1050" dirty="0">
+                <a:solidFill>
+                  <a:schemeClr val="tx1">
+                    <a:lumMod val="60000"/>
+                    <a:lumOff val="40000"/>
+                  </a:schemeClr>
+                </a:solidFill>
+              </a:rPr>
+              <a:t>            description = "Detects original and backdoored files with new and old versions of </a:t>
+            </a:r>
+            <a:r>
+              <a:rPr lang="en-US" sz="1050" dirty="0" err="1">
+                <a:solidFill>
+                  <a:schemeClr val="tx1">
+                    <a:lumMod val="60000"/>
+                    <a:lumOff val="40000"/>
+                  </a:schemeClr>
+                </a:solidFill>
+              </a:rPr>
+              <a:t>azov</a:t>
+            </a:r>
+            <a:r>
+              <a:rPr lang="en-US" sz="1050" dirty="0">
+                <a:solidFill>
+                  <a:schemeClr val="tx1">
+                    <a:lumMod val="60000"/>
+                    <a:lumOff val="40000"/>
+                  </a:schemeClr>
+                </a:solidFill>
+              </a:rPr>
+              <a:t> ransomware - polymorphic wiper"</a:t>
+            </a:r>
+          </a:p>
+          <a:p>
+            <a:r>
+              <a:rPr lang="en-US" sz="1050" dirty="0">
+                <a:solidFill>
+                  <a:schemeClr val="tx1">
+                    <a:lumMod val="60000"/>
+                    <a:lumOff val="40000"/>
+                  </a:schemeClr>
+                </a:solidFill>
+              </a:rPr>
+              <a:t>      author = "Jiri </a:t>
+            </a:r>
+            <a:r>
+              <a:rPr lang="en-US" sz="1050" dirty="0" err="1">
+                <a:solidFill>
+                  <a:schemeClr val="tx1">
+                    <a:lumMod val="60000"/>
+                    <a:lumOff val="40000"/>
+                  </a:schemeClr>
+                </a:solidFill>
+              </a:rPr>
+              <a:t>Vinopal</a:t>
+            </a:r>
+            <a:r>
+              <a:rPr lang="en-US" sz="1050" dirty="0">
+                <a:solidFill>
+                  <a:schemeClr val="tx1">
+                    <a:lumMod val="60000"/>
+                    <a:lumOff val="40000"/>
+                  </a:schemeClr>
+                </a:solidFill>
+              </a:rPr>
+              <a:t> (</a:t>
+            </a:r>
+            <a:r>
+              <a:rPr lang="en-US" sz="1050" dirty="0" err="1">
+                <a:solidFill>
+                  <a:schemeClr val="tx1">
+                    <a:lumMod val="60000"/>
+                    <a:lumOff val="40000"/>
+                  </a:schemeClr>
+                </a:solidFill>
+              </a:rPr>
+              <a:t>jiriv</a:t>
+            </a:r>
+            <a:r>
+              <a:rPr lang="en-US" sz="1050" dirty="0">
+                <a:solidFill>
+                  <a:schemeClr val="tx1">
+                    <a:lumMod val="60000"/>
+                    <a:lumOff val="40000"/>
+                  </a:schemeClr>
+                </a:solidFill>
+              </a:rPr>
+              <a:t>)"</a:t>
+            </a:r>
+          </a:p>
+          <a:p>
+            <a:r>
+              <a:rPr lang="en-US" sz="1050" dirty="0">
+                <a:solidFill>
+                  <a:schemeClr val="tx1">
+                    <a:lumMod val="60000"/>
+                    <a:lumOff val="40000"/>
+                  </a:schemeClr>
+                </a:solidFill>
+              </a:rPr>
+              <a:t>      date = "2022-11-14"</a:t>
+            </a:r>
+          </a:p>
+          <a:p>
+            <a:r>
+              <a:rPr lang="en-US" sz="1050" dirty="0">
+                <a:solidFill>
+                  <a:schemeClr val="tx1">
+                    <a:lumMod val="60000"/>
+                    <a:lumOff val="40000"/>
+                  </a:schemeClr>
+                </a:solidFill>
+              </a:rPr>
+              <a:t>            </a:t>
+            </a:r>
+            <a:r>
+              <a:rPr lang="en-US" sz="1050" dirty="0" err="1">
+                <a:solidFill>
+                  <a:schemeClr val="tx1">
+                    <a:lumMod val="60000"/>
+                    <a:lumOff val="40000"/>
+                  </a:schemeClr>
+                </a:solidFill>
+              </a:rPr>
+              <a:t>hash_azov_new</a:t>
+            </a:r>
+            <a:r>
+              <a:rPr lang="en-US" sz="1050" dirty="0">
+                <a:solidFill>
+                  <a:schemeClr val="tx1">
+                    <a:lumMod val="60000"/>
+                    <a:lumOff val="40000"/>
+                  </a:schemeClr>
+                </a:solidFill>
+              </a:rPr>
+              <a:t> = "650f0d694c0928d88aeeed649cf629fc8a7bec604563bca716b1688227e0cc7e"</a:t>
+            </a:r>
+          </a:p>
+          <a:p>
+            <a:r>
+              <a:rPr lang="en-US" sz="1050" dirty="0">
+                <a:solidFill>
+                  <a:schemeClr val="tx1">
+                    <a:lumMod val="60000"/>
+                    <a:lumOff val="40000"/>
+                  </a:schemeClr>
+                </a:solidFill>
+              </a:rPr>
+              <a:t>            </a:t>
+            </a:r>
+            <a:r>
+              <a:rPr lang="en-US" sz="1050" dirty="0" err="1">
+                <a:solidFill>
+                  <a:schemeClr val="tx1">
+                    <a:lumMod val="60000"/>
+                    <a:lumOff val="40000"/>
+                  </a:schemeClr>
+                </a:solidFill>
+              </a:rPr>
+              <a:t>hash_azov_old</a:t>
+            </a:r>
+            <a:r>
+              <a:rPr lang="en-US" sz="1050" dirty="0">
+                <a:solidFill>
+                  <a:schemeClr val="tx1">
+                    <a:lumMod val="60000"/>
+                    <a:lumOff val="40000"/>
+                  </a:schemeClr>
+                </a:solidFill>
+              </a:rPr>
+              <a:t> = "b102ed1018de0b7faea37ca86f27ba3025c0c70f28417ac3e9ef09d32617f801"</a:t>
+            </a:r>
+          </a:p>
+          <a:p>
+            <a:r>
+              <a:rPr lang="en-US" sz="1050" dirty="0"/>
+              <a:t>    strings:</a:t>
+            </a:r>
+          </a:p>
+          <a:p>
+            <a:r>
+              <a:rPr lang="en-US" sz="1050" dirty="0"/>
+              <a:t>    // Opcodes of allocating and decrypting shellcode routine</a:t>
+            </a:r>
+          </a:p>
+          <a:p>
+            <a:r>
+              <a:rPr lang="en-US" sz="1050" dirty="0"/>
+              <a:t>        $</a:t>
+            </a:r>
+            <a:r>
+              <a:rPr lang="en-US" sz="1050" dirty="0" err="1"/>
+              <a:t>unpacking_azov_new</a:t>
+            </a:r>
+            <a:r>
+              <a:rPr lang="en-US" sz="1050" dirty="0"/>
+              <a:t> = { </a:t>
+            </a:r>
+            <a:r>
+              <a:rPr lang="en-US" sz="1050" dirty="0">
+                <a:highlight>
+                  <a:srgbClr val="C0C0C0"/>
+                </a:highlight>
+              </a:rPr>
+              <a:t>48 83 </a:t>
+            </a:r>
+            <a:r>
+              <a:rPr lang="en-US" sz="1050" dirty="0" err="1">
+                <a:highlight>
+                  <a:srgbClr val="C0C0C0"/>
+                </a:highlight>
+              </a:rPr>
+              <a:t>ec</a:t>
+            </a:r>
+            <a:r>
+              <a:rPr lang="en-US" sz="1050" dirty="0">
+                <a:highlight>
+                  <a:srgbClr val="C0C0C0"/>
+                </a:highlight>
+              </a:rPr>
+              <a:t> ?? 58 48 01 c8 48 81 </a:t>
+            </a:r>
+            <a:r>
+              <a:rPr lang="en-US" sz="1050" dirty="0" err="1">
+                <a:highlight>
+                  <a:srgbClr val="C0C0C0"/>
+                </a:highlight>
+              </a:rPr>
+              <a:t>ec</a:t>
+            </a:r>
+            <a:r>
+              <a:rPr lang="en-US" sz="1050" dirty="0">
+                <a:highlight>
+                  <a:srgbClr val="C0C0C0"/>
+                </a:highlight>
+              </a:rPr>
+              <a:t> ?? ?? ?? ?? 48 83 </a:t>
+            </a:r>
+            <a:r>
+              <a:rPr lang="en-US" sz="1050" dirty="0" err="1">
+                <a:highlight>
+                  <a:srgbClr val="C0C0C0"/>
+                </a:highlight>
+              </a:rPr>
+              <a:t>ec</a:t>
+            </a:r>
+            <a:r>
+              <a:rPr lang="en-US" sz="1050" dirty="0">
+                <a:highlight>
+                  <a:srgbClr val="C0C0C0"/>
+                </a:highlight>
+              </a:rPr>
+              <a:t> ?? 40 80 e4 ?? c6 45 ?? 56 c6 45 ?? 69 c6 45 ?? 72 c6 45 ?? 74 c6 45 ?? 75 c6 45 ?? 61 c6 45 ?? 6c c6 45 ?? 41 c6 45 ?? 6c c6 45 ?? 6c c6 45 ?? 6f c6 45 ?? 63 c6 45 ?? 00 48 89 74 24 ?? 48 83 </a:t>
+            </a:r>
+            <a:r>
+              <a:rPr lang="en-US" sz="1050" dirty="0" err="1">
+                <a:highlight>
+                  <a:srgbClr val="C0C0C0"/>
+                </a:highlight>
+              </a:rPr>
+              <a:t>ec</a:t>
+            </a:r>
+            <a:r>
+              <a:rPr lang="en-US" sz="1050" dirty="0">
+                <a:highlight>
+                  <a:srgbClr val="C0C0C0"/>
+                </a:highlight>
+              </a:rPr>
+              <a:t> ?? 48 83 c4 ?? 48 8b 4c 24 ?? 48 8d 55 ?? ff d0 48 83 </a:t>
+            </a:r>
+            <a:r>
+              <a:rPr lang="en-US" sz="1050" dirty="0" err="1">
+                <a:highlight>
+                  <a:srgbClr val="C0C0C0"/>
+                </a:highlight>
+              </a:rPr>
+              <a:t>ec</a:t>
+            </a:r>
+            <a:r>
+              <a:rPr lang="en-US" sz="1050" dirty="0">
+                <a:highlight>
+                  <a:srgbClr val="C0C0C0"/>
+                </a:highlight>
+              </a:rPr>
+              <a:t> ?? 48 c7 04 24 ?? ?? ?? ?? 48 83 c4 ?? 48 8b 4c 24 ?? 48 c7 c2 ?? ?? ?? ?? 49 c7 c0 ?? ?? ?? ?? 49 c7 c1 ?? ?? ?? ?? ff d0 48 c7 c1 ?? ?? ?? ?? 4c 8d 0d ?? ?? ?? ?? 48 ff c9 41 8a 14 09 88 14 08 48 85 c9 75 ?? 48 c7 c1 ?? ?? ?? ?? 41 b9 ?? ?? ?? ?? 41 </a:t>
+            </a:r>
+            <a:r>
+              <a:rPr lang="en-US" sz="1050" dirty="0" err="1">
+                <a:highlight>
+                  <a:srgbClr val="C0C0C0"/>
+                </a:highlight>
+              </a:rPr>
+              <a:t>ba</a:t>
+            </a:r>
+            <a:r>
+              <a:rPr lang="en-US" sz="1050" dirty="0">
+                <a:highlight>
+                  <a:srgbClr val="C0C0C0"/>
+                </a:highlight>
+              </a:rPr>
+              <a:t> ?? ?? ?? ?? 48 ff c9 8a 14 08 44 30 ca 88 14 08 41 81 </a:t>
+            </a:r>
+            <a:r>
+              <a:rPr lang="en-US" sz="1050" dirty="0" err="1">
+                <a:highlight>
+                  <a:srgbClr val="C0C0C0"/>
+                </a:highlight>
+              </a:rPr>
+              <a:t>ea</a:t>
+            </a:r>
+            <a:r>
+              <a:rPr lang="en-US" sz="1050" dirty="0">
+                <a:highlight>
+                  <a:srgbClr val="C0C0C0"/>
+                </a:highlight>
+              </a:rPr>
+              <a:t> ?? ?? ?? ?? 45 01 d1 41 81 c1 ?? ?? ?? ?? 41 81 c2 ?? ?? ?? ?? 41 d1 c1 48 85 c9 </a:t>
+            </a:r>
+            <a:r>
+              <a:rPr lang="en-US" sz="1050" dirty="0"/>
+              <a:t>}</a:t>
+            </a:r>
+          </a:p>
+          <a:p>
+            <a:endParaRPr lang="en-US" sz="1050" dirty="0"/>
+          </a:p>
+          <a:p>
+            <a:r>
+              <a:rPr lang="en-US" sz="1050" dirty="0"/>
+              <a:t>        $</a:t>
+            </a:r>
+            <a:r>
+              <a:rPr lang="en-US" sz="1050" dirty="0" err="1"/>
+              <a:t>unpacking_azov_old</a:t>
+            </a:r>
+            <a:r>
+              <a:rPr lang="en-US" sz="1050" dirty="0"/>
+              <a:t> = { </a:t>
+            </a:r>
+            <a:r>
+              <a:rPr lang="en-US" sz="1050" dirty="0">
+                <a:highlight>
+                  <a:srgbClr val="C0C0C0"/>
+                </a:highlight>
+              </a:rPr>
+              <a:t>48 01 c8 48 05 ?? ?? ?? ?? 48 81 c1 ?? ?? ?? ?? 48 81 </a:t>
+            </a:r>
+            <a:r>
+              <a:rPr lang="en-US" sz="1050" dirty="0" err="1">
+                <a:highlight>
+                  <a:srgbClr val="C0C0C0"/>
+                </a:highlight>
+              </a:rPr>
+              <a:t>ec</a:t>
+            </a:r>
+            <a:r>
+              <a:rPr lang="en-US" sz="1050" dirty="0">
+                <a:highlight>
+                  <a:srgbClr val="C0C0C0"/>
+                </a:highlight>
+              </a:rPr>
+              <a:t> ?? ?? ?? ?? 48 83 </a:t>
+            </a:r>
+            <a:r>
+              <a:rPr lang="en-US" sz="1050" dirty="0" err="1">
+                <a:highlight>
+                  <a:srgbClr val="C0C0C0"/>
+                </a:highlight>
+              </a:rPr>
+              <a:t>ec</a:t>
+            </a:r>
+            <a:r>
+              <a:rPr lang="en-US" sz="1050" dirty="0">
+                <a:highlight>
+                  <a:srgbClr val="C0C0C0"/>
+                </a:highlight>
+              </a:rPr>
+              <a:t> ?? 40 80 e4 ?? c6 45 ?? 56 c6 45 ?? 69 c6 45 ?? 72 c6 45 ?? 74 c6 45 ?? 75 c6 45 ?? 61 c6 45 ?? 6c c6 45 ?? 41 c6 45 ?? 6c c6 45 ?? 6c c6 45 ?? 6f c6 45 ?? 63 c6 45 ?? 00 48 83 e1 ?? 48 01 f1 48 8d 55 ?? ff d0 48 83 </a:t>
+            </a:r>
+            <a:r>
+              <a:rPr lang="en-US" sz="1050" dirty="0" err="1">
+                <a:highlight>
+                  <a:srgbClr val="C0C0C0"/>
+                </a:highlight>
+              </a:rPr>
+              <a:t>ec</a:t>
+            </a:r>
+            <a:r>
+              <a:rPr lang="en-US" sz="1050" dirty="0">
+                <a:highlight>
+                  <a:srgbClr val="C0C0C0"/>
+                </a:highlight>
+              </a:rPr>
+              <a:t> ?? 48 c7 04 24 ?? ?? ?? ?? 48 83 c4 ?? 48 8b 4c 24 ?? 48 c7 c2 ?? ?? ?? ?? 49 c7 c0 ?? ?? ?? ?? 49 c7 c1 ?? ?? ?? ?? ff d0 48 c7 c1 ?? ?? ?? ?? 4c 8d 0d ?? ?? ?? ?? 48 ff c9 41 8a 14 09 88 14 08 48 85 c9</a:t>
+            </a:r>
+            <a:r>
+              <a:rPr lang="en-US" sz="1050" dirty="0"/>
+              <a:t> }</a:t>
+            </a:r>
+          </a:p>
+          <a:p>
+            <a:r>
+              <a:rPr lang="en-US" sz="1050" dirty="0"/>
+              <a:t>    condition:</a:t>
+            </a:r>
+          </a:p>
+          <a:p>
+            <a:r>
+              <a:rPr lang="en-US" sz="1050" dirty="0"/>
+              <a:t>        uint16(0) == 0x5a4d and  pe.is_64bit() and  any of ($</a:t>
+            </a:r>
+            <a:r>
+              <a:rPr lang="en-US" sz="1050" dirty="0" err="1"/>
+              <a:t>unpacking_azov</a:t>
+            </a:r>
+            <a:r>
+              <a:rPr lang="en-US" sz="1050" dirty="0"/>
+              <a:t>_*)</a:t>
+            </a:r>
+          </a:p>
+          <a:p>
+            <a:r>
+              <a:rPr lang="en-US" sz="1050" dirty="0"/>
+              <a:t>}</a:t>
+            </a:r>
+          </a:p>
+        </p:txBody>
+      </p:sp>
     </p:spTree>
     <p:extLst>
       <p:ext uri="{BB962C8B-B14F-4D97-AF65-F5344CB8AC3E}">
-        <p14:creationId xmlns:p14="http://schemas.microsoft.com/office/powerpoint/2010/main" val="4014287144"/>
+        <p14:creationId xmlns:p14="http://schemas.microsoft.com/office/powerpoint/2010/main" val="1447566618"/>
       </p:ext>
     </p:extLst>
   </p:cSld>
@@ -9927,6 +9935,392 @@
           <p:cNvPr id="2" name="Title 1">
             <a:extLst>
               <a:ext uri="{FF2B5EF4-FFF2-40B4-BE49-F238E27FC236}">
+                <a16:creationId xmlns:a16="http://schemas.microsoft.com/office/drawing/2014/main" id="{C409238B-44DD-4DB5-8B6E-10ADB24E7110}"/>
+              </a:ext>
+            </a:extLst>
+          </p:cNvPr>
+          <p:cNvSpPr>
+            <a:spLocks noGrp="1"/>
+          </p:cNvSpPr>
+          <p:nvPr>
+            <p:ph type="title"/>
+          </p:nvPr>
+        </p:nvSpPr>
+        <p:spPr/>
+        <p:txBody>
+          <a:bodyPr/>
+          <a:lstStyle/>
+          <a:p>
+            <a:r>
+              <a:rPr lang="en-US" dirty="0" err="1"/>
+              <a:t>Recomendations</a:t>
+            </a:r>
+            <a:endParaRPr lang="en-US" dirty="0"/>
+          </a:p>
+        </p:txBody>
+      </p:sp>
+    </p:spTree>
+    <p:extLst>
+      <p:ext uri="{BB962C8B-B14F-4D97-AF65-F5344CB8AC3E}">
+        <p14:creationId xmlns:p14="http://schemas.microsoft.com/office/powerpoint/2010/main" val="1645650643"/>
+      </p:ext>
+    </p:extLst>
+  </p:cSld>
+  <p:clrMapOvr>
+    <a:masterClrMapping/>
+  </p:clrMapOvr>
+</p:sld>
+</file>
+
+<file path=ppt/slides/slide21.xml><?xml version="1.0" encoding="utf-8"?>
+<p:sld xmlns:a="http://schemas.openxmlformats.org/drawingml/2006/main" xmlns:r="http://schemas.openxmlformats.org/officeDocument/2006/relationships" xmlns:p="http://schemas.openxmlformats.org/presentationml/2006/main">
+  <p:cSld>
+    <p:spTree>
+      <p:nvGrpSpPr>
+        <p:cNvPr id="1" name=""/>
+        <p:cNvGrpSpPr/>
+        <p:nvPr/>
+      </p:nvGrpSpPr>
+      <p:grpSpPr>
+        <a:xfrm>
+          <a:off x="0" y="0"/>
+          <a:ext cx="0" cy="0"/>
+          <a:chOff x="0" y="0"/>
+          <a:chExt cx="0" cy="0"/>
+        </a:xfrm>
+      </p:grpSpPr>
+      <p:sp>
+        <p:nvSpPr>
+          <p:cNvPr id="2" name="Title 1">
+            <a:extLst>
+              <a:ext uri="{FF2B5EF4-FFF2-40B4-BE49-F238E27FC236}">
+                <a16:creationId xmlns:a16="http://schemas.microsoft.com/office/drawing/2014/main" id="{15763D13-8966-4494-98F8-533B641DD12B}"/>
+              </a:ext>
+            </a:extLst>
+          </p:cNvPr>
+          <p:cNvSpPr>
+            <a:spLocks noGrp="1"/>
+          </p:cNvSpPr>
+          <p:nvPr>
+            <p:ph type="title"/>
+          </p:nvPr>
+        </p:nvSpPr>
+        <p:spPr/>
+        <p:txBody>
+          <a:bodyPr/>
+          <a:lstStyle/>
+          <a:p>
+            <a:r>
+              <a:rPr lang="en-US" dirty="0"/>
+              <a:t>Threat Hunting</a:t>
+            </a:r>
+          </a:p>
+        </p:txBody>
+      </p:sp>
+      <p:sp>
+        <p:nvSpPr>
+          <p:cNvPr id="3" name="Content Placeholder 2">
+            <a:extLst>
+              <a:ext uri="{FF2B5EF4-FFF2-40B4-BE49-F238E27FC236}">
+                <a16:creationId xmlns:a16="http://schemas.microsoft.com/office/drawing/2014/main" id="{12D0E9F5-9AE4-4497-ABCB-A24AD663020A}"/>
+              </a:ext>
+            </a:extLst>
+          </p:cNvPr>
+          <p:cNvSpPr>
+            <a:spLocks noGrp="1"/>
+          </p:cNvSpPr>
+          <p:nvPr>
+            <p:ph idx="1"/>
+          </p:nvPr>
+        </p:nvSpPr>
+        <p:spPr/>
+        <p:txBody>
+          <a:bodyPr/>
+          <a:lstStyle/>
+          <a:p>
+            <a:r>
+              <a:rPr lang="en-US" dirty="0" err="1">
+                <a:solidFill>
+                  <a:srgbClr val="FF0000"/>
+                </a:solidFill>
+              </a:rPr>
+              <a:t>VirusTotal</a:t>
+            </a:r>
+            <a:r>
+              <a:rPr lang="en-US" dirty="0">
+                <a:solidFill>
+                  <a:srgbClr val="FF0000"/>
+                </a:solidFill>
+              </a:rPr>
+              <a:t> query – </a:t>
+            </a:r>
+            <a:r>
+              <a:rPr lang="en-US" dirty="0"/>
+              <a:t>Azov-related samples</a:t>
+            </a:r>
+          </a:p>
+          <a:p>
+            <a:endParaRPr lang="en-US" dirty="0"/>
+          </a:p>
+          <a:p>
+            <a:pPr marL="0" indent="0">
+              <a:buNone/>
+            </a:pPr>
+            <a:r>
+              <a:rPr lang="en-US" dirty="0">
+                <a:highlight>
+                  <a:srgbClr val="C0C0C0"/>
+                </a:highlight>
+              </a:rPr>
+              <a:t>(</a:t>
+            </a:r>
+            <a:r>
+              <a:rPr lang="en-US" dirty="0" err="1">
+                <a:highlight>
+                  <a:srgbClr val="C0C0C0"/>
+                </a:highlight>
+              </a:rPr>
+              <a:t>behaviour</a:t>
+            </a:r>
+            <a:r>
+              <a:rPr lang="en-US" dirty="0">
+                <a:highlight>
+                  <a:srgbClr val="C0C0C0"/>
+                </a:highlight>
+              </a:rPr>
+              <a:t>:'Local\\\\</a:t>
+            </a:r>
+            <a:r>
+              <a:rPr lang="en-US" dirty="0" err="1">
+                <a:highlight>
+                  <a:srgbClr val="C0C0C0"/>
+                </a:highlight>
+              </a:rPr>
+              <a:t>Kasimir</a:t>
+            </a:r>
+            <a:r>
+              <a:rPr lang="en-US" dirty="0">
+                <a:highlight>
+                  <a:srgbClr val="C0C0C0"/>
+                </a:highlight>
+              </a:rPr>
+              <a:t>_*’ </a:t>
+            </a:r>
+          </a:p>
+          <a:p>
+            <a:pPr marL="0" indent="0">
+              <a:buNone/>
+            </a:pPr>
+            <a:r>
+              <a:rPr lang="en-US" dirty="0">
+                <a:highlight>
+                  <a:srgbClr val="C0C0C0"/>
+                </a:highlight>
+              </a:rPr>
+              <a:t>OR </a:t>
+            </a:r>
+            <a:r>
+              <a:rPr lang="en-US" dirty="0" err="1">
+                <a:highlight>
+                  <a:srgbClr val="C0C0C0"/>
+                </a:highlight>
+              </a:rPr>
+              <a:t>behaviour</a:t>
+            </a:r>
+            <a:r>
+              <a:rPr lang="en-US" dirty="0">
+                <a:highlight>
+                  <a:srgbClr val="C0C0C0"/>
+                </a:highlight>
+              </a:rPr>
+              <a:t>:'Local\\\\</a:t>
+            </a:r>
+            <a:r>
+              <a:rPr lang="en-US" dirty="0" err="1">
+                <a:highlight>
+                  <a:srgbClr val="C0C0C0"/>
+                </a:highlight>
+              </a:rPr>
+              <a:t>azov</a:t>
+            </a:r>
+            <a:r>
+              <a:rPr lang="en-US" dirty="0">
+                <a:highlight>
+                  <a:srgbClr val="C0C0C0"/>
+                </a:highlight>
+              </a:rPr>
+              <a:t>’) </a:t>
+            </a:r>
+          </a:p>
+          <a:p>
+            <a:pPr marL="0" indent="0">
+              <a:buNone/>
+            </a:pPr>
+            <a:r>
+              <a:rPr lang="en-US" dirty="0"/>
+              <a:t>AND </a:t>
+            </a:r>
+          </a:p>
+          <a:p>
+            <a:pPr marL="0" indent="0">
+              <a:buNone/>
+            </a:pPr>
+            <a:r>
+              <a:rPr lang="en-US" dirty="0">
+                <a:highlight>
+                  <a:srgbClr val="C0C0C0"/>
+                </a:highlight>
+              </a:rPr>
+              <a:t>(</a:t>
+            </a:r>
+            <a:r>
+              <a:rPr lang="en-US" dirty="0" err="1">
+                <a:highlight>
+                  <a:srgbClr val="C0C0C0"/>
+                </a:highlight>
+              </a:rPr>
+              <a:t>behaviour_files:'RESTORE_FILES</a:t>
+            </a:r>
+            <a:r>
+              <a:rPr lang="en-US" dirty="0">
+                <a:highlight>
+                  <a:srgbClr val="C0C0C0"/>
+                </a:highlight>
+              </a:rPr>
+              <a:t>’ </a:t>
+            </a:r>
+          </a:p>
+          <a:p>
+            <a:pPr marL="0" indent="0">
+              <a:buNone/>
+            </a:pPr>
+            <a:r>
+              <a:rPr lang="en-US" dirty="0">
+                <a:highlight>
+                  <a:srgbClr val="C0C0C0"/>
+                </a:highlight>
+              </a:rPr>
+              <a:t>OR </a:t>
+            </a:r>
+            <a:r>
+              <a:rPr lang="en-US" dirty="0" err="1">
+                <a:highlight>
+                  <a:srgbClr val="C0C0C0"/>
+                </a:highlight>
+              </a:rPr>
+              <a:t>behaviour_registry:'rdpclient.exe</a:t>
+            </a:r>
+            <a:r>
+              <a:rPr lang="en-US" dirty="0">
+                <a:highlight>
+                  <a:srgbClr val="C0C0C0"/>
+                </a:highlight>
+              </a:rPr>
+              <a:t>’) </a:t>
+            </a:r>
+          </a:p>
+          <a:p>
+            <a:pPr marL="0" indent="0">
+              <a:buNone/>
+            </a:pPr>
+            <a:r>
+              <a:rPr lang="en-US" dirty="0"/>
+              <a:t>AND </a:t>
+            </a:r>
+          </a:p>
+          <a:p>
+            <a:pPr marL="0" indent="0">
+              <a:buNone/>
+            </a:pPr>
+            <a:r>
+              <a:rPr lang="en-US" dirty="0" err="1">
+                <a:highlight>
+                  <a:srgbClr val="C0C0C0"/>
+                </a:highlight>
+              </a:rPr>
+              <a:t>detectiteasy</a:t>
+            </a:r>
+            <a:r>
+              <a:rPr lang="en-US" dirty="0">
+                <a:highlight>
+                  <a:srgbClr val="C0C0C0"/>
+                </a:highlight>
+              </a:rPr>
+              <a:t>:"Compiler: FASM*"</a:t>
+            </a:r>
+          </a:p>
+        </p:txBody>
+      </p:sp>
+      <p:sp>
+        <p:nvSpPr>
+          <p:cNvPr id="4" name="Slide Number Placeholder 3">
+            <a:extLst>
+              <a:ext uri="{FF2B5EF4-FFF2-40B4-BE49-F238E27FC236}">
+                <a16:creationId xmlns:a16="http://schemas.microsoft.com/office/drawing/2014/main" id="{828EBC3B-31B2-458C-9DFF-DCC27A12C864}"/>
+              </a:ext>
+            </a:extLst>
+          </p:cNvPr>
+          <p:cNvSpPr>
+            <a:spLocks noGrp="1"/>
+          </p:cNvSpPr>
+          <p:nvPr>
+            <p:ph type="sldNum" sz="quarter" idx="10"/>
+          </p:nvPr>
+        </p:nvSpPr>
+        <p:spPr/>
+        <p:txBody>
+          <a:bodyPr/>
+          <a:lstStyle/>
+          <a:p>
+            <a:pPr>
+              <a:defRPr/>
+            </a:pPr>
+            <a:fld id="{EF611178-6C3A-F247-8731-699DBDA96700}" type="slidenum">
+              <a:rPr lang="en-US" altLang="en-US" smtClean="0"/>
+              <a:pPr>
+                <a:defRPr/>
+              </a:pPr>
+              <a:t>21</a:t>
+            </a:fld>
+            <a:endParaRPr lang="en-US" altLang="en-US" dirty="0"/>
+          </a:p>
+        </p:txBody>
+      </p:sp>
+    </p:spTree>
+    <p:extLst>
+      <p:ext uri="{BB962C8B-B14F-4D97-AF65-F5344CB8AC3E}">
+        <p14:creationId xmlns:p14="http://schemas.microsoft.com/office/powerpoint/2010/main" val="4014287144"/>
+      </p:ext>
+    </p:extLst>
+  </p:cSld>
+  <p:clrMapOvr>
+    <a:masterClrMapping/>
+  </p:clrMapOvr>
+</p:sld>
+</file>
+
+<file path=ppt/slides/slide22.xml><?xml version="1.0" encoding="utf-8"?>
+<p:sld xmlns:a="http://schemas.openxmlformats.org/drawingml/2006/main" xmlns:r="http://schemas.openxmlformats.org/officeDocument/2006/relationships" xmlns:p="http://schemas.openxmlformats.org/presentationml/2006/main">
+  <p:cSld>
+    <p:spTree>
+      <p:nvGrpSpPr>
+        <p:cNvPr id="1" name=""/>
+        <p:cNvGrpSpPr/>
+        <p:nvPr/>
+      </p:nvGrpSpPr>
+      <p:grpSpPr>
+        <a:xfrm>
+          <a:off x="0" y="0"/>
+          <a:ext cx="0" cy="0"/>
+          <a:chOff x="0" y="0"/>
+          <a:chExt cx="0" cy="0"/>
+        </a:xfrm>
+      </p:grpSpPr>
+      <p:sp>
+        <p:nvSpPr>
+          <p:cNvPr id="2" name="Title 1">
+            <a:extLst>
+              <a:ext uri="{FF2B5EF4-FFF2-40B4-BE49-F238E27FC236}">
                 <a16:creationId xmlns:a16="http://schemas.microsoft.com/office/drawing/2014/main" id="{0BC44216-705D-426F-A6A0-71A26B604DAB}"/>
               </a:ext>
             </a:extLst>
@@ -10684,7 +11078,7 @@
               <a:pPr>
                 <a:defRPr/>
               </a:pPr>
-              <a:t>20</a:t>
+              <a:t>22</a:t>
             </a:fld>
             <a:endParaRPr lang="en-US" altLang="en-US" dirty="0"/>
           </a:p>
@@ -11418,7 +11812,7 @@
 </p:sld>
 </file>
 
-<file path=ppt/slides/slide21.xml><?xml version="1.0" encoding="utf-8"?>
+<file path=ppt/slides/slide23.xml><?xml version="1.0" encoding="utf-8"?>
 <p:sld xmlns:a="http://schemas.openxmlformats.org/drawingml/2006/main" xmlns:r="http://schemas.openxmlformats.org/officeDocument/2006/relationships" xmlns:p="http://schemas.openxmlformats.org/presentationml/2006/main">
   <p:cSld>
     <p:spTree>
@@ -11661,7 +12055,7 @@
               <a:pPr>
                 <a:defRPr/>
               </a:pPr>
-              <a:t>21</a:t>
+              <a:t>23</a:t>
             </a:fld>
             <a:endParaRPr lang="en-US" altLang="en-US" dirty="0"/>
           </a:p>
@@ -11680,7 +12074,7 @@
 </p:sld>
 </file>
 
-<file path=ppt/slides/slide22.xml><?xml version="1.0" encoding="utf-8"?>
+<file path=ppt/slides/slide24.xml><?xml version="1.0" encoding="utf-8"?>
 <p:sld xmlns:a="http://schemas.openxmlformats.org/drawingml/2006/main" xmlns:r="http://schemas.openxmlformats.org/officeDocument/2006/relationships" xmlns:p="http://schemas.openxmlformats.org/presentationml/2006/main">
   <p:cSld>
     <p:spTree>
@@ -12322,7 +12716,7 @@
               <a:pPr>
                 <a:defRPr/>
               </a:pPr>
-              <a:t>22</a:t>
+              <a:t>24</a:t>
             </a:fld>
             <a:endParaRPr lang="en-US" altLang="en-US" dirty="0"/>
           </a:p>
@@ -12341,7 +12735,7 @@
 </p:sld>
 </file>
 
-<file path=ppt/slides/slide23.xml><?xml version="1.0" encoding="utf-8"?>
+<file path=ppt/slides/slide25.xml><?xml version="1.0" encoding="utf-8"?>
 <p:sld xmlns:a="http://schemas.openxmlformats.org/drawingml/2006/main" xmlns:r="http://schemas.openxmlformats.org/officeDocument/2006/relationships" xmlns:p="http://schemas.openxmlformats.org/presentationml/2006/main">
   <p:cSld>
     <p:spTree>
@@ -12432,7 +12826,7 @@
               <a:pPr>
                 <a:defRPr/>
               </a:pPr>
-              <a:t>23</a:t>
+              <a:t>25</a:t>
             </a:fld>
             <a:endParaRPr lang="en-US" altLang="en-US" dirty="0"/>
           </a:p>
@@ -12490,7 +12884,7 @@
               </a14:hiddenLine>
             </a:ext>
             <a:ext uri="{FAA26D3D-D897-4be2-8F04-BA451C77F1D7}">
-              <ma14:placeholderFlag xmlns:ma14="http://schemas.microsoft.com/office/mac/drawingml/2011/main" xmlns="" val="1"/>
+              <ma14:placeholderFlag xmlns="" xmlns:ma14="http://schemas.microsoft.com/office/mac/drawingml/2011/main" val="1"/>
             </a:ext>
           </a:extLst>
         </p:spPr>
@@ -12733,7 +13127,7 @@
 </p:sld>
 </file>
 
-<file path=ppt/slides/slide24.xml><?xml version="1.0" encoding="utf-8"?>
+<file path=ppt/slides/slide26.xml><?xml version="1.0" encoding="utf-8"?>
 <p:sld xmlns:a="http://schemas.openxmlformats.org/drawingml/2006/main" xmlns:r="http://schemas.openxmlformats.org/officeDocument/2006/relationships" xmlns:p="http://schemas.openxmlformats.org/presentationml/2006/main">
   <p:cSld>
     <p:spTree>
@@ -14183,7 +14577,7 @@
               <a:pPr>
                 <a:defRPr/>
               </a:pPr>
-              <a:t>24</a:t>
+              <a:t>26</a:t>
             </a:fld>
             <a:endParaRPr lang="en-US" altLang="en-US" dirty="0"/>
           </a:p>
@@ -14202,7 +14596,7 @@
 </p:sld>
 </file>
 
-<file path=ppt/slides/slide25.xml><?xml version="1.0" encoding="utf-8"?>
+<file path=ppt/slides/slide27.xml><?xml version="1.0" encoding="utf-8"?>
 <p:sld xmlns:a="http://schemas.openxmlformats.org/drawingml/2006/main" xmlns:r="http://schemas.openxmlformats.org/officeDocument/2006/relationships" xmlns:p="http://schemas.openxmlformats.org/presentationml/2006/main">
   <p:cSld>
     <p:spTree>
@@ -15629,7 +16023,7 @@
               <a:pPr>
                 <a:defRPr/>
               </a:pPr>
-              <a:t>25</a:t>
+              <a:t>27</a:t>
             </a:fld>
             <a:endParaRPr lang="en-US" altLang="en-US" dirty="0"/>
           </a:p>
@@ -15648,7 +16042,7 @@
 </p:sld>
 </file>
 
-<file path=ppt/slides/slide26.xml><?xml version="1.0" encoding="utf-8"?>
+<file path=ppt/slides/slide28.xml><?xml version="1.0" encoding="utf-8"?>
 <p:sld xmlns:a="http://schemas.openxmlformats.org/drawingml/2006/main" xmlns:r="http://schemas.openxmlformats.org/officeDocument/2006/relationships" xmlns:p="http://schemas.openxmlformats.org/presentationml/2006/main">
   <p:cSld>
     <p:spTree>
@@ -16302,7 +16696,7 @@
               <a:pPr>
                 <a:defRPr/>
               </a:pPr>
-              <a:t>26</a:t>
+              <a:t>28</a:t>
             </a:fld>
             <a:endParaRPr lang="en-US" altLang="en-US" dirty="0"/>
           </a:p>
@@ -16321,7 +16715,7 @@
 </p:sld>
 </file>
 
-<file path=ppt/slides/slide27.xml><?xml version="1.0" encoding="utf-8"?>
+<file path=ppt/slides/slide29.xml><?xml version="1.0" encoding="utf-8"?>
 <p:sld xmlns:a="http://schemas.openxmlformats.org/drawingml/2006/main" xmlns:r="http://schemas.openxmlformats.org/officeDocument/2006/relationships" xmlns:p="http://schemas.openxmlformats.org/presentationml/2006/main">
   <p:cSld>
     <p:spTree>
@@ -17572,7 +17966,7 @@
               <a:pPr>
                 <a:defRPr/>
               </a:pPr>
-              <a:t>27</a:t>
+              <a:t>29</a:t>
             </a:fld>
             <a:endParaRPr lang="en-US" altLang="en-US" dirty="0"/>
           </a:p>
@@ -17582,1426 +17976,6 @@
     <p:extLst>
       <p:ext uri="{BB962C8B-B14F-4D97-AF65-F5344CB8AC3E}">
         <p14:creationId xmlns:p14="http://schemas.microsoft.com/office/powerpoint/2010/main" val="4270896503"/>
-      </p:ext>
-    </p:extLst>
-  </p:cSld>
-  <p:clrMapOvr>
-    <a:masterClrMapping/>
-  </p:clrMapOvr>
-</p:sld>
-</file>
-
-<file path=ppt/slides/slide28.xml><?xml version="1.0" encoding="utf-8"?>
-<p:sld xmlns:a="http://schemas.openxmlformats.org/drawingml/2006/main" xmlns:r="http://schemas.openxmlformats.org/officeDocument/2006/relationships" xmlns:p="http://schemas.openxmlformats.org/presentationml/2006/main">
-  <p:cSld>
-    <p:spTree>
-      <p:nvGrpSpPr>
-        <p:cNvPr id="1" name=""/>
-        <p:cNvGrpSpPr/>
-        <p:nvPr/>
-      </p:nvGrpSpPr>
-      <p:grpSpPr>
-        <a:xfrm>
-          <a:off x="0" y="0"/>
-          <a:ext cx="0" cy="0"/>
-          <a:chOff x="0" y="0"/>
-          <a:chExt cx="0" cy="0"/>
-        </a:xfrm>
-      </p:grpSpPr>
-      <p:sp>
-        <p:nvSpPr>
-          <p:cNvPr id="2" name="Title 1">
-            <a:extLst>
-              <a:ext uri="{FF2B5EF4-FFF2-40B4-BE49-F238E27FC236}">
-                <a16:creationId xmlns:a16="http://schemas.microsoft.com/office/drawing/2014/main" id="{6F8BDF20-23E6-490A-A7B5-7F2F2A889CE2}"/>
-              </a:ext>
-            </a:extLst>
-          </p:cNvPr>
-          <p:cNvSpPr>
-            <a:spLocks noGrp="1"/>
-          </p:cNvSpPr>
-          <p:nvPr>
-            <p:ph type="title"/>
-          </p:nvPr>
-        </p:nvSpPr>
-        <p:spPr/>
-        <p:txBody>
-          <a:bodyPr/>
-          <a:lstStyle/>
-          <a:p>
-            <a:r>
-              <a:rPr lang="en-US" dirty="0"/>
-              <a:t>Major Malware involved</a:t>
-            </a:r>
-          </a:p>
-        </p:txBody>
-      </p:sp>
-      <p:sp>
-        <p:nvSpPr>
-          <p:cNvPr id="3" name="Content Placeholder 2">
-            <a:extLst>
-              <a:ext uri="{FF2B5EF4-FFF2-40B4-BE49-F238E27FC236}">
-                <a16:creationId xmlns:a16="http://schemas.microsoft.com/office/drawing/2014/main" id="{2AE4D022-3C35-4ABF-A46D-464A04CEE835}"/>
-              </a:ext>
-            </a:extLst>
-          </p:cNvPr>
-          <p:cNvSpPr>
-            <a:spLocks noGrp="1"/>
-          </p:cNvSpPr>
-          <p:nvPr>
-            <p:ph idx="1"/>
-          </p:nvPr>
-        </p:nvSpPr>
-        <p:spPr/>
-        <p:txBody>
-          <a:bodyPr/>
-          <a:lstStyle/>
-          <a:p>
-            <a:pPr marL="0" marR="0" indent="0">
-              <a:lnSpc>
-                <a:spcPct val="107000"/>
-              </a:lnSpc>
-              <a:spcBef>
-                <a:spcPts val="1200"/>
-              </a:spcBef>
-              <a:spcAft>
-                <a:spcPts val="1200"/>
-              </a:spcAft>
-              <a:buNone/>
-            </a:pPr>
-            <a:r>
-              <a:rPr lang="en-US" sz="600" b="1" dirty="0">
-                <a:solidFill>
-                  <a:srgbClr val="000000"/>
-                </a:solidFill>
-                <a:effectLst/>
-                <a:latin typeface="Times New Roman" panose="02020603050405020304" pitchFamily="18" charset="0"/>
-                <a:ea typeface="Times New Roman" panose="02020603050405020304" pitchFamily="18" charset="0"/>
-              </a:rPr>
-              <a:t>3-14-2022 – </a:t>
-            </a:r>
-            <a:r>
-              <a:rPr lang="en-US" sz="600" b="1" dirty="0" err="1">
-                <a:solidFill>
-                  <a:srgbClr val="000000"/>
-                </a:solidFill>
-                <a:effectLst/>
-                <a:latin typeface="Times New Roman" panose="02020603050405020304" pitchFamily="18" charset="0"/>
-                <a:ea typeface="Times New Roman" panose="02020603050405020304" pitchFamily="18" charset="0"/>
-              </a:rPr>
-              <a:t>CaddyWiper</a:t>
-            </a:r>
-            <a:r>
-              <a:rPr lang="en-US" sz="600" b="1" dirty="0">
-                <a:solidFill>
-                  <a:srgbClr val="000000"/>
-                </a:solidFill>
-                <a:effectLst/>
-                <a:latin typeface="Times New Roman" panose="02020603050405020304" pitchFamily="18" charset="0"/>
-                <a:ea typeface="Times New Roman" panose="02020603050405020304" pitchFamily="18" charset="0"/>
-              </a:rPr>
-              <a:t> </a:t>
-            </a:r>
-            <a:r>
-              <a:rPr lang="en-US" sz="600" dirty="0">
-                <a:solidFill>
-                  <a:srgbClr val="000000"/>
-                </a:solidFill>
-                <a:effectLst/>
-                <a:latin typeface="Times New Roman" panose="02020603050405020304" pitchFamily="18" charset="0"/>
-                <a:ea typeface="Times New Roman" panose="02020603050405020304" pitchFamily="18" charset="0"/>
-              </a:rPr>
-              <a:t>Deployment of </a:t>
-            </a:r>
-            <a:r>
-              <a:rPr lang="en-US" sz="600" dirty="0" err="1">
-                <a:solidFill>
-                  <a:srgbClr val="000000"/>
-                </a:solidFill>
-                <a:effectLst/>
-                <a:latin typeface="Times New Roman" panose="02020603050405020304" pitchFamily="18" charset="0"/>
-                <a:ea typeface="Times New Roman" panose="02020603050405020304" pitchFamily="18" charset="0"/>
-              </a:rPr>
-              <a:t>CaddyWiper</a:t>
-            </a:r>
-            <a:r>
-              <a:rPr lang="en-US" sz="600" dirty="0">
-                <a:solidFill>
-                  <a:srgbClr val="000000"/>
-                </a:solidFill>
-                <a:effectLst/>
-                <a:latin typeface="Times New Roman" panose="02020603050405020304" pitchFamily="18" charset="0"/>
-                <a:ea typeface="Times New Roman" panose="02020603050405020304" pitchFamily="18" charset="0"/>
-              </a:rPr>
-              <a:t> against a Ukrainian bank</a:t>
-            </a:r>
-            <a:endParaRPr lang="en-US" sz="600" dirty="0">
-              <a:solidFill>
-                <a:srgbClr val="000000"/>
-              </a:solidFill>
-              <a:effectLst/>
-              <a:latin typeface="Times New Roman" panose="02020603050405020304" pitchFamily="18" charset="0"/>
-              <a:ea typeface="Calibri" panose="020F0502020204030204" pitchFamily="34" charset="0"/>
-            </a:endParaRPr>
-          </a:p>
-          <a:p>
-            <a:pPr marL="0" marR="0" indent="0">
-              <a:lnSpc>
-                <a:spcPct val="107000"/>
-              </a:lnSpc>
-              <a:spcBef>
-                <a:spcPts val="1200"/>
-              </a:spcBef>
-              <a:spcAft>
-                <a:spcPts val="1200"/>
-              </a:spcAft>
-              <a:buNone/>
-            </a:pPr>
-            <a:r>
-              <a:rPr lang="en-US" sz="600" b="1" dirty="0">
-                <a:solidFill>
-                  <a:srgbClr val="000000"/>
-                </a:solidFill>
-                <a:effectLst/>
-                <a:latin typeface="Times New Roman" panose="02020603050405020304" pitchFamily="18" charset="0"/>
-                <a:ea typeface="Times New Roman" panose="02020603050405020304" pitchFamily="18" charset="0"/>
-              </a:rPr>
-              <a:t>3-16-2022 – </a:t>
-            </a:r>
-            <a:r>
-              <a:rPr lang="en-US" sz="600" b="1" dirty="0" err="1">
-                <a:solidFill>
-                  <a:srgbClr val="000000"/>
-                </a:solidFill>
-                <a:effectLst/>
-                <a:latin typeface="Times New Roman" panose="02020603050405020304" pitchFamily="18" charset="0"/>
-                <a:ea typeface="Times New Roman" panose="02020603050405020304" pitchFamily="18" charset="0"/>
-              </a:rPr>
-              <a:t>DoubleZero</a:t>
-            </a:r>
-            <a:r>
-              <a:rPr lang="en-US" sz="600" b="1" dirty="0">
-                <a:solidFill>
-                  <a:srgbClr val="000000"/>
-                </a:solidFill>
-                <a:effectLst/>
-                <a:latin typeface="Times New Roman" panose="02020603050405020304" pitchFamily="18" charset="0"/>
-                <a:ea typeface="Times New Roman" panose="02020603050405020304" pitchFamily="18" charset="0"/>
-              </a:rPr>
-              <a:t> By</a:t>
-            </a:r>
-            <a:r>
-              <a:rPr lang="en-US" sz="600" dirty="0">
-                <a:solidFill>
-                  <a:srgbClr val="000000"/>
-                </a:solidFill>
-                <a:effectLst/>
-                <a:latin typeface="Times New Roman" panose="02020603050405020304" pitchFamily="18" charset="0"/>
-                <a:ea typeface="Times New Roman" panose="02020603050405020304" pitchFamily="18" charset="0"/>
-              </a:rPr>
-              <a:t>: Russia</a:t>
-            </a:r>
-            <a:endParaRPr lang="en-US" sz="600" dirty="0">
-              <a:solidFill>
-                <a:srgbClr val="000000"/>
-              </a:solidFill>
-              <a:effectLst/>
-              <a:latin typeface="Times New Roman" panose="02020603050405020304" pitchFamily="18" charset="0"/>
-              <a:ea typeface="Calibri" panose="020F0502020204030204" pitchFamily="34" charset="0"/>
-            </a:endParaRPr>
-          </a:p>
-          <a:p>
-            <a:pPr marL="0" marR="0" lvl="0" indent="0" fontAlgn="base">
-              <a:lnSpc>
-                <a:spcPct val="107000"/>
-              </a:lnSpc>
-              <a:spcBef>
-                <a:spcPts val="0"/>
-              </a:spcBef>
-              <a:spcAft>
-                <a:spcPts val="0"/>
-              </a:spcAft>
-              <a:buNone/>
-              <a:tabLst>
-                <a:tab pos="457200" algn="l"/>
-              </a:tabLst>
-            </a:pPr>
-            <a:r>
-              <a:rPr lang="en-US" sz="600" b="1" dirty="0">
-                <a:solidFill>
-                  <a:srgbClr val="000000"/>
-                </a:solidFill>
-                <a:effectLst/>
-                <a:latin typeface="Times New Roman" panose="02020603050405020304" pitchFamily="18" charset="0"/>
-                <a:ea typeface="Times New Roman" panose="02020603050405020304" pitchFamily="18" charset="0"/>
-              </a:rPr>
-              <a:t>Victim</a:t>
-            </a:r>
-            <a:r>
-              <a:rPr lang="en-US" sz="600" dirty="0">
-                <a:solidFill>
-                  <a:srgbClr val="000000"/>
-                </a:solidFill>
-                <a:effectLst/>
-                <a:latin typeface="Times New Roman" panose="02020603050405020304" pitchFamily="18" charset="0"/>
-                <a:ea typeface="Times New Roman" panose="02020603050405020304" pitchFamily="18" charset="0"/>
-              </a:rPr>
-              <a:t>: Ukraine</a:t>
-            </a:r>
-            <a:endParaRPr lang="en-US" sz="600" dirty="0">
-              <a:solidFill>
-                <a:srgbClr val="000000"/>
-              </a:solidFill>
-              <a:effectLst/>
-              <a:latin typeface="Times New Roman" panose="02020603050405020304" pitchFamily="18" charset="0"/>
-              <a:ea typeface="Calibri" panose="020F0502020204030204" pitchFamily="34" charset="0"/>
-            </a:endParaRPr>
-          </a:p>
-          <a:p>
-            <a:pPr marL="0" marR="0" lvl="0" indent="0" fontAlgn="base">
-              <a:lnSpc>
-                <a:spcPct val="107000"/>
-              </a:lnSpc>
-              <a:spcBef>
-                <a:spcPts val="0"/>
-              </a:spcBef>
-              <a:spcAft>
-                <a:spcPts val="0"/>
-              </a:spcAft>
-              <a:buNone/>
-              <a:tabLst>
-                <a:tab pos="457200" algn="l"/>
-              </a:tabLst>
-            </a:pPr>
-            <a:r>
-              <a:rPr lang="en-US" sz="600" b="1" dirty="0">
-                <a:solidFill>
-                  <a:srgbClr val="000000"/>
-                </a:solidFill>
-                <a:effectLst/>
-                <a:latin typeface="Times New Roman" panose="02020603050405020304" pitchFamily="18" charset="0"/>
-                <a:ea typeface="Times New Roman" panose="02020603050405020304" pitchFamily="18" charset="0"/>
-              </a:rPr>
-              <a:t>Type</a:t>
-            </a:r>
-            <a:r>
-              <a:rPr lang="en-US" sz="600" dirty="0">
-                <a:solidFill>
-                  <a:srgbClr val="000000"/>
-                </a:solidFill>
-                <a:effectLst/>
-                <a:latin typeface="Times New Roman" panose="02020603050405020304" pitchFamily="18" charset="0"/>
-                <a:ea typeface="Times New Roman" panose="02020603050405020304" pitchFamily="18" charset="0"/>
-              </a:rPr>
-              <a:t>: Wiper</a:t>
-            </a:r>
-            <a:endParaRPr lang="en-US" sz="600" dirty="0">
-              <a:solidFill>
-                <a:srgbClr val="000000"/>
-              </a:solidFill>
-              <a:effectLst/>
-              <a:latin typeface="Times New Roman" panose="02020603050405020304" pitchFamily="18" charset="0"/>
-              <a:ea typeface="Calibri" panose="020F0502020204030204" pitchFamily="34" charset="0"/>
-            </a:endParaRPr>
-          </a:p>
-          <a:p>
-            <a:pPr marL="0" marR="0" lvl="0" indent="0" fontAlgn="base">
-              <a:lnSpc>
-                <a:spcPct val="107000"/>
-              </a:lnSpc>
-              <a:spcBef>
-                <a:spcPts val="0"/>
-              </a:spcBef>
-              <a:spcAft>
-                <a:spcPts val="0"/>
-              </a:spcAft>
-              <a:buNone/>
-              <a:tabLst>
-                <a:tab pos="457200" algn="l"/>
-              </a:tabLst>
-            </a:pPr>
-            <a:r>
-              <a:rPr lang="en-US" sz="600" b="1" dirty="0">
-                <a:solidFill>
-                  <a:srgbClr val="000000"/>
-                </a:solidFill>
-                <a:effectLst/>
-                <a:latin typeface="Times New Roman" panose="02020603050405020304" pitchFamily="18" charset="0"/>
-                <a:ea typeface="Times New Roman" panose="02020603050405020304" pitchFamily="18" charset="0"/>
-              </a:rPr>
-              <a:t>Targets</a:t>
-            </a:r>
-            <a:r>
-              <a:rPr lang="en-US" sz="600" dirty="0">
-                <a:solidFill>
-                  <a:srgbClr val="000000"/>
-                </a:solidFill>
-                <a:effectLst/>
-                <a:latin typeface="Times New Roman" panose="02020603050405020304" pitchFamily="18" charset="0"/>
-                <a:ea typeface="Times New Roman" panose="02020603050405020304" pitchFamily="18" charset="0"/>
-              </a:rPr>
-              <a:t>: Unknown</a:t>
-            </a:r>
-            <a:endParaRPr lang="en-US" sz="600" dirty="0">
-              <a:solidFill>
-                <a:srgbClr val="000000"/>
-              </a:solidFill>
-              <a:effectLst/>
-              <a:latin typeface="Times New Roman" panose="02020603050405020304" pitchFamily="18" charset="0"/>
-              <a:ea typeface="Calibri" panose="020F0502020204030204" pitchFamily="34" charset="0"/>
-            </a:endParaRPr>
-          </a:p>
-          <a:p>
-            <a:pPr marL="0" marR="0" lvl="0" indent="0" fontAlgn="base">
-              <a:lnSpc>
-                <a:spcPct val="107000"/>
-              </a:lnSpc>
-              <a:spcBef>
-                <a:spcPts val="0"/>
-              </a:spcBef>
-              <a:spcAft>
-                <a:spcPts val="0"/>
-              </a:spcAft>
-              <a:buNone/>
-              <a:tabLst>
-                <a:tab pos="457200" algn="l"/>
-              </a:tabLst>
-            </a:pPr>
-            <a:r>
-              <a:rPr lang="en-US" sz="600" b="1" dirty="0">
-                <a:solidFill>
-                  <a:srgbClr val="000000"/>
-                </a:solidFill>
-                <a:effectLst/>
-                <a:latin typeface="Times New Roman" panose="02020603050405020304" pitchFamily="18" charset="0"/>
-                <a:ea typeface="Times New Roman" panose="02020603050405020304" pitchFamily="18" charset="0"/>
-              </a:rPr>
-              <a:t>Purpose:</a:t>
-            </a:r>
-            <a:r>
-              <a:rPr lang="en-US" sz="600" dirty="0">
-                <a:solidFill>
-                  <a:srgbClr val="000000"/>
-                </a:solidFill>
-                <a:effectLst/>
-                <a:latin typeface="Times New Roman" panose="02020603050405020304" pitchFamily="18" charset="0"/>
-                <a:ea typeface="Times New Roman" panose="02020603050405020304" pitchFamily="18" charset="0"/>
-              </a:rPr>
-              <a:t> Destruction</a:t>
-            </a:r>
-            <a:endParaRPr lang="en-US" sz="600" dirty="0">
-              <a:solidFill>
-                <a:srgbClr val="000000"/>
-              </a:solidFill>
-              <a:effectLst/>
-              <a:latin typeface="Times New Roman" panose="02020603050405020304" pitchFamily="18" charset="0"/>
-              <a:ea typeface="Calibri" panose="020F0502020204030204" pitchFamily="34" charset="0"/>
-            </a:endParaRPr>
-          </a:p>
-          <a:p>
-            <a:pPr marL="0" marR="0" lvl="0" indent="0" fontAlgn="base">
-              <a:lnSpc>
-                <a:spcPct val="107000"/>
-              </a:lnSpc>
-              <a:spcBef>
-                <a:spcPts val="0"/>
-              </a:spcBef>
-              <a:spcAft>
-                <a:spcPts val="0"/>
-              </a:spcAft>
-              <a:buNone/>
-              <a:tabLst>
-                <a:tab pos="457200" algn="l"/>
-              </a:tabLst>
-            </a:pPr>
-            <a:r>
-              <a:rPr lang="en-US" sz="600" b="1" dirty="0">
-                <a:solidFill>
-                  <a:srgbClr val="000000"/>
-                </a:solidFill>
-                <a:effectLst/>
-                <a:latin typeface="Times New Roman" panose="02020603050405020304" pitchFamily="18" charset="0"/>
-                <a:ea typeface="Times New Roman" panose="02020603050405020304" pitchFamily="18" charset="0"/>
-              </a:rPr>
-              <a:t>Impact</a:t>
-            </a:r>
-            <a:r>
-              <a:rPr lang="en-US" sz="600" dirty="0">
-                <a:solidFill>
-                  <a:srgbClr val="000000"/>
-                </a:solidFill>
-                <a:effectLst/>
-                <a:latin typeface="Times New Roman" panose="02020603050405020304" pitchFamily="18" charset="0"/>
-                <a:ea typeface="Times New Roman" panose="02020603050405020304" pitchFamily="18" charset="0"/>
-              </a:rPr>
-              <a:t>: On March 17, CERT-UA discovered several ZIP archives of a destructive malware dubbed “</a:t>
-            </a:r>
-            <a:r>
-              <a:rPr lang="en-US" sz="600" dirty="0" err="1">
-                <a:solidFill>
-                  <a:srgbClr val="000000"/>
-                </a:solidFill>
-                <a:effectLst/>
-                <a:latin typeface="Times New Roman" panose="02020603050405020304" pitchFamily="18" charset="0"/>
-                <a:ea typeface="Times New Roman" panose="02020603050405020304" pitchFamily="18" charset="0"/>
-              </a:rPr>
-              <a:t>DoubleZero</a:t>
-            </a:r>
-            <a:r>
-              <a:rPr lang="en-US" sz="600" dirty="0">
-                <a:solidFill>
-                  <a:srgbClr val="000000"/>
-                </a:solidFill>
-                <a:effectLst/>
-                <a:latin typeface="Times New Roman" panose="02020603050405020304" pitchFamily="18" charset="0"/>
-                <a:ea typeface="Times New Roman" panose="02020603050405020304" pitchFamily="18" charset="0"/>
-              </a:rPr>
-              <a:t>.” The activity is tracked by the UAC-0088 identifier and is directly related to attempts to violate the regular mode of operation of information systems of Ukrainian enterprises.</a:t>
-            </a:r>
-            <a:endParaRPr lang="en-US" sz="600" dirty="0">
-              <a:solidFill>
-                <a:srgbClr val="000000"/>
-              </a:solidFill>
-              <a:effectLst/>
-              <a:latin typeface="Times New Roman" panose="02020603050405020304" pitchFamily="18" charset="0"/>
-              <a:ea typeface="Calibri" panose="020F0502020204030204" pitchFamily="34" charset="0"/>
-            </a:endParaRPr>
-          </a:p>
-          <a:p>
-            <a:pPr marL="0" marR="0" lvl="0" indent="0" fontAlgn="base">
-              <a:lnSpc>
-                <a:spcPct val="107000"/>
-              </a:lnSpc>
-              <a:spcBef>
-                <a:spcPts val="0"/>
-              </a:spcBef>
-              <a:spcAft>
-                <a:spcPts val="0"/>
-              </a:spcAft>
-              <a:buNone/>
-              <a:tabLst>
-                <a:tab pos="457200" algn="l"/>
-              </a:tabLst>
-            </a:pPr>
-            <a:r>
-              <a:rPr lang="en-US" sz="600" b="1" dirty="0">
-                <a:solidFill>
-                  <a:srgbClr val="000000"/>
-                </a:solidFill>
-                <a:effectLst/>
-                <a:latin typeface="Times New Roman" panose="02020603050405020304" pitchFamily="18" charset="0"/>
-                <a:ea typeface="Times New Roman" panose="02020603050405020304" pitchFamily="18" charset="0"/>
-              </a:rPr>
-              <a:t>Confidence</a:t>
-            </a:r>
-            <a:r>
-              <a:rPr lang="en-US" sz="600" dirty="0">
-                <a:solidFill>
-                  <a:srgbClr val="000000"/>
-                </a:solidFill>
-                <a:effectLst/>
-                <a:latin typeface="Times New Roman" panose="02020603050405020304" pitchFamily="18" charset="0"/>
-                <a:ea typeface="Times New Roman" panose="02020603050405020304" pitchFamily="18" charset="0"/>
-              </a:rPr>
-              <a:t>: Confirmed</a:t>
-            </a:r>
-            <a:endParaRPr lang="en-US" sz="600" dirty="0">
-              <a:solidFill>
-                <a:srgbClr val="000000"/>
-              </a:solidFill>
-              <a:effectLst/>
-              <a:latin typeface="Times New Roman" panose="02020603050405020304" pitchFamily="18" charset="0"/>
-              <a:ea typeface="Calibri" panose="020F0502020204030204" pitchFamily="34" charset="0"/>
-            </a:endParaRPr>
-          </a:p>
-          <a:p>
-            <a:pPr marL="0" marR="0" lvl="0" indent="0" fontAlgn="base">
-              <a:lnSpc>
-                <a:spcPct val="107000"/>
-              </a:lnSpc>
-              <a:spcBef>
-                <a:spcPts val="0"/>
-              </a:spcBef>
-              <a:spcAft>
-                <a:spcPts val="0"/>
-              </a:spcAft>
-              <a:buNone/>
-              <a:tabLst>
-                <a:tab pos="457200" algn="l"/>
-              </a:tabLst>
-            </a:pPr>
-            <a:r>
-              <a:rPr lang="en-US" sz="600" b="1" dirty="0">
-                <a:solidFill>
-                  <a:srgbClr val="000000"/>
-                </a:solidFill>
-                <a:effectLst/>
-                <a:latin typeface="Times New Roman" panose="02020603050405020304" pitchFamily="18" charset="0"/>
-                <a:ea typeface="Times New Roman" panose="02020603050405020304" pitchFamily="18" charset="0"/>
-              </a:rPr>
-              <a:t>Threat</a:t>
-            </a:r>
-            <a:r>
-              <a:rPr lang="en-US" sz="600" dirty="0">
-                <a:solidFill>
-                  <a:srgbClr val="000000"/>
-                </a:solidFill>
-                <a:effectLst/>
-                <a:latin typeface="Times New Roman" panose="02020603050405020304" pitchFamily="18" charset="0"/>
-                <a:ea typeface="Times New Roman" panose="02020603050405020304" pitchFamily="18" charset="0"/>
-              </a:rPr>
-              <a:t> </a:t>
-            </a:r>
-            <a:r>
-              <a:rPr lang="en-US" sz="600" b="1" dirty="0">
-                <a:solidFill>
-                  <a:srgbClr val="000000"/>
-                </a:solidFill>
-                <a:effectLst/>
-                <a:latin typeface="Times New Roman" panose="02020603050405020304" pitchFamily="18" charset="0"/>
-                <a:ea typeface="Times New Roman" panose="02020603050405020304" pitchFamily="18" charset="0"/>
-              </a:rPr>
-              <a:t>Actor</a:t>
-            </a:r>
-            <a:r>
-              <a:rPr lang="en-US" sz="600" dirty="0">
-                <a:solidFill>
-                  <a:srgbClr val="000000"/>
-                </a:solidFill>
-                <a:effectLst/>
-                <a:latin typeface="Times New Roman" panose="02020603050405020304" pitchFamily="18" charset="0"/>
-                <a:ea typeface="Times New Roman" panose="02020603050405020304" pitchFamily="18" charset="0"/>
-              </a:rPr>
-              <a:t>: UAC-0088</a:t>
-            </a:r>
-            <a:endParaRPr lang="en-US" sz="600" dirty="0">
-              <a:solidFill>
-                <a:srgbClr val="000000"/>
-              </a:solidFill>
-              <a:effectLst/>
-              <a:latin typeface="Times New Roman" panose="02020603050405020304" pitchFamily="18" charset="0"/>
-              <a:ea typeface="Calibri" panose="020F0502020204030204" pitchFamily="34" charset="0"/>
-            </a:endParaRPr>
-          </a:p>
-          <a:p>
-            <a:pPr marL="0" marR="0" lvl="0" indent="0" fontAlgn="base">
-              <a:lnSpc>
-                <a:spcPct val="107000"/>
-              </a:lnSpc>
-              <a:spcBef>
-                <a:spcPts val="0"/>
-              </a:spcBef>
-              <a:spcAft>
-                <a:spcPts val="1200"/>
-              </a:spcAft>
-              <a:buNone/>
-              <a:tabLst>
-                <a:tab pos="457200" algn="l"/>
-              </a:tabLst>
-            </a:pPr>
-            <a:r>
-              <a:rPr lang="en-US" sz="600" dirty="0">
-                <a:solidFill>
-                  <a:srgbClr val="000000"/>
-                </a:solidFill>
-                <a:effectLst/>
-                <a:latin typeface="Times New Roman" panose="02020603050405020304" pitchFamily="18" charset="0"/>
-                <a:ea typeface="Times New Roman" panose="02020603050405020304" pitchFamily="18" charset="0"/>
-              </a:rPr>
-              <a:t> </a:t>
-            </a:r>
-            <a:r>
-              <a:rPr lang="en-US" sz="600" b="1" dirty="0">
-                <a:solidFill>
-                  <a:srgbClr val="000000"/>
-                </a:solidFill>
-                <a:effectLst/>
-                <a:latin typeface="Times New Roman" panose="02020603050405020304" pitchFamily="18" charset="0"/>
-                <a:ea typeface="Times New Roman" panose="02020603050405020304" pitchFamily="18" charset="0"/>
-              </a:rPr>
-              <a:t>References</a:t>
-            </a:r>
-            <a:r>
-              <a:rPr lang="en-US" sz="600" dirty="0">
-                <a:solidFill>
-                  <a:srgbClr val="000000"/>
-                </a:solidFill>
-                <a:effectLst/>
-                <a:latin typeface="Times New Roman" panose="02020603050405020304" pitchFamily="18" charset="0"/>
-                <a:ea typeface="Times New Roman" panose="02020603050405020304" pitchFamily="18" charset="0"/>
-              </a:rPr>
-              <a:t>:</a:t>
-            </a:r>
-            <a:r>
-              <a:rPr lang="en-US" sz="600" u="sng" dirty="0">
-                <a:solidFill>
-                  <a:srgbClr val="000000"/>
-                </a:solidFill>
-                <a:effectLst/>
-                <a:latin typeface="Times New Roman" panose="02020603050405020304" pitchFamily="18" charset="0"/>
-                <a:ea typeface="Times New Roman" panose="02020603050405020304" pitchFamily="18" charset="0"/>
-                <a:hlinkClick r:id="rId2"/>
-              </a:rPr>
-              <a:t> </a:t>
-            </a:r>
-            <a:r>
-              <a:rPr lang="en-US" sz="600" u="sng" dirty="0">
-                <a:solidFill>
-                  <a:srgbClr val="1155CC"/>
-                </a:solidFill>
-                <a:effectLst/>
-                <a:latin typeface="Times New Roman" panose="02020603050405020304" pitchFamily="18" charset="0"/>
-                <a:ea typeface="Times New Roman" panose="02020603050405020304" pitchFamily="18" charset="0"/>
-                <a:hlinkClick r:id="rId3"/>
-              </a:rPr>
-              <a:t>CERT-UA</a:t>
-            </a:r>
-            <a:r>
-              <a:rPr lang="en-US" sz="600" dirty="0">
-                <a:solidFill>
-                  <a:srgbClr val="000000"/>
-                </a:solidFill>
-                <a:effectLst/>
-                <a:latin typeface="Times New Roman" panose="02020603050405020304" pitchFamily="18" charset="0"/>
-                <a:ea typeface="Times New Roman" panose="02020603050405020304" pitchFamily="18" charset="0"/>
-              </a:rPr>
-              <a:t>, </a:t>
-            </a:r>
-            <a:r>
-              <a:rPr lang="en-US" sz="600" u="sng" dirty="0">
-                <a:solidFill>
-                  <a:srgbClr val="1155CC"/>
-                </a:solidFill>
-                <a:effectLst/>
-                <a:latin typeface="Times New Roman" panose="02020603050405020304" pitchFamily="18" charset="0"/>
-                <a:ea typeface="Times New Roman" panose="02020603050405020304" pitchFamily="18" charset="0"/>
-                <a:hlinkClick r:id="rId4"/>
-              </a:rPr>
-              <a:t>SOC Prime</a:t>
-            </a:r>
-            <a:endParaRPr lang="en-US" sz="600" dirty="0">
-              <a:solidFill>
-                <a:srgbClr val="000000"/>
-              </a:solidFill>
-              <a:effectLst/>
-              <a:latin typeface="Times New Roman" panose="02020603050405020304" pitchFamily="18" charset="0"/>
-              <a:ea typeface="Calibri" panose="020F0502020204030204" pitchFamily="34" charset="0"/>
-            </a:endParaRPr>
-          </a:p>
-          <a:p>
-            <a:pPr marL="0" marR="0" indent="0">
-              <a:lnSpc>
-                <a:spcPct val="107000"/>
-              </a:lnSpc>
-              <a:spcBef>
-                <a:spcPts val="1200"/>
-              </a:spcBef>
-              <a:spcAft>
-                <a:spcPts val="1200"/>
-              </a:spcAft>
-              <a:buNone/>
-            </a:pPr>
-            <a:r>
-              <a:rPr lang="en-US" sz="600" b="1" dirty="0">
-                <a:solidFill>
-                  <a:srgbClr val="000000"/>
-                </a:solidFill>
-                <a:effectLst/>
-                <a:latin typeface="Times New Roman" panose="02020603050405020304" pitchFamily="18" charset="0"/>
-                <a:ea typeface="Times New Roman" panose="02020603050405020304" pitchFamily="18" charset="0"/>
-              </a:rPr>
-              <a:t>4-1-2022 – </a:t>
-            </a:r>
-            <a:r>
-              <a:rPr lang="en-US" sz="600" b="1" dirty="0" err="1">
-                <a:solidFill>
-                  <a:srgbClr val="000000"/>
-                </a:solidFill>
-                <a:effectLst/>
-                <a:latin typeface="Times New Roman" panose="02020603050405020304" pitchFamily="18" charset="0"/>
-                <a:ea typeface="Times New Roman" panose="02020603050405020304" pitchFamily="18" charset="0"/>
-              </a:rPr>
-              <a:t>CaddyWiper</a:t>
-            </a:r>
-            <a:r>
-              <a:rPr lang="en-US" sz="600" b="1" dirty="0">
-                <a:solidFill>
-                  <a:srgbClr val="000000"/>
-                </a:solidFill>
-                <a:effectLst/>
-                <a:latin typeface="Times New Roman" panose="02020603050405020304" pitchFamily="18" charset="0"/>
-                <a:ea typeface="Times New Roman" panose="02020603050405020304" pitchFamily="18" charset="0"/>
-              </a:rPr>
-              <a:t> </a:t>
-            </a:r>
-            <a:r>
-              <a:rPr lang="en-US" sz="600" dirty="0">
-                <a:solidFill>
-                  <a:srgbClr val="000000"/>
-                </a:solidFill>
-                <a:effectLst/>
-                <a:latin typeface="Times New Roman" panose="02020603050405020304" pitchFamily="18" charset="0"/>
-                <a:ea typeface="Times New Roman" panose="02020603050405020304" pitchFamily="18" charset="0"/>
-              </a:rPr>
-              <a:t>Deployment of </a:t>
-            </a:r>
-            <a:r>
-              <a:rPr lang="en-US" sz="600" dirty="0" err="1">
-                <a:solidFill>
-                  <a:srgbClr val="000000"/>
-                </a:solidFill>
-                <a:effectLst/>
-                <a:latin typeface="Times New Roman" panose="02020603050405020304" pitchFamily="18" charset="0"/>
-                <a:ea typeface="Times New Roman" panose="02020603050405020304" pitchFamily="18" charset="0"/>
-              </a:rPr>
-              <a:t>CaddyWiper</a:t>
-            </a:r>
-            <a:r>
-              <a:rPr lang="en-US" sz="600" dirty="0">
-                <a:solidFill>
-                  <a:srgbClr val="000000"/>
-                </a:solidFill>
-                <a:effectLst/>
-                <a:latin typeface="Times New Roman" panose="02020603050405020304" pitchFamily="18" charset="0"/>
-                <a:ea typeface="Times New Roman" panose="02020603050405020304" pitchFamily="18" charset="0"/>
-              </a:rPr>
-              <a:t> against a Ukrainian governmental entity</a:t>
-            </a:r>
-            <a:endParaRPr lang="en-US" sz="600" dirty="0">
-              <a:solidFill>
-                <a:srgbClr val="000000"/>
-              </a:solidFill>
-              <a:effectLst/>
-              <a:latin typeface="Times New Roman" panose="02020603050405020304" pitchFamily="18" charset="0"/>
-              <a:ea typeface="Calibri" panose="020F0502020204030204" pitchFamily="34" charset="0"/>
-            </a:endParaRPr>
-          </a:p>
-          <a:p>
-            <a:pPr marL="0" marR="0" indent="0">
-              <a:lnSpc>
-                <a:spcPct val="107000"/>
-              </a:lnSpc>
-              <a:spcBef>
-                <a:spcPts val="1200"/>
-              </a:spcBef>
-              <a:spcAft>
-                <a:spcPts val="1200"/>
-              </a:spcAft>
-              <a:buNone/>
-            </a:pPr>
-            <a:r>
-              <a:rPr lang="en-US" sz="600" b="1" dirty="0">
-                <a:solidFill>
-                  <a:srgbClr val="000000"/>
-                </a:solidFill>
-                <a:effectLst/>
-                <a:latin typeface="Times New Roman" panose="02020603050405020304" pitchFamily="18" charset="0"/>
-                <a:ea typeface="Times New Roman" panose="02020603050405020304" pitchFamily="18" charset="0"/>
-              </a:rPr>
-              <a:t>4-8-2022 – </a:t>
-            </a:r>
-            <a:r>
-              <a:rPr lang="en-US" sz="600" b="1" dirty="0" err="1">
-                <a:solidFill>
-                  <a:srgbClr val="000000"/>
-                </a:solidFill>
-                <a:effectLst/>
-                <a:latin typeface="Times New Roman" panose="02020603050405020304" pitchFamily="18" charset="0"/>
-                <a:ea typeface="Times New Roman" panose="02020603050405020304" pitchFamily="18" charset="0"/>
-              </a:rPr>
-              <a:t>CaddyWiper</a:t>
-            </a:r>
-            <a:r>
-              <a:rPr lang="en-US" sz="600" b="1" dirty="0">
-                <a:solidFill>
-                  <a:srgbClr val="000000"/>
-                </a:solidFill>
-                <a:effectLst/>
-                <a:latin typeface="Times New Roman" panose="02020603050405020304" pitchFamily="18" charset="0"/>
-                <a:ea typeface="Times New Roman" panose="02020603050405020304" pitchFamily="18" charset="0"/>
-              </a:rPr>
-              <a:t> </a:t>
-            </a:r>
-            <a:r>
-              <a:rPr lang="en-US" sz="600" dirty="0">
-                <a:solidFill>
-                  <a:srgbClr val="000000"/>
-                </a:solidFill>
-                <a:effectLst/>
-                <a:latin typeface="Times New Roman" panose="02020603050405020304" pitchFamily="18" charset="0"/>
-                <a:ea typeface="Times New Roman" panose="02020603050405020304" pitchFamily="18" charset="0"/>
-              </a:rPr>
-              <a:t>Deployment of </a:t>
-            </a:r>
-            <a:r>
-              <a:rPr lang="en-US" sz="600" dirty="0" err="1">
-                <a:solidFill>
-                  <a:srgbClr val="000000"/>
-                </a:solidFill>
-                <a:effectLst/>
-                <a:latin typeface="Times New Roman" panose="02020603050405020304" pitchFamily="18" charset="0"/>
-                <a:ea typeface="Times New Roman" panose="02020603050405020304" pitchFamily="18" charset="0"/>
-              </a:rPr>
-              <a:t>CaddyWiper</a:t>
-            </a:r>
-            <a:r>
-              <a:rPr lang="en-US" sz="600" dirty="0">
-                <a:solidFill>
-                  <a:srgbClr val="000000"/>
-                </a:solidFill>
-                <a:effectLst/>
-                <a:latin typeface="Times New Roman" panose="02020603050405020304" pitchFamily="18" charset="0"/>
-                <a:ea typeface="Times New Roman" panose="02020603050405020304" pitchFamily="18" charset="0"/>
-              </a:rPr>
-              <a:t> on some Windows machines and of Linux and Solaris destructive malware at the energy provider</a:t>
-            </a:r>
-            <a:endParaRPr lang="en-US" sz="600" dirty="0">
-              <a:solidFill>
-                <a:srgbClr val="000000"/>
-              </a:solidFill>
-              <a:effectLst/>
-              <a:latin typeface="Times New Roman" panose="02020603050405020304" pitchFamily="18" charset="0"/>
-              <a:ea typeface="Calibri" panose="020F0502020204030204" pitchFamily="34" charset="0"/>
-            </a:endParaRPr>
-          </a:p>
-          <a:p>
-            <a:pPr marL="0" marR="0" indent="0">
-              <a:lnSpc>
-                <a:spcPct val="107000"/>
-              </a:lnSpc>
-              <a:spcBef>
-                <a:spcPts val="1200"/>
-              </a:spcBef>
-              <a:spcAft>
-                <a:spcPts val="1200"/>
-              </a:spcAft>
-              <a:buNone/>
-            </a:pPr>
-            <a:r>
-              <a:rPr lang="en-US" sz="600" b="1" dirty="0">
-                <a:solidFill>
-                  <a:srgbClr val="000000"/>
-                </a:solidFill>
-                <a:effectLst/>
-                <a:latin typeface="Times New Roman" panose="02020603050405020304" pitchFamily="18" charset="0"/>
-                <a:ea typeface="Times New Roman" panose="02020603050405020304" pitchFamily="18" charset="0"/>
-              </a:rPr>
-              <a:t>All malware below was part of a single attack by Sandworm (Russian APT) on a Ukrainian energy system. </a:t>
-            </a:r>
-          </a:p>
-          <a:p>
-            <a:pPr marL="0" marR="0" indent="0">
-              <a:lnSpc>
-                <a:spcPct val="107000"/>
-              </a:lnSpc>
-              <a:spcBef>
-                <a:spcPts val="1200"/>
-              </a:spcBef>
-              <a:spcAft>
-                <a:spcPts val="1200"/>
-              </a:spcAft>
-              <a:buNone/>
-            </a:pPr>
-            <a:r>
-              <a:rPr lang="en-US" sz="600" i="1" dirty="0">
-                <a:solidFill>
-                  <a:srgbClr val="000000"/>
-                </a:solidFill>
-                <a:effectLst/>
-                <a:latin typeface="Times New Roman" panose="02020603050405020304" pitchFamily="18" charset="0"/>
-                <a:ea typeface="Times New Roman" panose="02020603050405020304" pitchFamily="18" charset="0"/>
-              </a:rPr>
-              <a:t>https://www.welivesecurity.com/2022/04/12/industroyer2-industroyer-reloaded/</a:t>
-            </a:r>
-            <a:endParaRPr lang="en-US" sz="600" dirty="0">
-              <a:effectLst/>
-              <a:latin typeface="Times New Roman" panose="02020603050405020304" pitchFamily="18" charset="0"/>
-              <a:ea typeface="Calibri" panose="020F0502020204030204" pitchFamily="34" charset="0"/>
-            </a:endParaRPr>
-          </a:p>
-          <a:p>
-            <a:pPr marL="0" marR="0" indent="0">
-              <a:lnSpc>
-                <a:spcPct val="107000"/>
-              </a:lnSpc>
-              <a:spcBef>
-                <a:spcPts val="1200"/>
-              </a:spcBef>
-              <a:spcAft>
-                <a:spcPts val="1200"/>
-              </a:spcAft>
-              <a:buNone/>
-            </a:pPr>
-            <a:r>
-              <a:rPr lang="en-US" sz="600" dirty="0">
-                <a:solidFill>
-                  <a:srgbClr val="000000"/>
-                </a:solidFill>
-                <a:effectLst/>
-                <a:latin typeface="Times New Roman" panose="02020603050405020304" pitchFamily="18" charset="0"/>
-                <a:ea typeface="Times New Roman" panose="02020603050405020304" pitchFamily="18" charset="0"/>
-              </a:rPr>
-              <a:t>-------------------------------------------------------------------------------------------------------------------------------</a:t>
-            </a:r>
-            <a:endParaRPr lang="en-US" sz="600" dirty="0">
-              <a:effectLst/>
-              <a:latin typeface="Times New Roman" panose="02020603050405020304" pitchFamily="18" charset="0"/>
-              <a:ea typeface="Calibri" panose="020F0502020204030204" pitchFamily="34" charset="0"/>
-            </a:endParaRPr>
-          </a:p>
-          <a:p>
-            <a:pPr marL="0" indent="0">
-              <a:buNone/>
-            </a:pPr>
-            <a:endParaRPr lang="en-US" sz="600" dirty="0"/>
-          </a:p>
-        </p:txBody>
-      </p:sp>
-      <p:sp>
-        <p:nvSpPr>
-          <p:cNvPr id="4" name="Slide Number Placeholder 3">
-            <a:extLst>
-              <a:ext uri="{FF2B5EF4-FFF2-40B4-BE49-F238E27FC236}">
-                <a16:creationId xmlns:a16="http://schemas.microsoft.com/office/drawing/2014/main" id="{8FD7949B-5E79-4FA2-8939-6A54089E780A}"/>
-              </a:ext>
-            </a:extLst>
-          </p:cNvPr>
-          <p:cNvSpPr>
-            <a:spLocks noGrp="1"/>
-          </p:cNvSpPr>
-          <p:nvPr>
-            <p:ph type="sldNum" sz="quarter" idx="10"/>
-          </p:nvPr>
-        </p:nvSpPr>
-        <p:spPr/>
-        <p:txBody>
-          <a:bodyPr/>
-          <a:lstStyle/>
-          <a:p>
-            <a:pPr>
-              <a:defRPr/>
-            </a:pPr>
-            <a:fld id="{EF611178-6C3A-F247-8731-699DBDA96700}" type="slidenum">
-              <a:rPr lang="en-US" altLang="en-US" smtClean="0"/>
-              <a:pPr>
-                <a:defRPr/>
-              </a:pPr>
-              <a:t>28</a:t>
-            </a:fld>
-            <a:endParaRPr lang="en-US" altLang="en-US" dirty="0"/>
-          </a:p>
-        </p:txBody>
-      </p:sp>
-    </p:spTree>
-    <p:extLst>
-      <p:ext uri="{BB962C8B-B14F-4D97-AF65-F5344CB8AC3E}">
-        <p14:creationId xmlns:p14="http://schemas.microsoft.com/office/powerpoint/2010/main" val="170312540"/>
-      </p:ext>
-    </p:extLst>
-  </p:cSld>
-  <p:clrMapOvr>
-    <a:masterClrMapping/>
-  </p:clrMapOvr>
-</p:sld>
-</file>
-
-<file path=ppt/slides/slide29.xml><?xml version="1.0" encoding="utf-8"?>
-<p:sld xmlns:a="http://schemas.openxmlformats.org/drawingml/2006/main" xmlns:r="http://schemas.openxmlformats.org/officeDocument/2006/relationships" xmlns:p="http://schemas.openxmlformats.org/presentationml/2006/main">
-  <p:cSld>
-    <p:spTree>
-      <p:nvGrpSpPr>
-        <p:cNvPr id="1" name=""/>
-        <p:cNvGrpSpPr/>
-        <p:nvPr/>
-      </p:nvGrpSpPr>
-      <p:grpSpPr>
-        <a:xfrm>
-          <a:off x="0" y="0"/>
-          <a:ext cx="0" cy="0"/>
-          <a:chOff x="0" y="0"/>
-          <a:chExt cx="0" cy="0"/>
-        </a:xfrm>
-      </p:grpSpPr>
-      <p:sp>
-        <p:nvSpPr>
-          <p:cNvPr id="2" name="Title 1">
-            <a:extLst>
-              <a:ext uri="{FF2B5EF4-FFF2-40B4-BE49-F238E27FC236}">
-                <a16:creationId xmlns:a16="http://schemas.microsoft.com/office/drawing/2014/main" id="{5237385E-34C2-4965-814E-8F523AE65F8D}"/>
-              </a:ext>
-            </a:extLst>
-          </p:cNvPr>
-          <p:cNvSpPr>
-            <a:spLocks noGrp="1"/>
-          </p:cNvSpPr>
-          <p:nvPr>
-            <p:ph type="title"/>
-          </p:nvPr>
-        </p:nvSpPr>
-        <p:spPr/>
-        <p:txBody>
-          <a:bodyPr/>
-          <a:lstStyle/>
-          <a:p>
-            <a:r>
-              <a:rPr lang="en-US" dirty="0"/>
-              <a:t>Major Malware involved</a:t>
-            </a:r>
-          </a:p>
-        </p:txBody>
-      </p:sp>
-      <p:sp>
-        <p:nvSpPr>
-          <p:cNvPr id="3" name="Content Placeholder 2">
-            <a:extLst>
-              <a:ext uri="{FF2B5EF4-FFF2-40B4-BE49-F238E27FC236}">
-                <a16:creationId xmlns:a16="http://schemas.microsoft.com/office/drawing/2014/main" id="{49FAC8B1-6202-48F2-B97E-F48CB61D1B5E}"/>
-              </a:ext>
-            </a:extLst>
-          </p:cNvPr>
-          <p:cNvSpPr>
-            <a:spLocks noGrp="1"/>
-          </p:cNvSpPr>
-          <p:nvPr>
-            <p:ph idx="1"/>
-          </p:nvPr>
-        </p:nvSpPr>
-        <p:spPr>
-          <a:xfrm>
-            <a:off x="81280" y="769351"/>
-            <a:ext cx="8605520" cy="3831379"/>
-          </a:xfrm>
-        </p:spPr>
-        <p:txBody>
-          <a:bodyPr/>
-          <a:lstStyle/>
-          <a:p>
-            <a:pPr marL="0" marR="0" indent="0">
-              <a:lnSpc>
-                <a:spcPct val="107000"/>
-              </a:lnSpc>
-              <a:spcBef>
-                <a:spcPts val="1200"/>
-              </a:spcBef>
-              <a:spcAft>
-                <a:spcPts val="1200"/>
-              </a:spcAft>
-              <a:buNone/>
-            </a:pPr>
-            <a:r>
-              <a:rPr lang="en-US" sz="1050" b="1" dirty="0">
-                <a:solidFill>
-                  <a:srgbClr val="000000"/>
-                </a:solidFill>
-                <a:effectLst/>
-                <a:latin typeface="Times New Roman" panose="02020603050405020304" pitchFamily="18" charset="0"/>
-                <a:ea typeface="Times New Roman" panose="02020603050405020304" pitchFamily="18" charset="0"/>
-              </a:rPr>
-              <a:t>4-8-2022 – Industroyer2 </a:t>
-            </a:r>
-            <a:r>
-              <a:rPr lang="en-US" sz="1050" dirty="0">
-                <a:solidFill>
-                  <a:srgbClr val="000000"/>
-                </a:solidFill>
-                <a:effectLst/>
-                <a:latin typeface="Times New Roman" panose="02020603050405020304" pitchFamily="18" charset="0"/>
-                <a:ea typeface="Times New Roman" panose="02020603050405020304" pitchFamily="18" charset="0"/>
-              </a:rPr>
-              <a:t>The second iteration of </a:t>
-            </a:r>
-            <a:r>
-              <a:rPr lang="en-US" sz="1050" dirty="0" err="1">
-                <a:solidFill>
-                  <a:srgbClr val="000000"/>
-                </a:solidFill>
-                <a:effectLst/>
-                <a:latin typeface="Times New Roman" panose="02020603050405020304" pitchFamily="18" charset="0"/>
-                <a:ea typeface="Times New Roman" panose="02020603050405020304" pitchFamily="18" charset="0"/>
-              </a:rPr>
-              <a:t>Industroyer</a:t>
-            </a:r>
-            <a:r>
-              <a:rPr lang="en-US" sz="1050" dirty="0">
-                <a:solidFill>
-                  <a:srgbClr val="000000"/>
-                </a:solidFill>
-                <a:effectLst/>
-                <a:latin typeface="Times New Roman" panose="02020603050405020304" pitchFamily="18" charset="0"/>
-                <a:ea typeface="Times New Roman" panose="02020603050405020304" pitchFamily="18" charset="0"/>
-              </a:rPr>
-              <a:t> malware used to destroy and disrupt energy ICS systems</a:t>
-            </a:r>
-            <a:endParaRPr lang="en-US" sz="1050" dirty="0">
-              <a:solidFill>
-                <a:srgbClr val="000000"/>
-              </a:solidFill>
-              <a:effectLst/>
-              <a:latin typeface="Times New Roman" panose="02020603050405020304" pitchFamily="18" charset="0"/>
-              <a:ea typeface="Calibri" panose="020F0502020204030204" pitchFamily="34" charset="0"/>
-            </a:endParaRPr>
-          </a:p>
-          <a:p>
-            <a:pPr marL="0" marR="0" indent="0">
-              <a:lnSpc>
-                <a:spcPct val="107000"/>
-              </a:lnSpc>
-              <a:spcBef>
-                <a:spcPts val="1200"/>
-              </a:spcBef>
-              <a:spcAft>
-                <a:spcPts val="1200"/>
-              </a:spcAft>
-              <a:buNone/>
-            </a:pPr>
-            <a:r>
-              <a:rPr lang="en-US" sz="1050" b="1" dirty="0">
-                <a:solidFill>
-                  <a:srgbClr val="000000"/>
-                </a:solidFill>
-                <a:effectLst/>
-                <a:latin typeface="Times New Roman" panose="02020603050405020304" pitchFamily="18" charset="0"/>
-                <a:ea typeface="Times New Roman" panose="02020603050405020304" pitchFamily="18" charset="0"/>
-              </a:rPr>
-              <a:t>4-8-2022 – ORCSHRED </a:t>
-            </a:r>
-            <a:r>
-              <a:rPr lang="en-US" sz="1050" dirty="0">
-                <a:solidFill>
-                  <a:srgbClr val="000000"/>
-                </a:solidFill>
-                <a:effectLst/>
-                <a:latin typeface="Times New Roman" panose="02020603050405020304" pitchFamily="18" charset="0"/>
-                <a:ea typeface="Times New Roman" panose="02020603050405020304" pitchFamily="18" charset="0"/>
-              </a:rPr>
-              <a:t>Linux and Solaris wiper used with Industroyer2</a:t>
-            </a:r>
-            <a:endParaRPr lang="en-US" sz="1050" dirty="0">
-              <a:solidFill>
-                <a:srgbClr val="000000"/>
-              </a:solidFill>
-              <a:effectLst/>
-              <a:latin typeface="Times New Roman" panose="02020603050405020304" pitchFamily="18" charset="0"/>
-              <a:ea typeface="Calibri" panose="020F0502020204030204" pitchFamily="34" charset="0"/>
-            </a:endParaRPr>
-          </a:p>
-          <a:p>
-            <a:pPr marL="0" marR="0" indent="0">
-              <a:lnSpc>
-                <a:spcPct val="107000"/>
-              </a:lnSpc>
-              <a:spcBef>
-                <a:spcPts val="1200"/>
-              </a:spcBef>
-              <a:spcAft>
-                <a:spcPts val="1200"/>
-              </a:spcAft>
-              <a:buNone/>
-            </a:pPr>
-            <a:r>
-              <a:rPr lang="en-US" sz="1050" b="1" dirty="0">
-                <a:solidFill>
-                  <a:srgbClr val="000000"/>
-                </a:solidFill>
-                <a:effectLst/>
-                <a:latin typeface="Times New Roman" panose="02020603050405020304" pitchFamily="18" charset="0"/>
-                <a:ea typeface="Times New Roman" panose="02020603050405020304" pitchFamily="18" charset="0"/>
-              </a:rPr>
-              <a:t>4-8-2022 – AWFULSHRED </a:t>
-            </a:r>
-            <a:r>
-              <a:rPr lang="en-US" sz="1050" dirty="0">
-                <a:solidFill>
-                  <a:srgbClr val="000000"/>
-                </a:solidFill>
-                <a:effectLst/>
-                <a:latin typeface="Times New Roman" panose="02020603050405020304" pitchFamily="18" charset="0"/>
-                <a:ea typeface="Times New Roman" panose="02020603050405020304" pitchFamily="18" charset="0"/>
-              </a:rPr>
-              <a:t>Linux and Solaris wiper used with Industroyer2</a:t>
-            </a:r>
-            <a:endParaRPr lang="en-US" sz="1050" dirty="0">
-              <a:solidFill>
-                <a:srgbClr val="000000"/>
-              </a:solidFill>
-              <a:effectLst/>
-              <a:latin typeface="Times New Roman" panose="02020603050405020304" pitchFamily="18" charset="0"/>
-              <a:ea typeface="Calibri" panose="020F0502020204030204" pitchFamily="34" charset="0"/>
-            </a:endParaRPr>
-          </a:p>
-          <a:p>
-            <a:pPr marL="0" marR="0" indent="0">
-              <a:lnSpc>
-                <a:spcPct val="107000"/>
-              </a:lnSpc>
-              <a:spcBef>
-                <a:spcPts val="1200"/>
-              </a:spcBef>
-              <a:spcAft>
-                <a:spcPts val="1200"/>
-              </a:spcAft>
-              <a:buNone/>
-            </a:pPr>
-            <a:r>
-              <a:rPr lang="en-US" sz="1050" b="1" dirty="0">
-                <a:solidFill>
-                  <a:srgbClr val="000000"/>
-                </a:solidFill>
-                <a:effectLst/>
-                <a:latin typeface="Times New Roman" panose="02020603050405020304" pitchFamily="18" charset="0"/>
-                <a:ea typeface="Times New Roman" panose="02020603050405020304" pitchFamily="18" charset="0"/>
-              </a:rPr>
-              <a:t>4-8-2022 – SOLOSHRED </a:t>
-            </a:r>
-            <a:r>
-              <a:rPr lang="en-US" sz="1050" dirty="0">
-                <a:solidFill>
-                  <a:srgbClr val="000000"/>
-                </a:solidFill>
-                <a:effectLst/>
-                <a:latin typeface="Times New Roman" panose="02020603050405020304" pitchFamily="18" charset="0"/>
-                <a:ea typeface="Times New Roman" panose="02020603050405020304" pitchFamily="18" charset="0"/>
-              </a:rPr>
-              <a:t>Linux and Solaris wiper used with Industroyer2</a:t>
-            </a:r>
-            <a:endParaRPr lang="en-US" sz="1050" dirty="0">
-              <a:solidFill>
-                <a:srgbClr val="000000"/>
-              </a:solidFill>
-              <a:effectLst/>
-              <a:latin typeface="Times New Roman" panose="02020603050405020304" pitchFamily="18" charset="0"/>
-              <a:ea typeface="Calibri" panose="020F0502020204030204" pitchFamily="34" charset="0"/>
-            </a:endParaRPr>
-          </a:p>
-          <a:p>
-            <a:pPr marL="0" marR="0" indent="0">
-              <a:lnSpc>
-                <a:spcPct val="107000"/>
-              </a:lnSpc>
-              <a:spcBef>
-                <a:spcPts val="1200"/>
-              </a:spcBef>
-              <a:spcAft>
-                <a:spcPts val="1200"/>
-              </a:spcAft>
-              <a:buNone/>
-            </a:pPr>
-            <a:r>
-              <a:rPr lang="en-US" sz="1050" b="1" dirty="0">
-                <a:solidFill>
-                  <a:srgbClr val="000000"/>
-                </a:solidFill>
-                <a:effectLst/>
-                <a:latin typeface="Times New Roman" panose="02020603050405020304" pitchFamily="18" charset="0"/>
-                <a:ea typeface="Times New Roman" panose="02020603050405020304" pitchFamily="18" charset="0"/>
-              </a:rPr>
-              <a:t>4-8-2022 – </a:t>
-            </a:r>
-            <a:r>
-              <a:rPr lang="en-US" sz="1050" b="1" dirty="0" err="1">
-                <a:solidFill>
-                  <a:srgbClr val="000000"/>
-                </a:solidFill>
-                <a:effectLst/>
-                <a:latin typeface="Times New Roman" panose="02020603050405020304" pitchFamily="18" charset="0"/>
-                <a:ea typeface="Times New Roman" panose="02020603050405020304" pitchFamily="18" charset="0"/>
-              </a:rPr>
-              <a:t>CaddyWiper</a:t>
-            </a:r>
-            <a:r>
-              <a:rPr lang="en-US" sz="1050" b="1" dirty="0">
-                <a:solidFill>
-                  <a:srgbClr val="000000"/>
-                </a:solidFill>
-                <a:effectLst/>
-                <a:latin typeface="Times New Roman" panose="02020603050405020304" pitchFamily="18" charset="0"/>
-                <a:ea typeface="Times New Roman" panose="02020603050405020304" pitchFamily="18" charset="0"/>
-              </a:rPr>
-              <a:t> </a:t>
-            </a:r>
-            <a:r>
-              <a:rPr lang="en-US" sz="1050" dirty="0">
-                <a:solidFill>
-                  <a:srgbClr val="000000"/>
-                </a:solidFill>
-                <a:effectLst/>
-                <a:latin typeface="Times New Roman" panose="02020603050405020304" pitchFamily="18" charset="0"/>
-                <a:ea typeface="Times New Roman" panose="02020603050405020304" pitchFamily="18" charset="0"/>
-              </a:rPr>
-              <a:t>Deployment of </a:t>
-            </a:r>
-            <a:r>
-              <a:rPr lang="en-US" sz="1050" dirty="0" err="1">
-                <a:solidFill>
-                  <a:srgbClr val="000000"/>
-                </a:solidFill>
-                <a:effectLst/>
-                <a:latin typeface="Times New Roman" panose="02020603050405020304" pitchFamily="18" charset="0"/>
-                <a:ea typeface="Times New Roman" panose="02020603050405020304" pitchFamily="18" charset="0"/>
-              </a:rPr>
-              <a:t>CaddyWiper</a:t>
-            </a:r>
-            <a:r>
-              <a:rPr lang="en-US" sz="1050" dirty="0">
-                <a:solidFill>
-                  <a:srgbClr val="000000"/>
-                </a:solidFill>
-                <a:effectLst/>
-                <a:latin typeface="Times New Roman" panose="02020603050405020304" pitchFamily="18" charset="0"/>
-                <a:ea typeface="Times New Roman" panose="02020603050405020304" pitchFamily="18" charset="0"/>
-              </a:rPr>
-              <a:t> on some Windows machines and of Linux and Solaris destructive malware at the energy provider</a:t>
-            </a:r>
-            <a:endParaRPr lang="en-US" sz="1050" dirty="0">
-              <a:solidFill>
-                <a:srgbClr val="000000"/>
-              </a:solidFill>
-              <a:effectLst/>
-              <a:latin typeface="Times New Roman" panose="02020603050405020304" pitchFamily="18" charset="0"/>
-              <a:ea typeface="Calibri" panose="020F0502020204030204" pitchFamily="34" charset="0"/>
-            </a:endParaRPr>
-          </a:p>
-        </p:txBody>
-      </p:sp>
-      <p:sp>
-        <p:nvSpPr>
-          <p:cNvPr id="4" name="Slide Number Placeholder 3">
-            <a:extLst>
-              <a:ext uri="{FF2B5EF4-FFF2-40B4-BE49-F238E27FC236}">
-                <a16:creationId xmlns:a16="http://schemas.microsoft.com/office/drawing/2014/main" id="{30EDE922-0D12-4515-9F77-4237AE6D8D6D}"/>
-              </a:ext>
-            </a:extLst>
-          </p:cNvPr>
-          <p:cNvSpPr>
-            <a:spLocks noGrp="1"/>
-          </p:cNvSpPr>
-          <p:nvPr>
-            <p:ph type="sldNum" sz="quarter" idx="10"/>
-          </p:nvPr>
-        </p:nvSpPr>
-        <p:spPr/>
-        <p:txBody>
-          <a:bodyPr/>
-          <a:lstStyle/>
-          <a:p>
-            <a:pPr>
-              <a:defRPr/>
-            </a:pPr>
-            <a:fld id="{EF611178-6C3A-F247-8731-699DBDA96700}" type="slidenum">
-              <a:rPr lang="en-US" altLang="en-US" smtClean="0"/>
-              <a:pPr>
-                <a:defRPr/>
-              </a:pPr>
-              <a:t>29</a:t>
-            </a:fld>
-            <a:endParaRPr lang="en-US" altLang="en-US" dirty="0"/>
-          </a:p>
-        </p:txBody>
-      </p:sp>
-    </p:spTree>
-    <p:extLst>
-      <p:ext uri="{BB962C8B-B14F-4D97-AF65-F5344CB8AC3E}">
-        <p14:creationId xmlns:p14="http://schemas.microsoft.com/office/powerpoint/2010/main" val="1581228303"/>
       </p:ext>
     </p:extLst>
   </p:cSld>
@@ -19106,6 +18080,1426 @@
           <p:cNvPr id="2" name="Title 1">
             <a:extLst>
               <a:ext uri="{FF2B5EF4-FFF2-40B4-BE49-F238E27FC236}">
+                <a16:creationId xmlns:a16="http://schemas.microsoft.com/office/drawing/2014/main" id="{6F8BDF20-23E6-490A-A7B5-7F2F2A889CE2}"/>
+              </a:ext>
+            </a:extLst>
+          </p:cNvPr>
+          <p:cNvSpPr>
+            <a:spLocks noGrp="1"/>
+          </p:cNvSpPr>
+          <p:nvPr>
+            <p:ph type="title"/>
+          </p:nvPr>
+        </p:nvSpPr>
+        <p:spPr/>
+        <p:txBody>
+          <a:bodyPr/>
+          <a:lstStyle/>
+          <a:p>
+            <a:r>
+              <a:rPr lang="en-US" dirty="0"/>
+              <a:t>Major Malware involved</a:t>
+            </a:r>
+          </a:p>
+        </p:txBody>
+      </p:sp>
+      <p:sp>
+        <p:nvSpPr>
+          <p:cNvPr id="3" name="Content Placeholder 2">
+            <a:extLst>
+              <a:ext uri="{FF2B5EF4-FFF2-40B4-BE49-F238E27FC236}">
+                <a16:creationId xmlns:a16="http://schemas.microsoft.com/office/drawing/2014/main" id="{2AE4D022-3C35-4ABF-A46D-464A04CEE835}"/>
+              </a:ext>
+            </a:extLst>
+          </p:cNvPr>
+          <p:cNvSpPr>
+            <a:spLocks noGrp="1"/>
+          </p:cNvSpPr>
+          <p:nvPr>
+            <p:ph idx="1"/>
+          </p:nvPr>
+        </p:nvSpPr>
+        <p:spPr/>
+        <p:txBody>
+          <a:bodyPr/>
+          <a:lstStyle/>
+          <a:p>
+            <a:pPr marL="0" marR="0" indent="0">
+              <a:lnSpc>
+                <a:spcPct val="107000"/>
+              </a:lnSpc>
+              <a:spcBef>
+                <a:spcPts val="1200"/>
+              </a:spcBef>
+              <a:spcAft>
+                <a:spcPts val="1200"/>
+              </a:spcAft>
+              <a:buNone/>
+            </a:pPr>
+            <a:r>
+              <a:rPr lang="en-US" sz="600" b="1" dirty="0">
+                <a:solidFill>
+                  <a:srgbClr val="000000"/>
+                </a:solidFill>
+                <a:effectLst/>
+                <a:latin typeface="Times New Roman" panose="02020603050405020304" pitchFamily="18" charset="0"/>
+                <a:ea typeface="Times New Roman" panose="02020603050405020304" pitchFamily="18" charset="0"/>
+              </a:rPr>
+              <a:t>3-14-2022 – </a:t>
+            </a:r>
+            <a:r>
+              <a:rPr lang="en-US" sz="600" b="1" dirty="0" err="1">
+                <a:solidFill>
+                  <a:srgbClr val="000000"/>
+                </a:solidFill>
+                <a:effectLst/>
+                <a:latin typeface="Times New Roman" panose="02020603050405020304" pitchFamily="18" charset="0"/>
+                <a:ea typeface="Times New Roman" panose="02020603050405020304" pitchFamily="18" charset="0"/>
+              </a:rPr>
+              <a:t>CaddyWiper</a:t>
+            </a:r>
+            <a:r>
+              <a:rPr lang="en-US" sz="600" b="1" dirty="0">
+                <a:solidFill>
+                  <a:srgbClr val="000000"/>
+                </a:solidFill>
+                <a:effectLst/>
+                <a:latin typeface="Times New Roman" panose="02020603050405020304" pitchFamily="18" charset="0"/>
+                <a:ea typeface="Times New Roman" panose="02020603050405020304" pitchFamily="18" charset="0"/>
+              </a:rPr>
+              <a:t> </a:t>
+            </a:r>
+            <a:r>
+              <a:rPr lang="en-US" sz="600" dirty="0">
+                <a:solidFill>
+                  <a:srgbClr val="000000"/>
+                </a:solidFill>
+                <a:effectLst/>
+                <a:latin typeface="Times New Roman" panose="02020603050405020304" pitchFamily="18" charset="0"/>
+                <a:ea typeface="Times New Roman" panose="02020603050405020304" pitchFamily="18" charset="0"/>
+              </a:rPr>
+              <a:t>Deployment of </a:t>
+            </a:r>
+            <a:r>
+              <a:rPr lang="en-US" sz="600" dirty="0" err="1">
+                <a:solidFill>
+                  <a:srgbClr val="000000"/>
+                </a:solidFill>
+                <a:effectLst/>
+                <a:latin typeface="Times New Roman" panose="02020603050405020304" pitchFamily="18" charset="0"/>
+                <a:ea typeface="Times New Roman" panose="02020603050405020304" pitchFamily="18" charset="0"/>
+              </a:rPr>
+              <a:t>CaddyWiper</a:t>
+            </a:r>
+            <a:r>
+              <a:rPr lang="en-US" sz="600" dirty="0">
+                <a:solidFill>
+                  <a:srgbClr val="000000"/>
+                </a:solidFill>
+                <a:effectLst/>
+                <a:latin typeface="Times New Roman" panose="02020603050405020304" pitchFamily="18" charset="0"/>
+                <a:ea typeface="Times New Roman" panose="02020603050405020304" pitchFamily="18" charset="0"/>
+              </a:rPr>
+              <a:t> against a Ukrainian bank</a:t>
+            </a:r>
+            <a:endParaRPr lang="en-US" sz="600" dirty="0">
+              <a:solidFill>
+                <a:srgbClr val="000000"/>
+              </a:solidFill>
+              <a:effectLst/>
+              <a:latin typeface="Times New Roman" panose="02020603050405020304" pitchFamily="18" charset="0"/>
+              <a:ea typeface="Calibri" panose="020F0502020204030204" pitchFamily="34" charset="0"/>
+            </a:endParaRPr>
+          </a:p>
+          <a:p>
+            <a:pPr marL="0" marR="0" indent="0">
+              <a:lnSpc>
+                <a:spcPct val="107000"/>
+              </a:lnSpc>
+              <a:spcBef>
+                <a:spcPts val="1200"/>
+              </a:spcBef>
+              <a:spcAft>
+                <a:spcPts val="1200"/>
+              </a:spcAft>
+              <a:buNone/>
+            </a:pPr>
+            <a:r>
+              <a:rPr lang="en-US" sz="600" b="1" dirty="0">
+                <a:solidFill>
+                  <a:srgbClr val="000000"/>
+                </a:solidFill>
+                <a:effectLst/>
+                <a:latin typeface="Times New Roman" panose="02020603050405020304" pitchFamily="18" charset="0"/>
+                <a:ea typeface="Times New Roman" panose="02020603050405020304" pitchFamily="18" charset="0"/>
+              </a:rPr>
+              <a:t>3-16-2022 – </a:t>
+            </a:r>
+            <a:r>
+              <a:rPr lang="en-US" sz="600" b="1" dirty="0" err="1">
+                <a:solidFill>
+                  <a:srgbClr val="000000"/>
+                </a:solidFill>
+                <a:effectLst/>
+                <a:latin typeface="Times New Roman" panose="02020603050405020304" pitchFamily="18" charset="0"/>
+                <a:ea typeface="Times New Roman" panose="02020603050405020304" pitchFamily="18" charset="0"/>
+              </a:rPr>
+              <a:t>DoubleZero</a:t>
+            </a:r>
+            <a:r>
+              <a:rPr lang="en-US" sz="600" b="1" dirty="0">
+                <a:solidFill>
+                  <a:srgbClr val="000000"/>
+                </a:solidFill>
+                <a:effectLst/>
+                <a:latin typeface="Times New Roman" panose="02020603050405020304" pitchFamily="18" charset="0"/>
+                <a:ea typeface="Times New Roman" panose="02020603050405020304" pitchFamily="18" charset="0"/>
+              </a:rPr>
+              <a:t> By</a:t>
+            </a:r>
+            <a:r>
+              <a:rPr lang="en-US" sz="600" dirty="0">
+                <a:solidFill>
+                  <a:srgbClr val="000000"/>
+                </a:solidFill>
+                <a:effectLst/>
+                <a:latin typeface="Times New Roman" panose="02020603050405020304" pitchFamily="18" charset="0"/>
+                <a:ea typeface="Times New Roman" panose="02020603050405020304" pitchFamily="18" charset="0"/>
+              </a:rPr>
+              <a:t>: Russia</a:t>
+            </a:r>
+            <a:endParaRPr lang="en-US" sz="600" dirty="0">
+              <a:solidFill>
+                <a:srgbClr val="000000"/>
+              </a:solidFill>
+              <a:effectLst/>
+              <a:latin typeface="Times New Roman" panose="02020603050405020304" pitchFamily="18" charset="0"/>
+              <a:ea typeface="Calibri" panose="020F0502020204030204" pitchFamily="34" charset="0"/>
+            </a:endParaRPr>
+          </a:p>
+          <a:p>
+            <a:pPr marL="0" marR="0" lvl="0" indent="0" fontAlgn="base">
+              <a:lnSpc>
+                <a:spcPct val="107000"/>
+              </a:lnSpc>
+              <a:spcBef>
+                <a:spcPts val="0"/>
+              </a:spcBef>
+              <a:spcAft>
+                <a:spcPts val="0"/>
+              </a:spcAft>
+              <a:buNone/>
+              <a:tabLst>
+                <a:tab pos="457200" algn="l"/>
+              </a:tabLst>
+            </a:pPr>
+            <a:r>
+              <a:rPr lang="en-US" sz="600" b="1" dirty="0">
+                <a:solidFill>
+                  <a:srgbClr val="000000"/>
+                </a:solidFill>
+                <a:effectLst/>
+                <a:latin typeface="Times New Roman" panose="02020603050405020304" pitchFamily="18" charset="0"/>
+                <a:ea typeface="Times New Roman" panose="02020603050405020304" pitchFamily="18" charset="0"/>
+              </a:rPr>
+              <a:t>Victim</a:t>
+            </a:r>
+            <a:r>
+              <a:rPr lang="en-US" sz="600" dirty="0">
+                <a:solidFill>
+                  <a:srgbClr val="000000"/>
+                </a:solidFill>
+                <a:effectLst/>
+                <a:latin typeface="Times New Roman" panose="02020603050405020304" pitchFamily="18" charset="0"/>
+                <a:ea typeface="Times New Roman" panose="02020603050405020304" pitchFamily="18" charset="0"/>
+              </a:rPr>
+              <a:t>: Ukraine</a:t>
+            </a:r>
+            <a:endParaRPr lang="en-US" sz="600" dirty="0">
+              <a:solidFill>
+                <a:srgbClr val="000000"/>
+              </a:solidFill>
+              <a:effectLst/>
+              <a:latin typeface="Times New Roman" panose="02020603050405020304" pitchFamily="18" charset="0"/>
+              <a:ea typeface="Calibri" panose="020F0502020204030204" pitchFamily="34" charset="0"/>
+            </a:endParaRPr>
+          </a:p>
+          <a:p>
+            <a:pPr marL="0" marR="0" lvl="0" indent="0" fontAlgn="base">
+              <a:lnSpc>
+                <a:spcPct val="107000"/>
+              </a:lnSpc>
+              <a:spcBef>
+                <a:spcPts val="0"/>
+              </a:spcBef>
+              <a:spcAft>
+                <a:spcPts val="0"/>
+              </a:spcAft>
+              <a:buNone/>
+              <a:tabLst>
+                <a:tab pos="457200" algn="l"/>
+              </a:tabLst>
+            </a:pPr>
+            <a:r>
+              <a:rPr lang="en-US" sz="600" b="1" dirty="0">
+                <a:solidFill>
+                  <a:srgbClr val="000000"/>
+                </a:solidFill>
+                <a:effectLst/>
+                <a:latin typeface="Times New Roman" panose="02020603050405020304" pitchFamily="18" charset="0"/>
+                <a:ea typeface="Times New Roman" panose="02020603050405020304" pitchFamily="18" charset="0"/>
+              </a:rPr>
+              <a:t>Type</a:t>
+            </a:r>
+            <a:r>
+              <a:rPr lang="en-US" sz="600" dirty="0">
+                <a:solidFill>
+                  <a:srgbClr val="000000"/>
+                </a:solidFill>
+                <a:effectLst/>
+                <a:latin typeface="Times New Roman" panose="02020603050405020304" pitchFamily="18" charset="0"/>
+                <a:ea typeface="Times New Roman" panose="02020603050405020304" pitchFamily="18" charset="0"/>
+              </a:rPr>
+              <a:t>: Wiper</a:t>
+            </a:r>
+            <a:endParaRPr lang="en-US" sz="600" dirty="0">
+              <a:solidFill>
+                <a:srgbClr val="000000"/>
+              </a:solidFill>
+              <a:effectLst/>
+              <a:latin typeface="Times New Roman" panose="02020603050405020304" pitchFamily="18" charset="0"/>
+              <a:ea typeface="Calibri" panose="020F0502020204030204" pitchFamily="34" charset="0"/>
+            </a:endParaRPr>
+          </a:p>
+          <a:p>
+            <a:pPr marL="0" marR="0" lvl="0" indent="0" fontAlgn="base">
+              <a:lnSpc>
+                <a:spcPct val="107000"/>
+              </a:lnSpc>
+              <a:spcBef>
+                <a:spcPts val="0"/>
+              </a:spcBef>
+              <a:spcAft>
+                <a:spcPts val="0"/>
+              </a:spcAft>
+              <a:buNone/>
+              <a:tabLst>
+                <a:tab pos="457200" algn="l"/>
+              </a:tabLst>
+            </a:pPr>
+            <a:r>
+              <a:rPr lang="en-US" sz="600" b="1" dirty="0">
+                <a:solidFill>
+                  <a:srgbClr val="000000"/>
+                </a:solidFill>
+                <a:effectLst/>
+                <a:latin typeface="Times New Roman" panose="02020603050405020304" pitchFamily="18" charset="0"/>
+                <a:ea typeface="Times New Roman" panose="02020603050405020304" pitchFamily="18" charset="0"/>
+              </a:rPr>
+              <a:t>Targets</a:t>
+            </a:r>
+            <a:r>
+              <a:rPr lang="en-US" sz="600" dirty="0">
+                <a:solidFill>
+                  <a:srgbClr val="000000"/>
+                </a:solidFill>
+                <a:effectLst/>
+                <a:latin typeface="Times New Roman" panose="02020603050405020304" pitchFamily="18" charset="0"/>
+                <a:ea typeface="Times New Roman" panose="02020603050405020304" pitchFamily="18" charset="0"/>
+              </a:rPr>
+              <a:t>: Unknown</a:t>
+            </a:r>
+            <a:endParaRPr lang="en-US" sz="600" dirty="0">
+              <a:solidFill>
+                <a:srgbClr val="000000"/>
+              </a:solidFill>
+              <a:effectLst/>
+              <a:latin typeface="Times New Roman" panose="02020603050405020304" pitchFamily="18" charset="0"/>
+              <a:ea typeface="Calibri" panose="020F0502020204030204" pitchFamily="34" charset="0"/>
+            </a:endParaRPr>
+          </a:p>
+          <a:p>
+            <a:pPr marL="0" marR="0" lvl="0" indent="0" fontAlgn="base">
+              <a:lnSpc>
+                <a:spcPct val="107000"/>
+              </a:lnSpc>
+              <a:spcBef>
+                <a:spcPts val="0"/>
+              </a:spcBef>
+              <a:spcAft>
+                <a:spcPts val="0"/>
+              </a:spcAft>
+              <a:buNone/>
+              <a:tabLst>
+                <a:tab pos="457200" algn="l"/>
+              </a:tabLst>
+            </a:pPr>
+            <a:r>
+              <a:rPr lang="en-US" sz="600" b="1" dirty="0">
+                <a:solidFill>
+                  <a:srgbClr val="000000"/>
+                </a:solidFill>
+                <a:effectLst/>
+                <a:latin typeface="Times New Roman" panose="02020603050405020304" pitchFamily="18" charset="0"/>
+                <a:ea typeface="Times New Roman" panose="02020603050405020304" pitchFamily="18" charset="0"/>
+              </a:rPr>
+              <a:t>Purpose:</a:t>
+            </a:r>
+            <a:r>
+              <a:rPr lang="en-US" sz="600" dirty="0">
+                <a:solidFill>
+                  <a:srgbClr val="000000"/>
+                </a:solidFill>
+                <a:effectLst/>
+                <a:latin typeface="Times New Roman" panose="02020603050405020304" pitchFamily="18" charset="0"/>
+                <a:ea typeface="Times New Roman" panose="02020603050405020304" pitchFamily="18" charset="0"/>
+              </a:rPr>
+              <a:t> Destruction</a:t>
+            </a:r>
+            <a:endParaRPr lang="en-US" sz="600" dirty="0">
+              <a:solidFill>
+                <a:srgbClr val="000000"/>
+              </a:solidFill>
+              <a:effectLst/>
+              <a:latin typeface="Times New Roman" panose="02020603050405020304" pitchFamily="18" charset="0"/>
+              <a:ea typeface="Calibri" panose="020F0502020204030204" pitchFamily="34" charset="0"/>
+            </a:endParaRPr>
+          </a:p>
+          <a:p>
+            <a:pPr marL="0" marR="0" lvl="0" indent="0" fontAlgn="base">
+              <a:lnSpc>
+                <a:spcPct val="107000"/>
+              </a:lnSpc>
+              <a:spcBef>
+                <a:spcPts val="0"/>
+              </a:spcBef>
+              <a:spcAft>
+                <a:spcPts val="0"/>
+              </a:spcAft>
+              <a:buNone/>
+              <a:tabLst>
+                <a:tab pos="457200" algn="l"/>
+              </a:tabLst>
+            </a:pPr>
+            <a:r>
+              <a:rPr lang="en-US" sz="600" b="1" dirty="0">
+                <a:solidFill>
+                  <a:srgbClr val="000000"/>
+                </a:solidFill>
+                <a:effectLst/>
+                <a:latin typeface="Times New Roman" panose="02020603050405020304" pitchFamily="18" charset="0"/>
+                <a:ea typeface="Times New Roman" panose="02020603050405020304" pitchFamily="18" charset="0"/>
+              </a:rPr>
+              <a:t>Impact</a:t>
+            </a:r>
+            <a:r>
+              <a:rPr lang="en-US" sz="600" dirty="0">
+                <a:solidFill>
+                  <a:srgbClr val="000000"/>
+                </a:solidFill>
+                <a:effectLst/>
+                <a:latin typeface="Times New Roman" panose="02020603050405020304" pitchFamily="18" charset="0"/>
+                <a:ea typeface="Times New Roman" panose="02020603050405020304" pitchFamily="18" charset="0"/>
+              </a:rPr>
+              <a:t>: On March 17, CERT-UA discovered several ZIP archives of a destructive malware dubbed “</a:t>
+            </a:r>
+            <a:r>
+              <a:rPr lang="en-US" sz="600" dirty="0" err="1">
+                <a:solidFill>
+                  <a:srgbClr val="000000"/>
+                </a:solidFill>
+                <a:effectLst/>
+                <a:latin typeface="Times New Roman" panose="02020603050405020304" pitchFamily="18" charset="0"/>
+                <a:ea typeface="Times New Roman" panose="02020603050405020304" pitchFamily="18" charset="0"/>
+              </a:rPr>
+              <a:t>DoubleZero</a:t>
+            </a:r>
+            <a:r>
+              <a:rPr lang="en-US" sz="600" dirty="0">
+                <a:solidFill>
+                  <a:srgbClr val="000000"/>
+                </a:solidFill>
+                <a:effectLst/>
+                <a:latin typeface="Times New Roman" panose="02020603050405020304" pitchFamily="18" charset="0"/>
+                <a:ea typeface="Times New Roman" panose="02020603050405020304" pitchFamily="18" charset="0"/>
+              </a:rPr>
+              <a:t>.” The activity is tracked by the UAC-0088 identifier and is directly related to attempts to violate the regular mode of operation of information systems of Ukrainian enterprises.</a:t>
+            </a:r>
+            <a:endParaRPr lang="en-US" sz="600" dirty="0">
+              <a:solidFill>
+                <a:srgbClr val="000000"/>
+              </a:solidFill>
+              <a:effectLst/>
+              <a:latin typeface="Times New Roman" panose="02020603050405020304" pitchFamily="18" charset="0"/>
+              <a:ea typeface="Calibri" panose="020F0502020204030204" pitchFamily="34" charset="0"/>
+            </a:endParaRPr>
+          </a:p>
+          <a:p>
+            <a:pPr marL="0" marR="0" lvl="0" indent="0" fontAlgn="base">
+              <a:lnSpc>
+                <a:spcPct val="107000"/>
+              </a:lnSpc>
+              <a:spcBef>
+                <a:spcPts val="0"/>
+              </a:spcBef>
+              <a:spcAft>
+                <a:spcPts val="0"/>
+              </a:spcAft>
+              <a:buNone/>
+              <a:tabLst>
+                <a:tab pos="457200" algn="l"/>
+              </a:tabLst>
+            </a:pPr>
+            <a:r>
+              <a:rPr lang="en-US" sz="600" b="1" dirty="0">
+                <a:solidFill>
+                  <a:srgbClr val="000000"/>
+                </a:solidFill>
+                <a:effectLst/>
+                <a:latin typeface="Times New Roman" panose="02020603050405020304" pitchFamily="18" charset="0"/>
+                <a:ea typeface="Times New Roman" panose="02020603050405020304" pitchFamily="18" charset="0"/>
+              </a:rPr>
+              <a:t>Confidence</a:t>
+            </a:r>
+            <a:r>
+              <a:rPr lang="en-US" sz="600" dirty="0">
+                <a:solidFill>
+                  <a:srgbClr val="000000"/>
+                </a:solidFill>
+                <a:effectLst/>
+                <a:latin typeface="Times New Roman" panose="02020603050405020304" pitchFamily="18" charset="0"/>
+                <a:ea typeface="Times New Roman" panose="02020603050405020304" pitchFamily="18" charset="0"/>
+              </a:rPr>
+              <a:t>: Confirmed</a:t>
+            </a:r>
+            <a:endParaRPr lang="en-US" sz="600" dirty="0">
+              <a:solidFill>
+                <a:srgbClr val="000000"/>
+              </a:solidFill>
+              <a:effectLst/>
+              <a:latin typeface="Times New Roman" panose="02020603050405020304" pitchFamily="18" charset="0"/>
+              <a:ea typeface="Calibri" panose="020F0502020204030204" pitchFamily="34" charset="0"/>
+            </a:endParaRPr>
+          </a:p>
+          <a:p>
+            <a:pPr marL="0" marR="0" lvl="0" indent="0" fontAlgn="base">
+              <a:lnSpc>
+                <a:spcPct val="107000"/>
+              </a:lnSpc>
+              <a:spcBef>
+                <a:spcPts val="0"/>
+              </a:spcBef>
+              <a:spcAft>
+                <a:spcPts val="0"/>
+              </a:spcAft>
+              <a:buNone/>
+              <a:tabLst>
+                <a:tab pos="457200" algn="l"/>
+              </a:tabLst>
+            </a:pPr>
+            <a:r>
+              <a:rPr lang="en-US" sz="600" b="1" dirty="0">
+                <a:solidFill>
+                  <a:srgbClr val="000000"/>
+                </a:solidFill>
+                <a:effectLst/>
+                <a:latin typeface="Times New Roman" panose="02020603050405020304" pitchFamily="18" charset="0"/>
+                <a:ea typeface="Times New Roman" panose="02020603050405020304" pitchFamily="18" charset="0"/>
+              </a:rPr>
+              <a:t>Threat</a:t>
+            </a:r>
+            <a:r>
+              <a:rPr lang="en-US" sz="600" dirty="0">
+                <a:solidFill>
+                  <a:srgbClr val="000000"/>
+                </a:solidFill>
+                <a:effectLst/>
+                <a:latin typeface="Times New Roman" panose="02020603050405020304" pitchFamily="18" charset="0"/>
+                <a:ea typeface="Times New Roman" panose="02020603050405020304" pitchFamily="18" charset="0"/>
+              </a:rPr>
+              <a:t> </a:t>
+            </a:r>
+            <a:r>
+              <a:rPr lang="en-US" sz="600" b="1" dirty="0">
+                <a:solidFill>
+                  <a:srgbClr val="000000"/>
+                </a:solidFill>
+                <a:effectLst/>
+                <a:latin typeface="Times New Roman" panose="02020603050405020304" pitchFamily="18" charset="0"/>
+                <a:ea typeface="Times New Roman" panose="02020603050405020304" pitchFamily="18" charset="0"/>
+              </a:rPr>
+              <a:t>Actor</a:t>
+            </a:r>
+            <a:r>
+              <a:rPr lang="en-US" sz="600" dirty="0">
+                <a:solidFill>
+                  <a:srgbClr val="000000"/>
+                </a:solidFill>
+                <a:effectLst/>
+                <a:latin typeface="Times New Roman" panose="02020603050405020304" pitchFamily="18" charset="0"/>
+                <a:ea typeface="Times New Roman" panose="02020603050405020304" pitchFamily="18" charset="0"/>
+              </a:rPr>
+              <a:t>: UAC-0088</a:t>
+            </a:r>
+            <a:endParaRPr lang="en-US" sz="600" dirty="0">
+              <a:solidFill>
+                <a:srgbClr val="000000"/>
+              </a:solidFill>
+              <a:effectLst/>
+              <a:latin typeface="Times New Roman" panose="02020603050405020304" pitchFamily="18" charset="0"/>
+              <a:ea typeface="Calibri" panose="020F0502020204030204" pitchFamily="34" charset="0"/>
+            </a:endParaRPr>
+          </a:p>
+          <a:p>
+            <a:pPr marL="0" marR="0" lvl="0" indent="0" fontAlgn="base">
+              <a:lnSpc>
+                <a:spcPct val="107000"/>
+              </a:lnSpc>
+              <a:spcBef>
+                <a:spcPts val="0"/>
+              </a:spcBef>
+              <a:spcAft>
+                <a:spcPts val="1200"/>
+              </a:spcAft>
+              <a:buNone/>
+              <a:tabLst>
+                <a:tab pos="457200" algn="l"/>
+              </a:tabLst>
+            </a:pPr>
+            <a:r>
+              <a:rPr lang="en-US" sz="600" dirty="0">
+                <a:solidFill>
+                  <a:srgbClr val="000000"/>
+                </a:solidFill>
+                <a:effectLst/>
+                <a:latin typeface="Times New Roman" panose="02020603050405020304" pitchFamily="18" charset="0"/>
+                <a:ea typeface="Times New Roman" panose="02020603050405020304" pitchFamily="18" charset="0"/>
+              </a:rPr>
+              <a:t> </a:t>
+            </a:r>
+            <a:r>
+              <a:rPr lang="en-US" sz="600" b="1" dirty="0">
+                <a:solidFill>
+                  <a:srgbClr val="000000"/>
+                </a:solidFill>
+                <a:effectLst/>
+                <a:latin typeface="Times New Roman" panose="02020603050405020304" pitchFamily="18" charset="0"/>
+                <a:ea typeface="Times New Roman" panose="02020603050405020304" pitchFamily="18" charset="0"/>
+              </a:rPr>
+              <a:t>References</a:t>
+            </a:r>
+            <a:r>
+              <a:rPr lang="en-US" sz="600" dirty="0">
+                <a:solidFill>
+                  <a:srgbClr val="000000"/>
+                </a:solidFill>
+                <a:effectLst/>
+                <a:latin typeface="Times New Roman" panose="02020603050405020304" pitchFamily="18" charset="0"/>
+                <a:ea typeface="Times New Roman" panose="02020603050405020304" pitchFamily="18" charset="0"/>
+              </a:rPr>
+              <a:t>:</a:t>
+            </a:r>
+            <a:r>
+              <a:rPr lang="en-US" sz="600" u="sng" dirty="0">
+                <a:solidFill>
+                  <a:srgbClr val="000000"/>
+                </a:solidFill>
+                <a:effectLst/>
+                <a:latin typeface="Times New Roman" panose="02020603050405020304" pitchFamily="18" charset="0"/>
+                <a:ea typeface="Times New Roman" panose="02020603050405020304" pitchFamily="18" charset="0"/>
+                <a:hlinkClick r:id="rId2"/>
+              </a:rPr>
+              <a:t> </a:t>
+            </a:r>
+            <a:r>
+              <a:rPr lang="en-US" sz="600" u="sng" dirty="0">
+                <a:solidFill>
+                  <a:srgbClr val="1155CC"/>
+                </a:solidFill>
+                <a:effectLst/>
+                <a:latin typeface="Times New Roman" panose="02020603050405020304" pitchFamily="18" charset="0"/>
+                <a:ea typeface="Times New Roman" panose="02020603050405020304" pitchFamily="18" charset="0"/>
+                <a:hlinkClick r:id="rId3"/>
+              </a:rPr>
+              <a:t>CERT-UA</a:t>
+            </a:r>
+            <a:r>
+              <a:rPr lang="en-US" sz="600" dirty="0">
+                <a:solidFill>
+                  <a:srgbClr val="000000"/>
+                </a:solidFill>
+                <a:effectLst/>
+                <a:latin typeface="Times New Roman" panose="02020603050405020304" pitchFamily="18" charset="0"/>
+                <a:ea typeface="Times New Roman" panose="02020603050405020304" pitchFamily="18" charset="0"/>
+              </a:rPr>
+              <a:t>, </a:t>
+            </a:r>
+            <a:r>
+              <a:rPr lang="en-US" sz="600" u="sng" dirty="0">
+                <a:solidFill>
+                  <a:srgbClr val="1155CC"/>
+                </a:solidFill>
+                <a:effectLst/>
+                <a:latin typeface="Times New Roman" panose="02020603050405020304" pitchFamily="18" charset="0"/>
+                <a:ea typeface="Times New Roman" panose="02020603050405020304" pitchFamily="18" charset="0"/>
+                <a:hlinkClick r:id="rId4"/>
+              </a:rPr>
+              <a:t>SOC Prime</a:t>
+            </a:r>
+            <a:endParaRPr lang="en-US" sz="600" dirty="0">
+              <a:solidFill>
+                <a:srgbClr val="000000"/>
+              </a:solidFill>
+              <a:effectLst/>
+              <a:latin typeface="Times New Roman" panose="02020603050405020304" pitchFamily="18" charset="0"/>
+              <a:ea typeface="Calibri" panose="020F0502020204030204" pitchFamily="34" charset="0"/>
+            </a:endParaRPr>
+          </a:p>
+          <a:p>
+            <a:pPr marL="0" marR="0" indent="0">
+              <a:lnSpc>
+                <a:spcPct val="107000"/>
+              </a:lnSpc>
+              <a:spcBef>
+                <a:spcPts val="1200"/>
+              </a:spcBef>
+              <a:spcAft>
+                <a:spcPts val="1200"/>
+              </a:spcAft>
+              <a:buNone/>
+            </a:pPr>
+            <a:r>
+              <a:rPr lang="en-US" sz="600" b="1" dirty="0">
+                <a:solidFill>
+                  <a:srgbClr val="000000"/>
+                </a:solidFill>
+                <a:effectLst/>
+                <a:latin typeface="Times New Roman" panose="02020603050405020304" pitchFamily="18" charset="0"/>
+                <a:ea typeface="Times New Roman" panose="02020603050405020304" pitchFamily="18" charset="0"/>
+              </a:rPr>
+              <a:t>4-1-2022 – </a:t>
+            </a:r>
+            <a:r>
+              <a:rPr lang="en-US" sz="600" b="1" dirty="0" err="1">
+                <a:solidFill>
+                  <a:srgbClr val="000000"/>
+                </a:solidFill>
+                <a:effectLst/>
+                <a:latin typeface="Times New Roman" panose="02020603050405020304" pitchFamily="18" charset="0"/>
+                <a:ea typeface="Times New Roman" panose="02020603050405020304" pitchFamily="18" charset="0"/>
+              </a:rPr>
+              <a:t>CaddyWiper</a:t>
+            </a:r>
+            <a:r>
+              <a:rPr lang="en-US" sz="600" b="1" dirty="0">
+                <a:solidFill>
+                  <a:srgbClr val="000000"/>
+                </a:solidFill>
+                <a:effectLst/>
+                <a:latin typeface="Times New Roman" panose="02020603050405020304" pitchFamily="18" charset="0"/>
+                <a:ea typeface="Times New Roman" panose="02020603050405020304" pitchFamily="18" charset="0"/>
+              </a:rPr>
+              <a:t> </a:t>
+            </a:r>
+            <a:r>
+              <a:rPr lang="en-US" sz="600" dirty="0">
+                <a:solidFill>
+                  <a:srgbClr val="000000"/>
+                </a:solidFill>
+                <a:effectLst/>
+                <a:latin typeface="Times New Roman" panose="02020603050405020304" pitchFamily="18" charset="0"/>
+                <a:ea typeface="Times New Roman" panose="02020603050405020304" pitchFamily="18" charset="0"/>
+              </a:rPr>
+              <a:t>Deployment of </a:t>
+            </a:r>
+            <a:r>
+              <a:rPr lang="en-US" sz="600" dirty="0" err="1">
+                <a:solidFill>
+                  <a:srgbClr val="000000"/>
+                </a:solidFill>
+                <a:effectLst/>
+                <a:latin typeface="Times New Roman" panose="02020603050405020304" pitchFamily="18" charset="0"/>
+                <a:ea typeface="Times New Roman" panose="02020603050405020304" pitchFamily="18" charset="0"/>
+              </a:rPr>
+              <a:t>CaddyWiper</a:t>
+            </a:r>
+            <a:r>
+              <a:rPr lang="en-US" sz="600" dirty="0">
+                <a:solidFill>
+                  <a:srgbClr val="000000"/>
+                </a:solidFill>
+                <a:effectLst/>
+                <a:latin typeface="Times New Roman" panose="02020603050405020304" pitchFamily="18" charset="0"/>
+                <a:ea typeface="Times New Roman" panose="02020603050405020304" pitchFamily="18" charset="0"/>
+              </a:rPr>
+              <a:t> against a Ukrainian governmental entity</a:t>
+            </a:r>
+            <a:endParaRPr lang="en-US" sz="600" dirty="0">
+              <a:solidFill>
+                <a:srgbClr val="000000"/>
+              </a:solidFill>
+              <a:effectLst/>
+              <a:latin typeface="Times New Roman" panose="02020603050405020304" pitchFamily="18" charset="0"/>
+              <a:ea typeface="Calibri" panose="020F0502020204030204" pitchFamily="34" charset="0"/>
+            </a:endParaRPr>
+          </a:p>
+          <a:p>
+            <a:pPr marL="0" marR="0" indent="0">
+              <a:lnSpc>
+                <a:spcPct val="107000"/>
+              </a:lnSpc>
+              <a:spcBef>
+                <a:spcPts val="1200"/>
+              </a:spcBef>
+              <a:spcAft>
+                <a:spcPts val="1200"/>
+              </a:spcAft>
+              <a:buNone/>
+            </a:pPr>
+            <a:r>
+              <a:rPr lang="en-US" sz="600" b="1" dirty="0">
+                <a:solidFill>
+                  <a:srgbClr val="000000"/>
+                </a:solidFill>
+                <a:effectLst/>
+                <a:latin typeface="Times New Roman" panose="02020603050405020304" pitchFamily="18" charset="0"/>
+                <a:ea typeface="Times New Roman" panose="02020603050405020304" pitchFamily="18" charset="0"/>
+              </a:rPr>
+              <a:t>4-8-2022 – </a:t>
+            </a:r>
+            <a:r>
+              <a:rPr lang="en-US" sz="600" b="1" dirty="0" err="1">
+                <a:solidFill>
+                  <a:srgbClr val="000000"/>
+                </a:solidFill>
+                <a:effectLst/>
+                <a:latin typeface="Times New Roman" panose="02020603050405020304" pitchFamily="18" charset="0"/>
+                <a:ea typeface="Times New Roman" panose="02020603050405020304" pitchFamily="18" charset="0"/>
+              </a:rPr>
+              <a:t>CaddyWiper</a:t>
+            </a:r>
+            <a:r>
+              <a:rPr lang="en-US" sz="600" b="1" dirty="0">
+                <a:solidFill>
+                  <a:srgbClr val="000000"/>
+                </a:solidFill>
+                <a:effectLst/>
+                <a:latin typeface="Times New Roman" panose="02020603050405020304" pitchFamily="18" charset="0"/>
+                <a:ea typeface="Times New Roman" panose="02020603050405020304" pitchFamily="18" charset="0"/>
+              </a:rPr>
+              <a:t> </a:t>
+            </a:r>
+            <a:r>
+              <a:rPr lang="en-US" sz="600" dirty="0">
+                <a:solidFill>
+                  <a:srgbClr val="000000"/>
+                </a:solidFill>
+                <a:effectLst/>
+                <a:latin typeface="Times New Roman" panose="02020603050405020304" pitchFamily="18" charset="0"/>
+                <a:ea typeface="Times New Roman" panose="02020603050405020304" pitchFamily="18" charset="0"/>
+              </a:rPr>
+              <a:t>Deployment of </a:t>
+            </a:r>
+            <a:r>
+              <a:rPr lang="en-US" sz="600" dirty="0" err="1">
+                <a:solidFill>
+                  <a:srgbClr val="000000"/>
+                </a:solidFill>
+                <a:effectLst/>
+                <a:latin typeface="Times New Roman" panose="02020603050405020304" pitchFamily="18" charset="0"/>
+                <a:ea typeface="Times New Roman" panose="02020603050405020304" pitchFamily="18" charset="0"/>
+              </a:rPr>
+              <a:t>CaddyWiper</a:t>
+            </a:r>
+            <a:r>
+              <a:rPr lang="en-US" sz="600" dirty="0">
+                <a:solidFill>
+                  <a:srgbClr val="000000"/>
+                </a:solidFill>
+                <a:effectLst/>
+                <a:latin typeface="Times New Roman" panose="02020603050405020304" pitchFamily="18" charset="0"/>
+                <a:ea typeface="Times New Roman" panose="02020603050405020304" pitchFamily="18" charset="0"/>
+              </a:rPr>
+              <a:t> on some Windows machines and of Linux and Solaris destructive malware at the energy provider</a:t>
+            </a:r>
+            <a:endParaRPr lang="en-US" sz="600" dirty="0">
+              <a:solidFill>
+                <a:srgbClr val="000000"/>
+              </a:solidFill>
+              <a:effectLst/>
+              <a:latin typeface="Times New Roman" panose="02020603050405020304" pitchFamily="18" charset="0"/>
+              <a:ea typeface="Calibri" panose="020F0502020204030204" pitchFamily="34" charset="0"/>
+            </a:endParaRPr>
+          </a:p>
+          <a:p>
+            <a:pPr marL="0" marR="0" indent="0">
+              <a:lnSpc>
+                <a:spcPct val="107000"/>
+              </a:lnSpc>
+              <a:spcBef>
+                <a:spcPts val="1200"/>
+              </a:spcBef>
+              <a:spcAft>
+                <a:spcPts val="1200"/>
+              </a:spcAft>
+              <a:buNone/>
+            </a:pPr>
+            <a:r>
+              <a:rPr lang="en-US" sz="600" b="1" dirty="0">
+                <a:solidFill>
+                  <a:srgbClr val="000000"/>
+                </a:solidFill>
+                <a:effectLst/>
+                <a:latin typeface="Times New Roman" panose="02020603050405020304" pitchFamily="18" charset="0"/>
+                <a:ea typeface="Times New Roman" panose="02020603050405020304" pitchFamily="18" charset="0"/>
+              </a:rPr>
+              <a:t>All malware below was part of a single attack by Sandworm (Russian APT) on a Ukrainian energy system. </a:t>
+            </a:r>
+          </a:p>
+          <a:p>
+            <a:pPr marL="0" marR="0" indent="0">
+              <a:lnSpc>
+                <a:spcPct val="107000"/>
+              </a:lnSpc>
+              <a:spcBef>
+                <a:spcPts val="1200"/>
+              </a:spcBef>
+              <a:spcAft>
+                <a:spcPts val="1200"/>
+              </a:spcAft>
+              <a:buNone/>
+            </a:pPr>
+            <a:r>
+              <a:rPr lang="en-US" sz="600" i="1" dirty="0">
+                <a:solidFill>
+                  <a:srgbClr val="000000"/>
+                </a:solidFill>
+                <a:effectLst/>
+                <a:latin typeface="Times New Roman" panose="02020603050405020304" pitchFamily="18" charset="0"/>
+                <a:ea typeface="Times New Roman" panose="02020603050405020304" pitchFamily="18" charset="0"/>
+              </a:rPr>
+              <a:t>https://www.welivesecurity.com/2022/04/12/industroyer2-industroyer-reloaded/</a:t>
+            </a:r>
+            <a:endParaRPr lang="en-US" sz="600" dirty="0">
+              <a:effectLst/>
+              <a:latin typeface="Times New Roman" panose="02020603050405020304" pitchFamily="18" charset="0"/>
+              <a:ea typeface="Calibri" panose="020F0502020204030204" pitchFamily="34" charset="0"/>
+            </a:endParaRPr>
+          </a:p>
+          <a:p>
+            <a:pPr marL="0" marR="0" indent="0">
+              <a:lnSpc>
+                <a:spcPct val="107000"/>
+              </a:lnSpc>
+              <a:spcBef>
+                <a:spcPts val="1200"/>
+              </a:spcBef>
+              <a:spcAft>
+                <a:spcPts val="1200"/>
+              </a:spcAft>
+              <a:buNone/>
+            </a:pPr>
+            <a:r>
+              <a:rPr lang="en-US" sz="600" dirty="0">
+                <a:solidFill>
+                  <a:srgbClr val="000000"/>
+                </a:solidFill>
+                <a:effectLst/>
+                <a:latin typeface="Times New Roman" panose="02020603050405020304" pitchFamily="18" charset="0"/>
+                <a:ea typeface="Times New Roman" panose="02020603050405020304" pitchFamily="18" charset="0"/>
+              </a:rPr>
+              <a:t>-------------------------------------------------------------------------------------------------------------------------------</a:t>
+            </a:r>
+            <a:endParaRPr lang="en-US" sz="600" dirty="0">
+              <a:effectLst/>
+              <a:latin typeface="Times New Roman" panose="02020603050405020304" pitchFamily="18" charset="0"/>
+              <a:ea typeface="Calibri" panose="020F0502020204030204" pitchFamily="34" charset="0"/>
+            </a:endParaRPr>
+          </a:p>
+          <a:p>
+            <a:pPr marL="0" indent="0">
+              <a:buNone/>
+            </a:pPr>
+            <a:endParaRPr lang="en-US" sz="600" dirty="0"/>
+          </a:p>
+        </p:txBody>
+      </p:sp>
+      <p:sp>
+        <p:nvSpPr>
+          <p:cNvPr id="4" name="Slide Number Placeholder 3">
+            <a:extLst>
+              <a:ext uri="{FF2B5EF4-FFF2-40B4-BE49-F238E27FC236}">
+                <a16:creationId xmlns:a16="http://schemas.microsoft.com/office/drawing/2014/main" id="{8FD7949B-5E79-4FA2-8939-6A54089E780A}"/>
+              </a:ext>
+            </a:extLst>
+          </p:cNvPr>
+          <p:cNvSpPr>
+            <a:spLocks noGrp="1"/>
+          </p:cNvSpPr>
+          <p:nvPr>
+            <p:ph type="sldNum" sz="quarter" idx="10"/>
+          </p:nvPr>
+        </p:nvSpPr>
+        <p:spPr/>
+        <p:txBody>
+          <a:bodyPr/>
+          <a:lstStyle/>
+          <a:p>
+            <a:pPr>
+              <a:defRPr/>
+            </a:pPr>
+            <a:fld id="{EF611178-6C3A-F247-8731-699DBDA96700}" type="slidenum">
+              <a:rPr lang="en-US" altLang="en-US" smtClean="0"/>
+              <a:pPr>
+                <a:defRPr/>
+              </a:pPr>
+              <a:t>30</a:t>
+            </a:fld>
+            <a:endParaRPr lang="en-US" altLang="en-US" dirty="0"/>
+          </a:p>
+        </p:txBody>
+      </p:sp>
+    </p:spTree>
+    <p:extLst>
+      <p:ext uri="{BB962C8B-B14F-4D97-AF65-F5344CB8AC3E}">
+        <p14:creationId xmlns:p14="http://schemas.microsoft.com/office/powerpoint/2010/main" val="170312540"/>
+      </p:ext>
+    </p:extLst>
+  </p:cSld>
+  <p:clrMapOvr>
+    <a:masterClrMapping/>
+  </p:clrMapOvr>
+</p:sld>
+</file>
+
+<file path=ppt/slides/slide31.xml><?xml version="1.0" encoding="utf-8"?>
+<p:sld xmlns:a="http://schemas.openxmlformats.org/drawingml/2006/main" xmlns:r="http://schemas.openxmlformats.org/officeDocument/2006/relationships" xmlns:p="http://schemas.openxmlformats.org/presentationml/2006/main">
+  <p:cSld>
+    <p:spTree>
+      <p:nvGrpSpPr>
+        <p:cNvPr id="1" name=""/>
+        <p:cNvGrpSpPr/>
+        <p:nvPr/>
+      </p:nvGrpSpPr>
+      <p:grpSpPr>
+        <a:xfrm>
+          <a:off x="0" y="0"/>
+          <a:ext cx="0" cy="0"/>
+          <a:chOff x="0" y="0"/>
+          <a:chExt cx="0" cy="0"/>
+        </a:xfrm>
+      </p:grpSpPr>
+      <p:sp>
+        <p:nvSpPr>
+          <p:cNvPr id="2" name="Title 1">
+            <a:extLst>
+              <a:ext uri="{FF2B5EF4-FFF2-40B4-BE49-F238E27FC236}">
+                <a16:creationId xmlns:a16="http://schemas.microsoft.com/office/drawing/2014/main" id="{5237385E-34C2-4965-814E-8F523AE65F8D}"/>
+              </a:ext>
+            </a:extLst>
+          </p:cNvPr>
+          <p:cNvSpPr>
+            <a:spLocks noGrp="1"/>
+          </p:cNvSpPr>
+          <p:nvPr>
+            <p:ph type="title"/>
+          </p:nvPr>
+        </p:nvSpPr>
+        <p:spPr/>
+        <p:txBody>
+          <a:bodyPr/>
+          <a:lstStyle/>
+          <a:p>
+            <a:r>
+              <a:rPr lang="en-US" dirty="0"/>
+              <a:t>Major Malware involved</a:t>
+            </a:r>
+          </a:p>
+        </p:txBody>
+      </p:sp>
+      <p:sp>
+        <p:nvSpPr>
+          <p:cNvPr id="3" name="Content Placeholder 2">
+            <a:extLst>
+              <a:ext uri="{FF2B5EF4-FFF2-40B4-BE49-F238E27FC236}">
+                <a16:creationId xmlns:a16="http://schemas.microsoft.com/office/drawing/2014/main" id="{49FAC8B1-6202-48F2-B97E-F48CB61D1B5E}"/>
+              </a:ext>
+            </a:extLst>
+          </p:cNvPr>
+          <p:cNvSpPr>
+            <a:spLocks noGrp="1"/>
+          </p:cNvSpPr>
+          <p:nvPr>
+            <p:ph idx="1"/>
+          </p:nvPr>
+        </p:nvSpPr>
+        <p:spPr>
+          <a:xfrm>
+            <a:off x="81280" y="769351"/>
+            <a:ext cx="8605520" cy="3831379"/>
+          </a:xfrm>
+        </p:spPr>
+        <p:txBody>
+          <a:bodyPr/>
+          <a:lstStyle/>
+          <a:p>
+            <a:pPr marL="0" marR="0" indent="0">
+              <a:lnSpc>
+                <a:spcPct val="107000"/>
+              </a:lnSpc>
+              <a:spcBef>
+                <a:spcPts val="1200"/>
+              </a:spcBef>
+              <a:spcAft>
+                <a:spcPts val="1200"/>
+              </a:spcAft>
+              <a:buNone/>
+            </a:pPr>
+            <a:r>
+              <a:rPr lang="en-US" sz="1050" b="1" dirty="0">
+                <a:solidFill>
+                  <a:srgbClr val="000000"/>
+                </a:solidFill>
+                <a:effectLst/>
+                <a:latin typeface="Times New Roman" panose="02020603050405020304" pitchFamily="18" charset="0"/>
+                <a:ea typeface="Times New Roman" panose="02020603050405020304" pitchFamily="18" charset="0"/>
+              </a:rPr>
+              <a:t>4-8-2022 – Industroyer2 </a:t>
+            </a:r>
+            <a:r>
+              <a:rPr lang="en-US" sz="1050" dirty="0">
+                <a:solidFill>
+                  <a:srgbClr val="000000"/>
+                </a:solidFill>
+                <a:effectLst/>
+                <a:latin typeface="Times New Roman" panose="02020603050405020304" pitchFamily="18" charset="0"/>
+                <a:ea typeface="Times New Roman" panose="02020603050405020304" pitchFamily="18" charset="0"/>
+              </a:rPr>
+              <a:t>The second iteration of </a:t>
+            </a:r>
+            <a:r>
+              <a:rPr lang="en-US" sz="1050" dirty="0" err="1">
+                <a:solidFill>
+                  <a:srgbClr val="000000"/>
+                </a:solidFill>
+                <a:effectLst/>
+                <a:latin typeface="Times New Roman" panose="02020603050405020304" pitchFamily="18" charset="0"/>
+                <a:ea typeface="Times New Roman" panose="02020603050405020304" pitchFamily="18" charset="0"/>
+              </a:rPr>
+              <a:t>Industroyer</a:t>
+            </a:r>
+            <a:r>
+              <a:rPr lang="en-US" sz="1050" dirty="0">
+                <a:solidFill>
+                  <a:srgbClr val="000000"/>
+                </a:solidFill>
+                <a:effectLst/>
+                <a:latin typeface="Times New Roman" panose="02020603050405020304" pitchFamily="18" charset="0"/>
+                <a:ea typeface="Times New Roman" panose="02020603050405020304" pitchFamily="18" charset="0"/>
+              </a:rPr>
+              <a:t> malware used to destroy and disrupt energy ICS systems</a:t>
+            </a:r>
+            <a:endParaRPr lang="en-US" sz="1050" dirty="0">
+              <a:solidFill>
+                <a:srgbClr val="000000"/>
+              </a:solidFill>
+              <a:effectLst/>
+              <a:latin typeface="Times New Roman" panose="02020603050405020304" pitchFamily="18" charset="0"/>
+              <a:ea typeface="Calibri" panose="020F0502020204030204" pitchFamily="34" charset="0"/>
+            </a:endParaRPr>
+          </a:p>
+          <a:p>
+            <a:pPr marL="0" marR="0" indent="0">
+              <a:lnSpc>
+                <a:spcPct val="107000"/>
+              </a:lnSpc>
+              <a:spcBef>
+                <a:spcPts val="1200"/>
+              </a:spcBef>
+              <a:spcAft>
+                <a:spcPts val="1200"/>
+              </a:spcAft>
+              <a:buNone/>
+            </a:pPr>
+            <a:r>
+              <a:rPr lang="en-US" sz="1050" b="1" dirty="0">
+                <a:solidFill>
+                  <a:srgbClr val="000000"/>
+                </a:solidFill>
+                <a:effectLst/>
+                <a:latin typeface="Times New Roman" panose="02020603050405020304" pitchFamily="18" charset="0"/>
+                <a:ea typeface="Times New Roman" panose="02020603050405020304" pitchFamily="18" charset="0"/>
+              </a:rPr>
+              <a:t>4-8-2022 – ORCSHRED </a:t>
+            </a:r>
+            <a:r>
+              <a:rPr lang="en-US" sz="1050" dirty="0">
+                <a:solidFill>
+                  <a:srgbClr val="000000"/>
+                </a:solidFill>
+                <a:effectLst/>
+                <a:latin typeface="Times New Roman" panose="02020603050405020304" pitchFamily="18" charset="0"/>
+                <a:ea typeface="Times New Roman" panose="02020603050405020304" pitchFamily="18" charset="0"/>
+              </a:rPr>
+              <a:t>Linux and Solaris wiper used with Industroyer2</a:t>
+            </a:r>
+            <a:endParaRPr lang="en-US" sz="1050" dirty="0">
+              <a:solidFill>
+                <a:srgbClr val="000000"/>
+              </a:solidFill>
+              <a:effectLst/>
+              <a:latin typeface="Times New Roman" panose="02020603050405020304" pitchFamily="18" charset="0"/>
+              <a:ea typeface="Calibri" panose="020F0502020204030204" pitchFamily="34" charset="0"/>
+            </a:endParaRPr>
+          </a:p>
+          <a:p>
+            <a:pPr marL="0" marR="0" indent="0">
+              <a:lnSpc>
+                <a:spcPct val="107000"/>
+              </a:lnSpc>
+              <a:spcBef>
+                <a:spcPts val="1200"/>
+              </a:spcBef>
+              <a:spcAft>
+                <a:spcPts val="1200"/>
+              </a:spcAft>
+              <a:buNone/>
+            </a:pPr>
+            <a:r>
+              <a:rPr lang="en-US" sz="1050" b="1" dirty="0">
+                <a:solidFill>
+                  <a:srgbClr val="000000"/>
+                </a:solidFill>
+                <a:effectLst/>
+                <a:latin typeface="Times New Roman" panose="02020603050405020304" pitchFamily="18" charset="0"/>
+                <a:ea typeface="Times New Roman" panose="02020603050405020304" pitchFamily="18" charset="0"/>
+              </a:rPr>
+              <a:t>4-8-2022 – AWFULSHRED </a:t>
+            </a:r>
+            <a:r>
+              <a:rPr lang="en-US" sz="1050" dirty="0">
+                <a:solidFill>
+                  <a:srgbClr val="000000"/>
+                </a:solidFill>
+                <a:effectLst/>
+                <a:latin typeface="Times New Roman" panose="02020603050405020304" pitchFamily="18" charset="0"/>
+                <a:ea typeface="Times New Roman" panose="02020603050405020304" pitchFamily="18" charset="0"/>
+              </a:rPr>
+              <a:t>Linux and Solaris wiper used with Industroyer2</a:t>
+            </a:r>
+            <a:endParaRPr lang="en-US" sz="1050" dirty="0">
+              <a:solidFill>
+                <a:srgbClr val="000000"/>
+              </a:solidFill>
+              <a:effectLst/>
+              <a:latin typeface="Times New Roman" panose="02020603050405020304" pitchFamily="18" charset="0"/>
+              <a:ea typeface="Calibri" panose="020F0502020204030204" pitchFamily="34" charset="0"/>
+            </a:endParaRPr>
+          </a:p>
+          <a:p>
+            <a:pPr marL="0" marR="0" indent="0">
+              <a:lnSpc>
+                <a:spcPct val="107000"/>
+              </a:lnSpc>
+              <a:spcBef>
+                <a:spcPts val="1200"/>
+              </a:spcBef>
+              <a:spcAft>
+                <a:spcPts val="1200"/>
+              </a:spcAft>
+              <a:buNone/>
+            </a:pPr>
+            <a:r>
+              <a:rPr lang="en-US" sz="1050" b="1" dirty="0">
+                <a:solidFill>
+                  <a:srgbClr val="000000"/>
+                </a:solidFill>
+                <a:effectLst/>
+                <a:latin typeface="Times New Roman" panose="02020603050405020304" pitchFamily="18" charset="0"/>
+                <a:ea typeface="Times New Roman" panose="02020603050405020304" pitchFamily="18" charset="0"/>
+              </a:rPr>
+              <a:t>4-8-2022 – SOLOSHRED </a:t>
+            </a:r>
+            <a:r>
+              <a:rPr lang="en-US" sz="1050" dirty="0">
+                <a:solidFill>
+                  <a:srgbClr val="000000"/>
+                </a:solidFill>
+                <a:effectLst/>
+                <a:latin typeface="Times New Roman" panose="02020603050405020304" pitchFamily="18" charset="0"/>
+                <a:ea typeface="Times New Roman" panose="02020603050405020304" pitchFamily="18" charset="0"/>
+              </a:rPr>
+              <a:t>Linux and Solaris wiper used with Industroyer2</a:t>
+            </a:r>
+            <a:endParaRPr lang="en-US" sz="1050" dirty="0">
+              <a:solidFill>
+                <a:srgbClr val="000000"/>
+              </a:solidFill>
+              <a:effectLst/>
+              <a:latin typeface="Times New Roman" panose="02020603050405020304" pitchFamily="18" charset="0"/>
+              <a:ea typeface="Calibri" panose="020F0502020204030204" pitchFamily="34" charset="0"/>
+            </a:endParaRPr>
+          </a:p>
+          <a:p>
+            <a:pPr marL="0" marR="0" indent="0">
+              <a:lnSpc>
+                <a:spcPct val="107000"/>
+              </a:lnSpc>
+              <a:spcBef>
+                <a:spcPts val="1200"/>
+              </a:spcBef>
+              <a:spcAft>
+                <a:spcPts val="1200"/>
+              </a:spcAft>
+              <a:buNone/>
+            </a:pPr>
+            <a:r>
+              <a:rPr lang="en-US" sz="1050" b="1" dirty="0">
+                <a:solidFill>
+                  <a:srgbClr val="000000"/>
+                </a:solidFill>
+                <a:effectLst/>
+                <a:latin typeface="Times New Roman" panose="02020603050405020304" pitchFamily="18" charset="0"/>
+                <a:ea typeface="Times New Roman" panose="02020603050405020304" pitchFamily="18" charset="0"/>
+              </a:rPr>
+              <a:t>4-8-2022 – </a:t>
+            </a:r>
+            <a:r>
+              <a:rPr lang="en-US" sz="1050" b="1" dirty="0" err="1">
+                <a:solidFill>
+                  <a:srgbClr val="000000"/>
+                </a:solidFill>
+                <a:effectLst/>
+                <a:latin typeface="Times New Roman" panose="02020603050405020304" pitchFamily="18" charset="0"/>
+                <a:ea typeface="Times New Roman" panose="02020603050405020304" pitchFamily="18" charset="0"/>
+              </a:rPr>
+              <a:t>CaddyWiper</a:t>
+            </a:r>
+            <a:r>
+              <a:rPr lang="en-US" sz="1050" b="1" dirty="0">
+                <a:solidFill>
+                  <a:srgbClr val="000000"/>
+                </a:solidFill>
+                <a:effectLst/>
+                <a:latin typeface="Times New Roman" panose="02020603050405020304" pitchFamily="18" charset="0"/>
+                <a:ea typeface="Times New Roman" panose="02020603050405020304" pitchFamily="18" charset="0"/>
+              </a:rPr>
+              <a:t> </a:t>
+            </a:r>
+            <a:r>
+              <a:rPr lang="en-US" sz="1050" dirty="0">
+                <a:solidFill>
+                  <a:srgbClr val="000000"/>
+                </a:solidFill>
+                <a:effectLst/>
+                <a:latin typeface="Times New Roman" panose="02020603050405020304" pitchFamily="18" charset="0"/>
+                <a:ea typeface="Times New Roman" panose="02020603050405020304" pitchFamily="18" charset="0"/>
+              </a:rPr>
+              <a:t>Deployment of </a:t>
+            </a:r>
+            <a:r>
+              <a:rPr lang="en-US" sz="1050" dirty="0" err="1">
+                <a:solidFill>
+                  <a:srgbClr val="000000"/>
+                </a:solidFill>
+                <a:effectLst/>
+                <a:latin typeface="Times New Roman" panose="02020603050405020304" pitchFamily="18" charset="0"/>
+                <a:ea typeface="Times New Roman" panose="02020603050405020304" pitchFamily="18" charset="0"/>
+              </a:rPr>
+              <a:t>CaddyWiper</a:t>
+            </a:r>
+            <a:r>
+              <a:rPr lang="en-US" sz="1050" dirty="0">
+                <a:solidFill>
+                  <a:srgbClr val="000000"/>
+                </a:solidFill>
+                <a:effectLst/>
+                <a:latin typeface="Times New Roman" panose="02020603050405020304" pitchFamily="18" charset="0"/>
+                <a:ea typeface="Times New Roman" panose="02020603050405020304" pitchFamily="18" charset="0"/>
+              </a:rPr>
+              <a:t> on some Windows machines and of Linux and Solaris destructive malware at the energy provider</a:t>
+            </a:r>
+            <a:endParaRPr lang="en-US" sz="1050" dirty="0">
+              <a:solidFill>
+                <a:srgbClr val="000000"/>
+              </a:solidFill>
+              <a:effectLst/>
+              <a:latin typeface="Times New Roman" panose="02020603050405020304" pitchFamily="18" charset="0"/>
+              <a:ea typeface="Calibri" panose="020F0502020204030204" pitchFamily="34" charset="0"/>
+            </a:endParaRPr>
+          </a:p>
+        </p:txBody>
+      </p:sp>
+      <p:sp>
+        <p:nvSpPr>
+          <p:cNvPr id="4" name="Slide Number Placeholder 3">
+            <a:extLst>
+              <a:ext uri="{FF2B5EF4-FFF2-40B4-BE49-F238E27FC236}">
+                <a16:creationId xmlns:a16="http://schemas.microsoft.com/office/drawing/2014/main" id="{30EDE922-0D12-4515-9F77-4237AE6D8D6D}"/>
+              </a:ext>
+            </a:extLst>
+          </p:cNvPr>
+          <p:cNvSpPr>
+            <a:spLocks noGrp="1"/>
+          </p:cNvSpPr>
+          <p:nvPr>
+            <p:ph type="sldNum" sz="quarter" idx="10"/>
+          </p:nvPr>
+        </p:nvSpPr>
+        <p:spPr/>
+        <p:txBody>
+          <a:bodyPr/>
+          <a:lstStyle/>
+          <a:p>
+            <a:pPr>
+              <a:defRPr/>
+            </a:pPr>
+            <a:fld id="{EF611178-6C3A-F247-8731-699DBDA96700}" type="slidenum">
+              <a:rPr lang="en-US" altLang="en-US" smtClean="0"/>
+              <a:pPr>
+                <a:defRPr/>
+              </a:pPr>
+              <a:t>31</a:t>
+            </a:fld>
+            <a:endParaRPr lang="en-US" altLang="en-US" dirty="0"/>
+          </a:p>
+        </p:txBody>
+      </p:sp>
+    </p:spTree>
+    <p:extLst>
+      <p:ext uri="{BB962C8B-B14F-4D97-AF65-F5344CB8AC3E}">
+        <p14:creationId xmlns:p14="http://schemas.microsoft.com/office/powerpoint/2010/main" val="1581228303"/>
+      </p:ext>
+    </p:extLst>
+  </p:cSld>
+  <p:clrMapOvr>
+    <a:masterClrMapping/>
+  </p:clrMapOvr>
+</p:sld>
+</file>
+
+<file path=ppt/slides/slide32.xml><?xml version="1.0" encoding="utf-8"?>
+<p:sld xmlns:a="http://schemas.openxmlformats.org/drawingml/2006/main" xmlns:r="http://schemas.openxmlformats.org/officeDocument/2006/relationships" xmlns:p="http://schemas.openxmlformats.org/presentationml/2006/main">
+  <p:cSld>
+    <p:spTree>
+      <p:nvGrpSpPr>
+        <p:cNvPr id="1" name=""/>
+        <p:cNvGrpSpPr/>
+        <p:nvPr/>
+      </p:nvGrpSpPr>
+      <p:grpSpPr>
+        <a:xfrm>
+          <a:off x="0" y="0"/>
+          <a:ext cx="0" cy="0"/>
+          <a:chOff x="0" y="0"/>
+          <a:chExt cx="0" cy="0"/>
+        </a:xfrm>
+      </p:grpSpPr>
+      <p:sp>
+        <p:nvSpPr>
+          <p:cNvPr id="2" name="Title 1">
+            <a:extLst>
+              <a:ext uri="{FF2B5EF4-FFF2-40B4-BE49-F238E27FC236}">
                 <a16:creationId xmlns:a16="http://schemas.microsoft.com/office/drawing/2014/main" id="{2FBBE3A3-282A-40F8-98BA-9B77045CF86F}"/>
               </a:ext>
             </a:extLst>
@@ -20518,7 +20912,7 @@
               <a:pPr>
                 <a:defRPr/>
               </a:pPr>
-              <a:t>30</a:t>
+              <a:t>32</a:t>
             </a:fld>
             <a:endParaRPr lang="en-US" altLang="en-US" dirty="0"/>
           </a:p>
@@ -20537,7 +20931,7 @@
 </p:sld>
 </file>
 
-<file path=ppt/slides/slide31.xml><?xml version="1.0" encoding="utf-8"?>
+<file path=ppt/slides/slide33.xml><?xml version="1.0" encoding="utf-8"?>
 <p:sld xmlns:a="http://schemas.openxmlformats.org/drawingml/2006/main" xmlns:r="http://schemas.openxmlformats.org/officeDocument/2006/relationships" xmlns:p="http://schemas.openxmlformats.org/presentationml/2006/main">
   <p:cSld>
     <p:spTree>
@@ -21779,7 +22173,7 @@
               <a:pPr>
                 <a:defRPr/>
               </a:pPr>
-              <a:t>31</a:t>
+              <a:t>33</a:t>
             </a:fld>
             <a:endParaRPr lang="en-US" altLang="en-US" dirty="0"/>
           </a:p>
@@ -26371,6 +26765,12 @@
 </file>
 
 <file path=customXml/item2.xml><?xml version="1.0" encoding="utf-8"?>
+<p:properties xmlns:p="http://schemas.microsoft.com/office/2006/metadata/properties" xmlns:xsi="http://www.w3.org/2001/XMLSchema-instance" xmlns:pc="http://schemas.microsoft.com/office/infopath/2007/PartnerControls">
+  <documentManagement/>
+</p:properties>
+</file>
+
+<file path=customXml/item3.xml><?xml version="1.0" encoding="utf-8"?>
 <ct:contentTypeSchema xmlns:ct="http://schemas.microsoft.com/office/2006/metadata/contentType" xmlns:ma="http://schemas.microsoft.com/office/2006/metadata/properties/metaAttributes" ct:_="" ma:_="" ma:contentTypeName="Document" ma:contentTypeID="0x0101004B4005D9E3367841B8133DC16E2CA0C5" ma:contentTypeVersion="8" ma:contentTypeDescription="Create a new document." ma:contentTypeScope="" ma:versionID="09b02c7bb5c11e94011aae484563c38d">
   <xsd:schema xmlns:xsd="http://www.w3.org/2001/XMLSchema" xmlns:xs="http://www.w3.org/2001/XMLSchema" xmlns:p="http://schemas.microsoft.com/office/2006/metadata/properties" xmlns:ns2="2fc784a7-eac2-4729-8291-eda7c6e43d70" targetNamespace="http://schemas.microsoft.com/office/2006/metadata/properties" ma:root="true" ma:fieldsID="6c2ec72030b46cd7db5e4ea8f0b91378" ns2:_="">
     <xsd:import namespace="2fc784a7-eac2-4729-8291-eda7c6e43d70"/>
@@ -26540,12 +26940,6 @@
 </ct:contentTypeSchema>
 </file>
 
-<file path=customXml/item3.xml><?xml version="1.0" encoding="utf-8"?>
-<p:properties xmlns:p="http://schemas.microsoft.com/office/2006/metadata/properties" xmlns:xsi="http://www.w3.org/2001/XMLSchema-instance" xmlns:pc="http://schemas.microsoft.com/office/infopath/2007/PartnerControls">
-  <documentManagement/>
-</p:properties>
-</file>
-
 <file path=customXml/itemProps1.xml><?xml version="1.0" encoding="utf-8"?>
 <ds:datastoreItem xmlns:ds="http://schemas.openxmlformats.org/officeDocument/2006/customXml" ds:itemID="{E2700A43-2957-4B4F-B9B2-614592CDFD03}">
   <ds:schemaRefs>
@@ -26555,6 +26949,15 @@
 </file>
 
 <file path=customXml/itemProps2.xml><?xml version="1.0" encoding="utf-8"?>
+<ds:datastoreItem xmlns:ds="http://schemas.openxmlformats.org/officeDocument/2006/customXml" ds:itemID="{790DD382-103D-4FD4-A0D2-A5E0F0380794}">
+  <ds:schemaRefs>
+    <ds:schemaRef ds:uri="http://schemas.microsoft.com/office/2006/metadata/properties"/>
+    <ds:schemaRef ds:uri="http://schemas.microsoft.com/office/infopath/2007/PartnerControls"/>
+  </ds:schemaRefs>
+</ds:datastoreItem>
+</file>
+
+<file path=customXml/itemProps3.xml><?xml version="1.0" encoding="utf-8"?>
 <ds:datastoreItem xmlns:ds="http://schemas.openxmlformats.org/officeDocument/2006/customXml" ds:itemID="{BD5DA11A-3F94-4546-8574-85B8F701914B}">
   <ds:schemaRefs>
     <ds:schemaRef ds:uri="http://schemas.microsoft.com/office/2006/metadata/contentType"/>
@@ -26570,13 +26973,4 @@
     <ds:schemaRef ds:uri="http://schemas.microsoft.com/internal/obd"/>
   </ds:schemaRefs>
 </ds:datastoreItem>
-</file>
-
-<file path=customXml/itemProps3.xml><?xml version="1.0" encoding="utf-8"?>
-<ds:datastoreItem xmlns:ds="http://schemas.openxmlformats.org/officeDocument/2006/customXml" ds:itemID="{790DD382-103D-4FD4-A0D2-A5E0F0380794}">
-  <ds:schemaRefs>
-    <ds:schemaRef ds:uri="http://schemas.microsoft.com/office/2006/metadata/properties"/>
-    <ds:schemaRef ds:uri="http://schemas.microsoft.com/office/infopath/2007/PartnerControls"/>
-  </ds:schemaRefs>
-</ds:datastoreItem>
 </file>
--- a/Tv0.pptx
+++ b/Tv0.pptx
@@ -5,10 +5,10 @@
     <p:sldMasterId id="2147483728" r:id="rId4"/>
   </p:sldMasterIdLst>
   <p:notesMasterIdLst>
-    <p:notesMasterId r:id="rId38"/>
+    <p:notesMasterId r:id="rId39"/>
   </p:notesMasterIdLst>
   <p:handoutMasterIdLst>
-    <p:handoutMasterId r:id="rId39"/>
+    <p:handoutMasterId r:id="rId40"/>
   </p:handoutMasterIdLst>
   <p:sldIdLst>
     <p:sldId id="265" r:id="rId5"/>
@@ -21,29 +21,30 @@
     <p:sldId id="1076" r:id="rId12"/>
     <p:sldId id="1103" r:id="rId13"/>
     <p:sldId id="1105" r:id="rId14"/>
-    <p:sldId id="1078" r:id="rId15"/>
-    <p:sldId id="1102" r:id="rId16"/>
-    <p:sldId id="1100" r:id="rId17"/>
-    <p:sldId id="1117" r:id="rId18"/>
-    <p:sldId id="1118" r:id="rId19"/>
-    <p:sldId id="1119" r:id="rId20"/>
-    <p:sldId id="1120" r:id="rId21"/>
-    <p:sldId id="1084" r:id="rId22"/>
-    <p:sldId id="1086" r:id="rId23"/>
-    <p:sldId id="1092" r:id="rId24"/>
-    <p:sldId id="1094" r:id="rId25"/>
-    <p:sldId id="1115" r:id="rId26"/>
-    <p:sldId id="1116" r:id="rId27"/>
-    <p:sldId id="1114" r:id="rId28"/>
-    <p:sldId id="1060" r:id="rId29"/>
-    <p:sldId id="1106" r:id="rId30"/>
-    <p:sldId id="1107" r:id="rId31"/>
-    <p:sldId id="1108" r:id="rId32"/>
-    <p:sldId id="1109" r:id="rId33"/>
-    <p:sldId id="1110" r:id="rId34"/>
-    <p:sldId id="1111" r:id="rId35"/>
-    <p:sldId id="1112" r:id="rId36"/>
-    <p:sldId id="1113" r:id="rId37"/>
+    <p:sldId id="1121" r:id="rId15"/>
+    <p:sldId id="1078" r:id="rId16"/>
+    <p:sldId id="1102" r:id="rId17"/>
+    <p:sldId id="1100" r:id="rId18"/>
+    <p:sldId id="1117" r:id="rId19"/>
+    <p:sldId id="1118" r:id="rId20"/>
+    <p:sldId id="1119" r:id="rId21"/>
+    <p:sldId id="1120" r:id="rId22"/>
+    <p:sldId id="1084" r:id="rId23"/>
+    <p:sldId id="1086" r:id="rId24"/>
+    <p:sldId id="1092" r:id="rId25"/>
+    <p:sldId id="1094" r:id="rId26"/>
+    <p:sldId id="1115" r:id="rId27"/>
+    <p:sldId id="1116" r:id="rId28"/>
+    <p:sldId id="1114" r:id="rId29"/>
+    <p:sldId id="1060" r:id="rId30"/>
+    <p:sldId id="1106" r:id="rId31"/>
+    <p:sldId id="1107" r:id="rId32"/>
+    <p:sldId id="1108" r:id="rId33"/>
+    <p:sldId id="1109" r:id="rId34"/>
+    <p:sldId id="1110" r:id="rId35"/>
+    <p:sldId id="1111" r:id="rId36"/>
+    <p:sldId id="1112" r:id="rId37"/>
+    <p:sldId id="1113" r:id="rId38"/>
   </p:sldIdLst>
   <p:sldSz cx="9144000" cy="5143500" type="screen16x9"/>
   <p:notesSz cx="6858000" cy="9144000"/>
@@ -187,6 +188,7 @@
             <p14:sldId id="1076"/>
             <p14:sldId id="1103"/>
             <p14:sldId id="1105"/>
+            <p14:sldId id="1121"/>
             <p14:sldId id="1078"/>
             <p14:sldId id="1102"/>
             <p14:sldId id="1100"/>
@@ -7794,6 +7796,172 @@
           <p:cNvPr id="2" name="Title 1">
             <a:extLst>
               <a:ext uri="{FF2B5EF4-FFF2-40B4-BE49-F238E27FC236}">
+                <a16:creationId xmlns:a16="http://schemas.microsoft.com/office/drawing/2014/main" id="{30854B70-28BA-4A1E-A0EA-47D0172D0120}"/>
+              </a:ext>
+            </a:extLst>
+          </p:cNvPr>
+          <p:cNvSpPr>
+            <a:spLocks noGrp="1"/>
+          </p:cNvSpPr>
+          <p:nvPr>
+            <p:ph type="title"/>
+          </p:nvPr>
+        </p:nvSpPr>
+        <p:spPr>
+          <a:xfrm>
+            <a:off x="457200" y="205980"/>
+            <a:ext cx="8229600" cy="506015"/>
+          </a:xfrm>
+        </p:spPr>
+        <p:txBody>
+          <a:bodyPr wrap="square" anchor="ctr">
+            <a:normAutofit/>
+          </a:bodyPr>
+          <a:lstStyle/>
+          <a:p>
+            <a:pPr>
+              <a:lnSpc>
+                <a:spcPct val="90000"/>
+              </a:lnSpc>
+            </a:pPr>
+            <a:r>
+              <a:rPr lang="en-US" dirty="0"/>
+              <a:t>Threats</a:t>
+            </a:r>
+            <a:endParaRPr lang="en-US"/>
+          </a:p>
+        </p:txBody>
+      </p:sp>
+      <p:pic>
+        <p:nvPicPr>
+          <p:cNvPr id="1026" name="Picture 2">
+            <a:extLst>
+              <a:ext uri="{FF2B5EF4-FFF2-40B4-BE49-F238E27FC236}">
+                <a16:creationId xmlns:a16="http://schemas.microsoft.com/office/drawing/2014/main" id="{CE1CF17F-DA6D-4ADF-A092-67F84E98A117}"/>
+              </a:ext>
+            </a:extLst>
+          </p:cNvPr>
+          <p:cNvPicPr>
+            <a:picLocks noChangeAspect="1" noChangeArrowheads="1"/>
+          </p:cNvPicPr>
+          <p:nvPr/>
+        </p:nvPicPr>
+        <p:blipFill rotWithShape="1">
+          <a:blip r:embed="rId2">
+            <a:extLst>
+              <a:ext uri="{28A0092B-C50C-407E-A947-70E740481C1C}">
+                <a14:useLocalDpi xmlns:a14="http://schemas.microsoft.com/office/drawing/2010/main" val="0"/>
+              </a:ext>
+            </a:extLst>
+          </a:blip>
+          <a:srcRect b="17600"/>
+          <a:stretch/>
+        </p:blipFill>
+        <p:spPr bwMode="auto">
+          <a:xfrm>
+            <a:off x="457200" y="769351"/>
+            <a:ext cx="8229600" cy="3831379"/>
+          </a:xfrm>
+          <a:prstGeom prst="rect">
+            <a:avLst/>
+          </a:prstGeom>
+          <a:solidFill>
+            <a:srgbClr val="FFFFFF"/>
+          </a:solidFill>
+          <a:extLst>
+            <a:ext uri="{909E8E84-426E-40DD-AFC4-6F175D3DCCD1}">
+              <a14:hiddenFill xmlns:a14="http://schemas.microsoft.com/office/drawing/2010/main">
+                <a:solidFill>
+                  <a:srgbClr val="FFFFFF"/>
+                </a:solidFill>
+              </a14:hiddenFill>
+            </a:ext>
+          </a:extLst>
+        </p:spPr>
+      </p:pic>
+      <p:sp>
+        <p:nvSpPr>
+          <p:cNvPr id="4" name="Slide Number Placeholder 3">
+            <a:extLst>
+              <a:ext uri="{FF2B5EF4-FFF2-40B4-BE49-F238E27FC236}">
+                <a16:creationId xmlns:a16="http://schemas.microsoft.com/office/drawing/2014/main" id="{C1371EB8-35A6-4A16-B8F5-3130E977A638}"/>
+              </a:ext>
+            </a:extLst>
+          </p:cNvPr>
+          <p:cNvSpPr>
+            <a:spLocks noGrp="1"/>
+          </p:cNvSpPr>
+          <p:nvPr>
+            <p:ph type="sldNum" sz="quarter" idx="10"/>
+          </p:nvPr>
+        </p:nvSpPr>
+        <p:spPr>
+          <a:xfrm>
+            <a:off x="8528050" y="-29765"/>
+            <a:ext cx="592138" cy="273845"/>
+          </a:xfrm>
+        </p:spPr>
+        <p:txBody>
+          <a:bodyPr wrap="square" anchor="ctr">
+            <a:normAutofit/>
+          </a:bodyPr>
+          <a:lstStyle/>
+          <a:p>
+            <a:pPr>
+              <a:spcAft>
+                <a:spcPts val="600"/>
+              </a:spcAft>
+              <a:defRPr/>
+            </a:pPr>
+            <a:fld id="{EF611178-6C3A-F247-8731-699DBDA96700}" type="slidenum">
+              <a:rPr lang="en-US" altLang="en-US" smtClean="0"/>
+              <a:pPr>
+                <a:spcAft>
+                  <a:spcPts val="600"/>
+                </a:spcAft>
+                <a:defRPr/>
+              </a:pPr>
+              <a:t>11</a:t>
+            </a:fld>
+            <a:endParaRPr lang="en-US" altLang="en-US"/>
+          </a:p>
+        </p:txBody>
+      </p:sp>
+    </p:spTree>
+    <p:extLst>
+      <p:ext uri="{BB962C8B-B14F-4D97-AF65-F5344CB8AC3E}">
+        <p14:creationId xmlns:p14="http://schemas.microsoft.com/office/powerpoint/2010/main" val="2192204025"/>
+      </p:ext>
+    </p:extLst>
+  </p:cSld>
+  <p:clrMapOvr>
+    <a:masterClrMapping/>
+  </p:clrMapOvr>
+</p:sld>
+</file>
+
+<file path=ppt/slides/slide12.xml><?xml version="1.0" encoding="utf-8"?>
+<p:sld xmlns:a="http://schemas.openxmlformats.org/drawingml/2006/main" xmlns:r="http://schemas.openxmlformats.org/officeDocument/2006/relationships" xmlns:p="http://schemas.openxmlformats.org/presentationml/2006/main">
+  <p:cSld>
+    <p:spTree>
+      <p:nvGrpSpPr>
+        <p:cNvPr id="1" name=""/>
+        <p:cNvGrpSpPr/>
+        <p:nvPr/>
+      </p:nvGrpSpPr>
+      <p:grpSpPr>
+        <a:xfrm>
+          <a:off x="0" y="0"/>
+          <a:ext cx="0" cy="0"/>
+          <a:chOff x="0" y="0"/>
+          <a:chExt cx="0" cy="0"/>
+        </a:xfrm>
+      </p:grpSpPr>
+      <p:sp>
+        <p:nvSpPr>
+          <p:cNvPr id="2" name="Title 1">
+            <a:extLst>
+              <a:ext uri="{FF2B5EF4-FFF2-40B4-BE49-F238E27FC236}">
                 <a16:creationId xmlns:a16="http://schemas.microsoft.com/office/drawing/2014/main" id="{C409238B-44DD-4DB5-8B6E-10ADB24E7110}"/>
               </a:ext>
             </a:extLst>
@@ -7830,7 +7998,7 @@
 </p:sld>
 </file>
 
-<file path=ppt/slides/slide12.xml><?xml version="1.0" encoding="utf-8"?>
+<file path=ppt/slides/slide13.xml><?xml version="1.0" encoding="utf-8"?>
 <p:sld xmlns:a="http://schemas.openxmlformats.org/drawingml/2006/main" xmlns:r="http://schemas.openxmlformats.org/officeDocument/2006/relationships" xmlns:p="http://schemas.openxmlformats.org/presentationml/2006/main">
   <p:cSld>
     <p:spTree>
@@ -7933,7 +8101,7 @@
               <a:pPr>
                 <a:defRPr/>
               </a:pPr>
-              <a:t>12</a:t>
+              <a:t>13</a:t>
             </a:fld>
             <a:endParaRPr lang="en-US" altLang="en-US" dirty="0"/>
           </a:p>
@@ -7952,7 +8120,7 @@
 </p:sld>
 </file>
 
-<file path=ppt/slides/slide13.xml><?xml version="1.0" encoding="utf-8"?>
+<file path=ppt/slides/slide14.xml><?xml version="1.0" encoding="utf-8"?>
 <p:sld xmlns:a="http://schemas.openxmlformats.org/drawingml/2006/main" xmlns:r="http://schemas.openxmlformats.org/officeDocument/2006/relationships" xmlns:p="http://schemas.openxmlformats.org/presentationml/2006/main">
   <p:cSld>
     <p:spTree>
@@ -8055,7 +8223,7 @@
               <a:pPr>
                 <a:defRPr/>
               </a:pPr>
-              <a:t>13</a:t>
+              <a:t>14</a:t>
             </a:fld>
             <a:endParaRPr lang="en-US" altLang="en-US" dirty="0"/>
           </a:p>
@@ -8074,7 +8242,7 @@
 </p:sld>
 </file>
 
-<file path=ppt/slides/slide14.xml><?xml version="1.0" encoding="utf-8"?>
+<file path=ppt/slides/slide15.xml><?xml version="1.0" encoding="utf-8"?>
 <p:sld xmlns:a="http://schemas.openxmlformats.org/drawingml/2006/main" xmlns:r="http://schemas.openxmlformats.org/officeDocument/2006/relationships" xmlns:p="http://schemas.openxmlformats.org/presentationml/2006/main">
   <p:cSld>
     <p:spTree>
@@ -8170,7 +8338,7 @@
               <a:pPr>
                 <a:defRPr/>
               </a:pPr>
-              <a:t>14</a:t>
+              <a:t>15</a:t>
             </a:fld>
             <a:endParaRPr lang="en-US" altLang="en-US" dirty="0"/>
           </a:p>
@@ -8219,7 +8387,7 @@
 </p:sld>
 </file>
 
-<file path=ppt/slides/slide15.xml><?xml version="1.0" encoding="utf-8"?>
+<file path=ppt/slides/slide16.xml><?xml version="1.0" encoding="utf-8"?>
 <p:sld xmlns:a="http://schemas.openxmlformats.org/drawingml/2006/main" xmlns:r="http://schemas.openxmlformats.org/officeDocument/2006/relationships" xmlns:p="http://schemas.openxmlformats.org/presentationml/2006/main">
   <p:cSld>
     <p:spTree>
@@ -8319,7 +8487,7 @@
               <a:pPr>
                 <a:defRPr/>
               </a:pPr>
-              <a:t>15</a:t>
+              <a:t>16</a:t>
             </a:fld>
             <a:endParaRPr lang="en-US" altLang="en-US" dirty="0"/>
           </a:p>
@@ -8338,7 +8506,7 @@
 </p:sld>
 </file>
 
-<file path=ppt/slides/slide16.xml><?xml version="1.0" encoding="utf-8"?>
+<file path=ppt/slides/slide17.xml><?xml version="1.0" encoding="utf-8"?>
 <p:sld xmlns:a="http://schemas.openxmlformats.org/drawingml/2006/main" xmlns:r="http://schemas.openxmlformats.org/officeDocument/2006/relationships" xmlns:p="http://schemas.openxmlformats.org/presentationml/2006/main">
   <p:cSld>
     <p:spTree>
@@ -8412,15 +8580,7 @@
           <a:p>
             <a:r>
               <a:rPr lang="en-US" dirty="0"/>
-              <a:t>Ability to paralyze Ukrainian </a:t>
-            </a:r>
-            <a:r>
-              <a:rPr lang="en-US" dirty="0" err="1"/>
-              <a:t>decisionmaking</a:t>
-            </a:r>
-            <a:r>
-              <a:rPr lang="en-US" dirty="0"/>
-              <a:t> and critical infrastructure</a:t>
+              <a:t>Ability to paralyze Ukrainian decision-making and critical infrastructure</a:t>
             </a:r>
           </a:p>
           <a:p>
@@ -8472,7 +8632,7 @@
               <a:pPr>
                 <a:defRPr/>
               </a:pPr>
-              <a:t>16</a:t>
+              <a:t>17</a:t>
             </a:fld>
             <a:endParaRPr lang="en-US" altLang="en-US" dirty="0"/>
           </a:p>
@@ -8491,7 +8651,7 @@
 </p:sld>
 </file>
 
-<file path=ppt/slides/slide17.xml><?xml version="1.0" encoding="utf-8"?>
+<file path=ppt/slides/slide18.xml><?xml version="1.0" encoding="utf-8"?>
 <p:sld xmlns:a="http://schemas.openxmlformats.org/drawingml/2006/main" xmlns:r="http://schemas.openxmlformats.org/officeDocument/2006/relationships" xmlns:p="http://schemas.openxmlformats.org/presentationml/2006/main">
   <p:cSld>
     <p:spTree>
@@ -8531,7 +8691,7 @@
           <a:p>
             <a:r>
               <a:rPr lang="en-US" dirty="0"/>
-              <a:t>Risks</a:t>
+              <a:t>Learning for us</a:t>
             </a:r>
           </a:p>
         </p:txBody>
@@ -8709,7 +8869,7 @@
               <a:pPr>
                 <a:defRPr/>
               </a:pPr>
-              <a:t>17</a:t>
+              <a:t>18</a:t>
             </a:fld>
             <a:endParaRPr lang="en-US" altLang="en-US" dirty="0"/>
           </a:p>
@@ -8728,7 +8888,7 @@
 </p:sld>
 </file>
 
-<file path=ppt/slides/slide18.xml><?xml version="1.0" encoding="utf-8"?>
+<file path=ppt/slides/slide19.xml><?xml version="1.0" encoding="utf-8"?>
 <p:sld xmlns:a="http://schemas.openxmlformats.org/drawingml/2006/main" xmlns:r="http://schemas.openxmlformats.org/officeDocument/2006/relationships" xmlns:p="http://schemas.openxmlformats.org/presentationml/2006/main">
   <p:cSld>
     <p:spTree>
@@ -8777,681 +8937,6 @@
     <p:extLst>
       <p:ext uri="{BB962C8B-B14F-4D97-AF65-F5344CB8AC3E}">
         <p14:creationId xmlns:p14="http://schemas.microsoft.com/office/powerpoint/2010/main" val="743756930"/>
-      </p:ext>
-    </p:extLst>
-  </p:cSld>
-  <p:clrMapOvr>
-    <a:masterClrMapping/>
-  </p:clrMapOvr>
-</p:sld>
-</file>
-
-<file path=ppt/slides/slide19.xml><?xml version="1.0" encoding="utf-8"?>
-<p:sld xmlns:a="http://schemas.openxmlformats.org/drawingml/2006/main" xmlns:r="http://schemas.openxmlformats.org/officeDocument/2006/relationships" xmlns:p="http://schemas.openxmlformats.org/presentationml/2006/main">
-  <p:cSld>
-    <p:spTree>
-      <p:nvGrpSpPr>
-        <p:cNvPr id="1" name=""/>
-        <p:cNvGrpSpPr/>
-        <p:nvPr/>
-      </p:nvGrpSpPr>
-      <p:grpSpPr>
-        <a:xfrm>
-          <a:off x="0" y="0"/>
-          <a:ext cx="0" cy="0"/>
-          <a:chOff x="0" y="0"/>
-          <a:chExt cx="0" cy="0"/>
-        </a:xfrm>
-      </p:grpSpPr>
-      <p:sp>
-        <p:nvSpPr>
-          <p:cNvPr id="2" name="Title 1">
-            <a:extLst>
-              <a:ext uri="{FF2B5EF4-FFF2-40B4-BE49-F238E27FC236}">
-                <a16:creationId xmlns:a16="http://schemas.microsoft.com/office/drawing/2014/main" id="{0C17933A-AE99-4576-A3F2-841E11B0E41C}"/>
-              </a:ext>
-            </a:extLst>
-          </p:cNvPr>
-          <p:cNvSpPr>
-            <a:spLocks noGrp="1"/>
-          </p:cNvSpPr>
-          <p:nvPr>
-            <p:ph type="title"/>
-          </p:nvPr>
-        </p:nvSpPr>
-        <p:spPr/>
-        <p:txBody>
-          <a:bodyPr/>
-          <a:lstStyle/>
-          <a:p>
-            <a:r>
-              <a:rPr lang="es-ES" dirty="0" err="1"/>
-              <a:t>Defence</a:t>
-            </a:r>
-            <a:r>
-              <a:rPr lang="es-ES" dirty="0"/>
-              <a:t> </a:t>
-            </a:r>
-            <a:r>
-              <a:rPr lang="es-ES" dirty="0" err="1"/>
-              <a:t>techniques</a:t>
-            </a:r>
-            <a:endParaRPr lang="en-US" dirty="0"/>
-          </a:p>
-        </p:txBody>
-      </p:sp>
-      <p:sp>
-        <p:nvSpPr>
-          <p:cNvPr id="3" name="Content Placeholder 2">
-            <a:extLst>
-              <a:ext uri="{FF2B5EF4-FFF2-40B4-BE49-F238E27FC236}">
-                <a16:creationId xmlns:a16="http://schemas.microsoft.com/office/drawing/2014/main" id="{DED16646-EF83-4F77-B356-81354B4C7E07}"/>
-              </a:ext>
-            </a:extLst>
-          </p:cNvPr>
-          <p:cNvSpPr>
-            <a:spLocks noGrp="1"/>
-          </p:cNvSpPr>
-          <p:nvPr>
-            <p:ph idx="1"/>
-          </p:nvPr>
-        </p:nvSpPr>
-        <p:spPr>
-          <a:xfrm>
-            <a:off x="298450" y="711995"/>
-            <a:ext cx="8229600" cy="3831379"/>
-          </a:xfrm>
-        </p:spPr>
-        <p:txBody>
-          <a:bodyPr/>
-          <a:lstStyle/>
-          <a:p>
-            <a:pPr marL="0" indent="0">
-              <a:buNone/>
-            </a:pPr>
-            <a:endParaRPr lang="en-US" dirty="0"/>
-          </a:p>
-          <a:p>
-            <a:pPr marL="0" indent="0">
-              <a:buNone/>
-            </a:pPr>
-            <a:endParaRPr lang="en-US" dirty="0"/>
-          </a:p>
-          <a:p>
-            <a:pPr marL="0" indent="0">
-              <a:buNone/>
-            </a:pPr>
-            <a:endParaRPr lang="en-US" dirty="0"/>
-          </a:p>
-        </p:txBody>
-      </p:sp>
-      <p:sp>
-        <p:nvSpPr>
-          <p:cNvPr id="4" name="Slide Number Placeholder 3">
-            <a:extLst>
-              <a:ext uri="{FF2B5EF4-FFF2-40B4-BE49-F238E27FC236}">
-                <a16:creationId xmlns:a16="http://schemas.microsoft.com/office/drawing/2014/main" id="{69F5284C-39D5-4681-949A-217F10D7D860}"/>
-              </a:ext>
-            </a:extLst>
-          </p:cNvPr>
-          <p:cNvSpPr>
-            <a:spLocks noGrp="1"/>
-          </p:cNvSpPr>
-          <p:nvPr>
-            <p:ph type="sldNum" sz="quarter" idx="10"/>
-          </p:nvPr>
-        </p:nvSpPr>
-        <p:spPr/>
-        <p:txBody>
-          <a:bodyPr/>
-          <a:lstStyle/>
-          <a:p>
-            <a:pPr>
-              <a:defRPr/>
-            </a:pPr>
-            <a:fld id="{EF611178-6C3A-F247-8731-699DBDA96700}" type="slidenum">
-              <a:rPr lang="en-US" altLang="en-US" smtClean="0"/>
-              <a:pPr>
-                <a:defRPr/>
-              </a:pPr>
-              <a:t>19</a:t>
-            </a:fld>
-            <a:endParaRPr lang="en-US" altLang="en-US" dirty="0"/>
-          </a:p>
-        </p:txBody>
-      </p:sp>
-      <p:sp>
-        <p:nvSpPr>
-          <p:cNvPr id="6" name="TextBox 5">
-            <a:extLst>
-              <a:ext uri="{FF2B5EF4-FFF2-40B4-BE49-F238E27FC236}">
-                <a16:creationId xmlns:a16="http://schemas.microsoft.com/office/drawing/2014/main" id="{6331D4E9-29B8-4820-8BD6-BE87437DBA1B}"/>
-              </a:ext>
-            </a:extLst>
-          </p:cNvPr>
-          <p:cNvSpPr txBox="1"/>
-          <p:nvPr/>
-        </p:nvSpPr>
-        <p:spPr>
-          <a:xfrm>
-            <a:off x="1920949" y="1360967"/>
-            <a:ext cx="184731" cy="492443"/>
-          </a:xfrm>
-          <a:prstGeom prst="rect">
-            <a:avLst/>
-          </a:prstGeom>
-          <a:noFill/>
-        </p:spPr>
-        <p:txBody>
-          <a:bodyPr wrap="none" rtlCol="0">
-            <a:spAutoFit/>
-          </a:bodyPr>
-          <a:lstStyle/>
-          <a:p>
-            <a:endParaRPr lang="en-US" sz="800" dirty="0">
-              <a:effectLst/>
-              <a:latin typeface="ui-monospace"/>
-            </a:endParaRPr>
-          </a:p>
-          <a:p>
-            <a:endParaRPr lang="en-US" dirty="0"/>
-          </a:p>
-        </p:txBody>
-      </p:sp>
-      <p:sp>
-        <p:nvSpPr>
-          <p:cNvPr id="9" name="TextBox 8">
-            <a:extLst>
-              <a:ext uri="{FF2B5EF4-FFF2-40B4-BE49-F238E27FC236}">
-                <a16:creationId xmlns:a16="http://schemas.microsoft.com/office/drawing/2014/main" id="{B54AAC5F-85B0-46D7-A801-8A61D176FC77}"/>
-              </a:ext>
-            </a:extLst>
-          </p:cNvPr>
-          <p:cNvSpPr txBox="1"/>
-          <p:nvPr/>
-        </p:nvSpPr>
-        <p:spPr>
-          <a:xfrm>
-            <a:off x="120502" y="711995"/>
-            <a:ext cx="8942218" cy="3970318"/>
-          </a:xfrm>
-          <a:prstGeom prst="rect">
-            <a:avLst/>
-          </a:prstGeom>
-          <a:noFill/>
-        </p:spPr>
-        <p:txBody>
-          <a:bodyPr wrap="square">
-            <a:spAutoFit/>
-          </a:bodyPr>
-          <a:lstStyle/>
-          <a:p>
-            <a:r>
-              <a:rPr lang="en-US" sz="1050" dirty="0"/>
-              <a:t>_import "pe"</a:t>
-            </a:r>
-          </a:p>
-          <a:p>
-            <a:r>
-              <a:rPr lang="en-US" sz="1050" dirty="0"/>
-              <a:t>rule </a:t>
-            </a:r>
-            <a:r>
-              <a:rPr lang="en-US" sz="1050" dirty="0" err="1"/>
-              <a:t>ransomware_ZZ_azov_wiper</a:t>
-            </a:r>
-            <a:r>
-              <a:rPr lang="en-US" sz="1050" dirty="0"/>
-              <a:t> {</a:t>
-            </a:r>
-          </a:p>
-          <a:p>
-            <a:r>
-              <a:rPr lang="en-US" sz="1050" dirty="0">
-                <a:solidFill>
-                  <a:schemeClr val="tx1">
-                    <a:lumMod val="60000"/>
-                    <a:lumOff val="40000"/>
-                  </a:schemeClr>
-                </a:solidFill>
-              </a:rPr>
-              <a:t>    meta:</a:t>
-            </a:r>
-          </a:p>
-          <a:p>
-            <a:r>
-              <a:rPr lang="en-US" sz="1050" dirty="0">
-                <a:solidFill>
-                  <a:schemeClr val="tx1">
-                    <a:lumMod val="60000"/>
-                    <a:lumOff val="40000"/>
-                  </a:schemeClr>
-                </a:solidFill>
-              </a:rPr>
-              <a:t>            description = "Detects original and backdoored files with new and old versions of </a:t>
-            </a:r>
-            <a:r>
-              <a:rPr lang="en-US" sz="1050" dirty="0" err="1">
-                <a:solidFill>
-                  <a:schemeClr val="tx1">
-                    <a:lumMod val="60000"/>
-                    <a:lumOff val="40000"/>
-                  </a:schemeClr>
-                </a:solidFill>
-              </a:rPr>
-              <a:t>azov</a:t>
-            </a:r>
-            <a:r>
-              <a:rPr lang="en-US" sz="1050" dirty="0">
-                <a:solidFill>
-                  <a:schemeClr val="tx1">
-                    <a:lumMod val="60000"/>
-                    <a:lumOff val="40000"/>
-                  </a:schemeClr>
-                </a:solidFill>
-              </a:rPr>
-              <a:t> ransomware - polymorphic wiper"</a:t>
-            </a:r>
-          </a:p>
-          <a:p>
-            <a:r>
-              <a:rPr lang="en-US" sz="1050" dirty="0">
-                <a:solidFill>
-                  <a:schemeClr val="tx1">
-                    <a:lumMod val="60000"/>
-                    <a:lumOff val="40000"/>
-                  </a:schemeClr>
-                </a:solidFill>
-              </a:rPr>
-              <a:t>      author = "Jiri </a:t>
-            </a:r>
-            <a:r>
-              <a:rPr lang="en-US" sz="1050" dirty="0" err="1">
-                <a:solidFill>
-                  <a:schemeClr val="tx1">
-                    <a:lumMod val="60000"/>
-                    <a:lumOff val="40000"/>
-                  </a:schemeClr>
-                </a:solidFill>
-              </a:rPr>
-              <a:t>Vinopal</a:t>
-            </a:r>
-            <a:r>
-              <a:rPr lang="en-US" sz="1050" dirty="0">
-                <a:solidFill>
-                  <a:schemeClr val="tx1">
-                    <a:lumMod val="60000"/>
-                    <a:lumOff val="40000"/>
-                  </a:schemeClr>
-                </a:solidFill>
-              </a:rPr>
-              <a:t> (</a:t>
-            </a:r>
-            <a:r>
-              <a:rPr lang="en-US" sz="1050" dirty="0" err="1">
-                <a:solidFill>
-                  <a:schemeClr val="tx1">
-                    <a:lumMod val="60000"/>
-                    <a:lumOff val="40000"/>
-                  </a:schemeClr>
-                </a:solidFill>
-              </a:rPr>
-              <a:t>jiriv</a:t>
-            </a:r>
-            <a:r>
-              <a:rPr lang="en-US" sz="1050" dirty="0">
-                <a:solidFill>
-                  <a:schemeClr val="tx1">
-                    <a:lumMod val="60000"/>
-                    <a:lumOff val="40000"/>
-                  </a:schemeClr>
-                </a:solidFill>
-              </a:rPr>
-              <a:t>)"</a:t>
-            </a:r>
-          </a:p>
-          <a:p>
-            <a:r>
-              <a:rPr lang="en-US" sz="1050" dirty="0">
-                <a:solidFill>
-                  <a:schemeClr val="tx1">
-                    <a:lumMod val="60000"/>
-                    <a:lumOff val="40000"/>
-                  </a:schemeClr>
-                </a:solidFill>
-              </a:rPr>
-              <a:t>      date = "2022-11-14"</a:t>
-            </a:r>
-          </a:p>
-          <a:p>
-            <a:r>
-              <a:rPr lang="en-US" sz="1050" dirty="0">
-                <a:solidFill>
-                  <a:schemeClr val="tx1">
-                    <a:lumMod val="60000"/>
-                    <a:lumOff val="40000"/>
-                  </a:schemeClr>
-                </a:solidFill>
-              </a:rPr>
-              <a:t>            </a:t>
-            </a:r>
-            <a:r>
-              <a:rPr lang="en-US" sz="1050" dirty="0" err="1">
-                <a:solidFill>
-                  <a:schemeClr val="tx1">
-                    <a:lumMod val="60000"/>
-                    <a:lumOff val="40000"/>
-                  </a:schemeClr>
-                </a:solidFill>
-              </a:rPr>
-              <a:t>hash_azov_new</a:t>
-            </a:r>
-            <a:r>
-              <a:rPr lang="en-US" sz="1050" dirty="0">
-                <a:solidFill>
-                  <a:schemeClr val="tx1">
-                    <a:lumMod val="60000"/>
-                    <a:lumOff val="40000"/>
-                  </a:schemeClr>
-                </a:solidFill>
-              </a:rPr>
-              <a:t> = "650f0d694c0928d88aeeed649cf629fc8a7bec604563bca716b1688227e0cc7e"</a:t>
-            </a:r>
-          </a:p>
-          <a:p>
-            <a:r>
-              <a:rPr lang="en-US" sz="1050" dirty="0">
-                <a:solidFill>
-                  <a:schemeClr val="tx1">
-                    <a:lumMod val="60000"/>
-                    <a:lumOff val="40000"/>
-                  </a:schemeClr>
-                </a:solidFill>
-              </a:rPr>
-              <a:t>            </a:t>
-            </a:r>
-            <a:r>
-              <a:rPr lang="en-US" sz="1050" dirty="0" err="1">
-                <a:solidFill>
-                  <a:schemeClr val="tx1">
-                    <a:lumMod val="60000"/>
-                    <a:lumOff val="40000"/>
-                  </a:schemeClr>
-                </a:solidFill>
-              </a:rPr>
-              <a:t>hash_azov_old</a:t>
-            </a:r>
-            <a:r>
-              <a:rPr lang="en-US" sz="1050" dirty="0">
-                <a:solidFill>
-                  <a:schemeClr val="tx1">
-                    <a:lumMod val="60000"/>
-                    <a:lumOff val="40000"/>
-                  </a:schemeClr>
-                </a:solidFill>
-              </a:rPr>
-              <a:t> = "b102ed1018de0b7faea37ca86f27ba3025c0c70f28417ac3e9ef09d32617f801"</a:t>
-            </a:r>
-          </a:p>
-          <a:p>
-            <a:r>
-              <a:rPr lang="en-US" sz="1050" dirty="0"/>
-              <a:t>    strings:</a:t>
-            </a:r>
-          </a:p>
-          <a:p>
-            <a:r>
-              <a:rPr lang="en-US" sz="1050" dirty="0"/>
-              <a:t>    // Opcodes of allocating and decrypting shellcode routine</a:t>
-            </a:r>
-          </a:p>
-          <a:p>
-            <a:r>
-              <a:rPr lang="en-US" sz="1050" dirty="0"/>
-              <a:t>        $</a:t>
-            </a:r>
-            <a:r>
-              <a:rPr lang="en-US" sz="1050" dirty="0" err="1"/>
-              <a:t>unpacking_azov_new</a:t>
-            </a:r>
-            <a:r>
-              <a:rPr lang="en-US" sz="1050" dirty="0"/>
-              <a:t> = { </a:t>
-            </a:r>
-            <a:r>
-              <a:rPr lang="en-US" sz="1050" dirty="0">
-                <a:highlight>
-                  <a:srgbClr val="C0C0C0"/>
-                </a:highlight>
-              </a:rPr>
-              <a:t>48 83 </a:t>
-            </a:r>
-            <a:r>
-              <a:rPr lang="en-US" sz="1050" dirty="0" err="1">
-                <a:highlight>
-                  <a:srgbClr val="C0C0C0"/>
-                </a:highlight>
-              </a:rPr>
-              <a:t>ec</a:t>
-            </a:r>
-            <a:r>
-              <a:rPr lang="en-US" sz="1050" dirty="0">
-                <a:highlight>
-                  <a:srgbClr val="C0C0C0"/>
-                </a:highlight>
-              </a:rPr>
-              <a:t> ?? 58 48 01 c8 48 81 </a:t>
-            </a:r>
-            <a:r>
-              <a:rPr lang="en-US" sz="1050" dirty="0" err="1">
-                <a:highlight>
-                  <a:srgbClr val="C0C0C0"/>
-                </a:highlight>
-              </a:rPr>
-              <a:t>ec</a:t>
-            </a:r>
-            <a:r>
-              <a:rPr lang="en-US" sz="1050" dirty="0">
-                <a:highlight>
-                  <a:srgbClr val="C0C0C0"/>
-                </a:highlight>
-              </a:rPr>
-              <a:t> ?? ?? ?? ?? 48 83 </a:t>
-            </a:r>
-            <a:r>
-              <a:rPr lang="en-US" sz="1050" dirty="0" err="1">
-                <a:highlight>
-                  <a:srgbClr val="C0C0C0"/>
-                </a:highlight>
-              </a:rPr>
-              <a:t>ec</a:t>
-            </a:r>
-            <a:r>
-              <a:rPr lang="en-US" sz="1050" dirty="0">
-                <a:highlight>
-                  <a:srgbClr val="C0C0C0"/>
-                </a:highlight>
-              </a:rPr>
-              <a:t> ?? 40 80 e4 ?? c6 45 ?? 56 c6 45 ?? 69 c6 45 ?? 72 c6 45 ?? 74 c6 45 ?? 75 c6 45 ?? 61 c6 45 ?? 6c c6 45 ?? 41 c6 45 ?? 6c c6 45 ?? 6c c6 45 ?? 6f c6 45 ?? 63 c6 45 ?? 00 48 89 74 24 ?? 48 83 </a:t>
-            </a:r>
-            <a:r>
-              <a:rPr lang="en-US" sz="1050" dirty="0" err="1">
-                <a:highlight>
-                  <a:srgbClr val="C0C0C0"/>
-                </a:highlight>
-              </a:rPr>
-              <a:t>ec</a:t>
-            </a:r>
-            <a:r>
-              <a:rPr lang="en-US" sz="1050" dirty="0">
-                <a:highlight>
-                  <a:srgbClr val="C0C0C0"/>
-                </a:highlight>
-              </a:rPr>
-              <a:t> ?? 48 83 c4 ?? 48 8b 4c 24 ?? 48 8d 55 ?? ff d0 48 83 </a:t>
-            </a:r>
-            <a:r>
-              <a:rPr lang="en-US" sz="1050" dirty="0" err="1">
-                <a:highlight>
-                  <a:srgbClr val="C0C0C0"/>
-                </a:highlight>
-              </a:rPr>
-              <a:t>ec</a:t>
-            </a:r>
-            <a:r>
-              <a:rPr lang="en-US" sz="1050" dirty="0">
-                <a:highlight>
-                  <a:srgbClr val="C0C0C0"/>
-                </a:highlight>
-              </a:rPr>
-              <a:t> ?? 48 c7 04 24 ?? ?? ?? ?? 48 83 c4 ?? 48 8b 4c 24 ?? 48 c7 c2 ?? ?? ?? ?? 49 c7 c0 ?? ?? ?? ?? 49 c7 c1 ?? ?? ?? ?? ff d0 48 c7 c1 ?? ?? ?? ?? 4c 8d 0d ?? ?? ?? ?? 48 ff c9 41 8a 14 09 88 14 08 48 85 c9 75 ?? 48 c7 c1 ?? ?? ?? ?? 41 b9 ?? ?? ?? ?? 41 </a:t>
-            </a:r>
-            <a:r>
-              <a:rPr lang="en-US" sz="1050" dirty="0" err="1">
-                <a:highlight>
-                  <a:srgbClr val="C0C0C0"/>
-                </a:highlight>
-              </a:rPr>
-              <a:t>ba</a:t>
-            </a:r>
-            <a:r>
-              <a:rPr lang="en-US" sz="1050" dirty="0">
-                <a:highlight>
-                  <a:srgbClr val="C0C0C0"/>
-                </a:highlight>
-              </a:rPr>
-              <a:t> ?? ?? ?? ?? 48 ff c9 8a 14 08 44 30 ca 88 14 08 41 81 </a:t>
-            </a:r>
-            <a:r>
-              <a:rPr lang="en-US" sz="1050" dirty="0" err="1">
-                <a:highlight>
-                  <a:srgbClr val="C0C0C0"/>
-                </a:highlight>
-              </a:rPr>
-              <a:t>ea</a:t>
-            </a:r>
-            <a:r>
-              <a:rPr lang="en-US" sz="1050" dirty="0">
-                <a:highlight>
-                  <a:srgbClr val="C0C0C0"/>
-                </a:highlight>
-              </a:rPr>
-              <a:t> ?? ?? ?? ?? 45 01 d1 41 81 c1 ?? ?? ?? ?? 41 81 c2 ?? ?? ?? ?? 41 d1 c1 48 85 c9 </a:t>
-            </a:r>
-            <a:r>
-              <a:rPr lang="en-US" sz="1050" dirty="0"/>
-              <a:t>}</a:t>
-            </a:r>
-          </a:p>
-          <a:p>
-            <a:endParaRPr lang="en-US" sz="1050" dirty="0"/>
-          </a:p>
-          <a:p>
-            <a:r>
-              <a:rPr lang="en-US" sz="1050" dirty="0"/>
-              <a:t>        $</a:t>
-            </a:r>
-            <a:r>
-              <a:rPr lang="en-US" sz="1050" dirty="0" err="1"/>
-              <a:t>unpacking_azov_old</a:t>
-            </a:r>
-            <a:r>
-              <a:rPr lang="en-US" sz="1050" dirty="0"/>
-              <a:t> = { </a:t>
-            </a:r>
-            <a:r>
-              <a:rPr lang="en-US" sz="1050" dirty="0">
-                <a:highlight>
-                  <a:srgbClr val="C0C0C0"/>
-                </a:highlight>
-              </a:rPr>
-              <a:t>48 01 c8 48 05 ?? ?? ?? ?? 48 81 c1 ?? ?? ?? ?? 48 81 </a:t>
-            </a:r>
-            <a:r>
-              <a:rPr lang="en-US" sz="1050" dirty="0" err="1">
-                <a:highlight>
-                  <a:srgbClr val="C0C0C0"/>
-                </a:highlight>
-              </a:rPr>
-              <a:t>ec</a:t>
-            </a:r>
-            <a:r>
-              <a:rPr lang="en-US" sz="1050" dirty="0">
-                <a:highlight>
-                  <a:srgbClr val="C0C0C0"/>
-                </a:highlight>
-              </a:rPr>
-              <a:t> ?? ?? ?? ?? 48 83 </a:t>
-            </a:r>
-            <a:r>
-              <a:rPr lang="en-US" sz="1050" dirty="0" err="1">
-                <a:highlight>
-                  <a:srgbClr val="C0C0C0"/>
-                </a:highlight>
-              </a:rPr>
-              <a:t>ec</a:t>
-            </a:r>
-            <a:r>
-              <a:rPr lang="en-US" sz="1050" dirty="0">
-                <a:highlight>
-                  <a:srgbClr val="C0C0C0"/>
-                </a:highlight>
-              </a:rPr>
-              <a:t> ?? 40 80 e4 ?? c6 45 ?? 56 c6 45 ?? 69 c6 45 ?? 72 c6 45 ?? 74 c6 45 ?? 75 c6 45 ?? 61 c6 45 ?? 6c c6 45 ?? 41 c6 45 ?? 6c c6 45 ?? 6c c6 45 ?? 6f c6 45 ?? 63 c6 45 ?? 00 48 83 e1 ?? 48 01 f1 48 8d 55 ?? ff d0 48 83 </a:t>
-            </a:r>
-            <a:r>
-              <a:rPr lang="en-US" sz="1050" dirty="0" err="1">
-                <a:highlight>
-                  <a:srgbClr val="C0C0C0"/>
-                </a:highlight>
-              </a:rPr>
-              <a:t>ec</a:t>
-            </a:r>
-            <a:r>
-              <a:rPr lang="en-US" sz="1050" dirty="0">
-                <a:highlight>
-                  <a:srgbClr val="C0C0C0"/>
-                </a:highlight>
-              </a:rPr>
-              <a:t> ?? 48 c7 04 24 ?? ?? ?? ?? 48 83 c4 ?? 48 8b 4c 24 ?? 48 c7 c2 ?? ?? ?? ?? 49 c7 c0 ?? ?? ?? ?? 49 c7 c1 ?? ?? ?? ?? ff d0 48 c7 c1 ?? ?? ?? ?? 4c 8d 0d ?? ?? ?? ?? 48 ff c9 41 8a 14 09 88 14 08 48 85 c9</a:t>
-            </a:r>
-            <a:r>
-              <a:rPr lang="en-US" sz="1050" dirty="0"/>
-              <a:t> }</a:t>
-            </a:r>
-          </a:p>
-          <a:p>
-            <a:r>
-              <a:rPr lang="en-US" sz="1050" dirty="0"/>
-              <a:t>    condition:</a:t>
-            </a:r>
-          </a:p>
-          <a:p>
-            <a:r>
-              <a:rPr lang="en-US" sz="1050" dirty="0"/>
-              <a:t>        uint16(0) == 0x5a4d and  pe.is_64bit() and  any of ($</a:t>
-            </a:r>
-            <a:r>
-              <a:rPr lang="en-US" sz="1050" dirty="0" err="1"/>
-              <a:t>unpacking_azov</a:t>
-            </a:r>
-            <a:r>
-              <a:rPr lang="en-US" sz="1050" dirty="0"/>
-              <a:t>_*)</a:t>
-            </a:r>
-          </a:p>
-          <a:p>
-            <a:r>
-              <a:rPr lang="en-US" sz="1050" dirty="0"/>
-              <a:t>}</a:t>
-            </a:r>
-          </a:p>
-        </p:txBody>
-      </p:sp>
-    </p:spTree>
-    <p:extLst>
-      <p:ext uri="{BB962C8B-B14F-4D97-AF65-F5344CB8AC3E}">
-        <p14:creationId xmlns:p14="http://schemas.microsoft.com/office/powerpoint/2010/main" val="1447566618"/>
       </p:ext>
     </p:extLst>
   </p:cSld>
@@ -9935,6 +9420,681 @@
           <p:cNvPr id="2" name="Title 1">
             <a:extLst>
               <a:ext uri="{FF2B5EF4-FFF2-40B4-BE49-F238E27FC236}">
+                <a16:creationId xmlns:a16="http://schemas.microsoft.com/office/drawing/2014/main" id="{0C17933A-AE99-4576-A3F2-841E11B0E41C}"/>
+              </a:ext>
+            </a:extLst>
+          </p:cNvPr>
+          <p:cNvSpPr>
+            <a:spLocks noGrp="1"/>
+          </p:cNvSpPr>
+          <p:nvPr>
+            <p:ph type="title"/>
+          </p:nvPr>
+        </p:nvSpPr>
+        <p:spPr/>
+        <p:txBody>
+          <a:bodyPr/>
+          <a:lstStyle/>
+          <a:p>
+            <a:r>
+              <a:rPr lang="es-ES" dirty="0" err="1"/>
+              <a:t>Defence</a:t>
+            </a:r>
+            <a:r>
+              <a:rPr lang="es-ES" dirty="0"/>
+              <a:t> </a:t>
+            </a:r>
+            <a:r>
+              <a:rPr lang="es-ES" dirty="0" err="1"/>
+              <a:t>techniques</a:t>
+            </a:r>
+            <a:endParaRPr lang="en-US" dirty="0"/>
+          </a:p>
+        </p:txBody>
+      </p:sp>
+      <p:sp>
+        <p:nvSpPr>
+          <p:cNvPr id="3" name="Content Placeholder 2">
+            <a:extLst>
+              <a:ext uri="{FF2B5EF4-FFF2-40B4-BE49-F238E27FC236}">
+                <a16:creationId xmlns:a16="http://schemas.microsoft.com/office/drawing/2014/main" id="{DED16646-EF83-4F77-B356-81354B4C7E07}"/>
+              </a:ext>
+            </a:extLst>
+          </p:cNvPr>
+          <p:cNvSpPr>
+            <a:spLocks noGrp="1"/>
+          </p:cNvSpPr>
+          <p:nvPr>
+            <p:ph idx="1"/>
+          </p:nvPr>
+        </p:nvSpPr>
+        <p:spPr>
+          <a:xfrm>
+            <a:off x="298450" y="711995"/>
+            <a:ext cx="8229600" cy="3831379"/>
+          </a:xfrm>
+        </p:spPr>
+        <p:txBody>
+          <a:bodyPr/>
+          <a:lstStyle/>
+          <a:p>
+            <a:pPr marL="0" indent="0">
+              <a:buNone/>
+            </a:pPr>
+            <a:endParaRPr lang="en-US" dirty="0"/>
+          </a:p>
+          <a:p>
+            <a:pPr marL="0" indent="0">
+              <a:buNone/>
+            </a:pPr>
+            <a:endParaRPr lang="en-US" dirty="0"/>
+          </a:p>
+          <a:p>
+            <a:pPr marL="0" indent="0">
+              <a:buNone/>
+            </a:pPr>
+            <a:endParaRPr lang="en-US" dirty="0"/>
+          </a:p>
+        </p:txBody>
+      </p:sp>
+      <p:sp>
+        <p:nvSpPr>
+          <p:cNvPr id="4" name="Slide Number Placeholder 3">
+            <a:extLst>
+              <a:ext uri="{FF2B5EF4-FFF2-40B4-BE49-F238E27FC236}">
+                <a16:creationId xmlns:a16="http://schemas.microsoft.com/office/drawing/2014/main" id="{69F5284C-39D5-4681-949A-217F10D7D860}"/>
+              </a:ext>
+            </a:extLst>
+          </p:cNvPr>
+          <p:cNvSpPr>
+            <a:spLocks noGrp="1"/>
+          </p:cNvSpPr>
+          <p:nvPr>
+            <p:ph type="sldNum" sz="quarter" idx="10"/>
+          </p:nvPr>
+        </p:nvSpPr>
+        <p:spPr/>
+        <p:txBody>
+          <a:bodyPr/>
+          <a:lstStyle/>
+          <a:p>
+            <a:pPr>
+              <a:defRPr/>
+            </a:pPr>
+            <a:fld id="{EF611178-6C3A-F247-8731-699DBDA96700}" type="slidenum">
+              <a:rPr lang="en-US" altLang="en-US" smtClean="0"/>
+              <a:pPr>
+                <a:defRPr/>
+              </a:pPr>
+              <a:t>20</a:t>
+            </a:fld>
+            <a:endParaRPr lang="en-US" altLang="en-US" dirty="0"/>
+          </a:p>
+        </p:txBody>
+      </p:sp>
+      <p:sp>
+        <p:nvSpPr>
+          <p:cNvPr id="6" name="TextBox 5">
+            <a:extLst>
+              <a:ext uri="{FF2B5EF4-FFF2-40B4-BE49-F238E27FC236}">
+                <a16:creationId xmlns:a16="http://schemas.microsoft.com/office/drawing/2014/main" id="{6331D4E9-29B8-4820-8BD6-BE87437DBA1B}"/>
+              </a:ext>
+            </a:extLst>
+          </p:cNvPr>
+          <p:cNvSpPr txBox="1"/>
+          <p:nvPr/>
+        </p:nvSpPr>
+        <p:spPr>
+          <a:xfrm>
+            <a:off x="1920949" y="1360967"/>
+            <a:ext cx="184731" cy="492443"/>
+          </a:xfrm>
+          <a:prstGeom prst="rect">
+            <a:avLst/>
+          </a:prstGeom>
+          <a:noFill/>
+        </p:spPr>
+        <p:txBody>
+          <a:bodyPr wrap="none" rtlCol="0">
+            <a:spAutoFit/>
+          </a:bodyPr>
+          <a:lstStyle/>
+          <a:p>
+            <a:endParaRPr lang="en-US" sz="800" dirty="0">
+              <a:effectLst/>
+              <a:latin typeface="ui-monospace"/>
+            </a:endParaRPr>
+          </a:p>
+          <a:p>
+            <a:endParaRPr lang="en-US" dirty="0"/>
+          </a:p>
+        </p:txBody>
+      </p:sp>
+      <p:sp>
+        <p:nvSpPr>
+          <p:cNvPr id="9" name="TextBox 8">
+            <a:extLst>
+              <a:ext uri="{FF2B5EF4-FFF2-40B4-BE49-F238E27FC236}">
+                <a16:creationId xmlns:a16="http://schemas.microsoft.com/office/drawing/2014/main" id="{B54AAC5F-85B0-46D7-A801-8A61D176FC77}"/>
+              </a:ext>
+            </a:extLst>
+          </p:cNvPr>
+          <p:cNvSpPr txBox="1"/>
+          <p:nvPr/>
+        </p:nvSpPr>
+        <p:spPr>
+          <a:xfrm>
+            <a:off x="120502" y="711995"/>
+            <a:ext cx="8942218" cy="3970318"/>
+          </a:xfrm>
+          <a:prstGeom prst="rect">
+            <a:avLst/>
+          </a:prstGeom>
+          <a:noFill/>
+        </p:spPr>
+        <p:txBody>
+          <a:bodyPr wrap="square">
+            <a:spAutoFit/>
+          </a:bodyPr>
+          <a:lstStyle/>
+          <a:p>
+            <a:r>
+              <a:rPr lang="en-US" sz="1050" dirty="0"/>
+              <a:t>_import "pe"</a:t>
+            </a:r>
+          </a:p>
+          <a:p>
+            <a:r>
+              <a:rPr lang="en-US" sz="1050" dirty="0"/>
+              <a:t>rule </a:t>
+            </a:r>
+            <a:r>
+              <a:rPr lang="en-US" sz="1050" dirty="0" err="1"/>
+              <a:t>ransomware_ZZ_azov_wiper</a:t>
+            </a:r>
+            <a:r>
+              <a:rPr lang="en-US" sz="1050" dirty="0"/>
+              <a:t> {</a:t>
+            </a:r>
+          </a:p>
+          <a:p>
+            <a:r>
+              <a:rPr lang="en-US" sz="1050" dirty="0">
+                <a:solidFill>
+                  <a:schemeClr val="tx1">
+                    <a:lumMod val="60000"/>
+                    <a:lumOff val="40000"/>
+                  </a:schemeClr>
+                </a:solidFill>
+              </a:rPr>
+              <a:t>    meta:</a:t>
+            </a:r>
+          </a:p>
+          <a:p>
+            <a:r>
+              <a:rPr lang="en-US" sz="1050" dirty="0">
+                <a:solidFill>
+                  <a:schemeClr val="tx1">
+                    <a:lumMod val="60000"/>
+                    <a:lumOff val="40000"/>
+                  </a:schemeClr>
+                </a:solidFill>
+              </a:rPr>
+              <a:t>            description = "Detects original and backdoored files with new and old versions of </a:t>
+            </a:r>
+            <a:r>
+              <a:rPr lang="en-US" sz="1050" dirty="0" err="1">
+                <a:solidFill>
+                  <a:schemeClr val="tx1">
+                    <a:lumMod val="60000"/>
+                    <a:lumOff val="40000"/>
+                  </a:schemeClr>
+                </a:solidFill>
+              </a:rPr>
+              <a:t>azov</a:t>
+            </a:r>
+            <a:r>
+              <a:rPr lang="en-US" sz="1050" dirty="0">
+                <a:solidFill>
+                  <a:schemeClr val="tx1">
+                    <a:lumMod val="60000"/>
+                    <a:lumOff val="40000"/>
+                  </a:schemeClr>
+                </a:solidFill>
+              </a:rPr>
+              <a:t> ransomware - polymorphic wiper"</a:t>
+            </a:r>
+          </a:p>
+          <a:p>
+            <a:r>
+              <a:rPr lang="en-US" sz="1050" dirty="0">
+                <a:solidFill>
+                  <a:schemeClr val="tx1">
+                    <a:lumMod val="60000"/>
+                    <a:lumOff val="40000"/>
+                  </a:schemeClr>
+                </a:solidFill>
+              </a:rPr>
+              <a:t>      author = "Jiri </a:t>
+            </a:r>
+            <a:r>
+              <a:rPr lang="en-US" sz="1050" dirty="0" err="1">
+                <a:solidFill>
+                  <a:schemeClr val="tx1">
+                    <a:lumMod val="60000"/>
+                    <a:lumOff val="40000"/>
+                  </a:schemeClr>
+                </a:solidFill>
+              </a:rPr>
+              <a:t>Vinopal</a:t>
+            </a:r>
+            <a:r>
+              <a:rPr lang="en-US" sz="1050" dirty="0">
+                <a:solidFill>
+                  <a:schemeClr val="tx1">
+                    <a:lumMod val="60000"/>
+                    <a:lumOff val="40000"/>
+                  </a:schemeClr>
+                </a:solidFill>
+              </a:rPr>
+              <a:t> (</a:t>
+            </a:r>
+            <a:r>
+              <a:rPr lang="en-US" sz="1050" dirty="0" err="1">
+                <a:solidFill>
+                  <a:schemeClr val="tx1">
+                    <a:lumMod val="60000"/>
+                    <a:lumOff val="40000"/>
+                  </a:schemeClr>
+                </a:solidFill>
+              </a:rPr>
+              <a:t>jiriv</a:t>
+            </a:r>
+            <a:r>
+              <a:rPr lang="en-US" sz="1050" dirty="0">
+                <a:solidFill>
+                  <a:schemeClr val="tx1">
+                    <a:lumMod val="60000"/>
+                    <a:lumOff val="40000"/>
+                  </a:schemeClr>
+                </a:solidFill>
+              </a:rPr>
+              <a:t>)"</a:t>
+            </a:r>
+          </a:p>
+          <a:p>
+            <a:r>
+              <a:rPr lang="en-US" sz="1050" dirty="0">
+                <a:solidFill>
+                  <a:schemeClr val="tx1">
+                    <a:lumMod val="60000"/>
+                    <a:lumOff val="40000"/>
+                  </a:schemeClr>
+                </a:solidFill>
+              </a:rPr>
+              <a:t>      date = "2022-11-14"</a:t>
+            </a:r>
+          </a:p>
+          <a:p>
+            <a:r>
+              <a:rPr lang="en-US" sz="1050" dirty="0">
+                <a:solidFill>
+                  <a:schemeClr val="tx1">
+                    <a:lumMod val="60000"/>
+                    <a:lumOff val="40000"/>
+                  </a:schemeClr>
+                </a:solidFill>
+              </a:rPr>
+              <a:t>            </a:t>
+            </a:r>
+            <a:r>
+              <a:rPr lang="en-US" sz="1050" dirty="0" err="1">
+                <a:solidFill>
+                  <a:schemeClr val="tx1">
+                    <a:lumMod val="60000"/>
+                    <a:lumOff val="40000"/>
+                  </a:schemeClr>
+                </a:solidFill>
+              </a:rPr>
+              <a:t>hash_azov_new</a:t>
+            </a:r>
+            <a:r>
+              <a:rPr lang="en-US" sz="1050" dirty="0">
+                <a:solidFill>
+                  <a:schemeClr val="tx1">
+                    <a:lumMod val="60000"/>
+                    <a:lumOff val="40000"/>
+                  </a:schemeClr>
+                </a:solidFill>
+              </a:rPr>
+              <a:t> = "650f0d694c0928d88aeeed649cf629fc8a7bec604563bca716b1688227e0cc7e"</a:t>
+            </a:r>
+          </a:p>
+          <a:p>
+            <a:r>
+              <a:rPr lang="en-US" sz="1050" dirty="0">
+                <a:solidFill>
+                  <a:schemeClr val="tx1">
+                    <a:lumMod val="60000"/>
+                    <a:lumOff val="40000"/>
+                  </a:schemeClr>
+                </a:solidFill>
+              </a:rPr>
+              <a:t>            </a:t>
+            </a:r>
+            <a:r>
+              <a:rPr lang="en-US" sz="1050" dirty="0" err="1">
+                <a:solidFill>
+                  <a:schemeClr val="tx1">
+                    <a:lumMod val="60000"/>
+                    <a:lumOff val="40000"/>
+                  </a:schemeClr>
+                </a:solidFill>
+              </a:rPr>
+              <a:t>hash_azov_old</a:t>
+            </a:r>
+            <a:r>
+              <a:rPr lang="en-US" sz="1050" dirty="0">
+                <a:solidFill>
+                  <a:schemeClr val="tx1">
+                    <a:lumMod val="60000"/>
+                    <a:lumOff val="40000"/>
+                  </a:schemeClr>
+                </a:solidFill>
+              </a:rPr>
+              <a:t> = "b102ed1018de0b7faea37ca86f27ba3025c0c70f28417ac3e9ef09d32617f801"</a:t>
+            </a:r>
+          </a:p>
+          <a:p>
+            <a:r>
+              <a:rPr lang="en-US" sz="1050" dirty="0"/>
+              <a:t>    strings:</a:t>
+            </a:r>
+          </a:p>
+          <a:p>
+            <a:r>
+              <a:rPr lang="en-US" sz="1050" dirty="0"/>
+              <a:t>    // Opcodes of allocating and decrypting shellcode routine</a:t>
+            </a:r>
+          </a:p>
+          <a:p>
+            <a:r>
+              <a:rPr lang="en-US" sz="1050" dirty="0"/>
+              <a:t>        $</a:t>
+            </a:r>
+            <a:r>
+              <a:rPr lang="en-US" sz="1050" dirty="0" err="1"/>
+              <a:t>unpacking_azov_new</a:t>
+            </a:r>
+            <a:r>
+              <a:rPr lang="en-US" sz="1050" dirty="0"/>
+              <a:t> = { </a:t>
+            </a:r>
+            <a:r>
+              <a:rPr lang="en-US" sz="1050" dirty="0">
+                <a:highlight>
+                  <a:srgbClr val="C0C0C0"/>
+                </a:highlight>
+              </a:rPr>
+              <a:t>48 83 </a:t>
+            </a:r>
+            <a:r>
+              <a:rPr lang="en-US" sz="1050" dirty="0" err="1">
+                <a:highlight>
+                  <a:srgbClr val="C0C0C0"/>
+                </a:highlight>
+              </a:rPr>
+              <a:t>ec</a:t>
+            </a:r>
+            <a:r>
+              <a:rPr lang="en-US" sz="1050" dirty="0">
+                <a:highlight>
+                  <a:srgbClr val="C0C0C0"/>
+                </a:highlight>
+              </a:rPr>
+              <a:t> ?? 58 48 01 c8 48 81 </a:t>
+            </a:r>
+            <a:r>
+              <a:rPr lang="en-US" sz="1050" dirty="0" err="1">
+                <a:highlight>
+                  <a:srgbClr val="C0C0C0"/>
+                </a:highlight>
+              </a:rPr>
+              <a:t>ec</a:t>
+            </a:r>
+            <a:r>
+              <a:rPr lang="en-US" sz="1050" dirty="0">
+                <a:highlight>
+                  <a:srgbClr val="C0C0C0"/>
+                </a:highlight>
+              </a:rPr>
+              <a:t> ?? ?? ?? ?? 48 83 </a:t>
+            </a:r>
+            <a:r>
+              <a:rPr lang="en-US" sz="1050" dirty="0" err="1">
+                <a:highlight>
+                  <a:srgbClr val="C0C0C0"/>
+                </a:highlight>
+              </a:rPr>
+              <a:t>ec</a:t>
+            </a:r>
+            <a:r>
+              <a:rPr lang="en-US" sz="1050" dirty="0">
+                <a:highlight>
+                  <a:srgbClr val="C0C0C0"/>
+                </a:highlight>
+              </a:rPr>
+              <a:t> ?? 40 80 e4 ?? c6 45 ?? 56 c6 45 ?? 69 c6 45 ?? 72 c6 45 ?? 74 c6 45 ?? 75 c6 45 ?? 61 c6 45 ?? 6c c6 45 ?? 41 c6 45 ?? 6c c6 45 ?? 6c c6 45 ?? 6f c6 45 ?? 63 c6 45 ?? 00 48 89 74 24 ?? 48 83 </a:t>
+            </a:r>
+            <a:r>
+              <a:rPr lang="en-US" sz="1050" dirty="0" err="1">
+                <a:highlight>
+                  <a:srgbClr val="C0C0C0"/>
+                </a:highlight>
+              </a:rPr>
+              <a:t>ec</a:t>
+            </a:r>
+            <a:r>
+              <a:rPr lang="en-US" sz="1050" dirty="0">
+                <a:highlight>
+                  <a:srgbClr val="C0C0C0"/>
+                </a:highlight>
+              </a:rPr>
+              <a:t> ?? 48 83 c4 ?? 48 8b 4c 24 ?? 48 8d 55 ?? ff d0 48 83 </a:t>
+            </a:r>
+            <a:r>
+              <a:rPr lang="en-US" sz="1050" dirty="0" err="1">
+                <a:highlight>
+                  <a:srgbClr val="C0C0C0"/>
+                </a:highlight>
+              </a:rPr>
+              <a:t>ec</a:t>
+            </a:r>
+            <a:r>
+              <a:rPr lang="en-US" sz="1050" dirty="0">
+                <a:highlight>
+                  <a:srgbClr val="C0C0C0"/>
+                </a:highlight>
+              </a:rPr>
+              <a:t> ?? 48 c7 04 24 ?? ?? ?? ?? 48 83 c4 ?? 48 8b 4c 24 ?? 48 c7 c2 ?? ?? ?? ?? 49 c7 c0 ?? ?? ?? ?? 49 c7 c1 ?? ?? ?? ?? ff d0 48 c7 c1 ?? ?? ?? ?? 4c 8d 0d ?? ?? ?? ?? 48 ff c9 41 8a 14 09 88 14 08 48 85 c9 75 ?? 48 c7 c1 ?? ?? ?? ?? 41 b9 ?? ?? ?? ?? 41 </a:t>
+            </a:r>
+            <a:r>
+              <a:rPr lang="en-US" sz="1050" dirty="0" err="1">
+                <a:highlight>
+                  <a:srgbClr val="C0C0C0"/>
+                </a:highlight>
+              </a:rPr>
+              <a:t>ba</a:t>
+            </a:r>
+            <a:r>
+              <a:rPr lang="en-US" sz="1050" dirty="0">
+                <a:highlight>
+                  <a:srgbClr val="C0C0C0"/>
+                </a:highlight>
+              </a:rPr>
+              <a:t> ?? ?? ?? ?? 48 ff c9 8a 14 08 44 30 ca 88 14 08 41 81 </a:t>
+            </a:r>
+            <a:r>
+              <a:rPr lang="en-US" sz="1050" dirty="0" err="1">
+                <a:highlight>
+                  <a:srgbClr val="C0C0C0"/>
+                </a:highlight>
+              </a:rPr>
+              <a:t>ea</a:t>
+            </a:r>
+            <a:r>
+              <a:rPr lang="en-US" sz="1050" dirty="0">
+                <a:highlight>
+                  <a:srgbClr val="C0C0C0"/>
+                </a:highlight>
+              </a:rPr>
+              <a:t> ?? ?? ?? ?? 45 01 d1 41 81 c1 ?? ?? ?? ?? 41 81 c2 ?? ?? ?? ?? 41 d1 c1 48 85 c9 </a:t>
+            </a:r>
+            <a:r>
+              <a:rPr lang="en-US" sz="1050" dirty="0"/>
+              <a:t>}</a:t>
+            </a:r>
+          </a:p>
+          <a:p>
+            <a:endParaRPr lang="en-US" sz="1050" dirty="0"/>
+          </a:p>
+          <a:p>
+            <a:r>
+              <a:rPr lang="en-US" sz="1050" dirty="0"/>
+              <a:t>        $</a:t>
+            </a:r>
+            <a:r>
+              <a:rPr lang="en-US" sz="1050" dirty="0" err="1"/>
+              <a:t>unpacking_azov_old</a:t>
+            </a:r>
+            <a:r>
+              <a:rPr lang="en-US" sz="1050" dirty="0"/>
+              <a:t> = { </a:t>
+            </a:r>
+            <a:r>
+              <a:rPr lang="en-US" sz="1050" dirty="0">
+                <a:highlight>
+                  <a:srgbClr val="C0C0C0"/>
+                </a:highlight>
+              </a:rPr>
+              <a:t>48 01 c8 48 05 ?? ?? ?? ?? 48 81 c1 ?? ?? ?? ?? 48 81 </a:t>
+            </a:r>
+            <a:r>
+              <a:rPr lang="en-US" sz="1050" dirty="0" err="1">
+                <a:highlight>
+                  <a:srgbClr val="C0C0C0"/>
+                </a:highlight>
+              </a:rPr>
+              <a:t>ec</a:t>
+            </a:r>
+            <a:r>
+              <a:rPr lang="en-US" sz="1050" dirty="0">
+                <a:highlight>
+                  <a:srgbClr val="C0C0C0"/>
+                </a:highlight>
+              </a:rPr>
+              <a:t> ?? ?? ?? ?? 48 83 </a:t>
+            </a:r>
+            <a:r>
+              <a:rPr lang="en-US" sz="1050" dirty="0" err="1">
+                <a:highlight>
+                  <a:srgbClr val="C0C0C0"/>
+                </a:highlight>
+              </a:rPr>
+              <a:t>ec</a:t>
+            </a:r>
+            <a:r>
+              <a:rPr lang="en-US" sz="1050" dirty="0">
+                <a:highlight>
+                  <a:srgbClr val="C0C0C0"/>
+                </a:highlight>
+              </a:rPr>
+              <a:t> ?? 40 80 e4 ?? c6 45 ?? 56 c6 45 ?? 69 c6 45 ?? 72 c6 45 ?? 74 c6 45 ?? 75 c6 45 ?? 61 c6 45 ?? 6c c6 45 ?? 41 c6 45 ?? 6c c6 45 ?? 6c c6 45 ?? 6f c6 45 ?? 63 c6 45 ?? 00 48 83 e1 ?? 48 01 f1 48 8d 55 ?? ff d0 48 83 </a:t>
+            </a:r>
+            <a:r>
+              <a:rPr lang="en-US" sz="1050" dirty="0" err="1">
+                <a:highlight>
+                  <a:srgbClr val="C0C0C0"/>
+                </a:highlight>
+              </a:rPr>
+              <a:t>ec</a:t>
+            </a:r>
+            <a:r>
+              <a:rPr lang="en-US" sz="1050" dirty="0">
+                <a:highlight>
+                  <a:srgbClr val="C0C0C0"/>
+                </a:highlight>
+              </a:rPr>
+              <a:t> ?? 48 c7 04 24 ?? ?? ?? ?? 48 83 c4 ?? 48 8b 4c 24 ?? 48 c7 c2 ?? ?? ?? ?? 49 c7 c0 ?? ?? ?? ?? 49 c7 c1 ?? ?? ?? ?? ff d0 48 c7 c1 ?? ?? ?? ?? 4c 8d 0d ?? ?? ?? ?? 48 ff c9 41 8a 14 09 88 14 08 48 85 c9</a:t>
+            </a:r>
+            <a:r>
+              <a:rPr lang="en-US" sz="1050" dirty="0"/>
+              <a:t> }</a:t>
+            </a:r>
+          </a:p>
+          <a:p>
+            <a:r>
+              <a:rPr lang="en-US" sz="1050" dirty="0"/>
+              <a:t>    condition:</a:t>
+            </a:r>
+          </a:p>
+          <a:p>
+            <a:r>
+              <a:rPr lang="en-US" sz="1050" dirty="0"/>
+              <a:t>        uint16(0) == 0x5a4d and  pe.is_64bit() and  any of ($</a:t>
+            </a:r>
+            <a:r>
+              <a:rPr lang="en-US" sz="1050" dirty="0" err="1"/>
+              <a:t>unpacking_azov</a:t>
+            </a:r>
+            <a:r>
+              <a:rPr lang="en-US" sz="1050" dirty="0"/>
+              <a:t>_*)</a:t>
+            </a:r>
+          </a:p>
+          <a:p>
+            <a:r>
+              <a:rPr lang="en-US" sz="1050" dirty="0"/>
+              <a:t>}</a:t>
+            </a:r>
+          </a:p>
+        </p:txBody>
+      </p:sp>
+    </p:spTree>
+    <p:extLst>
+      <p:ext uri="{BB962C8B-B14F-4D97-AF65-F5344CB8AC3E}">
+        <p14:creationId xmlns:p14="http://schemas.microsoft.com/office/powerpoint/2010/main" val="1447566618"/>
+      </p:ext>
+    </p:extLst>
+  </p:cSld>
+  <p:clrMapOvr>
+    <a:masterClrMapping/>
+  </p:clrMapOvr>
+</p:sld>
+</file>
+
+<file path=ppt/slides/slide21.xml><?xml version="1.0" encoding="utf-8"?>
+<p:sld xmlns:a="http://schemas.openxmlformats.org/drawingml/2006/main" xmlns:r="http://schemas.openxmlformats.org/officeDocument/2006/relationships" xmlns:p="http://schemas.openxmlformats.org/presentationml/2006/main">
+  <p:cSld>
+    <p:spTree>
+      <p:nvGrpSpPr>
+        <p:cNvPr id="1" name=""/>
+        <p:cNvGrpSpPr/>
+        <p:nvPr/>
+      </p:nvGrpSpPr>
+      <p:grpSpPr>
+        <a:xfrm>
+          <a:off x="0" y="0"/>
+          <a:ext cx="0" cy="0"/>
+          <a:chOff x="0" y="0"/>
+          <a:chExt cx="0" cy="0"/>
+        </a:xfrm>
+      </p:grpSpPr>
+      <p:sp>
+        <p:nvSpPr>
+          <p:cNvPr id="2" name="Title 1">
+            <a:extLst>
+              <a:ext uri="{FF2B5EF4-FFF2-40B4-BE49-F238E27FC236}">
                 <a16:creationId xmlns:a16="http://schemas.microsoft.com/office/drawing/2014/main" id="{C409238B-44DD-4DB5-8B6E-10ADB24E7110}"/>
               </a:ext>
             </a:extLst>
@@ -9972,7 +10132,7 @@
 </p:sld>
 </file>
 
-<file path=ppt/slides/slide21.xml><?xml version="1.0" encoding="utf-8"?>
+<file path=ppt/slides/slide22.xml><?xml version="1.0" encoding="utf-8"?>
 <p:sld xmlns:a="http://schemas.openxmlformats.org/drawingml/2006/main" xmlns:r="http://schemas.openxmlformats.org/officeDocument/2006/relationships" xmlns:p="http://schemas.openxmlformats.org/presentationml/2006/main">
   <p:cSld>
     <p:spTree>
@@ -10280,7 +10440,7 @@
               <a:pPr>
                 <a:defRPr/>
               </a:pPr>
-              <a:t>21</a:t>
+              <a:t>22</a:t>
             </a:fld>
             <a:endParaRPr lang="en-US" altLang="en-US" dirty="0"/>
           </a:p>
@@ -10299,7 +10459,7 @@
 </p:sld>
 </file>
 
-<file path=ppt/slides/slide22.xml><?xml version="1.0" encoding="utf-8"?>
+<file path=ppt/slides/slide23.xml><?xml version="1.0" encoding="utf-8"?>
 <p:sld xmlns:a="http://schemas.openxmlformats.org/drawingml/2006/main" xmlns:r="http://schemas.openxmlformats.org/officeDocument/2006/relationships" xmlns:p="http://schemas.openxmlformats.org/presentationml/2006/main">
   <p:cSld>
     <p:spTree>
@@ -11078,7 +11238,7 @@
               <a:pPr>
                 <a:defRPr/>
               </a:pPr>
-              <a:t>22</a:t>
+              <a:t>23</a:t>
             </a:fld>
             <a:endParaRPr lang="en-US" altLang="en-US" dirty="0"/>
           </a:p>
@@ -11812,7 +11972,7 @@
 </p:sld>
 </file>
 
-<file path=ppt/slides/slide23.xml><?xml version="1.0" encoding="utf-8"?>
+<file path=ppt/slides/slide24.xml><?xml version="1.0" encoding="utf-8"?>
 <p:sld xmlns:a="http://schemas.openxmlformats.org/drawingml/2006/main" xmlns:r="http://schemas.openxmlformats.org/officeDocument/2006/relationships" xmlns:p="http://schemas.openxmlformats.org/presentationml/2006/main">
   <p:cSld>
     <p:spTree>
@@ -12055,7 +12215,7 @@
               <a:pPr>
                 <a:defRPr/>
               </a:pPr>
-              <a:t>23</a:t>
+              <a:t>24</a:t>
             </a:fld>
             <a:endParaRPr lang="en-US" altLang="en-US" dirty="0"/>
           </a:p>
@@ -12074,7 +12234,7 @@
 </p:sld>
 </file>
 
-<file path=ppt/slides/slide24.xml><?xml version="1.0" encoding="utf-8"?>
+<file path=ppt/slides/slide25.xml><?xml version="1.0" encoding="utf-8"?>
 <p:sld xmlns:a="http://schemas.openxmlformats.org/drawingml/2006/main" xmlns:r="http://schemas.openxmlformats.org/officeDocument/2006/relationships" xmlns:p="http://schemas.openxmlformats.org/presentationml/2006/main">
   <p:cSld>
     <p:spTree>
@@ -12716,7 +12876,7 @@
               <a:pPr>
                 <a:defRPr/>
               </a:pPr>
-              <a:t>24</a:t>
+              <a:t>25</a:t>
             </a:fld>
             <a:endParaRPr lang="en-US" altLang="en-US" dirty="0"/>
           </a:p>
@@ -12735,7 +12895,7 @@
 </p:sld>
 </file>
 
-<file path=ppt/slides/slide25.xml><?xml version="1.0" encoding="utf-8"?>
+<file path=ppt/slides/slide26.xml><?xml version="1.0" encoding="utf-8"?>
 <p:sld xmlns:a="http://schemas.openxmlformats.org/drawingml/2006/main" xmlns:r="http://schemas.openxmlformats.org/officeDocument/2006/relationships" xmlns:p="http://schemas.openxmlformats.org/presentationml/2006/main">
   <p:cSld>
     <p:spTree>
@@ -12826,7 +12986,7 @@
               <a:pPr>
                 <a:defRPr/>
               </a:pPr>
-              <a:t>25</a:t>
+              <a:t>26</a:t>
             </a:fld>
             <a:endParaRPr lang="en-US" altLang="en-US" dirty="0"/>
           </a:p>
@@ -13058,7 +13218,7 @@
         </p:nvSpPr>
         <p:spPr>
           <a:xfrm>
-            <a:off x="5654131" y="-216010"/>
+            <a:off x="128985" y="3170369"/>
             <a:ext cx="3509294" cy="646331"/>
           </a:xfrm>
           <a:prstGeom prst="rect">
@@ -13127,7 +13287,7 @@
 </p:sld>
 </file>
 
-<file path=ppt/slides/slide26.xml><?xml version="1.0" encoding="utf-8"?>
+<file path=ppt/slides/slide27.xml><?xml version="1.0" encoding="utf-8"?>
 <p:sld xmlns:a="http://schemas.openxmlformats.org/drawingml/2006/main" xmlns:r="http://schemas.openxmlformats.org/officeDocument/2006/relationships" xmlns:p="http://schemas.openxmlformats.org/presentationml/2006/main">
   <p:cSld>
     <p:spTree>
@@ -14577,7 +14737,7 @@
               <a:pPr>
                 <a:defRPr/>
               </a:pPr>
-              <a:t>26</a:t>
+              <a:t>27</a:t>
             </a:fld>
             <a:endParaRPr lang="en-US" altLang="en-US" dirty="0"/>
           </a:p>
@@ -14596,7 +14756,7 @@
 </p:sld>
 </file>
 
-<file path=ppt/slides/slide27.xml><?xml version="1.0" encoding="utf-8"?>
+<file path=ppt/slides/slide28.xml><?xml version="1.0" encoding="utf-8"?>
 <p:sld xmlns:a="http://schemas.openxmlformats.org/drawingml/2006/main" xmlns:r="http://schemas.openxmlformats.org/officeDocument/2006/relationships" xmlns:p="http://schemas.openxmlformats.org/presentationml/2006/main">
   <p:cSld>
     <p:spTree>
@@ -16023,7 +16183,7 @@
               <a:pPr>
                 <a:defRPr/>
               </a:pPr>
-              <a:t>27</a:t>
+              <a:t>28</a:t>
             </a:fld>
             <a:endParaRPr lang="en-US" altLang="en-US" dirty="0"/>
           </a:p>
@@ -16042,7 +16202,7 @@
 </p:sld>
 </file>
 
-<file path=ppt/slides/slide28.xml><?xml version="1.0" encoding="utf-8"?>
+<file path=ppt/slides/slide29.xml><?xml version="1.0" encoding="utf-8"?>
 <p:sld xmlns:a="http://schemas.openxmlformats.org/drawingml/2006/main" xmlns:r="http://schemas.openxmlformats.org/officeDocument/2006/relationships" xmlns:p="http://schemas.openxmlformats.org/presentationml/2006/main">
   <p:cSld>
     <p:spTree>
@@ -16696,7 +16856,7 @@
               <a:pPr>
                 <a:defRPr/>
               </a:pPr>
-              <a:t>28</a:t>
+              <a:t>29</a:t>
             </a:fld>
             <a:endParaRPr lang="en-US" altLang="en-US" dirty="0"/>
           </a:p>
@@ -16706,1276 +16866,6 @@
     <p:extLst>
       <p:ext uri="{BB962C8B-B14F-4D97-AF65-F5344CB8AC3E}">
         <p14:creationId xmlns:p14="http://schemas.microsoft.com/office/powerpoint/2010/main" val="4246988884"/>
-      </p:ext>
-    </p:extLst>
-  </p:cSld>
-  <p:clrMapOvr>
-    <a:masterClrMapping/>
-  </p:clrMapOvr>
-</p:sld>
-</file>
-
-<file path=ppt/slides/slide29.xml><?xml version="1.0" encoding="utf-8"?>
-<p:sld xmlns:a="http://schemas.openxmlformats.org/drawingml/2006/main" xmlns:r="http://schemas.openxmlformats.org/officeDocument/2006/relationships" xmlns:p="http://schemas.openxmlformats.org/presentationml/2006/main">
-  <p:cSld>
-    <p:spTree>
-      <p:nvGrpSpPr>
-        <p:cNvPr id="1" name=""/>
-        <p:cNvGrpSpPr/>
-        <p:nvPr/>
-      </p:nvGrpSpPr>
-      <p:grpSpPr>
-        <a:xfrm>
-          <a:off x="0" y="0"/>
-          <a:ext cx="0" cy="0"/>
-          <a:chOff x="0" y="0"/>
-          <a:chExt cx="0" cy="0"/>
-        </a:xfrm>
-      </p:grpSpPr>
-      <p:sp>
-        <p:nvSpPr>
-          <p:cNvPr id="2" name="Title 1">
-            <a:extLst>
-              <a:ext uri="{FF2B5EF4-FFF2-40B4-BE49-F238E27FC236}">
-                <a16:creationId xmlns:a16="http://schemas.microsoft.com/office/drawing/2014/main" id="{827DFFC4-8482-4FF4-BA12-B1C8A04C5B31}"/>
-              </a:ext>
-            </a:extLst>
-          </p:cNvPr>
-          <p:cNvSpPr>
-            <a:spLocks noGrp="1"/>
-          </p:cNvSpPr>
-          <p:nvPr>
-            <p:ph type="title"/>
-          </p:nvPr>
-        </p:nvSpPr>
-        <p:spPr/>
-        <p:txBody>
-          <a:bodyPr/>
-          <a:lstStyle/>
-          <a:p>
-            <a:r>
-              <a:rPr lang="en-US" dirty="0"/>
-              <a:t>Major Malware involved</a:t>
-            </a:r>
-          </a:p>
-        </p:txBody>
-      </p:sp>
-      <p:sp>
-        <p:nvSpPr>
-          <p:cNvPr id="3" name="Content Placeholder 2">
-            <a:extLst>
-              <a:ext uri="{FF2B5EF4-FFF2-40B4-BE49-F238E27FC236}">
-                <a16:creationId xmlns:a16="http://schemas.microsoft.com/office/drawing/2014/main" id="{D472ECB8-9CCF-4F16-BFE0-B61297291D40}"/>
-              </a:ext>
-            </a:extLst>
-          </p:cNvPr>
-          <p:cNvSpPr>
-            <a:spLocks noGrp="1"/>
-          </p:cNvSpPr>
-          <p:nvPr>
-            <p:ph idx="1"/>
-          </p:nvPr>
-        </p:nvSpPr>
-        <p:spPr>
-          <a:xfrm>
-            <a:off x="115147" y="769351"/>
-            <a:ext cx="8805333" cy="3831379"/>
-          </a:xfrm>
-        </p:spPr>
-        <p:txBody>
-          <a:bodyPr/>
-          <a:lstStyle/>
-          <a:p>
-            <a:pPr marL="0" marR="0" indent="0">
-              <a:lnSpc>
-                <a:spcPct val="107000"/>
-              </a:lnSpc>
-              <a:spcBef>
-                <a:spcPts val="1200"/>
-              </a:spcBef>
-              <a:spcAft>
-                <a:spcPts val="1200"/>
-              </a:spcAft>
-              <a:buNone/>
-            </a:pPr>
-            <a:r>
-              <a:rPr lang="en-US" sz="700" b="1" dirty="0">
-                <a:solidFill>
-                  <a:srgbClr val="FF0000"/>
-                </a:solidFill>
-                <a:effectLst/>
-                <a:latin typeface="Times New Roman" panose="02020603050405020304" pitchFamily="18" charset="0"/>
-                <a:ea typeface="Times New Roman" panose="02020603050405020304" pitchFamily="18" charset="0"/>
-              </a:rPr>
-              <a:t>2-24-2022 – Official Invasion of Ukraine</a:t>
-            </a:r>
-            <a:endParaRPr lang="en-US" sz="700" dirty="0">
-              <a:effectLst/>
-              <a:latin typeface="Times New Roman" panose="02020603050405020304" pitchFamily="18" charset="0"/>
-              <a:ea typeface="Calibri" panose="020F0502020204030204" pitchFamily="34" charset="0"/>
-            </a:endParaRPr>
-          </a:p>
-          <a:p>
-            <a:pPr marL="0" marR="0" indent="0">
-              <a:lnSpc>
-                <a:spcPct val="107000"/>
-              </a:lnSpc>
-              <a:spcBef>
-                <a:spcPts val="1200"/>
-              </a:spcBef>
-              <a:spcAft>
-                <a:spcPts val="1200"/>
-              </a:spcAft>
-              <a:buNone/>
-            </a:pPr>
-            <a:r>
-              <a:rPr lang="en-US" sz="700" b="1" dirty="0">
-                <a:solidFill>
-                  <a:srgbClr val="000000"/>
-                </a:solidFill>
-                <a:effectLst/>
-                <a:latin typeface="Times New Roman" panose="02020603050405020304" pitchFamily="18" charset="0"/>
-                <a:ea typeface="Times New Roman" panose="02020603050405020304" pitchFamily="18" charset="0"/>
-              </a:rPr>
-              <a:t>2-28-2022 – </a:t>
-            </a:r>
-            <a:r>
-              <a:rPr lang="en-US" sz="700" b="1" dirty="0" err="1">
-                <a:solidFill>
-                  <a:srgbClr val="000000"/>
-                </a:solidFill>
-                <a:effectLst/>
-                <a:latin typeface="Times New Roman" panose="02020603050405020304" pitchFamily="18" charset="0"/>
-                <a:ea typeface="Times New Roman" panose="02020603050405020304" pitchFamily="18" charset="0"/>
-              </a:rPr>
-              <a:t>DesertBlade</a:t>
-            </a:r>
-            <a:r>
-              <a:rPr lang="en-US" sz="700" b="1" dirty="0">
-                <a:solidFill>
-                  <a:srgbClr val="000000"/>
-                </a:solidFill>
-                <a:effectLst/>
-                <a:latin typeface="Times New Roman" panose="02020603050405020304" pitchFamily="18" charset="0"/>
-                <a:ea typeface="Times New Roman" panose="02020603050405020304" pitchFamily="18" charset="0"/>
-              </a:rPr>
-              <a:t> By</a:t>
-            </a:r>
-            <a:r>
-              <a:rPr lang="en-US" sz="700" dirty="0">
-                <a:solidFill>
-                  <a:srgbClr val="000000"/>
-                </a:solidFill>
-                <a:effectLst/>
-                <a:latin typeface="Times New Roman" panose="02020603050405020304" pitchFamily="18" charset="0"/>
-                <a:ea typeface="Times New Roman" panose="02020603050405020304" pitchFamily="18" charset="0"/>
-              </a:rPr>
-              <a:t>: Russia</a:t>
-            </a:r>
-            <a:endParaRPr lang="en-US" sz="700" dirty="0">
-              <a:solidFill>
-                <a:srgbClr val="000000"/>
-              </a:solidFill>
-              <a:effectLst/>
-              <a:latin typeface="Times New Roman" panose="02020603050405020304" pitchFamily="18" charset="0"/>
-              <a:ea typeface="Calibri" panose="020F0502020204030204" pitchFamily="34" charset="0"/>
-            </a:endParaRPr>
-          </a:p>
-          <a:p>
-            <a:pPr marL="0" marR="0" lvl="0" indent="0" fontAlgn="base">
-              <a:lnSpc>
-                <a:spcPct val="107000"/>
-              </a:lnSpc>
-              <a:spcBef>
-                <a:spcPts val="0"/>
-              </a:spcBef>
-              <a:spcAft>
-                <a:spcPts val="0"/>
-              </a:spcAft>
-              <a:buSzPts val="1000"/>
-              <a:buNone/>
-              <a:tabLst>
-                <a:tab pos="457200" algn="l"/>
-              </a:tabLst>
-            </a:pPr>
-            <a:r>
-              <a:rPr lang="en-US" sz="700" b="1" dirty="0">
-                <a:solidFill>
-                  <a:srgbClr val="000000"/>
-                </a:solidFill>
-                <a:effectLst/>
-                <a:latin typeface="Times New Roman" panose="02020603050405020304" pitchFamily="18" charset="0"/>
-                <a:ea typeface="Times New Roman" panose="02020603050405020304" pitchFamily="18" charset="0"/>
-              </a:rPr>
-              <a:t>Victim</a:t>
-            </a:r>
-            <a:r>
-              <a:rPr lang="en-US" sz="700" dirty="0">
-                <a:solidFill>
-                  <a:srgbClr val="000000"/>
-                </a:solidFill>
-                <a:effectLst/>
-                <a:latin typeface="Times New Roman" panose="02020603050405020304" pitchFamily="18" charset="0"/>
-                <a:ea typeface="Times New Roman" panose="02020603050405020304" pitchFamily="18" charset="0"/>
-              </a:rPr>
-              <a:t>: Ukraine</a:t>
-            </a:r>
-            <a:endParaRPr lang="en-US" sz="700" dirty="0">
-              <a:solidFill>
-                <a:srgbClr val="000000"/>
-              </a:solidFill>
-              <a:effectLst/>
-              <a:latin typeface="Times New Roman" panose="02020603050405020304" pitchFamily="18" charset="0"/>
-              <a:ea typeface="Calibri" panose="020F0502020204030204" pitchFamily="34" charset="0"/>
-            </a:endParaRPr>
-          </a:p>
-          <a:p>
-            <a:pPr marL="0" marR="0" lvl="0" indent="0" fontAlgn="base">
-              <a:lnSpc>
-                <a:spcPct val="107000"/>
-              </a:lnSpc>
-              <a:spcBef>
-                <a:spcPts val="0"/>
-              </a:spcBef>
-              <a:spcAft>
-                <a:spcPts val="0"/>
-              </a:spcAft>
-              <a:buSzPts val="1000"/>
-              <a:buNone/>
-              <a:tabLst>
-                <a:tab pos="457200" algn="l"/>
-              </a:tabLst>
-            </a:pPr>
-            <a:r>
-              <a:rPr lang="en-US" sz="700" b="1" dirty="0">
-                <a:solidFill>
-                  <a:srgbClr val="000000"/>
-                </a:solidFill>
-                <a:effectLst/>
-                <a:latin typeface="Times New Roman" panose="02020603050405020304" pitchFamily="18" charset="0"/>
-                <a:ea typeface="Times New Roman" panose="02020603050405020304" pitchFamily="18" charset="0"/>
-              </a:rPr>
-              <a:t>Type</a:t>
-            </a:r>
-            <a:r>
-              <a:rPr lang="en-US" sz="700" dirty="0">
-                <a:solidFill>
-                  <a:srgbClr val="000000"/>
-                </a:solidFill>
-                <a:effectLst/>
-                <a:latin typeface="Times New Roman" panose="02020603050405020304" pitchFamily="18" charset="0"/>
-                <a:ea typeface="Times New Roman" panose="02020603050405020304" pitchFamily="18" charset="0"/>
-              </a:rPr>
-              <a:t>: Wiper</a:t>
-            </a:r>
-            <a:endParaRPr lang="en-US" sz="700" dirty="0">
-              <a:solidFill>
-                <a:srgbClr val="000000"/>
-              </a:solidFill>
-              <a:effectLst/>
-              <a:latin typeface="Times New Roman" panose="02020603050405020304" pitchFamily="18" charset="0"/>
-              <a:ea typeface="Calibri" panose="020F0502020204030204" pitchFamily="34" charset="0"/>
-            </a:endParaRPr>
-          </a:p>
-          <a:p>
-            <a:pPr marL="0" marR="0" lvl="0" indent="0" fontAlgn="base">
-              <a:lnSpc>
-                <a:spcPct val="107000"/>
-              </a:lnSpc>
-              <a:spcBef>
-                <a:spcPts val="0"/>
-              </a:spcBef>
-              <a:spcAft>
-                <a:spcPts val="0"/>
-              </a:spcAft>
-              <a:buSzPts val="1000"/>
-              <a:buNone/>
-              <a:tabLst>
-                <a:tab pos="457200" algn="l"/>
-              </a:tabLst>
-            </a:pPr>
-            <a:r>
-              <a:rPr lang="en-US" sz="700" b="1" dirty="0">
-                <a:solidFill>
-                  <a:srgbClr val="000000"/>
-                </a:solidFill>
-                <a:effectLst/>
-                <a:latin typeface="Times New Roman" panose="02020603050405020304" pitchFamily="18" charset="0"/>
-                <a:ea typeface="Times New Roman" panose="02020603050405020304" pitchFamily="18" charset="0"/>
-              </a:rPr>
-              <a:t>Targets</a:t>
-            </a:r>
-            <a:r>
-              <a:rPr lang="en-US" sz="700" dirty="0">
-                <a:solidFill>
-                  <a:srgbClr val="000000"/>
-                </a:solidFill>
-                <a:effectLst/>
-                <a:latin typeface="Times New Roman" panose="02020603050405020304" pitchFamily="18" charset="0"/>
-                <a:ea typeface="Times New Roman" panose="02020603050405020304" pitchFamily="18" charset="0"/>
-              </a:rPr>
-              <a:t>: Media</a:t>
-            </a:r>
-            <a:endParaRPr lang="en-US" sz="700" dirty="0">
-              <a:solidFill>
-                <a:srgbClr val="000000"/>
-              </a:solidFill>
-              <a:effectLst/>
-              <a:latin typeface="Times New Roman" panose="02020603050405020304" pitchFamily="18" charset="0"/>
-              <a:ea typeface="Calibri" panose="020F0502020204030204" pitchFamily="34" charset="0"/>
-            </a:endParaRPr>
-          </a:p>
-          <a:p>
-            <a:pPr marL="0" marR="0" lvl="0" indent="0" fontAlgn="base">
-              <a:lnSpc>
-                <a:spcPct val="107000"/>
-              </a:lnSpc>
-              <a:spcBef>
-                <a:spcPts val="0"/>
-              </a:spcBef>
-              <a:spcAft>
-                <a:spcPts val="0"/>
-              </a:spcAft>
-              <a:buSzPts val="1000"/>
-              <a:buNone/>
-              <a:tabLst>
-                <a:tab pos="457200" algn="l"/>
-              </a:tabLst>
-            </a:pPr>
-            <a:r>
-              <a:rPr lang="en-US" sz="700" b="1" dirty="0">
-                <a:solidFill>
-                  <a:srgbClr val="000000"/>
-                </a:solidFill>
-                <a:effectLst/>
-                <a:latin typeface="Times New Roman" panose="02020603050405020304" pitchFamily="18" charset="0"/>
-                <a:ea typeface="Times New Roman" panose="02020603050405020304" pitchFamily="18" charset="0"/>
-              </a:rPr>
-              <a:t>Purpose:</a:t>
-            </a:r>
-            <a:r>
-              <a:rPr lang="en-US" sz="700" dirty="0">
-                <a:solidFill>
-                  <a:srgbClr val="000000"/>
-                </a:solidFill>
-                <a:effectLst/>
-                <a:latin typeface="Times New Roman" panose="02020603050405020304" pitchFamily="18" charset="0"/>
-                <a:ea typeface="Times New Roman" panose="02020603050405020304" pitchFamily="18" charset="0"/>
-              </a:rPr>
-              <a:t> Disruption</a:t>
-            </a:r>
-            <a:endParaRPr lang="en-US" sz="700" dirty="0">
-              <a:solidFill>
-                <a:srgbClr val="000000"/>
-              </a:solidFill>
-              <a:effectLst/>
-              <a:latin typeface="Times New Roman" panose="02020603050405020304" pitchFamily="18" charset="0"/>
-              <a:ea typeface="Calibri" panose="020F0502020204030204" pitchFamily="34" charset="0"/>
-            </a:endParaRPr>
-          </a:p>
-          <a:p>
-            <a:pPr marL="0" marR="0" lvl="0" indent="0" fontAlgn="base">
-              <a:lnSpc>
-                <a:spcPct val="107000"/>
-              </a:lnSpc>
-              <a:spcBef>
-                <a:spcPts val="0"/>
-              </a:spcBef>
-              <a:spcAft>
-                <a:spcPts val="0"/>
-              </a:spcAft>
-              <a:buSzPts val="1000"/>
-              <a:buNone/>
-              <a:tabLst>
-                <a:tab pos="457200" algn="l"/>
-              </a:tabLst>
-            </a:pPr>
-            <a:r>
-              <a:rPr lang="en-US" sz="700" b="1" dirty="0">
-                <a:solidFill>
-                  <a:srgbClr val="000000"/>
-                </a:solidFill>
-                <a:effectLst/>
-                <a:latin typeface="Times New Roman" panose="02020603050405020304" pitchFamily="18" charset="0"/>
-                <a:ea typeface="Times New Roman" panose="02020603050405020304" pitchFamily="18" charset="0"/>
-              </a:rPr>
-              <a:t>Impact</a:t>
-            </a:r>
-            <a:r>
-              <a:rPr lang="en-US" sz="700" dirty="0">
-                <a:solidFill>
-                  <a:srgbClr val="000000"/>
-                </a:solidFill>
-                <a:effectLst/>
-                <a:latin typeface="Times New Roman" panose="02020603050405020304" pitchFamily="18" charset="0"/>
-                <a:ea typeface="Times New Roman" panose="02020603050405020304" pitchFamily="18" charset="0"/>
-              </a:rPr>
-              <a:t>: Suspected Russian threat actor launched "</a:t>
-            </a:r>
-            <a:r>
-              <a:rPr lang="en-US" sz="700" dirty="0" err="1">
-                <a:solidFill>
-                  <a:srgbClr val="000000"/>
-                </a:solidFill>
-                <a:effectLst/>
-                <a:latin typeface="Times New Roman" panose="02020603050405020304" pitchFamily="18" charset="0"/>
-                <a:ea typeface="Times New Roman" panose="02020603050405020304" pitchFamily="18" charset="0"/>
-              </a:rPr>
-              <a:t>DesertBlade</a:t>
-            </a:r>
-            <a:r>
-              <a:rPr lang="en-US" sz="700" dirty="0">
-                <a:solidFill>
-                  <a:srgbClr val="000000"/>
-                </a:solidFill>
-                <a:effectLst/>
-                <a:latin typeface="Times New Roman" panose="02020603050405020304" pitchFamily="18" charset="0"/>
-                <a:ea typeface="Times New Roman" panose="02020603050405020304" pitchFamily="18" charset="0"/>
-              </a:rPr>
-              <a:t>" malware against a major broadcasting company on March 1, the same day that the Russian military announced its intention to destroy “disinformation” targets in Ukraine and directed a missile strike against a TV tower in Kyiv. The intent was the loss of access to a key source of information for the Ukrainian public.</a:t>
-            </a:r>
-            <a:endParaRPr lang="en-US" sz="700" dirty="0">
-              <a:solidFill>
-                <a:srgbClr val="000000"/>
-              </a:solidFill>
-              <a:effectLst/>
-              <a:latin typeface="Times New Roman" panose="02020603050405020304" pitchFamily="18" charset="0"/>
-              <a:ea typeface="Calibri" panose="020F0502020204030204" pitchFamily="34" charset="0"/>
-            </a:endParaRPr>
-          </a:p>
-          <a:p>
-            <a:pPr marL="0" marR="0" lvl="0" indent="0" fontAlgn="base">
-              <a:lnSpc>
-                <a:spcPct val="107000"/>
-              </a:lnSpc>
-              <a:spcBef>
-                <a:spcPts val="0"/>
-              </a:spcBef>
-              <a:spcAft>
-                <a:spcPts val="0"/>
-              </a:spcAft>
-              <a:buSzPts val="1000"/>
-              <a:buNone/>
-              <a:tabLst>
-                <a:tab pos="457200" algn="l"/>
-              </a:tabLst>
-            </a:pPr>
-            <a:r>
-              <a:rPr lang="en-US" sz="700" b="1" dirty="0">
-                <a:solidFill>
-                  <a:srgbClr val="000000"/>
-                </a:solidFill>
-                <a:effectLst/>
-                <a:latin typeface="Times New Roman" panose="02020603050405020304" pitchFamily="18" charset="0"/>
-                <a:ea typeface="Times New Roman" panose="02020603050405020304" pitchFamily="18" charset="0"/>
-              </a:rPr>
-              <a:t>Confidence</a:t>
-            </a:r>
-            <a:r>
-              <a:rPr lang="en-US" sz="700" dirty="0">
-                <a:solidFill>
-                  <a:srgbClr val="000000"/>
-                </a:solidFill>
-                <a:effectLst/>
-                <a:latin typeface="Times New Roman" panose="02020603050405020304" pitchFamily="18" charset="0"/>
-                <a:ea typeface="Times New Roman" panose="02020603050405020304" pitchFamily="18" charset="0"/>
-              </a:rPr>
-              <a:t>: Probable</a:t>
-            </a:r>
-            <a:endParaRPr lang="en-US" sz="700" dirty="0">
-              <a:solidFill>
-                <a:srgbClr val="000000"/>
-              </a:solidFill>
-              <a:effectLst/>
-              <a:latin typeface="Times New Roman" panose="02020603050405020304" pitchFamily="18" charset="0"/>
-              <a:ea typeface="Calibri" panose="020F0502020204030204" pitchFamily="34" charset="0"/>
-            </a:endParaRPr>
-          </a:p>
-          <a:p>
-            <a:pPr marL="0" marR="0" lvl="0" indent="0" fontAlgn="base">
-              <a:lnSpc>
-                <a:spcPct val="107000"/>
-              </a:lnSpc>
-              <a:spcBef>
-                <a:spcPts val="0"/>
-              </a:spcBef>
-              <a:spcAft>
-                <a:spcPts val="0"/>
-              </a:spcAft>
-              <a:buSzPts val="1000"/>
-              <a:buNone/>
-              <a:tabLst>
-                <a:tab pos="457200" algn="l"/>
-              </a:tabLst>
-            </a:pPr>
-            <a:r>
-              <a:rPr lang="en-US" sz="700" b="1" dirty="0">
-                <a:solidFill>
-                  <a:srgbClr val="000000"/>
-                </a:solidFill>
-                <a:effectLst/>
-                <a:latin typeface="Times New Roman" panose="02020603050405020304" pitchFamily="18" charset="0"/>
-                <a:ea typeface="Times New Roman" panose="02020603050405020304" pitchFamily="18" charset="0"/>
-              </a:rPr>
-              <a:t>Threat</a:t>
-            </a:r>
-            <a:r>
-              <a:rPr lang="en-US" sz="700" dirty="0">
-                <a:solidFill>
-                  <a:srgbClr val="000000"/>
-                </a:solidFill>
-                <a:effectLst/>
-                <a:latin typeface="Times New Roman" panose="02020603050405020304" pitchFamily="18" charset="0"/>
-                <a:ea typeface="Times New Roman" panose="02020603050405020304" pitchFamily="18" charset="0"/>
-              </a:rPr>
-              <a:t> </a:t>
-            </a:r>
-            <a:r>
-              <a:rPr lang="en-US" sz="700" b="1" dirty="0">
-                <a:solidFill>
-                  <a:srgbClr val="000000"/>
-                </a:solidFill>
-                <a:effectLst/>
-                <a:latin typeface="Times New Roman" panose="02020603050405020304" pitchFamily="18" charset="0"/>
-                <a:ea typeface="Times New Roman" panose="02020603050405020304" pitchFamily="18" charset="0"/>
-              </a:rPr>
-              <a:t>Actor</a:t>
-            </a:r>
-            <a:r>
-              <a:rPr lang="en-US" sz="700" dirty="0">
-                <a:solidFill>
-                  <a:srgbClr val="000000"/>
-                </a:solidFill>
-                <a:effectLst/>
-                <a:latin typeface="Times New Roman" panose="02020603050405020304" pitchFamily="18" charset="0"/>
-                <a:ea typeface="Times New Roman" panose="02020603050405020304" pitchFamily="18" charset="0"/>
-              </a:rPr>
-              <a:t>: Unknown</a:t>
-            </a:r>
-            <a:endParaRPr lang="en-US" sz="700" dirty="0">
-              <a:solidFill>
-                <a:srgbClr val="000000"/>
-              </a:solidFill>
-              <a:effectLst/>
-              <a:latin typeface="Times New Roman" panose="02020603050405020304" pitchFamily="18" charset="0"/>
-              <a:ea typeface="Calibri" panose="020F0502020204030204" pitchFamily="34" charset="0"/>
-            </a:endParaRPr>
-          </a:p>
-          <a:p>
-            <a:pPr marL="0" marR="0" lvl="0" indent="0" fontAlgn="base">
-              <a:lnSpc>
-                <a:spcPct val="107000"/>
-              </a:lnSpc>
-              <a:spcBef>
-                <a:spcPts val="0"/>
-              </a:spcBef>
-              <a:spcAft>
-                <a:spcPts val="1200"/>
-              </a:spcAft>
-              <a:buSzPts val="1000"/>
-              <a:buNone/>
-              <a:tabLst>
-                <a:tab pos="457200" algn="l"/>
-              </a:tabLst>
-            </a:pPr>
-            <a:r>
-              <a:rPr lang="en-US" sz="700" b="1" dirty="0">
-                <a:solidFill>
-                  <a:srgbClr val="000000"/>
-                </a:solidFill>
-                <a:effectLst/>
-                <a:latin typeface="Times New Roman" panose="02020603050405020304" pitchFamily="18" charset="0"/>
-                <a:ea typeface="Times New Roman" panose="02020603050405020304" pitchFamily="18" charset="0"/>
-              </a:rPr>
-              <a:t>References</a:t>
-            </a:r>
-            <a:r>
-              <a:rPr lang="en-US" sz="700" dirty="0">
-                <a:solidFill>
-                  <a:srgbClr val="000000"/>
-                </a:solidFill>
-                <a:effectLst/>
-                <a:latin typeface="Times New Roman" panose="02020603050405020304" pitchFamily="18" charset="0"/>
-                <a:ea typeface="Times New Roman" panose="02020603050405020304" pitchFamily="18" charset="0"/>
-              </a:rPr>
-              <a:t>: </a:t>
-            </a:r>
-            <a:r>
-              <a:rPr lang="en-US" sz="700" u="sng" dirty="0">
-                <a:solidFill>
-                  <a:srgbClr val="1155CC"/>
-                </a:solidFill>
-                <a:effectLst/>
-                <a:latin typeface="Times New Roman" panose="02020603050405020304" pitchFamily="18" charset="0"/>
-                <a:ea typeface="Times New Roman" panose="02020603050405020304" pitchFamily="18" charset="0"/>
-                <a:hlinkClick r:id="rId2"/>
-              </a:rPr>
-              <a:t>Microsoft</a:t>
-            </a:r>
-            <a:endParaRPr lang="en-US" sz="700" dirty="0">
-              <a:solidFill>
-                <a:srgbClr val="000000"/>
-              </a:solidFill>
-              <a:effectLst/>
-              <a:latin typeface="Times New Roman" panose="02020603050405020304" pitchFamily="18" charset="0"/>
-              <a:ea typeface="Calibri" panose="020F0502020204030204" pitchFamily="34" charset="0"/>
-            </a:endParaRPr>
-          </a:p>
-          <a:p>
-            <a:pPr marL="0" marR="0" indent="0">
-              <a:lnSpc>
-                <a:spcPct val="107000"/>
-              </a:lnSpc>
-              <a:spcBef>
-                <a:spcPts val="1200"/>
-              </a:spcBef>
-              <a:spcAft>
-                <a:spcPts val="1200"/>
-              </a:spcAft>
-              <a:buNone/>
-            </a:pPr>
-            <a:r>
-              <a:rPr lang="en-US" sz="700" b="1" dirty="0">
-                <a:solidFill>
-                  <a:srgbClr val="000000"/>
-                </a:solidFill>
-                <a:effectLst/>
-                <a:latin typeface="Times New Roman" panose="02020603050405020304" pitchFamily="18" charset="0"/>
-                <a:ea typeface="Times New Roman" panose="02020603050405020304" pitchFamily="18" charset="0"/>
-              </a:rPr>
-              <a:t>3-13-2022 – </a:t>
-            </a:r>
-            <a:r>
-              <a:rPr lang="en-US" sz="700" b="1" dirty="0" err="1">
-                <a:solidFill>
-                  <a:srgbClr val="000000"/>
-                </a:solidFill>
-                <a:effectLst/>
-                <a:latin typeface="Times New Roman" panose="02020603050405020304" pitchFamily="18" charset="0"/>
-                <a:ea typeface="Times New Roman" panose="02020603050405020304" pitchFamily="18" charset="0"/>
-              </a:rPr>
-              <a:t>CaddyWiper</a:t>
-            </a:r>
-            <a:r>
-              <a:rPr lang="en-US" sz="700" b="1" dirty="0">
-                <a:solidFill>
-                  <a:srgbClr val="000000"/>
-                </a:solidFill>
-                <a:effectLst/>
-                <a:latin typeface="Times New Roman" panose="02020603050405020304" pitchFamily="18" charset="0"/>
-                <a:ea typeface="Times New Roman" panose="02020603050405020304" pitchFamily="18" charset="0"/>
-              </a:rPr>
-              <a:t> By</a:t>
-            </a:r>
-            <a:r>
-              <a:rPr lang="en-US" sz="700" dirty="0">
-                <a:solidFill>
-                  <a:srgbClr val="000000"/>
-                </a:solidFill>
-                <a:effectLst/>
-                <a:latin typeface="Times New Roman" panose="02020603050405020304" pitchFamily="18" charset="0"/>
-                <a:ea typeface="Times New Roman" panose="02020603050405020304" pitchFamily="18" charset="0"/>
-              </a:rPr>
-              <a:t>: Russia</a:t>
-            </a:r>
-            <a:endParaRPr lang="en-US" sz="700" dirty="0">
-              <a:solidFill>
-                <a:srgbClr val="000000"/>
-              </a:solidFill>
-              <a:effectLst/>
-              <a:latin typeface="Times New Roman" panose="02020603050405020304" pitchFamily="18" charset="0"/>
-              <a:ea typeface="Calibri" panose="020F0502020204030204" pitchFamily="34" charset="0"/>
-            </a:endParaRPr>
-          </a:p>
-          <a:p>
-            <a:pPr marL="0" marR="0" lvl="0" indent="0" fontAlgn="base">
-              <a:lnSpc>
-                <a:spcPct val="107000"/>
-              </a:lnSpc>
-              <a:spcBef>
-                <a:spcPts val="0"/>
-              </a:spcBef>
-              <a:spcAft>
-                <a:spcPts val="0"/>
-              </a:spcAft>
-              <a:buSzPts val="1000"/>
-              <a:buNone/>
-              <a:tabLst>
-                <a:tab pos="457200" algn="l"/>
-              </a:tabLst>
-            </a:pPr>
-            <a:r>
-              <a:rPr lang="en-US" sz="700" b="1" dirty="0">
-                <a:solidFill>
-                  <a:srgbClr val="000000"/>
-                </a:solidFill>
-                <a:effectLst/>
-                <a:latin typeface="Times New Roman" panose="02020603050405020304" pitchFamily="18" charset="0"/>
-                <a:ea typeface="Times New Roman" panose="02020603050405020304" pitchFamily="18" charset="0"/>
-              </a:rPr>
-              <a:t>Victim</a:t>
-            </a:r>
-            <a:r>
-              <a:rPr lang="en-US" sz="700" dirty="0">
-                <a:solidFill>
-                  <a:srgbClr val="000000"/>
-                </a:solidFill>
-                <a:effectLst/>
-                <a:latin typeface="Times New Roman" panose="02020603050405020304" pitchFamily="18" charset="0"/>
-                <a:ea typeface="Times New Roman" panose="02020603050405020304" pitchFamily="18" charset="0"/>
-              </a:rPr>
-              <a:t>: Ukraine</a:t>
-            </a:r>
-            <a:endParaRPr lang="en-US" sz="700" dirty="0">
-              <a:solidFill>
-                <a:srgbClr val="000000"/>
-              </a:solidFill>
-              <a:effectLst/>
-              <a:latin typeface="Times New Roman" panose="02020603050405020304" pitchFamily="18" charset="0"/>
-              <a:ea typeface="Calibri" panose="020F0502020204030204" pitchFamily="34" charset="0"/>
-            </a:endParaRPr>
-          </a:p>
-          <a:p>
-            <a:pPr marL="0" marR="0" lvl="0" indent="0" fontAlgn="base">
-              <a:lnSpc>
-                <a:spcPct val="107000"/>
-              </a:lnSpc>
-              <a:spcBef>
-                <a:spcPts val="0"/>
-              </a:spcBef>
-              <a:spcAft>
-                <a:spcPts val="0"/>
-              </a:spcAft>
-              <a:buSzPts val="1000"/>
-              <a:buNone/>
-              <a:tabLst>
-                <a:tab pos="457200" algn="l"/>
-              </a:tabLst>
-            </a:pPr>
-            <a:r>
-              <a:rPr lang="en-US" sz="700" b="1" dirty="0">
-                <a:solidFill>
-                  <a:srgbClr val="000000"/>
-                </a:solidFill>
-                <a:effectLst/>
-                <a:latin typeface="Times New Roman" panose="02020603050405020304" pitchFamily="18" charset="0"/>
-                <a:ea typeface="Times New Roman" panose="02020603050405020304" pitchFamily="18" charset="0"/>
-              </a:rPr>
-              <a:t>Type</a:t>
-            </a:r>
-            <a:r>
-              <a:rPr lang="en-US" sz="700" dirty="0">
-                <a:solidFill>
-                  <a:srgbClr val="000000"/>
-                </a:solidFill>
-                <a:effectLst/>
-                <a:latin typeface="Times New Roman" panose="02020603050405020304" pitchFamily="18" charset="0"/>
-                <a:ea typeface="Times New Roman" panose="02020603050405020304" pitchFamily="18" charset="0"/>
-              </a:rPr>
-              <a:t>: Wiper</a:t>
-            </a:r>
-            <a:endParaRPr lang="en-US" sz="700" dirty="0">
-              <a:solidFill>
-                <a:srgbClr val="000000"/>
-              </a:solidFill>
-              <a:effectLst/>
-              <a:latin typeface="Times New Roman" panose="02020603050405020304" pitchFamily="18" charset="0"/>
-              <a:ea typeface="Calibri" panose="020F0502020204030204" pitchFamily="34" charset="0"/>
-            </a:endParaRPr>
-          </a:p>
-          <a:p>
-            <a:pPr marL="0" marR="0" lvl="0" indent="0" fontAlgn="base">
-              <a:lnSpc>
-                <a:spcPct val="107000"/>
-              </a:lnSpc>
-              <a:spcBef>
-                <a:spcPts val="0"/>
-              </a:spcBef>
-              <a:spcAft>
-                <a:spcPts val="0"/>
-              </a:spcAft>
-              <a:buSzPts val="1000"/>
-              <a:buNone/>
-              <a:tabLst>
-                <a:tab pos="457200" algn="l"/>
-              </a:tabLst>
-            </a:pPr>
-            <a:r>
-              <a:rPr lang="en-US" sz="700" b="1" dirty="0">
-                <a:solidFill>
-                  <a:srgbClr val="000000"/>
-                </a:solidFill>
-                <a:effectLst/>
-                <a:latin typeface="Times New Roman" panose="02020603050405020304" pitchFamily="18" charset="0"/>
-                <a:ea typeface="Times New Roman" panose="02020603050405020304" pitchFamily="18" charset="0"/>
-              </a:rPr>
-              <a:t>Targets</a:t>
-            </a:r>
-            <a:r>
-              <a:rPr lang="en-US" sz="700" dirty="0">
-                <a:solidFill>
-                  <a:srgbClr val="000000"/>
-                </a:solidFill>
-                <a:effectLst/>
-                <a:latin typeface="Times New Roman" panose="02020603050405020304" pitchFamily="18" charset="0"/>
-                <a:ea typeface="Times New Roman" panose="02020603050405020304" pitchFamily="18" charset="0"/>
-              </a:rPr>
-              <a:t>: Unknown</a:t>
-            </a:r>
-            <a:endParaRPr lang="en-US" sz="700" dirty="0">
-              <a:solidFill>
-                <a:srgbClr val="000000"/>
-              </a:solidFill>
-              <a:effectLst/>
-              <a:latin typeface="Times New Roman" panose="02020603050405020304" pitchFamily="18" charset="0"/>
-              <a:ea typeface="Calibri" panose="020F0502020204030204" pitchFamily="34" charset="0"/>
-            </a:endParaRPr>
-          </a:p>
-          <a:p>
-            <a:pPr marL="0" marR="0" lvl="0" indent="0" fontAlgn="base">
-              <a:lnSpc>
-                <a:spcPct val="107000"/>
-              </a:lnSpc>
-              <a:spcBef>
-                <a:spcPts val="0"/>
-              </a:spcBef>
-              <a:spcAft>
-                <a:spcPts val="0"/>
-              </a:spcAft>
-              <a:buSzPts val="1000"/>
-              <a:buNone/>
-              <a:tabLst>
-                <a:tab pos="457200" algn="l"/>
-              </a:tabLst>
-            </a:pPr>
-            <a:r>
-              <a:rPr lang="en-US" sz="700" b="1" dirty="0">
-                <a:solidFill>
-                  <a:srgbClr val="000000"/>
-                </a:solidFill>
-                <a:effectLst/>
-                <a:latin typeface="Times New Roman" panose="02020603050405020304" pitchFamily="18" charset="0"/>
-                <a:ea typeface="Times New Roman" panose="02020603050405020304" pitchFamily="18" charset="0"/>
-              </a:rPr>
-              <a:t>Purpose:</a:t>
-            </a:r>
-            <a:r>
-              <a:rPr lang="en-US" sz="700" dirty="0">
-                <a:solidFill>
-                  <a:srgbClr val="000000"/>
-                </a:solidFill>
-                <a:effectLst/>
-                <a:latin typeface="Times New Roman" panose="02020603050405020304" pitchFamily="18" charset="0"/>
-                <a:ea typeface="Times New Roman" panose="02020603050405020304" pitchFamily="18" charset="0"/>
-              </a:rPr>
-              <a:t> Destruction</a:t>
-            </a:r>
-            <a:endParaRPr lang="en-US" sz="700" dirty="0">
-              <a:solidFill>
-                <a:srgbClr val="000000"/>
-              </a:solidFill>
-              <a:effectLst/>
-              <a:latin typeface="Times New Roman" panose="02020603050405020304" pitchFamily="18" charset="0"/>
-              <a:ea typeface="Calibri" panose="020F0502020204030204" pitchFamily="34" charset="0"/>
-            </a:endParaRPr>
-          </a:p>
-          <a:p>
-            <a:pPr marL="0" marR="0" lvl="0" indent="0" fontAlgn="base">
-              <a:lnSpc>
-                <a:spcPct val="107000"/>
-              </a:lnSpc>
-              <a:spcBef>
-                <a:spcPts val="0"/>
-              </a:spcBef>
-              <a:spcAft>
-                <a:spcPts val="0"/>
-              </a:spcAft>
-              <a:buSzPts val="1000"/>
-              <a:buNone/>
-              <a:tabLst>
-                <a:tab pos="457200" algn="l"/>
-              </a:tabLst>
-            </a:pPr>
-            <a:r>
-              <a:rPr lang="en-US" sz="700" b="1" dirty="0">
-                <a:solidFill>
-                  <a:srgbClr val="000000"/>
-                </a:solidFill>
-                <a:effectLst/>
-                <a:latin typeface="Times New Roman" panose="02020603050405020304" pitchFamily="18" charset="0"/>
-                <a:ea typeface="Times New Roman" panose="02020603050405020304" pitchFamily="18" charset="0"/>
-              </a:rPr>
-              <a:t>Impact</a:t>
-            </a:r>
-            <a:r>
-              <a:rPr lang="en-US" sz="700" dirty="0">
-                <a:solidFill>
-                  <a:srgbClr val="000000"/>
-                </a:solidFill>
-                <a:effectLst/>
-                <a:latin typeface="Times New Roman" panose="02020603050405020304" pitchFamily="18" charset="0"/>
-                <a:ea typeface="Times New Roman" panose="02020603050405020304" pitchFamily="18" charset="0"/>
-              </a:rPr>
-              <a:t>: ESET researchers have uncovered yet another destructive data wiper that was used in attacks against a limited number of organizations in Ukraine. No code similarities to either </a:t>
-            </a:r>
-            <a:r>
-              <a:rPr lang="en-US" sz="700" dirty="0" err="1">
-                <a:solidFill>
-                  <a:srgbClr val="000000"/>
-                </a:solidFill>
-                <a:effectLst/>
-                <a:latin typeface="Times New Roman" panose="02020603050405020304" pitchFamily="18" charset="0"/>
-                <a:ea typeface="Times New Roman" panose="02020603050405020304" pitchFamily="18" charset="0"/>
-              </a:rPr>
-              <a:t>HermeticWiper</a:t>
-            </a:r>
-            <a:r>
-              <a:rPr lang="en-US" sz="700" dirty="0">
-                <a:solidFill>
-                  <a:srgbClr val="000000"/>
-                </a:solidFill>
-                <a:effectLst/>
-                <a:latin typeface="Times New Roman" panose="02020603050405020304" pitchFamily="18" charset="0"/>
-                <a:ea typeface="Times New Roman" panose="02020603050405020304" pitchFamily="18" charset="0"/>
-              </a:rPr>
-              <a:t> or </a:t>
-            </a:r>
-            <a:r>
-              <a:rPr lang="en-US" sz="700" dirty="0" err="1">
-                <a:solidFill>
-                  <a:srgbClr val="000000"/>
-                </a:solidFill>
-                <a:effectLst/>
-                <a:latin typeface="Times New Roman" panose="02020603050405020304" pitchFamily="18" charset="0"/>
-                <a:ea typeface="Times New Roman" panose="02020603050405020304" pitchFamily="18" charset="0"/>
-              </a:rPr>
-              <a:t>IsaacWiper</a:t>
-            </a:r>
-            <a:r>
-              <a:rPr lang="en-US" sz="700" dirty="0">
-                <a:solidFill>
-                  <a:srgbClr val="000000"/>
-                </a:solidFill>
-                <a:effectLst/>
-                <a:latin typeface="Times New Roman" panose="02020603050405020304" pitchFamily="18" charset="0"/>
-                <a:ea typeface="Times New Roman" panose="02020603050405020304" pitchFamily="18" charset="0"/>
-              </a:rPr>
-              <a:t> were identified. There’s evidence to suggest that the threat actors behind </a:t>
-            </a:r>
-            <a:r>
-              <a:rPr lang="en-US" sz="700" dirty="0" err="1">
-                <a:solidFill>
-                  <a:srgbClr val="000000"/>
-                </a:solidFill>
-                <a:effectLst/>
-                <a:latin typeface="Times New Roman" panose="02020603050405020304" pitchFamily="18" charset="0"/>
-                <a:ea typeface="Times New Roman" panose="02020603050405020304" pitchFamily="18" charset="0"/>
-              </a:rPr>
-              <a:t>CaddyWiper</a:t>
-            </a:r>
-            <a:r>
-              <a:rPr lang="en-US" sz="700" dirty="0">
-                <a:solidFill>
-                  <a:srgbClr val="000000"/>
-                </a:solidFill>
-                <a:effectLst/>
-                <a:latin typeface="Times New Roman" panose="02020603050405020304" pitchFamily="18" charset="0"/>
-                <a:ea typeface="Times New Roman" panose="02020603050405020304" pitchFamily="18" charset="0"/>
-              </a:rPr>
-              <a:t> infiltrated the target’s network before executing the wiper.</a:t>
-            </a:r>
-            <a:endParaRPr lang="en-US" sz="700" dirty="0">
-              <a:solidFill>
-                <a:srgbClr val="000000"/>
-              </a:solidFill>
-              <a:effectLst/>
-              <a:latin typeface="Times New Roman" panose="02020603050405020304" pitchFamily="18" charset="0"/>
-              <a:ea typeface="Calibri" panose="020F0502020204030204" pitchFamily="34" charset="0"/>
-            </a:endParaRPr>
-          </a:p>
-          <a:p>
-            <a:pPr marL="0" marR="0" lvl="0" indent="0" fontAlgn="base">
-              <a:lnSpc>
-                <a:spcPct val="107000"/>
-              </a:lnSpc>
-              <a:spcBef>
-                <a:spcPts val="0"/>
-              </a:spcBef>
-              <a:spcAft>
-                <a:spcPts val="0"/>
-              </a:spcAft>
-              <a:buSzPts val="1000"/>
-              <a:buNone/>
-              <a:tabLst>
-                <a:tab pos="457200" algn="l"/>
-              </a:tabLst>
-            </a:pPr>
-            <a:r>
-              <a:rPr lang="en-US" sz="700" b="1" dirty="0">
-                <a:solidFill>
-                  <a:srgbClr val="000000"/>
-                </a:solidFill>
-                <a:effectLst/>
-                <a:latin typeface="Times New Roman" panose="02020603050405020304" pitchFamily="18" charset="0"/>
-                <a:ea typeface="Times New Roman" panose="02020603050405020304" pitchFamily="18" charset="0"/>
-              </a:rPr>
-              <a:t>Confidence</a:t>
-            </a:r>
-            <a:r>
-              <a:rPr lang="en-US" sz="700" dirty="0">
-                <a:solidFill>
-                  <a:srgbClr val="000000"/>
-                </a:solidFill>
-                <a:effectLst/>
-                <a:latin typeface="Times New Roman" panose="02020603050405020304" pitchFamily="18" charset="0"/>
-                <a:ea typeface="Times New Roman" panose="02020603050405020304" pitchFamily="18" charset="0"/>
-              </a:rPr>
-              <a:t>: Confirmed</a:t>
-            </a:r>
-            <a:endParaRPr lang="en-US" sz="700" dirty="0">
-              <a:solidFill>
-                <a:srgbClr val="000000"/>
-              </a:solidFill>
-              <a:effectLst/>
-              <a:latin typeface="Times New Roman" panose="02020603050405020304" pitchFamily="18" charset="0"/>
-              <a:ea typeface="Calibri" panose="020F0502020204030204" pitchFamily="34" charset="0"/>
-            </a:endParaRPr>
-          </a:p>
-          <a:p>
-            <a:pPr marL="0" marR="0" lvl="0" indent="0" fontAlgn="base">
-              <a:lnSpc>
-                <a:spcPct val="107000"/>
-              </a:lnSpc>
-              <a:spcBef>
-                <a:spcPts val="0"/>
-              </a:spcBef>
-              <a:spcAft>
-                <a:spcPts val="0"/>
-              </a:spcAft>
-              <a:buSzPts val="1000"/>
-              <a:buNone/>
-              <a:tabLst>
-                <a:tab pos="457200" algn="l"/>
-              </a:tabLst>
-            </a:pPr>
-            <a:r>
-              <a:rPr lang="en-US" sz="700" b="1" dirty="0">
-                <a:solidFill>
-                  <a:srgbClr val="000000"/>
-                </a:solidFill>
-                <a:effectLst/>
-                <a:latin typeface="Times New Roman" panose="02020603050405020304" pitchFamily="18" charset="0"/>
-                <a:ea typeface="Times New Roman" panose="02020603050405020304" pitchFamily="18" charset="0"/>
-              </a:rPr>
-              <a:t>Threat</a:t>
-            </a:r>
-            <a:r>
-              <a:rPr lang="en-US" sz="700" dirty="0">
-                <a:solidFill>
-                  <a:srgbClr val="000000"/>
-                </a:solidFill>
-                <a:effectLst/>
-                <a:latin typeface="Times New Roman" panose="02020603050405020304" pitchFamily="18" charset="0"/>
-                <a:ea typeface="Times New Roman" panose="02020603050405020304" pitchFamily="18" charset="0"/>
-              </a:rPr>
-              <a:t> </a:t>
-            </a:r>
-            <a:r>
-              <a:rPr lang="en-US" sz="700" b="1" dirty="0">
-                <a:solidFill>
-                  <a:srgbClr val="000000"/>
-                </a:solidFill>
-                <a:effectLst/>
-                <a:latin typeface="Times New Roman" panose="02020603050405020304" pitchFamily="18" charset="0"/>
-                <a:ea typeface="Times New Roman" panose="02020603050405020304" pitchFamily="18" charset="0"/>
-              </a:rPr>
-              <a:t>Actor</a:t>
-            </a:r>
-            <a:r>
-              <a:rPr lang="en-US" sz="700" dirty="0">
-                <a:solidFill>
-                  <a:srgbClr val="000000"/>
-                </a:solidFill>
-                <a:effectLst/>
-                <a:latin typeface="Times New Roman" panose="02020603050405020304" pitchFamily="18" charset="0"/>
-                <a:ea typeface="Times New Roman" panose="02020603050405020304" pitchFamily="18" charset="0"/>
-              </a:rPr>
-              <a:t>: Sandworm</a:t>
-            </a:r>
-            <a:endParaRPr lang="en-US" sz="700" dirty="0">
-              <a:solidFill>
-                <a:srgbClr val="000000"/>
-              </a:solidFill>
-              <a:effectLst/>
-              <a:latin typeface="Times New Roman" panose="02020603050405020304" pitchFamily="18" charset="0"/>
-              <a:ea typeface="Calibri" panose="020F0502020204030204" pitchFamily="34" charset="0"/>
-            </a:endParaRPr>
-          </a:p>
-          <a:p>
-            <a:pPr marL="0" marR="0" lvl="0" indent="0" fontAlgn="base">
-              <a:lnSpc>
-                <a:spcPct val="107000"/>
-              </a:lnSpc>
-              <a:spcBef>
-                <a:spcPts val="0"/>
-              </a:spcBef>
-              <a:spcAft>
-                <a:spcPts val="1200"/>
-              </a:spcAft>
-              <a:buSzPts val="1000"/>
-              <a:buNone/>
-              <a:tabLst>
-                <a:tab pos="457200" algn="l"/>
-              </a:tabLst>
-            </a:pPr>
-            <a:r>
-              <a:rPr lang="en-US" sz="700" dirty="0">
-                <a:solidFill>
-                  <a:srgbClr val="000000"/>
-                </a:solidFill>
-                <a:effectLst/>
-                <a:latin typeface="Times New Roman" panose="02020603050405020304" pitchFamily="18" charset="0"/>
-                <a:ea typeface="Times New Roman" panose="02020603050405020304" pitchFamily="18" charset="0"/>
-              </a:rPr>
-              <a:t> </a:t>
-            </a:r>
-            <a:r>
-              <a:rPr lang="en-US" sz="700" b="1" dirty="0">
-                <a:solidFill>
-                  <a:srgbClr val="000000"/>
-                </a:solidFill>
-                <a:effectLst/>
-                <a:latin typeface="Times New Roman" panose="02020603050405020304" pitchFamily="18" charset="0"/>
-                <a:ea typeface="Times New Roman" panose="02020603050405020304" pitchFamily="18" charset="0"/>
-              </a:rPr>
-              <a:t>References</a:t>
-            </a:r>
-            <a:r>
-              <a:rPr lang="en-US" sz="700" dirty="0">
-                <a:solidFill>
-                  <a:srgbClr val="000000"/>
-                </a:solidFill>
-                <a:effectLst/>
-                <a:latin typeface="Times New Roman" panose="02020603050405020304" pitchFamily="18" charset="0"/>
-                <a:ea typeface="Times New Roman" panose="02020603050405020304" pitchFamily="18" charset="0"/>
-              </a:rPr>
-              <a:t>:</a:t>
-            </a:r>
-            <a:r>
-              <a:rPr lang="en-US" sz="700" u="sng" dirty="0">
-                <a:solidFill>
-                  <a:srgbClr val="000000"/>
-                </a:solidFill>
-                <a:effectLst/>
-                <a:latin typeface="Times New Roman" panose="02020603050405020304" pitchFamily="18" charset="0"/>
-                <a:ea typeface="Times New Roman" panose="02020603050405020304" pitchFamily="18" charset="0"/>
-                <a:hlinkClick r:id="rId3"/>
-              </a:rPr>
-              <a:t> </a:t>
-            </a:r>
-            <a:r>
-              <a:rPr lang="en-US" sz="700" u="sng" dirty="0">
-                <a:solidFill>
-                  <a:srgbClr val="1155CC"/>
-                </a:solidFill>
-                <a:effectLst/>
-                <a:latin typeface="Times New Roman" panose="02020603050405020304" pitchFamily="18" charset="0"/>
-                <a:ea typeface="Times New Roman" panose="02020603050405020304" pitchFamily="18" charset="0"/>
-                <a:hlinkClick r:id="rId3"/>
-              </a:rPr>
-              <a:t>ESET</a:t>
-            </a:r>
-            <a:r>
-              <a:rPr lang="en-US" sz="700" dirty="0">
-                <a:solidFill>
-                  <a:srgbClr val="000000"/>
-                </a:solidFill>
-                <a:effectLst/>
-                <a:latin typeface="Times New Roman" panose="02020603050405020304" pitchFamily="18" charset="0"/>
-                <a:ea typeface="Times New Roman" panose="02020603050405020304" pitchFamily="18" charset="0"/>
-              </a:rPr>
-              <a:t>,</a:t>
-            </a:r>
-            <a:r>
-              <a:rPr lang="en-US" sz="700" u="sng" dirty="0">
-                <a:solidFill>
-                  <a:srgbClr val="000000"/>
-                </a:solidFill>
-                <a:effectLst/>
-                <a:latin typeface="Times New Roman" panose="02020603050405020304" pitchFamily="18" charset="0"/>
-                <a:ea typeface="Times New Roman" panose="02020603050405020304" pitchFamily="18" charset="0"/>
-                <a:hlinkClick r:id="rId4"/>
-              </a:rPr>
-              <a:t> </a:t>
-            </a:r>
-            <a:r>
-              <a:rPr lang="en-US" sz="700" u="sng" dirty="0">
-                <a:solidFill>
-                  <a:srgbClr val="1155CC"/>
-                </a:solidFill>
-                <a:effectLst/>
-                <a:latin typeface="Times New Roman" panose="02020603050405020304" pitchFamily="18" charset="0"/>
-                <a:ea typeface="Times New Roman" panose="02020603050405020304" pitchFamily="18" charset="0"/>
-                <a:hlinkClick r:id="rId4"/>
-              </a:rPr>
-              <a:t>Bleeping Computer</a:t>
-            </a:r>
-            <a:endParaRPr lang="en-US" sz="700" dirty="0">
-              <a:solidFill>
-                <a:srgbClr val="000000"/>
-              </a:solidFill>
-              <a:effectLst/>
-              <a:latin typeface="Times New Roman" panose="02020603050405020304" pitchFamily="18" charset="0"/>
-              <a:ea typeface="Calibri" panose="020F0502020204030204" pitchFamily="34" charset="0"/>
-            </a:endParaRPr>
-          </a:p>
-          <a:p>
-            <a:pPr marL="0" indent="0">
-              <a:buNone/>
-            </a:pPr>
-            <a:endParaRPr lang="en-US" sz="700" dirty="0"/>
-          </a:p>
-        </p:txBody>
-      </p:sp>
-      <p:sp>
-        <p:nvSpPr>
-          <p:cNvPr id="4" name="Slide Number Placeholder 3">
-            <a:extLst>
-              <a:ext uri="{FF2B5EF4-FFF2-40B4-BE49-F238E27FC236}">
-                <a16:creationId xmlns:a16="http://schemas.microsoft.com/office/drawing/2014/main" id="{EE7EAE9B-FC24-418D-BFD6-EDBE1013C70B}"/>
-              </a:ext>
-            </a:extLst>
-          </p:cNvPr>
-          <p:cNvSpPr>
-            <a:spLocks noGrp="1"/>
-          </p:cNvSpPr>
-          <p:nvPr>
-            <p:ph type="sldNum" sz="quarter" idx="10"/>
-          </p:nvPr>
-        </p:nvSpPr>
-        <p:spPr/>
-        <p:txBody>
-          <a:bodyPr/>
-          <a:lstStyle/>
-          <a:p>
-            <a:pPr>
-              <a:defRPr/>
-            </a:pPr>
-            <a:fld id="{EF611178-6C3A-F247-8731-699DBDA96700}" type="slidenum">
-              <a:rPr lang="en-US" altLang="en-US" smtClean="0"/>
-              <a:pPr>
-                <a:defRPr/>
-              </a:pPr>
-              <a:t>29</a:t>
-            </a:fld>
-            <a:endParaRPr lang="en-US" altLang="en-US" dirty="0"/>
-          </a:p>
-        </p:txBody>
-      </p:sp>
-    </p:spTree>
-    <p:extLst>
-      <p:ext uri="{BB962C8B-B14F-4D97-AF65-F5344CB8AC3E}">
-        <p14:creationId xmlns:p14="http://schemas.microsoft.com/office/powerpoint/2010/main" val="4270896503"/>
       </p:ext>
     </p:extLst>
   </p:cSld>
@@ -18080,6 +16970,1276 @@
           <p:cNvPr id="2" name="Title 1">
             <a:extLst>
               <a:ext uri="{FF2B5EF4-FFF2-40B4-BE49-F238E27FC236}">
+                <a16:creationId xmlns:a16="http://schemas.microsoft.com/office/drawing/2014/main" id="{827DFFC4-8482-4FF4-BA12-B1C8A04C5B31}"/>
+              </a:ext>
+            </a:extLst>
+          </p:cNvPr>
+          <p:cNvSpPr>
+            <a:spLocks noGrp="1"/>
+          </p:cNvSpPr>
+          <p:nvPr>
+            <p:ph type="title"/>
+          </p:nvPr>
+        </p:nvSpPr>
+        <p:spPr/>
+        <p:txBody>
+          <a:bodyPr/>
+          <a:lstStyle/>
+          <a:p>
+            <a:r>
+              <a:rPr lang="en-US" dirty="0"/>
+              <a:t>Major Malware involved</a:t>
+            </a:r>
+          </a:p>
+        </p:txBody>
+      </p:sp>
+      <p:sp>
+        <p:nvSpPr>
+          <p:cNvPr id="3" name="Content Placeholder 2">
+            <a:extLst>
+              <a:ext uri="{FF2B5EF4-FFF2-40B4-BE49-F238E27FC236}">
+                <a16:creationId xmlns:a16="http://schemas.microsoft.com/office/drawing/2014/main" id="{D472ECB8-9CCF-4F16-BFE0-B61297291D40}"/>
+              </a:ext>
+            </a:extLst>
+          </p:cNvPr>
+          <p:cNvSpPr>
+            <a:spLocks noGrp="1"/>
+          </p:cNvSpPr>
+          <p:nvPr>
+            <p:ph idx="1"/>
+          </p:nvPr>
+        </p:nvSpPr>
+        <p:spPr>
+          <a:xfrm>
+            <a:off x="115147" y="769351"/>
+            <a:ext cx="8805333" cy="3831379"/>
+          </a:xfrm>
+        </p:spPr>
+        <p:txBody>
+          <a:bodyPr/>
+          <a:lstStyle/>
+          <a:p>
+            <a:pPr marL="0" marR="0" indent="0">
+              <a:lnSpc>
+                <a:spcPct val="107000"/>
+              </a:lnSpc>
+              <a:spcBef>
+                <a:spcPts val="1200"/>
+              </a:spcBef>
+              <a:spcAft>
+                <a:spcPts val="1200"/>
+              </a:spcAft>
+              <a:buNone/>
+            </a:pPr>
+            <a:r>
+              <a:rPr lang="en-US" sz="700" b="1" dirty="0">
+                <a:solidFill>
+                  <a:srgbClr val="FF0000"/>
+                </a:solidFill>
+                <a:effectLst/>
+                <a:latin typeface="Times New Roman" panose="02020603050405020304" pitchFamily="18" charset="0"/>
+                <a:ea typeface="Times New Roman" panose="02020603050405020304" pitchFamily="18" charset="0"/>
+              </a:rPr>
+              <a:t>2-24-2022 – Official Invasion of Ukraine</a:t>
+            </a:r>
+            <a:endParaRPr lang="en-US" sz="700" dirty="0">
+              <a:effectLst/>
+              <a:latin typeface="Times New Roman" panose="02020603050405020304" pitchFamily="18" charset="0"/>
+              <a:ea typeface="Calibri" panose="020F0502020204030204" pitchFamily="34" charset="0"/>
+            </a:endParaRPr>
+          </a:p>
+          <a:p>
+            <a:pPr marL="0" marR="0" indent="0">
+              <a:lnSpc>
+                <a:spcPct val="107000"/>
+              </a:lnSpc>
+              <a:spcBef>
+                <a:spcPts val="1200"/>
+              </a:spcBef>
+              <a:spcAft>
+                <a:spcPts val="1200"/>
+              </a:spcAft>
+              <a:buNone/>
+            </a:pPr>
+            <a:r>
+              <a:rPr lang="en-US" sz="700" b="1" dirty="0">
+                <a:solidFill>
+                  <a:srgbClr val="000000"/>
+                </a:solidFill>
+                <a:effectLst/>
+                <a:latin typeface="Times New Roman" panose="02020603050405020304" pitchFamily="18" charset="0"/>
+                <a:ea typeface="Times New Roman" panose="02020603050405020304" pitchFamily="18" charset="0"/>
+              </a:rPr>
+              <a:t>2-28-2022 – </a:t>
+            </a:r>
+            <a:r>
+              <a:rPr lang="en-US" sz="700" b="1" dirty="0" err="1">
+                <a:solidFill>
+                  <a:srgbClr val="000000"/>
+                </a:solidFill>
+                <a:effectLst/>
+                <a:latin typeface="Times New Roman" panose="02020603050405020304" pitchFamily="18" charset="0"/>
+                <a:ea typeface="Times New Roman" panose="02020603050405020304" pitchFamily="18" charset="0"/>
+              </a:rPr>
+              <a:t>DesertBlade</a:t>
+            </a:r>
+            <a:r>
+              <a:rPr lang="en-US" sz="700" b="1" dirty="0">
+                <a:solidFill>
+                  <a:srgbClr val="000000"/>
+                </a:solidFill>
+                <a:effectLst/>
+                <a:latin typeface="Times New Roman" panose="02020603050405020304" pitchFamily="18" charset="0"/>
+                <a:ea typeface="Times New Roman" panose="02020603050405020304" pitchFamily="18" charset="0"/>
+              </a:rPr>
+              <a:t> By</a:t>
+            </a:r>
+            <a:r>
+              <a:rPr lang="en-US" sz="700" dirty="0">
+                <a:solidFill>
+                  <a:srgbClr val="000000"/>
+                </a:solidFill>
+                <a:effectLst/>
+                <a:latin typeface="Times New Roman" panose="02020603050405020304" pitchFamily="18" charset="0"/>
+                <a:ea typeface="Times New Roman" panose="02020603050405020304" pitchFamily="18" charset="0"/>
+              </a:rPr>
+              <a:t>: Russia</a:t>
+            </a:r>
+            <a:endParaRPr lang="en-US" sz="700" dirty="0">
+              <a:solidFill>
+                <a:srgbClr val="000000"/>
+              </a:solidFill>
+              <a:effectLst/>
+              <a:latin typeface="Times New Roman" panose="02020603050405020304" pitchFamily="18" charset="0"/>
+              <a:ea typeface="Calibri" panose="020F0502020204030204" pitchFamily="34" charset="0"/>
+            </a:endParaRPr>
+          </a:p>
+          <a:p>
+            <a:pPr marL="0" marR="0" lvl="0" indent="0" fontAlgn="base">
+              <a:lnSpc>
+                <a:spcPct val="107000"/>
+              </a:lnSpc>
+              <a:spcBef>
+                <a:spcPts val="0"/>
+              </a:spcBef>
+              <a:spcAft>
+                <a:spcPts val="0"/>
+              </a:spcAft>
+              <a:buSzPts val="1000"/>
+              <a:buNone/>
+              <a:tabLst>
+                <a:tab pos="457200" algn="l"/>
+              </a:tabLst>
+            </a:pPr>
+            <a:r>
+              <a:rPr lang="en-US" sz="700" b="1" dirty="0">
+                <a:solidFill>
+                  <a:srgbClr val="000000"/>
+                </a:solidFill>
+                <a:effectLst/>
+                <a:latin typeface="Times New Roman" panose="02020603050405020304" pitchFamily="18" charset="0"/>
+                <a:ea typeface="Times New Roman" panose="02020603050405020304" pitchFamily="18" charset="0"/>
+              </a:rPr>
+              <a:t>Victim</a:t>
+            </a:r>
+            <a:r>
+              <a:rPr lang="en-US" sz="700" dirty="0">
+                <a:solidFill>
+                  <a:srgbClr val="000000"/>
+                </a:solidFill>
+                <a:effectLst/>
+                <a:latin typeface="Times New Roman" panose="02020603050405020304" pitchFamily="18" charset="0"/>
+                <a:ea typeface="Times New Roman" panose="02020603050405020304" pitchFamily="18" charset="0"/>
+              </a:rPr>
+              <a:t>: Ukraine</a:t>
+            </a:r>
+            <a:endParaRPr lang="en-US" sz="700" dirty="0">
+              <a:solidFill>
+                <a:srgbClr val="000000"/>
+              </a:solidFill>
+              <a:effectLst/>
+              <a:latin typeface="Times New Roman" panose="02020603050405020304" pitchFamily="18" charset="0"/>
+              <a:ea typeface="Calibri" panose="020F0502020204030204" pitchFamily="34" charset="0"/>
+            </a:endParaRPr>
+          </a:p>
+          <a:p>
+            <a:pPr marL="0" marR="0" lvl="0" indent="0" fontAlgn="base">
+              <a:lnSpc>
+                <a:spcPct val="107000"/>
+              </a:lnSpc>
+              <a:spcBef>
+                <a:spcPts val="0"/>
+              </a:spcBef>
+              <a:spcAft>
+                <a:spcPts val="0"/>
+              </a:spcAft>
+              <a:buSzPts val="1000"/>
+              <a:buNone/>
+              <a:tabLst>
+                <a:tab pos="457200" algn="l"/>
+              </a:tabLst>
+            </a:pPr>
+            <a:r>
+              <a:rPr lang="en-US" sz="700" b="1" dirty="0">
+                <a:solidFill>
+                  <a:srgbClr val="000000"/>
+                </a:solidFill>
+                <a:effectLst/>
+                <a:latin typeface="Times New Roman" panose="02020603050405020304" pitchFamily="18" charset="0"/>
+                <a:ea typeface="Times New Roman" panose="02020603050405020304" pitchFamily="18" charset="0"/>
+              </a:rPr>
+              <a:t>Type</a:t>
+            </a:r>
+            <a:r>
+              <a:rPr lang="en-US" sz="700" dirty="0">
+                <a:solidFill>
+                  <a:srgbClr val="000000"/>
+                </a:solidFill>
+                <a:effectLst/>
+                <a:latin typeface="Times New Roman" panose="02020603050405020304" pitchFamily="18" charset="0"/>
+                <a:ea typeface="Times New Roman" panose="02020603050405020304" pitchFamily="18" charset="0"/>
+              </a:rPr>
+              <a:t>: Wiper</a:t>
+            </a:r>
+            <a:endParaRPr lang="en-US" sz="700" dirty="0">
+              <a:solidFill>
+                <a:srgbClr val="000000"/>
+              </a:solidFill>
+              <a:effectLst/>
+              <a:latin typeface="Times New Roman" panose="02020603050405020304" pitchFamily="18" charset="0"/>
+              <a:ea typeface="Calibri" panose="020F0502020204030204" pitchFamily="34" charset="0"/>
+            </a:endParaRPr>
+          </a:p>
+          <a:p>
+            <a:pPr marL="0" marR="0" lvl="0" indent="0" fontAlgn="base">
+              <a:lnSpc>
+                <a:spcPct val="107000"/>
+              </a:lnSpc>
+              <a:spcBef>
+                <a:spcPts val="0"/>
+              </a:spcBef>
+              <a:spcAft>
+                <a:spcPts val="0"/>
+              </a:spcAft>
+              <a:buSzPts val="1000"/>
+              <a:buNone/>
+              <a:tabLst>
+                <a:tab pos="457200" algn="l"/>
+              </a:tabLst>
+            </a:pPr>
+            <a:r>
+              <a:rPr lang="en-US" sz="700" b="1" dirty="0">
+                <a:solidFill>
+                  <a:srgbClr val="000000"/>
+                </a:solidFill>
+                <a:effectLst/>
+                <a:latin typeface="Times New Roman" panose="02020603050405020304" pitchFamily="18" charset="0"/>
+                <a:ea typeface="Times New Roman" panose="02020603050405020304" pitchFamily="18" charset="0"/>
+              </a:rPr>
+              <a:t>Targets</a:t>
+            </a:r>
+            <a:r>
+              <a:rPr lang="en-US" sz="700" dirty="0">
+                <a:solidFill>
+                  <a:srgbClr val="000000"/>
+                </a:solidFill>
+                <a:effectLst/>
+                <a:latin typeface="Times New Roman" panose="02020603050405020304" pitchFamily="18" charset="0"/>
+                <a:ea typeface="Times New Roman" panose="02020603050405020304" pitchFamily="18" charset="0"/>
+              </a:rPr>
+              <a:t>: Media</a:t>
+            </a:r>
+            <a:endParaRPr lang="en-US" sz="700" dirty="0">
+              <a:solidFill>
+                <a:srgbClr val="000000"/>
+              </a:solidFill>
+              <a:effectLst/>
+              <a:latin typeface="Times New Roman" panose="02020603050405020304" pitchFamily="18" charset="0"/>
+              <a:ea typeface="Calibri" panose="020F0502020204030204" pitchFamily="34" charset="0"/>
+            </a:endParaRPr>
+          </a:p>
+          <a:p>
+            <a:pPr marL="0" marR="0" lvl="0" indent="0" fontAlgn="base">
+              <a:lnSpc>
+                <a:spcPct val="107000"/>
+              </a:lnSpc>
+              <a:spcBef>
+                <a:spcPts val="0"/>
+              </a:spcBef>
+              <a:spcAft>
+                <a:spcPts val="0"/>
+              </a:spcAft>
+              <a:buSzPts val="1000"/>
+              <a:buNone/>
+              <a:tabLst>
+                <a:tab pos="457200" algn="l"/>
+              </a:tabLst>
+            </a:pPr>
+            <a:r>
+              <a:rPr lang="en-US" sz="700" b="1" dirty="0">
+                <a:solidFill>
+                  <a:srgbClr val="000000"/>
+                </a:solidFill>
+                <a:effectLst/>
+                <a:latin typeface="Times New Roman" panose="02020603050405020304" pitchFamily="18" charset="0"/>
+                <a:ea typeface="Times New Roman" panose="02020603050405020304" pitchFamily="18" charset="0"/>
+              </a:rPr>
+              <a:t>Purpose:</a:t>
+            </a:r>
+            <a:r>
+              <a:rPr lang="en-US" sz="700" dirty="0">
+                <a:solidFill>
+                  <a:srgbClr val="000000"/>
+                </a:solidFill>
+                <a:effectLst/>
+                <a:latin typeface="Times New Roman" panose="02020603050405020304" pitchFamily="18" charset="0"/>
+                <a:ea typeface="Times New Roman" panose="02020603050405020304" pitchFamily="18" charset="0"/>
+              </a:rPr>
+              <a:t> Disruption</a:t>
+            </a:r>
+            <a:endParaRPr lang="en-US" sz="700" dirty="0">
+              <a:solidFill>
+                <a:srgbClr val="000000"/>
+              </a:solidFill>
+              <a:effectLst/>
+              <a:latin typeface="Times New Roman" panose="02020603050405020304" pitchFamily="18" charset="0"/>
+              <a:ea typeface="Calibri" panose="020F0502020204030204" pitchFamily="34" charset="0"/>
+            </a:endParaRPr>
+          </a:p>
+          <a:p>
+            <a:pPr marL="0" marR="0" lvl="0" indent="0" fontAlgn="base">
+              <a:lnSpc>
+                <a:spcPct val="107000"/>
+              </a:lnSpc>
+              <a:spcBef>
+                <a:spcPts val="0"/>
+              </a:spcBef>
+              <a:spcAft>
+                <a:spcPts val="0"/>
+              </a:spcAft>
+              <a:buSzPts val="1000"/>
+              <a:buNone/>
+              <a:tabLst>
+                <a:tab pos="457200" algn="l"/>
+              </a:tabLst>
+            </a:pPr>
+            <a:r>
+              <a:rPr lang="en-US" sz="700" b="1" dirty="0">
+                <a:solidFill>
+                  <a:srgbClr val="000000"/>
+                </a:solidFill>
+                <a:effectLst/>
+                <a:latin typeface="Times New Roman" panose="02020603050405020304" pitchFamily="18" charset="0"/>
+                <a:ea typeface="Times New Roman" panose="02020603050405020304" pitchFamily="18" charset="0"/>
+              </a:rPr>
+              <a:t>Impact</a:t>
+            </a:r>
+            <a:r>
+              <a:rPr lang="en-US" sz="700" dirty="0">
+                <a:solidFill>
+                  <a:srgbClr val="000000"/>
+                </a:solidFill>
+                <a:effectLst/>
+                <a:latin typeface="Times New Roman" panose="02020603050405020304" pitchFamily="18" charset="0"/>
+                <a:ea typeface="Times New Roman" panose="02020603050405020304" pitchFamily="18" charset="0"/>
+              </a:rPr>
+              <a:t>: Suspected Russian threat actor launched "</a:t>
+            </a:r>
+            <a:r>
+              <a:rPr lang="en-US" sz="700" dirty="0" err="1">
+                <a:solidFill>
+                  <a:srgbClr val="000000"/>
+                </a:solidFill>
+                <a:effectLst/>
+                <a:latin typeface="Times New Roman" panose="02020603050405020304" pitchFamily="18" charset="0"/>
+                <a:ea typeface="Times New Roman" panose="02020603050405020304" pitchFamily="18" charset="0"/>
+              </a:rPr>
+              <a:t>DesertBlade</a:t>
+            </a:r>
+            <a:r>
+              <a:rPr lang="en-US" sz="700" dirty="0">
+                <a:solidFill>
+                  <a:srgbClr val="000000"/>
+                </a:solidFill>
+                <a:effectLst/>
+                <a:latin typeface="Times New Roman" panose="02020603050405020304" pitchFamily="18" charset="0"/>
+                <a:ea typeface="Times New Roman" panose="02020603050405020304" pitchFamily="18" charset="0"/>
+              </a:rPr>
+              <a:t>" malware against a major broadcasting company on March 1, the same day that the Russian military announced its intention to destroy “disinformation” targets in Ukraine and directed a missile strike against a TV tower in Kyiv. The intent was the loss of access to a key source of information for the Ukrainian public.</a:t>
+            </a:r>
+            <a:endParaRPr lang="en-US" sz="700" dirty="0">
+              <a:solidFill>
+                <a:srgbClr val="000000"/>
+              </a:solidFill>
+              <a:effectLst/>
+              <a:latin typeface="Times New Roman" panose="02020603050405020304" pitchFamily="18" charset="0"/>
+              <a:ea typeface="Calibri" panose="020F0502020204030204" pitchFamily="34" charset="0"/>
+            </a:endParaRPr>
+          </a:p>
+          <a:p>
+            <a:pPr marL="0" marR="0" lvl="0" indent="0" fontAlgn="base">
+              <a:lnSpc>
+                <a:spcPct val="107000"/>
+              </a:lnSpc>
+              <a:spcBef>
+                <a:spcPts val="0"/>
+              </a:spcBef>
+              <a:spcAft>
+                <a:spcPts val="0"/>
+              </a:spcAft>
+              <a:buSzPts val="1000"/>
+              <a:buNone/>
+              <a:tabLst>
+                <a:tab pos="457200" algn="l"/>
+              </a:tabLst>
+            </a:pPr>
+            <a:r>
+              <a:rPr lang="en-US" sz="700" b="1" dirty="0">
+                <a:solidFill>
+                  <a:srgbClr val="000000"/>
+                </a:solidFill>
+                <a:effectLst/>
+                <a:latin typeface="Times New Roman" panose="02020603050405020304" pitchFamily="18" charset="0"/>
+                <a:ea typeface="Times New Roman" panose="02020603050405020304" pitchFamily="18" charset="0"/>
+              </a:rPr>
+              <a:t>Confidence</a:t>
+            </a:r>
+            <a:r>
+              <a:rPr lang="en-US" sz="700" dirty="0">
+                <a:solidFill>
+                  <a:srgbClr val="000000"/>
+                </a:solidFill>
+                <a:effectLst/>
+                <a:latin typeface="Times New Roman" panose="02020603050405020304" pitchFamily="18" charset="0"/>
+                <a:ea typeface="Times New Roman" panose="02020603050405020304" pitchFamily="18" charset="0"/>
+              </a:rPr>
+              <a:t>: Probable</a:t>
+            </a:r>
+            <a:endParaRPr lang="en-US" sz="700" dirty="0">
+              <a:solidFill>
+                <a:srgbClr val="000000"/>
+              </a:solidFill>
+              <a:effectLst/>
+              <a:latin typeface="Times New Roman" panose="02020603050405020304" pitchFamily="18" charset="0"/>
+              <a:ea typeface="Calibri" panose="020F0502020204030204" pitchFamily="34" charset="0"/>
+            </a:endParaRPr>
+          </a:p>
+          <a:p>
+            <a:pPr marL="0" marR="0" lvl="0" indent="0" fontAlgn="base">
+              <a:lnSpc>
+                <a:spcPct val="107000"/>
+              </a:lnSpc>
+              <a:spcBef>
+                <a:spcPts val="0"/>
+              </a:spcBef>
+              <a:spcAft>
+                <a:spcPts val="0"/>
+              </a:spcAft>
+              <a:buSzPts val="1000"/>
+              <a:buNone/>
+              <a:tabLst>
+                <a:tab pos="457200" algn="l"/>
+              </a:tabLst>
+            </a:pPr>
+            <a:r>
+              <a:rPr lang="en-US" sz="700" b="1" dirty="0">
+                <a:solidFill>
+                  <a:srgbClr val="000000"/>
+                </a:solidFill>
+                <a:effectLst/>
+                <a:latin typeface="Times New Roman" panose="02020603050405020304" pitchFamily="18" charset="0"/>
+                <a:ea typeface="Times New Roman" panose="02020603050405020304" pitchFamily="18" charset="0"/>
+              </a:rPr>
+              <a:t>Threat</a:t>
+            </a:r>
+            <a:r>
+              <a:rPr lang="en-US" sz="700" dirty="0">
+                <a:solidFill>
+                  <a:srgbClr val="000000"/>
+                </a:solidFill>
+                <a:effectLst/>
+                <a:latin typeface="Times New Roman" panose="02020603050405020304" pitchFamily="18" charset="0"/>
+                <a:ea typeface="Times New Roman" panose="02020603050405020304" pitchFamily="18" charset="0"/>
+              </a:rPr>
+              <a:t> </a:t>
+            </a:r>
+            <a:r>
+              <a:rPr lang="en-US" sz="700" b="1" dirty="0">
+                <a:solidFill>
+                  <a:srgbClr val="000000"/>
+                </a:solidFill>
+                <a:effectLst/>
+                <a:latin typeface="Times New Roman" panose="02020603050405020304" pitchFamily="18" charset="0"/>
+                <a:ea typeface="Times New Roman" panose="02020603050405020304" pitchFamily="18" charset="0"/>
+              </a:rPr>
+              <a:t>Actor</a:t>
+            </a:r>
+            <a:r>
+              <a:rPr lang="en-US" sz="700" dirty="0">
+                <a:solidFill>
+                  <a:srgbClr val="000000"/>
+                </a:solidFill>
+                <a:effectLst/>
+                <a:latin typeface="Times New Roman" panose="02020603050405020304" pitchFamily="18" charset="0"/>
+                <a:ea typeface="Times New Roman" panose="02020603050405020304" pitchFamily="18" charset="0"/>
+              </a:rPr>
+              <a:t>: Unknown</a:t>
+            </a:r>
+            <a:endParaRPr lang="en-US" sz="700" dirty="0">
+              <a:solidFill>
+                <a:srgbClr val="000000"/>
+              </a:solidFill>
+              <a:effectLst/>
+              <a:latin typeface="Times New Roman" panose="02020603050405020304" pitchFamily="18" charset="0"/>
+              <a:ea typeface="Calibri" panose="020F0502020204030204" pitchFamily="34" charset="0"/>
+            </a:endParaRPr>
+          </a:p>
+          <a:p>
+            <a:pPr marL="0" marR="0" lvl="0" indent="0" fontAlgn="base">
+              <a:lnSpc>
+                <a:spcPct val="107000"/>
+              </a:lnSpc>
+              <a:spcBef>
+                <a:spcPts val="0"/>
+              </a:spcBef>
+              <a:spcAft>
+                <a:spcPts val="1200"/>
+              </a:spcAft>
+              <a:buSzPts val="1000"/>
+              <a:buNone/>
+              <a:tabLst>
+                <a:tab pos="457200" algn="l"/>
+              </a:tabLst>
+            </a:pPr>
+            <a:r>
+              <a:rPr lang="en-US" sz="700" b="1" dirty="0">
+                <a:solidFill>
+                  <a:srgbClr val="000000"/>
+                </a:solidFill>
+                <a:effectLst/>
+                <a:latin typeface="Times New Roman" panose="02020603050405020304" pitchFamily="18" charset="0"/>
+                <a:ea typeface="Times New Roman" panose="02020603050405020304" pitchFamily="18" charset="0"/>
+              </a:rPr>
+              <a:t>References</a:t>
+            </a:r>
+            <a:r>
+              <a:rPr lang="en-US" sz="700" dirty="0">
+                <a:solidFill>
+                  <a:srgbClr val="000000"/>
+                </a:solidFill>
+                <a:effectLst/>
+                <a:latin typeface="Times New Roman" panose="02020603050405020304" pitchFamily="18" charset="0"/>
+                <a:ea typeface="Times New Roman" panose="02020603050405020304" pitchFamily="18" charset="0"/>
+              </a:rPr>
+              <a:t>: </a:t>
+            </a:r>
+            <a:r>
+              <a:rPr lang="en-US" sz="700" u="sng" dirty="0">
+                <a:solidFill>
+                  <a:srgbClr val="1155CC"/>
+                </a:solidFill>
+                <a:effectLst/>
+                <a:latin typeface="Times New Roman" panose="02020603050405020304" pitchFamily="18" charset="0"/>
+                <a:ea typeface="Times New Roman" panose="02020603050405020304" pitchFamily="18" charset="0"/>
+                <a:hlinkClick r:id="rId2"/>
+              </a:rPr>
+              <a:t>Microsoft</a:t>
+            </a:r>
+            <a:endParaRPr lang="en-US" sz="700" dirty="0">
+              <a:solidFill>
+                <a:srgbClr val="000000"/>
+              </a:solidFill>
+              <a:effectLst/>
+              <a:latin typeface="Times New Roman" panose="02020603050405020304" pitchFamily="18" charset="0"/>
+              <a:ea typeface="Calibri" panose="020F0502020204030204" pitchFamily="34" charset="0"/>
+            </a:endParaRPr>
+          </a:p>
+          <a:p>
+            <a:pPr marL="0" marR="0" indent="0">
+              <a:lnSpc>
+                <a:spcPct val="107000"/>
+              </a:lnSpc>
+              <a:spcBef>
+                <a:spcPts val="1200"/>
+              </a:spcBef>
+              <a:spcAft>
+                <a:spcPts val="1200"/>
+              </a:spcAft>
+              <a:buNone/>
+            </a:pPr>
+            <a:r>
+              <a:rPr lang="en-US" sz="700" b="1" dirty="0">
+                <a:solidFill>
+                  <a:srgbClr val="000000"/>
+                </a:solidFill>
+                <a:effectLst/>
+                <a:latin typeface="Times New Roman" panose="02020603050405020304" pitchFamily="18" charset="0"/>
+                <a:ea typeface="Times New Roman" panose="02020603050405020304" pitchFamily="18" charset="0"/>
+              </a:rPr>
+              <a:t>3-13-2022 – </a:t>
+            </a:r>
+            <a:r>
+              <a:rPr lang="en-US" sz="700" b="1" dirty="0" err="1">
+                <a:solidFill>
+                  <a:srgbClr val="000000"/>
+                </a:solidFill>
+                <a:effectLst/>
+                <a:latin typeface="Times New Roman" panose="02020603050405020304" pitchFamily="18" charset="0"/>
+                <a:ea typeface="Times New Roman" panose="02020603050405020304" pitchFamily="18" charset="0"/>
+              </a:rPr>
+              <a:t>CaddyWiper</a:t>
+            </a:r>
+            <a:r>
+              <a:rPr lang="en-US" sz="700" b="1" dirty="0">
+                <a:solidFill>
+                  <a:srgbClr val="000000"/>
+                </a:solidFill>
+                <a:effectLst/>
+                <a:latin typeface="Times New Roman" panose="02020603050405020304" pitchFamily="18" charset="0"/>
+                <a:ea typeface="Times New Roman" panose="02020603050405020304" pitchFamily="18" charset="0"/>
+              </a:rPr>
+              <a:t> By</a:t>
+            </a:r>
+            <a:r>
+              <a:rPr lang="en-US" sz="700" dirty="0">
+                <a:solidFill>
+                  <a:srgbClr val="000000"/>
+                </a:solidFill>
+                <a:effectLst/>
+                <a:latin typeface="Times New Roman" panose="02020603050405020304" pitchFamily="18" charset="0"/>
+                <a:ea typeface="Times New Roman" panose="02020603050405020304" pitchFamily="18" charset="0"/>
+              </a:rPr>
+              <a:t>: Russia</a:t>
+            </a:r>
+            <a:endParaRPr lang="en-US" sz="700" dirty="0">
+              <a:solidFill>
+                <a:srgbClr val="000000"/>
+              </a:solidFill>
+              <a:effectLst/>
+              <a:latin typeface="Times New Roman" panose="02020603050405020304" pitchFamily="18" charset="0"/>
+              <a:ea typeface="Calibri" panose="020F0502020204030204" pitchFamily="34" charset="0"/>
+            </a:endParaRPr>
+          </a:p>
+          <a:p>
+            <a:pPr marL="0" marR="0" lvl="0" indent="0" fontAlgn="base">
+              <a:lnSpc>
+                <a:spcPct val="107000"/>
+              </a:lnSpc>
+              <a:spcBef>
+                <a:spcPts val="0"/>
+              </a:spcBef>
+              <a:spcAft>
+                <a:spcPts val="0"/>
+              </a:spcAft>
+              <a:buSzPts val="1000"/>
+              <a:buNone/>
+              <a:tabLst>
+                <a:tab pos="457200" algn="l"/>
+              </a:tabLst>
+            </a:pPr>
+            <a:r>
+              <a:rPr lang="en-US" sz="700" b="1" dirty="0">
+                <a:solidFill>
+                  <a:srgbClr val="000000"/>
+                </a:solidFill>
+                <a:effectLst/>
+                <a:latin typeface="Times New Roman" panose="02020603050405020304" pitchFamily="18" charset="0"/>
+                <a:ea typeface="Times New Roman" panose="02020603050405020304" pitchFamily="18" charset="0"/>
+              </a:rPr>
+              <a:t>Victim</a:t>
+            </a:r>
+            <a:r>
+              <a:rPr lang="en-US" sz="700" dirty="0">
+                <a:solidFill>
+                  <a:srgbClr val="000000"/>
+                </a:solidFill>
+                <a:effectLst/>
+                <a:latin typeface="Times New Roman" panose="02020603050405020304" pitchFamily="18" charset="0"/>
+                <a:ea typeface="Times New Roman" panose="02020603050405020304" pitchFamily="18" charset="0"/>
+              </a:rPr>
+              <a:t>: Ukraine</a:t>
+            </a:r>
+            <a:endParaRPr lang="en-US" sz="700" dirty="0">
+              <a:solidFill>
+                <a:srgbClr val="000000"/>
+              </a:solidFill>
+              <a:effectLst/>
+              <a:latin typeface="Times New Roman" panose="02020603050405020304" pitchFamily="18" charset="0"/>
+              <a:ea typeface="Calibri" panose="020F0502020204030204" pitchFamily="34" charset="0"/>
+            </a:endParaRPr>
+          </a:p>
+          <a:p>
+            <a:pPr marL="0" marR="0" lvl="0" indent="0" fontAlgn="base">
+              <a:lnSpc>
+                <a:spcPct val="107000"/>
+              </a:lnSpc>
+              <a:spcBef>
+                <a:spcPts val="0"/>
+              </a:spcBef>
+              <a:spcAft>
+                <a:spcPts val="0"/>
+              </a:spcAft>
+              <a:buSzPts val="1000"/>
+              <a:buNone/>
+              <a:tabLst>
+                <a:tab pos="457200" algn="l"/>
+              </a:tabLst>
+            </a:pPr>
+            <a:r>
+              <a:rPr lang="en-US" sz="700" b="1" dirty="0">
+                <a:solidFill>
+                  <a:srgbClr val="000000"/>
+                </a:solidFill>
+                <a:effectLst/>
+                <a:latin typeface="Times New Roman" panose="02020603050405020304" pitchFamily="18" charset="0"/>
+                <a:ea typeface="Times New Roman" panose="02020603050405020304" pitchFamily="18" charset="0"/>
+              </a:rPr>
+              <a:t>Type</a:t>
+            </a:r>
+            <a:r>
+              <a:rPr lang="en-US" sz="700" dirty="0">
+                <a:solidFill>
+                  <a:srgbClr val="000000"/>
+                </a:solidFill>
+                <a:effectLst/>
+                <a:latin typeface="Times New Roman" panose="02020603050405020304" pitchFamily="18" charset="0"/>
+                <a:ea typeface="Times New Roman" panose="02020603050405020304" pitchFamily="18" charset="0"/>
+              </a:rPr>
+              <a:t>: Wiper</a:t>
+            </a:r>
+            <a:endParaRPr lang="en-US" sz="700" dirty="0">
+              <a:solidFill>
+                <a:srgbClr val="000000"/>
+              </a:solidFill>
+              <a:effectLst/>
+              <a:latin typeface="Times New Roman" panose="02020603050405020304" pitchFamily="18" charset="0"/>
+              <a:ea typeface="Calibri" panose="020F0502020204030204" pitchFamily="34" charset="0"/>
+            </a:endParaRPr>
+          </a:p>
+          <a:p>
+            <a:pPr marL="0" marR="0" lvl="0" indent="0" fontAlgn="base">
+              <a:lnSpc>
+                <a:spcPct val="107000"/>
+              </a:lnSpc>
+              <a:spcBef>
+                <a:spcPts val="0"/>
+              </a:spcBef>
+              <a:spcAft>
+                <a:spcPts val="0"/>
+              </a:spcAft>
+              <a:buSzPts val="1000"/>
+              <a:buNone/>
+              <a:tabLst>
+                <a:tab pos="457200" algn="l"/>
+              </a:tabLst>
+            </a:pPr>
+            <a:r>
+              <a:rPr lang="en-US" sz="700" b="1" dirty="0">
+                <a:solidFill>
+                  <a:srgbClr val="000000"/>
+                </a:solidFill>
+                <a:effectLst/>
+                <a:latin typeface="Times New Roman" panose="02020603050405020304" pitchFamily="18" charset="0"/>
+                <a:ea typeface="Times New Roman" panose="02020603050405020304" pitchFamily="18" charset="0"/>
+              </a:rPr>
+              <a:t>Targets</a:t>
+            </a:r>
+            <a:r>
+              <a:rPr lang="en-US" sz="700" dirty="0">
+                <a:solidFill>
+                  <a:srgbClr val="000000"/>
+                </a:solidFill>
+                <a:effectLst/>
+                <a:latin typeface="Times New Roman" panose="02020603050405020304" pitchFamily="18" charset="0"/>
+                <a:ea typeface="Times New Roman" panose="02020603050405020304" pitchFamily="18" charset="0"/>
+              </a:rPr>
+              <a:t>: Unknown</a:t>
+            </a:r>
+            <a:endParaRPr lang="en-US" sz="700" dirty="0">
+              <a:solidFill>
+                <a:srgbClr val="000000"/>
+              </a:solidFill>
+              <a:effectLst/>
+              <a:latin typeface="Times New Roman" panose="02020603050405020304" pitchFamily="18" charset="0"/>
+              <a:ea typeface="Calibri" panose="020F0502020204030204" pitchFamily="34" charset="0"/>
+            </a:endParaRPr>
+          </a:p>
+          <a:p>
+            <a:pPr marL="0" marR="0" lvl="0" indent="0" fontAlgn="base">
+              <a:lnSpc>
+                <a:spcPct val="107000"/>
+              </a:lnSpc>
+              <a:spcBef>
+                <a:spcPts val="0"/>
+              </a:spcBef>
+              <a:spcAft>
+                <a:spcPts val="0"/>
+              </a:spcAft>
+              <a:buSzPts val="1000"/>
+              <a:buNone/>
+              <a:tabLst>
+                <a:tab pos="457200" algn="l"/>
+              </a:tabLst>
+            </a:pPr>
+            <a:r>
+              <a:rPr lang="en-US" sz="700" b="1" dirty="0">
+                <a:solidFill>
+                  <a:srgbClr val="000000"/>
+                </a:solidFill>
+                <a:effectLst/>
+                <a:latin typeface="Times New Roman" panose="02020603050405020304" pitchFamily="18" charset="0"/>
+                <a:ea typeface="Times New Roman" panose="02020603050405020304" pitchFamily="18" charset="0"/>
+              </a:rPr>
+              <a:t>Purpose:</a:t>
+            </a:r>
+            <a:r>
+              <a:rPr lang="en-US" sz="700" dirty="0">
+                <a:solidFill>
+                  <a:srgbClr val="000000"/>
+                </a:solidFill>
+                <a:effectLst/>
+                <a:latin typeface="Times New Roman" panose="02020603050405020304" pitchFamily="18" charset="0"/>
+                <a:ea typeface="Times New Roman" panose="02020603050405020304" pitchFamily="18" charset="0"/>
+              </a:rPr>
+              <a:t> Destruction</a:t>
+            </a:r>
+            <a:endParaRPr lang="en-US" sz="700" dirty="0">
+              <a:solidFill>
+                <a:srgbClr val="000000"/>
+              </a:solidFill>
+              <a:effectLst/>
+              <a:latin typeface="Times New Roman" panose="02020603050405020304" pitchFamily="18" charset="0"/>
+              <a:ea typeface="Calibri" panose="020F0502020204030204" pitchFamily="34" charset="0"/>
+            </a:endParaRPr>
+          </a:p>
+          <a:p>
+            <a:pPr marL="0" marR="0" lvl="0" indent="0" fontAlgn="base">
+              <a:lnSpc>
+                <a:spcPct val="107000"/>
+              </a:lnSpc>
+              <a:spcBef>
+                <a:spcPts val="0"/>
+              </a:spcBef>
+              <a:spcAft>
+                <a:spcPts val="0"/>
+              </a:spcAft>
+              <a:buSzPts val="1000"/>
+              <a:buNone/>
+              <a:tabLst>
+                <a:tab pos="457200" algn="l"/>
+              </a:tabLst>
+            </a:pPr>
+            <a:r>
+              <a:rPr lang="en-US" sz="700" b="1" dirty="0">
+                <a:solidFill>
+                  <a:srgbClr val="000000"/>
+                </a:solidFill>
+                <a:effectLst/>
+                <a:latin typeface="Times New Roman" panose="02020603050405020304" pitchFamily="18" charset="0"/>
+                <a:ea typeface="Times New Roman" panose="02020603050405020304" pitchFamily="18" charset="0"/>
+              </a:rPr>
+              <a:t>Impact</a:t>
+            </a:r>
+            <a:r>
+              <a:rPr lang="en-US" sz="700" dirty="0">
+                <a:solidFill>
+                  <a:srgbClr val="000000"/>
+                </a:solidFill>
+                <a:effectLst/>
+                <a:latin typeface="Times New Roman" panose="02020603050405020304" pitchFamily="18" charset="0"/>
+                <a:ea typeface="Times New Roman" panose="02020603050405020304" pitchFamily="18" charset="0"/>
+              </a:rPr>
+              <a:t>: ESET researchers have uncovered yet another destructive data wiper that was used in attacks against a limited number of organizations in Ukraine. No code similarities to either </a:t>
+            </a:r>
+            <a:r>
+              <a:rPr lang="en-US" sz="700" dirty="0" err="1">
+                <a:solidFill>
+                  <a:srgbClr val="000000"/>
+                </a:solidFill>
+                <a:effectLst/>
+                <a:latin typeface="Times New Roman" panose="02020603050405020304" pitchFamily="18" charset="0"/>
+                <a:ea typeface="Times New Roman" panose="02020603050405020304" pitchFamily="18" charset="0"/>
+              </a:rPr>
+              <a:t>HermeticWiper</a:t>
+            </a:r>
+            <a:r>
+              <a:rPr lang="en-US" sz="700" dirty="0">
+                <a:solidFill>
+                  <a:srgbClr val="000000"/>
+                </a:solidFill>
+                <a:effectLst/>
+                <a:latin typeface="Times New Roman" panose="02020603050405020304" pitchFamily="18" charset="0"/>
+                <a:ea typeface="Times New Roman" panose="02020603050405020304" pitchFamily="18" charset="0"/>
+              </a:rPr>
+              <a:t> or </a:t>
+            </a:r>
+            <a:r>
+              <a:rPr lang="en-US" sz="700" dirty="0" err="1">
+                <a:solidFill>
+                  <a:srgbClr val="000000"/>
+                </a:solidFill>
+                <a:effectLst/>
+                <a:latin typeface="Times New Roman" panose="02020603050405020304" pitchFamily="18" charset="0"/>
+                <a:ea typeface="Times New Roman" panose="02020603050405020304" pitchFamily="18" charset="0"/>
+              </a:rPr>
+              <a:t>IsaacWiper</a:t>
+            </a:r>
+            <a:r>
+              <a:rPr lang="en-US" sz="700" dirty="0">
+                <a:solidFill>
+                  <a:srgbClr val="000000"/>
+                </a:solidFill>
+                <a:effectLst/>
+                <a:latin typeface="Times New Roman" panose="02020603050405020304" pitchFamily="18" charset="0"/>
+                <a:ea typeface="Times New Roman" panose="02020603050405020304" pitchFamily="18" charset="0"/>
+              </a:rPr>
+              <a:t> were identified. There’s evidence to suggest that the threat actors behind </a:t>
+            </a:r>
+            <a:r>
+              <a:rPr lang="en-US" sz="700" dirty="0" err="1">
+                <a:solidFill>
+                  <a:srgbClr val="000000"/>
+                </a:solidFill>
+                <a:effectLst/>
+                <a:latin typeface="Times New Roman" panose="02020603050405020304" pitchFamily="18" charset="0"/>
+                <a:ea typeface="Times New Roman" panose="02020603050405020304" pitchFamily="18" charset="0"/>
+              </a:rPr>
+              <a:t>CaddyWiper</a:t>
+            </a:r>
+            <a:r>
+              <a:rPr lang="en-US" sz="700" dirty="0">
+                <a:solidFill>
+                  <a:srgbClr val="000000"/>
+                </a:solidFill>
+                <a:effectLst/>
+                <a:latin typeface="Times New Roman" panose="02020603050405020304" pitchFamily="18" charset="0"/>
+                <a:ea typeface="Times New Roman" panose="02020603050405020304" pitchFamily="18" charset="0"/>
+              </a:rPr>
+              <a:t> infiltrated the target’s network before executing the wiper.</a:t>
+            </a:r>
+            <a:endParaRPr lang="en-US" sz="700" dirty="0">
+              <a:solidFill>
+                <a:srgbClr val="000000"/>
+              </a:solidFill>
+              <a:effectLst/>
+              <a:latin typeface="Times New Roman" panose="02020603050405020304" pitchFamily="18" charset="0"/>
+              <a:ea typeface="Calibri" panose="020F0502020204030204" pitchFamily="34" charset="0"/>
+            </a:endParaRPr>
+          </a:p>
+          <a:p>
+            <a:pPr marL="0" marR="0" lvl="0" indent="0" fontAlgn="base">
+              <a:lnSpc>
+                <a:spcPct val="107000"/>
+              </a:lnSpc>
+              <a:spcBef>
+                <a:spcPts val="0"/>
+              </a:spcBef>
+              <a:spcAft>
+                <a:spcPts val="0"/>
+              </a:spcAft>
+              <a:buSzPts val="1000"/>
+              <a:buNone/>
+              <a:tabLst>
+                <a:tab pos="457200" algn="l"/>
+              </a:tabLst>
+            </a:pPr>
+            <a:r>
+              <a:rPr lang="en-US" sz="700" b="1" dirty="0">
+                <a:solidFill>
+                  <a:srgbClr val="000000"/>
+                </a:solidFill>
+                <a:effectLst/>
+                <a:latin typeface="Times New Roman" panose="02020603050405020304" pitchFamily="18" charset="0"/>
+                <a:ea typeface="Times New Roman" panose="02020603050405020304" pitchFamily="18" charset="0"/>
+              </a:rPr>
+              <a:t>Confidence</a:t>
+            </a:r>
+            <a:r>
+              <a:rPr lang="en-US" sz="700" dirty="0">
+                <a:solidFill>
+                  <a:srgbClr val="000000"/>
+                </a:solidFill>
+                <a:effectLst/>
+                <a:latin typeface="Times New Roman" panose="02020603050405020304" pitchFamily="18" charset="0"/>
+                <a:ea typeface="Times New Roman" panose="02020603050405020304" pitchFamily="18" charset="0"/>
+              </a:rPr>
+              <a:t>: Confirmed</a:t>
+            </a:r>
+            <a:endParaRPr lang="en-US" sz="700" dirty="0">
+              <a:solidFill>
+                <a:srgbClr val="000000"/>
+              </a:solidFill>
+              <a:effectLst/>
+              <a:latin typeface="Times New Roman" panose="02020603050405020304" pitchFamily="18" charset="0"/>
+              <a:ea typeface="Calibri" panose="020F0502020204030204" pitchFamily="34" charset="0"/>
+            </a:endParaRPr>
+          </a:p>
+          <a:p>
+            <a:pPr marL="0" marR="0" lvl="0" indent="0" fontAlgn="base">
+              <a:lnSpc>
+                <a:spcPct val="107000"/>
+              </a:lnSpc>
+              <a:spcBef>
+                <a:spcPts val="0"/>
+              </a:spcBef>
+              <a:spcAft>
+                <a:spcPts val="0"/>
+              </a:spcAft>
+              <a:buSzPts val="1000"/>
+              <a:buNone/>
+              <a:tabLst>
+                <a:tab pos="457200" algn="l"/>
+              </a:tabLst>
+            </a:pPr>
+            <a:r>
+              <a:rPr lang="en-US" sz="700" b="1" dirty="0">
+                <a:solidFill>
+                  <a:srgbClr val="000000"/>
+                </a:solidFill>
+                <a:effectLst/>
+                <a:latin typeface="Times New Roman" panose="02020603050405020304" pitchFamily="18" charset="0"/>
+                <a:ea typeface="Times New Roman" panose="02020603050405020304" pitchFamily="18" charset="0"/>
+              </a:rPr>
+              <a:t>Threat</a:t>
+            </a:r>
+            <a:r>
+              <a:rPr lang="en-US" sz="700" dirty="0">
+                <a:solidFill>
+                  <a:srgbClr val="000000"/>
+                </a:solidFill>
+                <a:effectLst/>
+                <a:latin typeface="Times New Roman" panose="02020603050405020304" pitchFamily="18" charset="0"/>
+                <a:ea typeface="Times New Roman" panose="02020603050405020304" pitchFamily="18" charset="0"/>
+              </a:rPr>
+              <a:t> </a:t>
+            </a:r>
+            <a:r>
+              <a:rPr lang="en-US" sz="700" b="1" dirty="0">
+                <a:solidFill>
+                  <a:srgbClr val="000000"/>
+                </a:solidFill>
+                <a:effectLst/>
+                <a:latin typeface="Times New Roman" panose="02020603050405020304" pitchFamily="18" charset="0"/>
+                <a:ea typeface="Times New Roman" panose="02020603050405020304" pitchFamily="18" charset="0"/>
+              </a:rPr>
+              <a:t>Actor</a:t>
+            </a:r>
+            <a:r>
+              <a:rPr lang="en-US" sz="700" dirty="0">
+                <a:solidFill>
+                  <a:srgbClr val="000000"/>
+                </a:solidFill>
+                <a:effectLst/>
+                <a:latin typeface="Times New Roman" panose="02020603050405020304" pitchFamily="18" charset="0"/>
+                <a:ea typeface="Times New Roman" panose="02020603050405020304" pitchFamily="18" charset="0"/>
+              </a:rPr>
+              <a:t>: Sandworm</a:t>
+            </a:r>
+            <a:endParaRPr lang="en-US" sz="700" dirty="0">
+              <a:solidFill>
+                <a:srgbClr val="000000"/>
+              </a:solidFill>
+              <a:effectLst/>
+              <a:latin typeface="Times New Roman" panose="02020603050405020304" pitchFamily="18" charset="0"/>
+              <a:ea typeface="Calibri" panose="020F0502020204030204" pitchFamily="34" charset="0"/>
+            </a:endParaRPr>
+          </a:p>
+          <a:p>
+            <a:pPr marL="0" marR="0" lvl="0" indent="0" fontAlgn="base">
+              <a:lnSpc>
+                <a:spcPct val="107000"/>
+              </a:lnSpc>
+              <a:spcBef>
+                <a:spcPts val="0"/>
+              </a:spcBef>
+              <a:spcAft>
+                <a:spcPts val="1200"/>
+              </a:spcAft>
+              <a:buSzPts val="1000"/>
+              <a:buNone/>
+              <a:tabLst>
+                <a:tab pos="457200" algn="l"/>
+              </a:tabLst>
+            </a:pPr>
+            <a:r>
+              <a:rPr lang="en-US" sz="700" dirty="0">
+                <a:solidFill>
+                  <a:srgbClr val="000000"/>
+                </a:solidFill>
+                <a:effectLst/>
+                <a:latin typeface="Times New Roman" panose="02020603050405020304" pitchFamily="18" charset="0"/>
+                <a:ea typeface="Times New Roman" panose="02020603050405020304" pitchFamily="18" charset="0"/>
+              </a:rPr>
+              <a:t> </a:t>
+            </a:r>
+            <a:r>
+              <a:rPr lang="en-US" sz="700" b="1" dirty="0">
+                <a:solidFill>
+                  <a:srgbClr val="000000"/>
+                </a:solidFill>
+                <a:effectLst/>
+                <a:latin typeface="Times New Roman" panose="02020603050405020304" pitchFamily="18" charset="0"/>
+                <a:ea typeface="Times New Roman" panose="02020603050405020304" pitchFamily="18" charset="0"/>
+              </a:rPr>
+              <a:t>References</a:t>
+            </a:r>
+            <a:r>
+              <a:rPr lang="en-US" sz="700" dirty="0">
+                <a:solidFill>
+                  <a:srgbClr val="000000"/>
+                </a:solidFill>
+                <a:effectLst/>
+                <a:latin typeface="Times New Roman" panose="02020603050405020304" pitchFamily="18" charset="0"/>
+                <a:ea typeface="Times New Roman" panose="02020603050405020304" pitchFamily="18" charset="0"/>
+              </a:rPr>
+              <a:t>:</a:t>
+            </a:r>
+            <a:r>
+              <a:rPr lang="en-US" sz="700" u="sng" dirty="0">
+                <a:solidFill>
+                  <a:srgbClr val="000000"/>
+                </a:solidFill>
+                <a:effectLst/>
+                <a:latin typeface="Times New Roman" panose="02020603050405020304" pitchFamily="18" charset="0"/>
+                <a:ea typeface="Times New Roman" panose="02020603050405020304" pitchFamily="18" charset="0"/>
+                <a:hlinkClick r:id="rId3"/>
+              </a:rPr>
+              <a:t> </a:t>
+            </a:r>
+            <a:r>
+              <a:rPr lang="en-US" sz="700" u="sng" dirty="0">
+                <a:solidFill>
+                  <a:srgbClr val="1155CC"/>
+                </a:solidFill>
+                <a:effectLst/>
+                <a:latin typeface="Times New Roman" panose="02020603050405020304" pitchFamily="18" charset="0"/>
+                <a:ea typeface="Times New Roman" panose="02020603050405020304" pitchFamily="18" charset="0"/>
+                <a:hlinkClick r:id="rId3"/>
+              </a:rPr>
+              <a:t>ESET</a:t>
+            </a:r>
+            <a:r>
+              <a:rPr lang="en-US" sz="700" dirty="0">
+                <a:solidFill>
+                  <a:srgbClr val="000000"/>
+                </a:solidFill>
+                <a:effectLst/>
+                <a:latin typeface="Times New Roman" panose="02020603050405020304" pitchFamily="18" charset="0"/>
+                <a:ea typeface="Times New Roman" panose="02020603050405020304" pitchFamily="18" charset="0"/>
+              </a:rPr>
+              <a:t>,</a:t>
+            </a:r>
+            <a:r>
+              <a:rPr lang="en-US" sz="700" u="sng" dirty="0">
+                <a:solidFill>
+                  <a:srgbClr val="000000"/>
+                </a:solidFill>
+                <a:effectLst/>
+                <a:latin typeface="Times New Roman" panose="02020603050405020304" pitchFamily="18" charset="0"/>
+                <a:ea typeface="Times New Roman" panose="02020603050405020304" pitchFamily="18" charset="0"/>
+                <a:hlinkClick r:id="rId4"/>
+              </a:rPr>
+              <a:t> </a:t>
+            </a:r>
+            <a:r>
+              <a:rPr lang="en-US" sz="700" u="sng" dirty="0">
+                <a:solidFill>
+                  <a:srgbClr val="1155CC"/>
+                </a:solidFill>
+                <a:effectLst/>
+                <a:latin typeface="Times New Roman" panose="02020603050405020304" pitchFamily="18" charset="0"/>
+                <a:ea typeface="Times New Roman" panose="02020603050405020304" pitchFamily="18" charset="0"/>
+                <a:hlinkClick r:id="rId4"/>
+              </a:rPr>
+              <a:t>Bleeping Computer</a:t>
+            </a:r>
+            <a:endParaRPr lang="en-US" sz="700" dirty="0">
+              <a:solidFill>
+                <a:srgbClr val="000000"/>
+              </a:solidFill>
+              <a:effectLst/>
+              <a:latin typeface="Times New Roman" panose="02020603050405020304" pitchFamily="18" charset="0"/>
+              <a:ea typeface="Calibri" panose="020F0502020204030204" pitchFamily="34" charset="0"/>
+            </a:endParaRPr>
+          </a:p>
+          <a:p>
+            <a:pPr marL="0" indent="0">
+              <a:buNone/>
+            </a:pPr>
+            <a:endParaRPr lang="en-US" sz="700" dirty="0"/>
+          </a:p>
+        </p:txBody>
+      </p:sp>
+      <p:sp>
+        <p:nvSpPr>
+          <p:cNvPr id="4" name="Slide Number Placeholder 3">
+            <a:extLst>
+              <a:ext uri="{FF2B5EF4-FFF2-40B4-BE49-F238E27FC236}">
+                <a16:creationId xmlns:a16="http://schemas.microsoft.com/office/drawing/2014/main" id="{EE7EAE9B-FC24-418D-BFD6-EDBE1013C70B}"/>
+              </a:ext>
+            </a:extLst>
+          </p:cNvPr>
+          <p:cNvSpPr>
+            <a:spLocks noGrp="1"/>
+          </p:cNvSpPr>
+          <p:nvPr>
+            <p:ph type="sldNum" sz="quarter" idx="10"/>
+          </p:nvPr>
+        </p:nvSpPr>
+        <p:spPr/>
+        <p:txBody>
+          <a:bodyPr/>
+          <a:lstStyle/>
+          <a:p>
+            <a:pPr>
+              <a:defRPr/>
+            </a:pPr>
+            <a:fld id="{EF611178-6C3A-F247-8731-699DBDA96700}" type="slidenum">
+              <a:rPr lang="en-US" altLang="en-US" smtClean="0"/>
+              <a:pPr>
+                <a:defRPr/>
+              </a:pPr>
+              <a:t>30</a:t>
+            </a:fld>
+            <a:endParaRPr lang="en-US" altLang="en-US" dirty="0"/>
+          </a:p>
+        </p:txBody>
+      </p:sp>
+    </p:spTree>
+    <p:extLst>
+      <p:ext uri="{BB962C8B-B14F-4D97-AF65-F5344CB8AC3E}">
+        <p14:creationId xmlns:p14="http://schemas.microsoft.com/office/powerpoint/2010/main" val="4270896503"/>
+      </p:ext>
+    </p:extLst>
+  </p:cSld>
+  <p:clrMapOvr>
+    <a:masterClrMapping/>
+  </p:clrMapOvr>
+</p:sld>
+</file>
+
+<file path=ppt/slides/slide31.xml><?xml version="1.0" encoding="utf-8"?>
+<p:sld xmlns:a="http://schemas.openxmlformats.org/drawingml/2006/main" xmlns:r="http://schemas.openxmlformats.org/officeDocument/2006/relationships" xmlns:p="http://schemas.openxmlformats.org/presentationml/2006/main">
+  <p:cSld>
+    <p:spTree>
+      <p:nvGrpSpPr>
+        <p:cNvPr id="1" name=""/>
+        <p:cNvGrpSpPr/>
+        <p:nvPr/>
+      </p:nvGrpSpPr>
+      <p:grpSpPr>
+        <a:xfrm>
+          <a:off x="0" y="0"/>
+          <a:ext cx="0" cy="0"/>
+          <a:chOff x="0" y="0"/>
+          <a:chExt cx="0" cy="0"/>
+        </a:xfrm>
+      </p:grpSpPr>
+      <p:sp>
+        <p:nvSpPr>
+          <p:cNvPr id="2" name="Title 1">
+            <a:extLst>
+              <a:ext uri="{FF2B5EF4-FFF2-40B4-BE49-F238E27FC236}">
                 <a16:creationId xmlns:a16="http://schemas.microsoft.com/office/drawing/2014/main" id="{6F8BDF20-23E6-490A-A7B5-7F2F2A889CE2}"/>
               </a:ext>
             </a:extLst>
@@ -19053,7 +19213,7 @@
               <a:pPr>
                 <a:defRPr/>
               </a:pPr>
-              <a:t>30</a:t>
+              <a:t>31</a:t>
             </a:fld>
             <a:endParaRPr lang="en-US" altLang="en-US" dirty="0"/>
           </a:p>
@@ -19072,7 +19232,7 @@
 </p:sld>
 </file>
 
-<file path=ppt/slides/slide31.xml><?xml version="1.0" encoding="utf-8"?>
+<file path=ppt/slides/slide32.xml><?xml version="1.0" encoding="utf-8"?>
 <p:sld xmlns:a="http://schemas.openxmlformats.org/drawingml/2006/main" xmlns:r="http://schemas.openxmlformats.org/officeDocument/2006/relationships" xmlns:p="http://schemas.openxmlformats.org/presentationml/2006/main">
   <p:cSld>
     <p:spTree>
@@ -19459,7 +19619,7 @@
               <a:pPr>
                 <a:defRPr/>
               </a:pPr>
-              <a:t>31</a:t>
+              <a:t>32</a:t>
             </a:fld>
             <a:endParaRPr lang="en-US" altLang="en-US" dirty="0"/>
           </a:p>
@@ -19478,7 +19638,7 @@
 </p:sld>
 </file>
 
-<file path=ppt/slides/slide32.xml><?xml version="1.0" encoding="utf-8"?>
+<file path=ppt/slides/slide33.xml><?xml version="1.0" encoding="utf-8"?>
 <p:sld xmlns:a="http://schemas.openxmlformats.org/drawingml/2006/main" xmlns:r="http://schemas.openxmlformats.org/officeDocument/2006/relationships" xmlns:p="http://schemas.openxmlformats.org/presentationml/2006/main">
   <p:cSld>
     <p:spTree>
@@ -20912,7 +21072,7 @@
               <a:pPr>
                 <a:defRPr/>
               </a:pPr>
-              <a:t>32</a:t>
+              <a:t>33</a:t>
             </a:fld>
             <a:endParaRPr lang="en-US" altLang="en-US" dirty="0"/>
           </a:p>
@@ -20931,7 +21091,7 @@
 </p:sld>
 </file>
 
-<file path=ppt/slides/slide33.xml><?xml version="1.0" encoding="utf-8"?>
+<file path=ppt/slides/slide34.xml><?xml version="1.0" encoding="utf-8"?>
 <p:sld xmlns:a="http://schemas.openxmlformats.org/drawingml/2006/main" xmlns:r="http://schemas.openxmlformats.org/officeDocument/2006/relationships" xmlns:p="http://schemas.openxmlformats.org/presentationml/2006/main">
   <p:cSld>
     <p:spTree>
@@ -22173,7 +22333,7 @@
               <a:pPr>
                 <a:defRPr/>
               </a:pPr>
-              <a:t>33</a:t>
+              <a:t>34</a:t>
             </a:fld>
             <a:endParaRPr lang="en-US" altLang="en-US" dirty="0"/>
           </a:p>
